--- a/Fourier Neural Operators.pptx
+++ b/Fourier Neural Operators.pptx
@@ -5,10 +5,10 @@
     <p:sldMasterId id="2147483648" r:id="rId4"/>
   </p:sldMasterIdLst>
   <p:notesMasterIdLst>
-    <p:notesMasterId r:id="rId13"/>
+    <p:notesMasterId r:id="rId14"/>
   </p:notesMasterIdLst>
   <p:handoutMasterIdLst>
-    <p:handoutMasterId r:id="rId14"/>
+    <p:handoutMasterId r:id="rId15"/>
   </p:handoutMasterIdLst>
   <p:sldIdLst>
     <p:sldId id="256" r:id="rId5"/>
@@ -18,7 +18,8 @@
     <p:sldId id="282" r:id="rId9"/>
     <p:sldId id="287" r:id="rId10"/>
     <p:sldId id="289" r:id="rId11"/>
-    <p:sldId id="271" r:id="rId12"/>
+    <p:sldId id="290" r:id="rId12"/>
+    <p:sldId id="271" r:id="rId13"/>
   </p:sldIdLst>
   <p:sldSz cx="12192000" cy="6858000"/>
   <p:notesSz cx="6858000" cy="9144000"/>
@@ -3023,7 +3024,7 @@
           <a:p>
             <a:fld id="{B56F32FC-4BD9-442A-A8C6-51598C909FE3}" type="datetimeFigureOut">
               <a:rPr lang="en-US" smtClean="0"/>
-              <a:t>4/30/2024</a:t>
+              <a:t>5/23/2024</a:t>
             </a:fld>
             <a:endParaRPr lang="en-US" dirty="0"/>
           </a:p>
@@ -3200,7 +3201,7 @@
           <a:p>
             <a:fld id="{056371FA-A98D-41E8-93F4-09945841298A}" type="datetimeFigureOut">
               <a:rPr lang="en-US" smtClean="0"/>
-              <a:t>4/30/2024</a:t>
+              <a:t>5/23/2024</a:t>
             </a:fld>
             <a:endParaRPr lang="en-US" dirty="0"/>
           </a:p>
@@ -4121,6 +4122,90 @@
             <a:fld id="{22289C57-55D7-40A4-A101-E74FAC7A092B}" type="slidenum">
               <a:rPr lang="en-US" smtClean="0"/>
               <a:t>8</a:t>
+            </a:fld>
+            <a:endParaRPr lang="en-US" dirty="0"/>
+          </a:p>
+        </p:txBody>
+      </p:sp>
+    </p:spTree>
+    <p:extLst>
+      <p:ext uri="{BB962C8B-B14F-4D97-AF65-F5344CB8AC3E}">
+        <p14:creationId xmlns:p14="http://schemas.microsoft.com/office/powerpoint/2010/main" val="552981084"/>
+      </p:ext>
+    </p:extLst>
+  </p:cSld>
+  <p:clrMapOvr>
+    <a:masterClrMapping/>
+  </p:clrMapOvr>
+</p:notes>
+</file>
+
+<file path=ppt/notesSlides/notesSlide9.xml><?xml version="1.0" encoding="utf-8"?>
+<p:notes xmlns:a="http://schemas.openxmlformats.org/drawingml/2006/main" xmlns:r="http://schemas.openxmlformats.org/officeDocument/2006/relationships" xmlns:p="http://schemas.openxmlformats.org/presentationml/2006/main">
+  <p:cSld>
+    <p:spTree>
+      <p:nvGrpSpPr>
+        <p:cNvPr id="1" name=""/>
+        <p:cNvGrpSpPr/>
+        <p:nvPr/>
+      </p:nvGrpSpPr>
+      <p:grpSpPr>
+        <a:xfrm>
+          <a:off x="0" y="0"/>
+          <a:ext cx="0" cy="0"/>
+          <a:chOff x="0" y="0"/>
+          <a:chExt cx="0" cy="0"/>
+        </a:xfrm>
+      </p:grpSpPr>
+      <p:sp>
+        <p:nvSpPr>
+          <p:cNvPr id="2" name="Slide Image Placeholder 1"/>
+          <p:cNvSpPr>
+            <a:spLocks noGrp="1" noRot="1" noChangeAspect="1"/>
+          </p:cNvSpPr>
+          <p:nvPr>
+            <p:ph type="sldImg"/>
+          </p:nvPr>
+        </p:nvSpPr>
+        <p:spPr/>
+      </p:sp>
+      <p:sp>
+        <p:nvSpPr>
+          <p:cNvPr id="3" name="Notes Placeholder 2"/>
+          <p:cNvSpPr>
+            <a:spLocks noGrp="1"/>
+          </p:cNvSpPr>
+          <p:nvPr>
+            <p:ph type="body" idx="1"/>
+          </p:nvPr>
+        </p:nvSpPr>
+        <p:spPr/>
+        <p:txBody>
+          <a:bodyPr/>
+          <a:lstStyle/>
+          <a:p>
+            <a:endParaRPr lang="en-US" dirty="0"/>
+          </a:p>
+        </p:txBody>
+      </p:sp>
+      <p:sp>
+        <p:nvSpPr>
+          <p:cNvPr id="4" name="Slide Number Placeholder 3"/>
+          <p:cNvSpPr>
+            <a:spLocks noGrp="1"/>
+          </p:cNvSpPr>
+          <p:nvPr>
+            <p:ph type="sldNum" sz="quarter" idx="5"/>
+          </p:nvPr>
+        </p:nvSpPr>
+        <p:spPr/>
+        <p:txBody>
+          <a:bodyPr/>
+          <a:lstStyle/>
+          <a:p>
+            <a:fld id="{22289C57-55D7-40A4-A101-E74FAC7A092B}" type="slidenum">
+              <a:rPr lang="en-US" smtClean="0"/>
+              <a:t>9</a:t>
             </a:fld>
             <a:endParaRPr lang="en-US" dirty="0"/>
           </a:p>
@@ -12566,6 +12651,303 @@
           <p:cNvPr id="2" name="Title 1">
             <a:extLst>
               <a:ext uri="{FF2B5EF4-FFF2-40B4-BE49-F238E27FC236}">
+                <a16:creationId xmlns:a16="http://schemas.microsoft.com/office/drawing/2014/main" id="{8B27D9B3-B64F-656A-0D99-161A6C0F518F}"/>
+              </a:ext>
+            </a:extLst>
+          </p:cNvPr>
+          <p:cNvSpPr>
+            <a:spLocks noGrp="1"/>
+          </p:cNvSpPr>
+          <p:nvPr>
+            <p:ph type="title"/>
+          </p:nvPr>
+        </p:nvSpPr>
+        <p:spPr>
+          <a:xfrm>
+            <a:off x="1341120" y="558801"/>
+            <a:ext cx="9953308" cy="580682"/>
+          </a:xfrm>
+        </p:spPr>
+        <p:txBody>
+          <a:bodyPr/>
+          <a:lstStyle/>
+          <a:p>
+            <a:r>
+              <a:rPr lang="en-US" dirty="0"/>
+              <a:t>Troubleshooting</a:t>
+            </a:r>
+          </a:p>
+        </p:txBody>
+      </p:sp>
+      <p:sp>
+        <p:nvSpPr>
+          <p:cNvPr id="68" name="Slide Number Placeholder 67">
+            <a:extLst>
+              <a:ext uri="{FF2B5EF4-FFF2-40B4-BE49-F238E27FC236}">
+                <a16:creationId xmlns:a16="http://schemas.microsoft.com/office/drawing/2014/main" id="{AA0ACADD-CC4E-851C-DA07-C22DB97FA23E}"/>
+              </a:ext>
+            </a:extLst>
+          </p:cNvPr>
+          <p:cNvSpPr>
+            <a:spLocks noGrp="1"/>
+          </p:cNvSpPr>
+          <p:nvPr>
+            <p:ph type="sldNum" sz="quarter" idx="13"/>
+          </p:nvPr>
+        </p:nvSpPr>
+        <p:spPr>
+          <a:xfrm>
+            <a:off x="10373350" y="6356349"/>
+            <a:ext cx="987552" cy="365125"/>
+          </a:xfrm>
+        </p:spPr>
+        <p:txBody>
+          <a:bodyPr/>
+          <a:lstStyle/>
+          <a:p>
+            <a:fld id="{A49DFD55-3C28-40EF-9E31-A92D2E4017FF}" type="slidenum">
+              <a:rPr lang="en-US" smtClean="0"/>
+              <a:pPr/>
+              <a:t>8</a:t>
+            </a:fld>
+            <a:endParaRPr lang="en-US" dirty="0"/>
+          </a:p>
+        </p:txBody>
+      </p:sp>
+      <p:sp>
+        <p:nvSpPr>
+          <p:cNvPr id="4" name="Content Placeholder 3">
+            <a:extLst>
+              <a:ext uri="{FF2B5EF4-FFF2-40B4-BE49-F238E27FC236}">
+                <a16:creationId xmlns:a16="http://schemas.microsoft.com/office/drawing/2014/main" id="{AB1F8A9E-54FC-8CCB-7C5C-8B9D1002ADA2}"/>
+              </a:ext>
+            </a:extLst>
+          </p:cNvPr>
+          <p:cNvSpPr>
+            <a:spLocks noGrp="1"/>
+          </p:cNvSpPr>
+          <p:nvPr>
+            <p:ph sz="half" idx="14"/>
+          </p:nvPr>
+        </p:nvSpPr>
+        <p:spPr>
+          <a:xfrm>
+            <a:off x="1341120" y="1139483"/>
+            <a:ext cx="8920481" cy="5216865"/>
+          </a:xfrm>
+        </p:spPr>
+        <p:txBody>
+          <a:bodyPr/>
+          <a:lstStyle/>
+          <a:p>
+            <a:pPr marL="285750" indent="-285750">
+              <a:buFont typeface="Arial" panose="020B0604020202020204" pitchFamily="34" charset="0"/>
+              <a:buChar char="•"/>
+            </a:pPr>
+            <a:r>
+              <a:rPr lang="en-US" dirty="0"/>
+              <a:t>Displacement field data is fixed, and utility functions have been written to extract and format Caltech’s </a:t>
+            </a:r>
+            <a:r>
+              <a:rPr lang="en-US" dirty="0" err="1"/>
+              <a:t>matlab</a:t>
+            </a:r>
+            <a:r>
+              <a:rPr lang="en-US" dirty="0"/>
+              <a:t> data to python friendly formats.</a:t>
+            </a:r>
+          </a:p>
+          <a:p>
+            <a:pPr marL="285750" indent="-285750">
+              <a:buFont typeface="Arial" panose="020B0604020202020204" pitchFamily="34" charset="0"/>
+              <a:buChar char="•"/>
+            </a:pPr>
+            <a:r>
+              <a:rPr lang="en-US" dirty="0"/>
+              <a:t>Dataset is 400 geometries x 325 wavevectors x 6 bands = 780,000 effective samples.</a:t>
+            </a:r>
+          </a:p>
+          <a:p>
+            <a:pPr marL="285750" indent="-285750">
+              <a:buFont typeface="Arial" panose="020B0604020202020204" pitchFamily="34" charset="0"/>
+              <a:buChar char="•"/>
+            </a:pPr>
+            <a:r>
+              <a:rPr lang="en-US" dirty="0"/>
+              <a:t>Inputs are 4 panes of data, 1 pane each for a 32x32 geometry, </a:t>
+            </a:r>
+            <a:r>
+              <a:rPr lang="en-US" dirty="0" err="1"/>
+              <a:t>wavevector_x</a:t>
+            </a:r>
+            <a:r>
+              <a:rPr lang="en-US" dirty="0"/>
+              <a:t>, </a:t>
+            </a:r>
+            <a:r>
+              <a:rPr lang="en-US" dirty="0" err="1"/>
+              <a:t>wavevector_y</a:t>
+            </a:r>
+            <a:r>
+              <a:rPr lang="en-US" dirty="0"/>
+              <a:t>, and band. The latter 3 are 2D arrays of constants.</a:t>
+            </a:r>
+          </a:p>
+          <a:p>
+            <a:pPr marL="285750" indent="-285750">
+              <a:buFont typeface="Arial" panose="020B0604020202020204" pitchFamily="34" charset="0"/>
+              <a:buChar char="•"/>
+            </a:pPr>
+            <a:r>
+              <a:rPr lang="en-US" dirty="0"/>
+              <a:t>Outputs are 4 panes of data, 1 pane each for </a:t>
+            </a:r>
+            <a:r>
+              <a:rPr lang="en-US" dirty="0" err="1"/>
+              <a:t>x_real</a:t>
+            </a:r>
+            <a:r>
+              <a:rPr lang="en-US" dirty="0"/>
+              <a:t>, </a:t>
+            </a:r>
+            <a:r>
+              <a:rPr lang="en-US" dirty="0" err="1"/>
+              <a:t>x_imag</a:t>
+            </a:r>
+            <a:r>
+              <a:rPr lang="en-US" dirty="0"/>
+              <a:t>, </a:t>
+            </a:r>
+            <a:r>
+              <a:rPr lang="en-US" dirty="0" err="1"/>
+              <a:t>y_real</a:t>
+            </a:r>
+            <a:r>
+              <a:rPr lang="en-US" dirty="0"/>
+              <a:t>, </a:t>
+            </a:r>
+            <a:r>
+              <a:rPr lang="en-US" dirty="0" err="1"/>
+              <a:t>y_imag</a:t>
+            </a:r>
+            <a:r>
+              <a:rPr lang="en-US" dirty="0"/>
+              <a:t> displacement fields.</a:t>
+            </a:r>
+          </a:p>
+          <a:p>
+            <a:pPr marL="285750" indent="-285750">
+              <a:buFont typeface="Arial" panose="020B0604020202020204" pitchFamily="34" charset="0"/>
+              <a:buChar char="•"/>
+            </a:pPr>
+            <a:r>
+              <a:rPr lang="en-US" dirty="0"/>
+              <a:t>Next step is to get FNO2d working, and start training.</a:t>
+            </a:r>
+          </a:p>
+          <a:p>
+            <a:pPr marL="285750" indent="-285750">
+              <a:buFont typeface="Arial" panose="020B0604020202020204" pitchFamily="34" charset="0"/>
+              <a:buChar char="•"/>
+            </a:pPr>
+            <a:endParaRPr lang="en-US" dirty="0"/>
+          </a:p>
+        </p:txBody>
+      </p:sp>
+      <p:pic>
+        <p:nvPicPr>
+          <p:cNvPr id="6" name="Picture 5">
+            <a:extLst>
+              <a:ext uri="{FF2B5EF4-FFF2-40B4-BE49-F238E27FC236}">
+                <a16:creationId xmlns:a16="http://schemas.microsoft.com/office/drawing/2014/main" id="{35F5234F-185B-DD95-46BF-D933FD902D5B}"/>
+              </a:ext>
+            </a:extLst>
+          </p:cNvPr>
+          <p:cNvPicPr>
+            <a:picLocks noChangeAspect="1"/>
+          </p:cNvPicPr>
+          <p:nvPr/>
+        </p:nvPicPr>
+        <p:blipFill>
+          <a:blip r:embed="rId3"/>
+          <a:srcRect/>
+          <a:stretch/>
+        </p:blipFill>
+        <p:spPr>
+          <a:xfrm>
+            <a:off x="8222974" y="3661740"/>
+            <a:ext cx="3969025" cy="3196259"/>
+          </a:xfrm>
+          <a:prstGeom prst="rect">
+            <a:avLst/>
+          </a:prstGeom>
+        </p:spPr>
+      </p:pic>
+      <p:pic>
+        <p:nvPicPr>
+          <p:cNvPr id="8" name="Picture 7" descr="A yellow and purple square with a square in the middle&#10;&#10;Description automatically generated">
+            <a:extLst>
+              <a:ext uri="{FF2B5EF4-FFF2-40B4-BE49-F238E27FC236}">
+                <a16:creationId xmlns:a16="http://schemas.microsoft.com/office/drawing/2014/main" id="{5A495E85-62F1-E04C-8F46-BFDCAA0FD500}"/>
+              </a:ext>
+            </a:extLst>
+          </p:cNvPr>
+          <p:cNvPicPr>
+            <a:picLocks noChangeAspect="1"/>
+          </p:cNvPicPr>
+          <p:nvPr/>
+        </p:nvPicPr>
+        <p:blipFill>
+          <a:blip r:embed="rId4"/>
+          <a:stretch>
+            <a:fillRect/>
+          </a:stretch>
+        </p:blipFill>
+        <p:spPr>
+          <a:xfrm>
+            <a:off x="1" y="4145530"/>
+            <a:ext cx="2610678" cy="2712470"/>
+          </a:xfrm>
+          <a:prstGeom prst="rect">
+            <a:avLst/>
+          </a:prstGeom>
+        </p:spPr>
+      </p:pic>
+    </p:spTree>
+    <p:extLst>
+      <p:ext uri="{BB962C8B-B14F-4D97-AF65-F5344CB8AC3E}">
+        <p14:creationId xmlns:p14="http://schemas.microsoft.com/office/powerpoint/2010/main" val="119295080"/>
+      </p:ext>
+    </p:extLst>
+  </p:cSld>
+  <p:clrMapOvr>
+    <a:masterClrMapping/>
+  </p:clrMapOvr>
+</p:sld>
+</file>
+
+<file path=ppt/slides/slide9.xml><?xml version="1.0" encoding="utf-8"?>
+<p:sld xmlns:a="http://schemas.openxmlformats.org/drawingml/2006/main" xmlns:r="http://schemas.openxmlformats.org/officeDocument/2006/relationships" xmlns:p="http://schemas.openxmlformats.org/presentationml/2006/main">
+  <p:cSld>
+    <p:spTree>
+      <p:nvGrpSpPr>
+        <p:cNvPr id="1" name=""/>
+        <p:cNvGrpSpPr/>
+        <p:nvPr/>
+      </p:nvGrpSpPr>
+      <p:grpSpPr>
+        <a:xfrm>
+          <a:off x="0" y="0"/>
+          <a:ext cx="0" cy="0"/>
+          <a:chOff x="0" y="0"/>
+          <a:chExt cx="0" cy="0"/>
+        </a:xfrm>
+      </p:grpSpPr>
+      <p:sp>
+        <p:nvSpPr>
+          <p:cNvPr id="2" name="Title 1">
+            <a:extLst>
+              <a:ext uri="{FF2B5EF4-FFF2-40B4-BE49-F238E27FC236}">
                 <a16:creationId xmlns:a16="http://schemas.microsoft.com/office/drawing/2014/main" id="{8BDF1EDE-5423-435C-B149-87AB1BC22B83}"/>
               </a:ext>
             </a:extLst>
@@ -12658,7 +13040,7 @@
             <a:fld id="{A49DFD55-3C28-40EF-9E31-A92D2E4017FF}" type="slidenum">
               <a:rPr lang="en-US" smtClean="0"/>
               <a:pPr/>
-              <a:t>8</a:t>
+              <a:t>9</a:t>
             </a:fld>
             <a:endParaRPr lang="en-US" dirty="0"/>
           </a:p>
@@ -13469,6 +13851,23 @@
 </file>
 
 <file path=customXml/item1.xml><?xml version="1.0" encoding="utf-8"?>
+<p:properties xmlns:p="http://schemas.microsoft.com/office/2006/metadata/properties" xmlns:xsi="http://www.w3.org/2001/XMLSchema-instance" xmlns:pc="http://schemas.microsoft.com/office/infopath/2007/PartnerControls">
+  <documentManagement>
+    <_activity xmlns="5ab46313-7834-4214-aec9-155b2fe37111" xsi:nil="true"/>
+  </documentManagement>
+</p:properties>
+</file>
+
+<file path=customXml/item2.xml><?xml version="1.0" encoding="utf-8"?>
+<?mso-contentType ?>
+<FormTemplates xmlns="http://schemas.microsoft.com/sharepoint/v3/contenttype/forms">
+  <Display>DocumentLibraryForm</Display>
+  <Edit>DocumentLibraryForm</Edit>
+  <New>DocumentLibraryForm</New>
+</FormTemplates>
+</file>
+
+<file path=customXml/item3.xml><?xml version="1.0" encoding="utf-8"?>
 <ct:contentTypeSchema xmlns:ct="http://schemas.microsoft.com/office/2006/metadata/contentType" xmlns:ma="http://schemas.microsoft.com/office/2006/metadata/properties/metaAttributes" ct:_="" ma:_="" ma:contentTypeName="Document" ma:contentTypeID="0x0101008C6D81289CCC004F972E63C671B7D298" ma:contentTypeVersion="16" ma:contentTypeDescription="Create a new document." ma:contentTypeScope="" ma:versionID="c2c3315a8cb087b7f4137d6d13727adf">
   <xsd:schema xmlns:xsd="http://www.w3.org/2001/XMLSchema" xmlns:xs="http://www.w3.org/2001/XMLSchema" xmlns:p="http://schemas.microsoft.com/office/2006/metadata/properties" xmlns:ns3="5ab46313-7834-4214-aec9-155b2fe37111" xmlns:ns4="2d1aa6b7-1a0a-46e3-8f70-b6d3e32cbd9a" targetNamespace="http://schemas.microsoft.com/office/2006/metadata/properties" ma:root="true" ma:fieldsID="26aa1baf6954272560c91e9e12c661a6" ns3:_="" ns4:_="">
     <xsd:import namespace="5ab46313-7834-4214-aec9-155b2fe37111"/>
@@ -13707,24 +14106,32 @@
 </ct:contentTypeSchema>
 </file>
 
-<file path=customXml/item2.xml><?xml version="1.0" encoding="utf-8"?>
-<?mso-contentType ?>
-<FormTemplates xmlns="http://schemas.microsoft.com/sharepoint/v3/contenttype/forms">
-  <Display>DocumentLibraryForm</Display>
-  <Edit>DocumentLibraryForm</Edit>
-  <New>DocumentLibraryForm</New>
-</FormTemplates>
+<file path=customXml/itemProps1.xml><?xml version="1.0" encoding="utf-8"?>
+<ds:datastoreItem xmlns:ds="http://schemas.openxmlformats.org/officeDocument/2006/customXml" ds:itemID="{49168DCE-134F-4610-A6AA-88CEBE8D71D2}">
+  <ds:schemaRefs>
+    <ds:schemaRef ds:uri="http://schemas.microsoft.com/office/infopath/2007/PartnerControls"/>
+    <ds:schemaRef ds:uri="http://schemas.microsoft.com/office/2006/metadata/properties"/>
+    <ds:schemaRef ds:uri="http://purl.org/dc/elements/1.1/"/>
+    <ds:schemaRef ds:uri="http://purl.org/dc/dcmitype/"/>
+    <ds:schemaRef ds:uri="http://schemas.openxmlformats.org/package/2006/metadata/core-properties"/>
+    <ds:schemaRef ds:uri="http://www.w3.org/XML/1998/namespace"/>
+    <ds:schemaRef ds:uri="http://schemas.microsoft.com/office/2006/documentManagement/types"/>
+    <ds:schemaRef ds:uri="http://purl.org/dc/terms/"/>
+    <ds:schemaRef ds:uri="5ab46313-7834-4214-aec9-155b2fe37111"/>
+    <ds:schemaRef ds:uri="2d1aa6b7-1a0a-46e3-8f70-b6d3e32cbd9a"/>
+  </ds:schemaRefs>
+</ds:datastoreItem>
 </file>
 
-<file path=customXml/item3.xml><?xml version="1.0" encoding="utf-8"?>
-<p:properties xmlns:p="http://schemas.microsoft.com/office/2006/metadata/properties" xmlns:xsi="http://www.w3.org/2001/XMLSchema-instance" xmlns:pc="http://schemas.microsoft.com/office/infopath/2007/PartnerControls">
-  <documentManagement>
-    <_activity xmlns="5ab46313-7834-4214-aec9-155b2fe37111" xsi:nil="true"/>
-  </documentManagement>
-</p:properties>
+<file path=customXml/itemProps2.xml><?xml version="1.0" encoding="utf-8"?>
+<ds:datastoreItem xmlns:ds="http://schemas.openxmlformats.org/officeDocument/2006/customXml" ds:itemID="{CABF691C-888B-4061-8A6F-D5CE84A0254B}">
+  <ds:schemaRefs>
+    <ds:schemaRef ds:uri="http://schemas.microsoft.com/sharepoint/v3/contenttype/forms"/>
+  </ds:schemaRefs>
+</ds:datastoreItem>
 </file>
 
-<file path=customXml/itemProps1.xml><?xml version="1.0" encoding="utf-8"?>
+<file path=customXml/itemProps3.xml><?xml version="1.0" encoding="utf-8"?>
 <ds:datastoreItem xmlns:ds="http://schemas.openxmlformats.org/officeDocument/2006/customXml" ds:itemID="{7DFF6294-0604-41C8-8ED0-04BB72B8FEC1}">
   <ds:schemaRefs>
     <ds:schemaRef ds:uri="http://schemas.microsoft.com/office/2006/metadata/contentType"/>
@@ -13743,31 +14150,6 @@
 </ds:datastoreItem>
 </file>
 
-<file path=customXml/itemProps2.xml><?xml version="1.0" encoding="utf-8"?>
-<ds:datastoreItem xmlns:ds="http://schemas.openxmlformats.org/officeDocument/2006/customXml" ds:itemID="{CABF691C-888B-4061-8A6F-D5CE84A0254B}">
-  <ds:schemaRefs>
-    <ds:schemaRef ds:uri="http://schemas.microsoft.com/sharepoint/v3/contenttype/forms"/>
-  </ds:schemaRefs>
-</ds:datastoreItem>
-</file>
-
-<file path=customXml/itemProps3.xml><?xml version="1.0" encoding="utf-8"?>
-<ds:datastoreItem xmlns:ds="http://schemas.openxmlformats.org/officeDocument/2006/customXml" ds:itemID="{49168DCE-134F-4610-A6AA-88CEBE8D71D2}">
-  <ds:schemaRefs>
-    <ds:schemaRef ds:uri="http://schemas.microsoft.com/office/infopath/2007/PartnerControls"/>
-    <ds:schemaRef ds:uri="http://schemas.microsoft.com/office/2006/metadata/properties"/>
-    <ds:schemaRef ds:uri="http://purl.org/dc/elements/1.1/"/>
-    <ds:schemaRef ds:uri="http://purl.org/dc/dcmitype/"/>
-    <ds:schemaRef ds:uri="http://schemas.openxmlformats.org/package/2006/metadata/core-properties"/>
-    <ds:schemaRef ds:uri="http://www.w3.org/XML/1998/namespace"/>
-    <ds:schemaRef ds:uri="http://schemas.microsoft.com/office/2006/documentManagement/types"/>
-    <ds:schemaRef ds:uri="http://purl.org/dc/terms/"/>
-    <ds:schemaRef ds:uri="5ab46313-7834-4214-aec9-155b2fe37111"/>
-    <ds:schemaRef ds:uri="2d1aa6b7-1a0a-46e3-8f70-b6d3e32cbd9a"/>
-  </ds:schemaRefs>
-</ds:datastoreItem>
-</file>
-
 <file path=docMetadata/LabelInfo.xml><?xml version="1.0" encoding="utf-8"?>
 <clbl:labelList xmlns:clbl="http://schemas.microsoft.com/office/2020/mipLabelMetadata"/>
 </file>
--- a/Fourier Neural Operators.pptx
+++ b/Fourier Neural Operators.pptx
@@ -5,10 +5,10 @@
     <p:sldMasterId id="2147483648" r:id="rId4"/>
   </p:sldMasterIdLst>
   <p:notesMasterIdLst>
-    <p:notesMasterId r:id="rId14"/>
+    <p:notesMasterId r:id="rId15"/>
   </p:notesMasterIdLst>
   <p:handoutMasterIdLst>
-    <p:handoutMasterId r:id="rId15"/>
+    <p:handoutMasterId r:id="rId16"/>
   </p:handoutMasterIdLst>
   <p:sldIdLst>
     <p:sldId id="256" r:id="rId5"/>
@@ -19,7 +19,8 @@
     <p:sldId id="287" r:id="rId10"/>
     <p:sldId id="289" r:id="rId11"/>
     <p:sldId id="290" r:id="rId12"/>
-    <p:sldId id="271" r:id="rId13"/>
+    <p:sldId id="291" r:id="rId13"/>
+    <p:sldId id="271" r:id="rId14"/>
   </p:sldIdLst>
   <p:sldSz cx="12192000" cy="6858000"/>
   <p:notesSz cx="6858000" cy="9144000"/>
@@ -3024,7 +3025,7 @@
           <a:p>
             <a:fld id="{B56F32FC-4BD9-442A-A8C6-51598C909FE3}" type="datetimeFigureOut">
               <a:rPr lang="en-US" smtClean="0"/>
-              <a:t>5/23/2024</a:t>
+              <a:t>5/24/2024</a:t>
             </a:fld>
             <a:endParaRPr lang="en-US" dirty="0"/>
           </a:p>
@@ -3201,7 +3202,7 @@
           <a:p>
             <a:fld id="{056371FA-A98D-41E8-93F4-09945841298A}" type="datetimeFigureOut">
               <a:rPr lang="en-US" smtClean="0"/>
-              <a:t>5/23/2024</a:t>
+              <a:t>5/24/2024</a:t>
             </a:fld>
             <a:endParaRPr lang="en-US" dirty="0"/>
           </a:p>
@@ -3552,6 +3553,90 @@
 </p:notes>
 </file>
 
+<file path=ppt/notesSlides/notesSlide10.xml><?xml version="1.0" encoding="utf-8"?>
+<p:notes xmlns:a="http://schemas.openxmlformats.org/drawingml/2006/main" xmlns:r="http://schemas.openxmlformats.org/officeDocument/2006/relationships" xmlns:p="http://schemas.openxmlformats.org/presentationml/2006/main">
+  <p:cSld>
+    <p:spTree>
+      <p:nvGrpSpPr>
+        <p:cNvPr id="1" name=""/>
+        <p:cNvGrpSpPr/>
+        <p:nvPr/>
+      </p:nvGrpSpPr>
+      <p:grpSpPr>
+        <a:xfrm>
+          <a:off x="0" y="0"/>
+          <a:ext cx="0" cy="0"/>
+          <a:chOff x="0" y="0"/>
+          <a:chExt cx="0" cy="0"/>
+        </a:xfrm>
+      </p:grpSpPr>
+      <p:sp>
+        <p:nvSpPr>
+          <p:cNvPr id="2" name="Slide Image Placeholder 1"/>
+          <p:cNvSpPr>
+            <a:spLocks noGrp="1" noRot="1" noChangeAspect="1"/>
+          </p:cNvSpPr>
+          <p:nvPr>
+            <p:ph type="sldImg"/>
+          </p:nvPr>
+        </p:nvSpPr>
+        <p:spPr/>
+      </p:sp>
+      <p:sp>
+        <p:nvSpPr>
+          <p:cNvPr id="3" name="Notes Placeholder 2"/>
+          <p:cNvSpPr>
+            <a:spLocks noGrp="1"/>
+          </p:cNvSpPr>
+          <p:nvPr>
+            <p:ph type="body" idx="1"/>
+          </p:nvPr>
+        </p:nvSpPr>
+        <p:spPr/>
+        <p:txBody>
+          <a:bodyPr/>
+          <a:lstStyle/>
+          <a:p>
+            <a:endParaRPr lang="en-US" dirty="0"/>
+          </a:p>
+        </p:txBody>
+      </p:sp>
+      <p:sp>
+        <p:nvSpPr>
+          <p:cNvPr id="4" name="Slide Number Placeholder 3"/>
+          <p:cNvSpPr>
+            <a:spLocks noGrp="1"/>
+          </p:cNvSpPr>
+          <p:nvPr>
+            <p:ph type="sldNum" sz="quarter" idx="5"/>
+          </p:nvPr>
+        </p:nvSpPr>
+        <p:spPr/>
+        <p:txBody>
+          <a:bodyPr/>
+          <a:lstStyle/>
+          <a:p>
+            <a:fld id="{22289C57-55D7-40A4-A101-E74FAC7A092B}" type="slidenum">
+              <a:rPr lang="en-US" smtClean="0"/>
+              <a:t>10</a:t>
+            </a:fld>
+            <a:endParaRPr lang="en-US" dirty="0"/>
+          </a:p>
+        </p:txBody>
+      </p:sp>
+    </p:spTree>
+    <p:extLst>
+      <p:ext uri="{BB962C8B-B14F-4D97-AF65-F5344CB8AC3E}">
+        <p14:creationId xmlns:p14="http://schemas.microsoft.com/office/powerpoint/2010/main" val="702683811"/>
+      </p:ext>
+    </p:extLst>
+  </p:cSld>
+  <p:clrMapOvr>
+    <a:masterClrMapping/>
+  </p:clrMapOvr>
+</p:notes>
+</file>
+
 <file path=ppt/notesSlides/notesSlide2.xml><?xml version="1.0" encoding="utf-8"?>
 <p:notes xmlns:a="http://schemas.openxmlformats.org/drawingml/2006/main" xmlns:r="http://schemas.openxmlformats.org/officeDocument/2006/relationships" xmlns:p="http://schemas.openxmlformats.org/presentationml/2006/main">
   <p:cSld>
@@ -4214,7 +4299,7 @@
     </p:spTree>
     <p:extLst>
       <p:ext uri="{BB962C8B-B14F-4D97-AF65-F5344CB8AC3E}">
-        <p14:creationId xmlns:p14="http://schemas.microsoft.com/office/powerpoint/2010/main" val="702683811"/>
+        <p14:creationId xmlns:p14="http://schemas.microsoft.com/office/powerpoint/2010/main" val="1393862505"/>
       </p:ext>
     </p:extLst>
   </p:cSld>
@@ -9629,6 +9714,139 @@
     <p:extLst>
       <p:ext uri="{BB962C8B-B14F-4D97-AF65-F5344CB8AC3E}">
         <p14:creationId xmlns:p14="http://schemas.microsoft.com/office/powerpoint/2010/main" val="2586058810"/>
+      </p:ext>
+    </p:extLst>
+  </p:cSld>
+  <p:clrMapOvr>
+    <a:masterClrMapping/>
+  </p:clrMapOvr>
+</p:sld>
+</file>
+
+<file path=ppt/slides/slide10.xml><?xml version="1.0" encoding="utf-8"?>
+<p:sld xmlns:a="http://schemas.openxmlformats.org/drawingml/2006/main" xmlns:r="http://schemas.openxmlformats.org/officeDocument/2006/relationships" xmlns:p="http://schemas.openxmlformats.org/presentationml/2006/main">
+  <p:cSld>
+    <p:spTree>
+      <p:nvGrpSpPr>
+        <p:cNvPr id="1" name=""/>
+        <p:cNvGrpSpPr/>
+        <p:nvPr/>
+      </p:nvGrpSpPr>
+      <p:grpSpPr>
+        <a:xfrm>
+          <a:off x="0" y="0"/>
+          <a:ext cx="0" cy="0"/>
+          <a:chOff x="0" y="0"/>
+          <a:chExt cx="0" cy="0"/>
+        </a:xfrm>
+      </p:grpSpPr>
+      <p:sp>
+        <p:nvSpPr>
+          <p:cNvPr id="2" name="Title 1">
+            <a:extLst>
+              <a:ext uri="{FF2B5EF4-FFF2-40B4-BE49-F238E27FC236}">
+                <a16:creationId xmlns:a16="http://schemas.microsoft.com/office/drawing/2014/main" id="{8BDF1EDE-5423-435C-B149-87AB1BC22B83}"/>
+              </a:ext>
+            </a:extLst>
+          </p:cNvPr>
+          <p:cNvSpPr>
+            <a:spLocks noGrp="1"/>
+          </p:cNvSpPr>
+          <p:nvPr>
+            <p:ph type="ctrTitle"/>
+          </p:nvPr>
+        </p:nvSpPr>
+        <p:spPr>
+          <a:xfrm>
+            <a:off x="4267198" y="1615736"/>
+            <a:ext cx="6063917" cy="1524735"/>
+          </a:xfrm>
+        </p:spPr>
+        <p:txBody>
+          <a:bodyPr/>
+          <a:lstStyle/>
+          <a:p>
+            <a:r>
+              <a:rPr lang="en-US" dirty="0"/>
+              <a:t>THANK YOU, Questions?</a:t>
+            </a:r>
+          </a:p>
+        </p:txBody>
+      </p:sp>
+      <p:sp>
+        <p:nvSpPr>
+          <p:cNvPr id="3" name="Subtitle 2">
+            <a:extLst>
+              <a:ext uri="{FF2B5EF4-FFF2-40B4-BE49-F238E27FC236}">
+                <a16:creationId xmlns:a16="http://schemas.microsoft.com/office/drawing/2014/main" id="{AF64C29E-DF30-4DC6-AB95-2016F9A703B6}"/>
+              </a:ext>
+            </a:extLst>
+          </p:cNvPr>
+          <p:cNvSpPr>
+            <a:spLocks noGrp="1"/>
+          </p:cNvSpPr>
+          <p:nvPr>
+            <p:ph type="subTitle" idx="1"/>
+          </p:nvPr>
+        </p:nvSpPr>
+        <p:spPr>
+          <a:xfrm>
+            <a:off x="4267200" y="3238103"/>
+            <a:ext cx="4179570" cy="2850181"/>
+          </a:xfrm>
+        </p:spPr>
+        <p:txBody>
+          <a:bodyPr>
+            <a:noAutofit/>
+          </a:bodyPr>
+          <a:lstStyle/>
+          <a:p>
+            <a:r>
+              <a:rPr lang="en-US" dirty="0"/>
+              <a:t>Han Zhang</a:t>
+            </a:r>
+          </a:p>
+        </p:txBody>
+      </p:sp>
+      <p:sp>
+        <p:nvSpPr>
+          <p:cNvPr id="6" name="Slide Number Placeholder 5">
+            <a:extLst>
+              <a:ext uri="{FF2B5EF4-FFF2-40B4-BE49-F238E27FC236}">
+                <a16:creationId xmlns:a16="http://schemas.microsoft.com/office/drawing/2014/main" id="{4C127D99-645F-4FCF-9573-FDFE2A344FA9}"/>
+              </a:ext>
+            </a:extLst>
+          </p:cNvPr>
+          <p:cNvSpPr>
+            <a:spLocks noGrp="1"/>
+          </p:cNvSpPr>
+          <p:nvPr>
+            <p:ph type="sldNum" sz="quarter" idx="12"/>
+          </p:nvPr>
+        </p:nvSpPr>
+        <p:spPr>
+          <a:xfrm>
+            <a:off x="9579428" y="6356350"/>
+            <a:ext cx="1774371" cy="365125"/>
+          </a:xfrm>
+        </p:spPr>
+        <p:txBody>
+          <a:bodyPr/>
+          <a:lstStyle/>
+          <a:p>
+            <a:fld id="{A49DFD55-3C28-40EF-9E31-A92D2E4017FF}" type="slidenum">
+              <a:rPr lang="en-US" smtClean="0"/>
+              <a:pPr/>
+              <a:t>10</a:t>
+            </a:fld>
+            <a:endParaRPr lang="en-US" dirty="0"/>
+          </a:p>
+        </p:txBody>
+      </p:sp>
+    </p:spTree>
+    <p:extLst>
+      <p:ext uri="{BB962C8B-B14F-4D97-AF65-F5344CB8AC3E}">
+        <p14:creationId xmlns:p14="http://schemas.microsoft.com/office/powerpoint/2010/main" val="1969787568"/>
       </p:ext>
     </p:extLst>
   </p:cSld>
@@ -12674,7 +12892,7 @@
           <a:p>
             <a:r>
               <a:rPr lang="en-US" dirty="0"/>
-              <a:t>Troubleshooting</a:t>
+              <a:t>Data Prep</a:t>
             </a:r>
           </a:p>
         </p:txBody>
@@ -12835,23 +13053,6 @@
               <a:t> displacement fields.</a:t>
             </a:r>
           </a:p>
-          <a:p>
-            <a:pPr marL="285750" indent="-285750">
-              <a:buFont typeface="Arial" panose="020B0604020202020204" pitchFamily="34" charset="0"/>
-              <a:buChar char="•"/>
-            </a:pPr>
-            <a:r>
-              <a:rPr lang="en-US" dirty="0"/>
-              <a:t>Next step is to get FNO2d working, and start training.</a:t>
-            </a:r>
-          </a:p>
-          <a:p>
-            <a:pPr marL="285750" indent="-285750">
-              <a:buFont typeface="Arial" panose="020B0604020202020204" pitchFamily="34" charset="0"/>
-              <a:buChar char="•"/>
-            </a:pPr>
-            <a:endParaRPr lang="en-US" dirty="0"/>
-          </a:p>
         </p:txBody>
       </p:sp>
       <p:pic>
@@ -12875,8 +13076,8 @@
         </p:blipFill>
         <p:spPr>
           <a:xfrm>
-            <a:off x="8222974" y="3661740"/>
-            <a:ext cx="3969025" cy="3196259"/>
+            <a:off x="8046720" y="3519804"/>
+            <a:ext cx="4145279" cy="3338196"/>
           </a:xfrm>
           <a:prstGeom prst="rect">
             <a:avLst/>
@@ -12905,8 +13106,8 @@
         </p:blipFill>
         <p:spPr>
           <a:xfrm>
-            <a:off x="1" y="4145530"/>
-            <a:ext cx="2610678" cy="2712470"/>
+            <a:off x="0" y="3795907"/>
+            <a:ext cx="2947181" cy="3062093"/>
           </a:xfrm>
           <a:prstGeom prst="rect">
             <a:avLst/>
@@ -12948,7 +13149,7 @@
           <p:cNvPr id="2" name="Title 1">
             <a:extLst>
               <a:ext uri="{FF2B5EF4-FFF2-40B4-BE49-F238E27FC236}">
-                <a16:creationId xmlns:a16="http://schemas.microsoft.com/office/drawing/2014/main" id="{8BDF1EDE-5423-435C-B149-87AB1BC22B83}"/>
+                <a16:creationId xmlns:a16="http://schemas.microsoft.com/office/drawing/2014/main" id="{8B27D9B3-B64F-656A-0D99-161A6C0F518F}"/>
               </a:ext>
             </a:extLst>
           </p:cNvPr>
@@ -12956,13 +13157,13 @@
             <a:spLocks noGrp="1"/>
           </p:cNvSpPr>
           <p:nvPr>
-            <p:ph type="ctrTitle"/>
+            <p:ph type="title"/>
           </p:nvPr>
         </p:nvSpPr>
         <p:spPr>
           <a:xfrm>
-            <a:off x="4267198" y="1615736"/>
-            <a:ext cx="6063917" cy="1524735"/>
+            <a:off x="1341120" y="558801"/>
+            <a:ext cx="9953308" cy="580682"/>
           </a:xfrm>
         </p:spPr>
         <p:txBody>
@@ -12971,17 +13172,17 @@
           <a:p>
             <a:r>
               <a:rPr lang="en-US" dirty="0"/>
-              <a:t>THANK YOU, Questions?</a:t>
+              <a:t>Training</a:t>
             </a:r>
           </a:p>
         </p:txBody>
       </p:sp>
       <p:sp>
         <p:nvSpPr>
-          <p:cNvPr id="3" name="Subtitle 2">
+          <p:cNvPr id="68" name="Slide Number Placeholder 67">
             <a:extLst>
               <a:ext uri="{FF2B5EF4-FFF2-40B4-BE49-F238E27FC236}">
-                <a16:creationId xmlns:a16="http://schemas.microsoft.com/office/drawing/2014/main" id="{AF64C29E-DF30-4DC6-AB95-2016F9A703B6}"/>
+                <a16:creationId xmlns:a16="http://schemas.microsoft.com/office/drawing/2014/main" id="{AA0ACADD-CC4E-851C-DA07-C22DB97FA23E}"/>
               </a:ext>
             </a:extLst>
           </p:cNvPr>
@@ -12989,34 +13190,34 @@
             <a:spLocks noGrp="1"/>
           </p:cNvSpPr>
           <p:nvPr>
-            <p:ph type="subTitle" idx="1"/>
+            <p:ph type="sldNum" sz="quarter" idx="13"/>
           </p:nvPr>
         </p:nvSpPr>
         <p:spPr>
           <a:xfrm>
-            <a:off x="4267200" y="3238103"/>
-            <a:ext cx="4179570" cy="2850181"/>
+            <a:off x="10373350" y="6356349"/>
+            <a:ext cx="987552" cy="365125"/>
           </a:xfrm>
         </p:spPr>
         <p:txBody>
-          <a:bodyPr>
-            <a:noAutofit/>
-          </a:bodyPr>
+          <a:bodyPr/>
           <a:lstStyle/>
           <a:p>
-            <a:r>
-              <a:rPr lang="en-US" dirty="0"/>
-              <a:t>Han Zhang</a:t>
-            </a:r>
+            <a:fld id="{A49DFD55-3C28-40EF-9E31-A92D2E4017FF}" type="slidenum">
+              <a:rPr lang="en-US" smtClean="0"/>
+              <a:pPr/>
+              <a:t>9</a:t>
+            </a:fld>
+            <a:endParaRPr lang="en-US" dirty="0"/>
           </a:p>
         </p:txBody>
       </p:sp>
       <p:sp>
         <p:nvSpPr>
-          <p:cNvPr id="6" name="Slide Number Placeholder 5">
+          <p:cNvPr id="4" name="Content Placeholder 3">
             <a:extLst>
               <a:ext uri="{FF2B5EF4-FFF2-40B4-BE49-F238E27FC236}">
-                <a16:creationId xmlns:a16="http://schemas.microsoft.com/office/drawing/2014/main" id="{4C127D99-645F-4FCF-9573-FDFE2A344FA9}"/>
+                <a16:creationId xmlns:a16="http://schemas.microsoft.com/office/drawing/2014/main" id="{AB1F8A9E-54FC-8CCB-7C5C-8B9D1002ADA2}"/>
               </a:ext>
             </a:extLst>
           </p:cNvPr>
@@ -13024,32 +13225,178 @@
             <a:spLocks noGrp="1"/>
           </p:cNvSpPr>
           <p:nvPr>
-            <p:ph type="sldNum" sz="quarter" idx="12"/>
+            <p:ph sz="half" idx="14"/>
           </p:nvPr>
         </p:nvSpPr>
         <p:spPr>
           <a:xfrm>
-            <a:off x="9579428" y="6356350"/>
-            <a:ext cx="1774371" cy="365125"/>
+            <a:off x="1341120" y="1139483"/>
+            <a:ext cx="8920481" cy="1899137"/>
           </a:xfrm>
         </p:spPr>
         <p:txBody>
-          <a:bodyPr/>
+          <a:bodyPr>
+            <a:normAutofit fontScale="92500" lnSpcReduction="20000"/>
+          </a:bodyPr>
           <a:lstStyle/>
           <a:p>
-            <a:fld id="{A49DFD55-3C28-40EF-9E31-A92D2E4017FF}" type="slidenum">
-              <a:rPr lang="en-US" smtClean="0"/>
-              <a:pPr/>
-              <a:t>9</a:t>
-            </a:fld>
+            <a:pPr marL="285750" indent="-285750">
+              <a:buFont typeface="Arial" panose="020B0604020202020204" pitchFamily="34" charset="0"/>
+              <a:buChar char="•"/>
+            </a:pPr>
+            <a:r>
+              <a:rPr lang="en-US" dirty="0"/>
+              <a:t>Appears to have mode collapse, model is predicting something like the average value of the displacement field.</a:t>
+            </a:r>
+          </a:p>
+          <a:p>
+            <a:pPr marL="285750" indent="-285750">
+              <a:buFont typeface="Arial" panose="020B0604020202020204" pitchFamily="34" charset="0"/>
+              <a:buChar char="•"/>
+            </a:pPr>
+            <a:r>
+              <a:rPr lang="en-US" dirty="0"/>
+              <a:t>Model is a FNO with 1 lifting layer, 4 </a:t>
+            </a:r>
+            <a:r>
+              <a:rPr lang="en-US" dirty="0" err="1"/>
+              <a:t>fourier</a:t>
+            </a:r>
+            <a:r>
+              <a:rPr lang="en-US" dirty="0"/>
+              <a:t> layers, and 1 projection layer.</a:t>
+            </a:r>
+          </a:p>
+          <a:p>
+            <a:pPr marL="285750" indent="-285750">
+              <a:buFont typeface="Arial" panose="020B0604020202020204" pitchFamily="34" charset="0"/>
+              <a:buChar char="•"/>
+            </a:pPr>
+            <a:r>
+              <a:rPr lang="en-US" dirty="0"/>
+              <a:t>ADAM optimizer, 10 epochs, 18282 batches/epoch, 32 samples/batch, MSE loss</a:t>
+            </a:r>
+          </a:p>
+          <a:p>
+            <a:pPr marL="285750" indent="-285750">
+              <a:buFont typeface="Arial" panose="020B0604020202020204" pitchFamily="34" charset="0"/>
+              <a:buChar char="•"/>
+            </a:pPr>
+            <a:r>
+              <a:rPr lang="en-US" dirty="0"/>
+              <a:t>Next steps: normalize data before training, increase batch size to 256.</a:t>
+            </a:r>
+          </a:p>
+          <a:p>
+            <a:pPr marL="285750" indent="-285750">
+              <a:buFont typeface="Arial" panose="020B0604020202020204" pitchFamily="34" charset="0"/>
+              <a:buChar char="•"/>
+            </a:pPr>
+            <a:r>
+              <a:rPr lang="en-US" dirty="0"/>
+              <a:t>Other potential fixes: change loss function, </a:t>
+            </a:r>
+            <a:r>
+              <a:rPr lang="en-US"/>
+              <a:t>add layers.</a:t>
+            </a:r>
             <a:endParaRPr lang="en-US" dirty="0"/>
           </a:p>
         </p:txBody>
       </p:sp>
+      <p:pic>
+        <p:nvPicPr>
+          <p:cNvPr id="6" name="Picture 5">
+            <a:extLst>
+              <a:ext uri="{FF2B5EF4-FFF2-40B4-BE49-F238E27FC236}">
+                <a16:creationId xmlns:a16="http://schemas.microsoft.com/office/drawing/2014/main" id="{35F5234F-185B-DD95-46BF-D933FD902D5B}"/>
+              </a:ext>
+            </a:extLst>
+          </p:cNvPr>
+          <p:cNvPicPr>
+            <a:picLocks noChangeAspect="1"/>
+          </p:cNvPicPr>
+          <p:nvPr/>
+        </p:nvPicPr>
+        <p:blipFill>
+          <a:blip r:embed="rId3"/>
+          <a:srcRect/>
+          <a:stretch/>
+        </p:blipFill>
+        <p:spPr>
+          <a:xfrm>
+            <a:off x="8475616" y="3038623"/>
+            <a:ext cx="3716383" cy="3819378"/>
+          </a:xfrm>
+          <a:prstGeom prst="rect">
+            <a:avLst/>
+          </a:prstGeom>
+        </p:spPr>
+      </p:pic>
+      <p:pic>
+        <p:nvPicPr>
+          <p:cNvPr id="5" name="Picture 4" descr="A screenshot of a computer screen&#10;&#10;Description automatically generated">
+            <a:extLst>
+              <a:ext uri="{FF2B5EF4-FFF2-40B4-BE49-F238E27FC236}">
+                <a16:creationId xmlns:a16="http://schemas.microsoft.com/office/drawing/2014/main" id="{5C52E863-3162-99D9-3E10-D989D08B32CE}"/>
+              </a:ext>
+            </a:extLst>
+          </p:cNvPr>
+          <p:cNvPicPr>
+            <a:picLocks noChangeAspect="1"/>
+          </p:cNvPicPr>
+          <p:nvPr/>
+        </p:nvPicPr>
+        <p:blipFill>
+          <a:blip r:embed="rId4"/>
+          <a:stretch>
+            <a:fillRect/>
+          </a:stretch>
+        </p:blipFill>
+        <p:spPr>
+          <a:xfrm>
+            <a:off x="4536267" y="3038622"/>
+            <a:ext cx="3563014" cy="3819378"/>
+          </a:xfrm>
+          <a:prstGeom prst="rect">
+            <a:avLst/>
+          </a:prstGeom>
+        </p:spPr>
+      </p:pic>
+      <p:pic>
+        <p:nvPicPr>
+          <p:cNvPr id="9" name="Picture 8" descr="A screenshot of a computer screen&#10;&#10;Description automatically generated">
+            <a:extLst>
+              <a:ext uri="{FF2B5EF4-FFF2-40B4-BE49-F238E27FC236}">
+                <a16:creationId xmlns:a16="http://schemas.microsoft.com/office/drawing/2014/main" id="{324518F4-1224-CEED-72D1-19ED9FA170A8}"/>
+              </a:ext>
+            </a:extLst>
+          </p:cNvPr>
+          <p:cNvPicPr>
+            <a:picLocks noChangeAspect="1"/>
+          </p:cNvPicPr>
+          <p:nvPr/>
+        </p:nvPicPr>
+        <p:blipFill>
+          <a:blip r:embed="rId5"/>
+          <a:stretch>
+            <a:fillRect/>
+          </a:stretch>
+        </p:blipFill>
+        <p:spPr>
+          <a:xfrm>
+            <a:off x="0" y="3038620"/>
+            <a:ext cx="3497839" cy="3819379"/>
+          </a:xfrm>
+          <a:prstGeom prst="rect">
+            <a:avLst/>
+          </a:prstGeom>
+        </p:spPr>
+      </p:pic>
     </p:spTree>
     <p:extLst>
       <p:ext uri="{BB962C8B-B14F-4D97-AF65-F5344CB8AC3E}">
-        <p14:creationId xmlns:p14="http://schemas.microsoft.com/office/powerpoint/2010/main" val="1969787568"/>
+        <p14:creationId xmlns:p14="http://schemas.microsoft.com/office/powerpoint/2010/main" val="2588372954"/>
       </p:ext>
     </p:extLst>
   </p:cSld>
@@ -13851,23 +14198,6 @@
 </file>
 
 <file path=customXml/item1.xml><?xml version="1.0" encoding="utf-8"?>
-<p:properties xmlns:p="http://schemas.microsoft.com/office/2006/metadata/properties" xmlns:xsi="http://www.w3.org/2001/XMLSchema-instance" xmlns:pc="http://schemas.microsoft.com/office/infopath/2007/PartnerControls">
-  <documentManagement>
-    <_activity xmlns="5ab46313-7834-4214-aec9-155b2fe37111" xsi:nil="true"/>
-  </documentManagement>
-</p:properties>
-</file>
-
-<file path=customXml/item2.xml><?xml version="1.0" encoding="utf-8"?>
-<?mso-contentType ?>
-<FormTemplates xmlns="http://schemas.microsoft.com/sharepoint/v3/contenttype/forms">
-  <Display>DocumentLibraryForm</Display>
-  <Edit>DocumentLibraryForm</Edit>
-  <New>DocumentLibraryForm</New>
-</FormTemplates>
-</file>
-
-<file path=customXml/item3.xml><?xml version="1.0" encoding="utf-8"?>
 <ct:contentTypeSchema xmlns:ct="http://schemas.microsoft.com/office/2006/metadata/contentType" xmlns:ma="http://schemas.microsoft.com/office/2006/metadata/properties/metaAttributes" ct:_="" ma:_="" ma:contentTypeName="Document" ma:contentTypeID="0x0101008C6D81289CCC004F972E63C671B7D298" ma:contentTypeVersion="16" ma:contentTypeDescription="Create a new document." ma:contentTypeScope="" ma:versionID="c2c3315a8cb087b7f4137d6d13727adf">
   <xsd:schema xmlns:xsd="http://www.w3.org/2001/XMLSchema" xmlns:xs="http://www.w3.org/2001/XMLSchema" xmlns:p="http://schemas.microsoft.com/office/2006/metadata/properties" xmlns:ns3="5ab46313-7834-4214-aec9-155b2fe37111" xmlns:ns4="2d1aa6b7-1a0a-46e3-8f70-b6d3e32cbd9a" targetNamespace="http://schemas.microsoft.com/office/2006/metadata/properties" ma:root="true" ma:fieldsID="26aa1baf6954272560c91e9e12c661a6" ns3:_="" ns4:_="">
     <xsd:import namespace="5ab46313-7834-4214-aec9-155b2fe37111"/>
@@ -14106,32 +14436,24 @@
 </ct:contentTypeSchema>
 </file>
 
-<file path=customXml/itemProps1.xml><?xml version="1.0" encoding="utf-8"?>
-<ds:datastoreItem xmlns:ds="http://schemas.openxmlformats.org/officeDocument/2006/customXml" ds:itemID="{49168DCE-134F-4610-A6AA-88CEBE8D71D2}">
-  <ds:schemaRefs>
-    <ds:schemaRef ds:uri="http://schemas.microsoft.com/office/infopath/2007/PartnerControls"/>
-    <ds:schemaRef ds:uri="http://schemas.microsoft.com/office/2006/metadata/properties"/>
-    <ds:schemaRef ds:uri="http://purl.org/dc/elements/1.1/"/>
-    <ds:schemaRef ds:uri="http://purl.org/dc/dcmitype/"/>
-    <ds:schemaRef ds:uri="http://schemas.openxmlformats.org/package/2006/metadata/core-properties"/>
-    <ds:schemaRef ds:uri="http://www.w3.org/XML/1998/namespace"/>
-    <ds:schemaRef ds:uri="http://schemas.microsoft.com/office/2006/documentManagement/types"/>
-    <ds:schemaRef ds:uri="http://purl.org/dc/terms/"/>
-    <ds:schemaRef ds:uri="5ab46313-7834-4214-aec9-155b2fe37111"/>
-    <ds:schemaRef ds:uri="2d1aa6b7-1a0a-46e3-8f70-b6d3e32cbd9a"/>
-  </ds:schemaRefs>
-</ds:datastoreItem>
+<file path=customXml/item2.xml><?xml version="1.0" encoding="utf-8"?>
+<?mso-contentType ?>
+<FormTemplates xmlns="http://schemas.microsoft.com/sharepoint/v3/contenttype/forms">
+  <Display>DocumentLibraryForm</Display>
+  <Edit>DocumentLibraryForm</Edit>
+  <New>DocumentLibraryForm</New>
+</FormTemplates>
 </file>
 
-<file path=customXml/itemProps2.xml><?xml version="1.0" encoding="utf-8"?>
-<ds:datastoreItem xmlns:ds="http://schemas.openxmlformats.org/officeDocument/2006/customXml" ds:itemID="{CABF691C-888B-4061-8A6F-D5CE84A0254B}">
-  <ds:schemaRefs>
-    <ds:schemaRef ds:uri="http://schemas.microsoft.com/sharepoint/v3/contenttype/forms"/>
-  </ds:schemaRefs>
-</ds:datastoreItem>
+<file path=customXml/item3.xml><?xml version="1.0" encoding="utf-8"?>
+<p:properties xmlns:p="http://schemas.microsoft.com/office/2006/metadata/properties" xmlns:xsi="http://www.w3.org/2001/XMLSchema-instance" xmlns:pc="http://schemas.microsoft.com/office/infopath/2007/PartnerControls">
+  <documentManagement>
+    <_activity xmlns="5ab46313-7834-4214-aec9-155b2fe37111" xsi:nil="true"/>
+  </documentManagement>
+</p:properties>
 </file>
 
-<file path=customXml/itemProps3.xml><?xml version="1.0" encoding="utf-8"?>
+<file path=customXml/itemProps1.xml><?xml version="1.0" encoding="utf-8"?>
 <ds:datastoreItem xmlns:ds="http://schemas.openxmlformats.org/officeDocument/2006/customXml" ds:itemID="{7DFF6294-0604-41C8-8ED0-04BB72B8FEC1}">
   <ds:schemaRefs>
     <ds:schemaRef ds:uri="http://schemas.microsoft.com/office/2006/metadata/contentType"/>
@@ -14150,6 +14472,31 @@
 </ds:datastoreItem>
 </file>
 
+<file path=customXml/itemProps2.xml><?xml version="1.0" encoding="utf-8"?>
+<ds:datastoreItem xmlns:ds="http://schemas.openxmlformats.org/officeDocument/2006/customXml" ds:itemID="{CABF691C-888B-4061-8A6F-D5CE84A0254B}">
+  <ds:schemaRefs>
+    <ds:schemaRef ds:uri="http://schemas.microsoft.com/sharepoint/v3/contenttype/forms"/>
+  </ds:schemaRefs>
+</ds:datastoreItem>
+</file>
+
+<file path=customXml/itemProps3.xml><?xml version="1.0" encoding="utf-8"?>
+<ds:datastoreItem xmlns:ds="http://schemas.openxmlformats.org/officeDocument/2006/customXml" ds:itemID="{49168DCE-134F-4610-A6AA-88CEBE8D71D2}">
+  <ds:schemaRefs>
+    <ds:schemaRef ds:uri="http://schemas.microsoft.com/office/infopath/2007/PartnerControls"/>
+    <ds:schemaRef ds:uri="http://schemas.microsoft.com/office/2006/metadata/properties"/>
+    <ds:schemaRef ds:uri="http://purl.org/dc/elements/1.1/"/>
+    <ds:schemaRef ds:uri="http://purl.org/dc/dcmitype/"/>
+    <ds:schemaRef ds:uri="http://schemas.openxmlformats.org/package/2006/metadata/core-properties"/>
+    <ds:schemaRef ds:uri="http://www.w3.org/XML/1998/namespace"/>
+    <ds:schemaRef ds:uri="http://schemas.microsoft.com/office/2006/documentManagement/types"/>
+    <ds:schemaRef ds:uri="http://purl.org/dc/terms/"/>
+    <ds:schemaRef ds:uri="5ab46313-7834-4214-aec9-155b2fe37111"/>
+    <ds:schemaRef ds:uri="2d1aa6b7-1a0a-46e3-8f70-b6d3e32cbd9a"/>
+  </ds:schemaRefs>
+</ds:datastoreItem>
+</file>
+
 <file path=docMetadata/LabelInfo.xml><?xml version="1.0" encoding="utf-8"?>
 <clbl:labelList xmlns:clbl="http://schemas.microsoft.com/office/2020/mipLabelMetadata"/>
 </file>
--- a/Fourier Neural Operators.pptx
+++ b/Fourier Neural Operators.pptx
@@ -5,10 +5,10 @@
     <p:sldMasterId id="2147483648" r:id="rId4"/>
   </p:sldMasterIdLst>
   <p:notesMasterIdLst>
-    <p:notesMasterId r:id="rId15"/>
+    <p:notesMasterId r:id="rId16"/>
   </p:notesMasterIdLst>
   <p:handoutMasterIdLst>
-    <p:handoutMasterId r:id="rId16"/>
+    <p:handoutMasterId r:id="rId17"/>
   </p:handoutMasterIdLst>
   <p:sldIdLst>
     <p:sldId id="256" r:id="rId5"/>
@@ -20,7 +20,8 @@
     <p:sldId id="289" r:id="rId11"/>
     <p:sldId id="290" r:id="rId12"/>
     <p:sldId id="291" r:id="rId13"/>
-    <p:sldId id="271" r:id="rId14"/>
+    <p:sldId id="292" r:id="rId14"/>
+    <p:sldId id="271" r:id="rId15"/>
   </p:sldIdLst>
   <p:sldSz cx="12192000" cy="6858000"/>
   <p:notesSz cx="6858000" cy="9144000"/>
@@ -3025,7 +3026,7 @@
           <a:p>
             <a:fld id="{B56F32FC-4BD9-442A-A8C6-51598C909FE3}" type="datetimeFigureOut">
               <a:rPr lang="en-US" smtClean="0"/>
-              <a:t>5/24/2024</a:t>
+              <a:t>6/14/2024</a:t>
             </a:fld>
             <a:endParaRPr lang="en-US" dirty="0"/>
           </a:p>
@@ -3202,7 +3203,7 @@
           <a:p>
             <a:fld id="{056371FA-A98D-41E8-93F4-09945841298A}" type="datetimeFigureOut">
               <a:rPr lang="en-US" smtClean="0"/>
-              <a:t>5/24/2024</a:t>
+              <a:t>6/14/2024</a:t>
             </a:fld>
             <a:endParaRPr lang="en-US" dirty="0"/>
           </a:p>
@@ -3619,6 +3620,90 @@
             <a:fld id="{22289C57-55D7-40A4-A101-E74FAC7A092B}" type="slidenum">
               <a:rPr lang="en-US" smtClean="0"/>
               <a:t>10</a:t>
+            </a:fld>
+            <a:endParaRPr lang="en-US" dirty="0"/>
+          </a:p>
+        </p:txBody>
+      </p:sp>
+    </p:spTree>
+    <p:extLst>
+      <p:ext uri="{BB962C8B-B14F-4D97-AF65-F5344CB8AC3E}">
+        <p14:creationId xmlns:p14="http://schemas.microsoft.com/office/powerpoint/2010/main" val="425801007"/>
+      </p:ext>
+    </p:extLst>
+  </p:cSld>
+  <p:clrMapOvr>
+    <a:masterClrMapping/>
+  </p:clrMapOvr>
+</p:notes>
+</file>
+
+<file path=ppt/notesSlides/notesSlide11.xml><?xml version="1.0" encoding="utf-8"?>
+<p:notes xmlns:a="http://schemas.openxmlformats.org/drawingml/2006/main" xmlns:r="http://schemas.openxmlformats.org/officeDocument/2006/relationships" xmlns:p="http://schemas.openxmlformats.org/presentationml/2006/main">
+  <p:cSld>
+    <p:spTree>
+      <p:nvGrpSpPr>
+        <p:cNvPr id="1" name=""/>
+        <p:cNvGrpSpPr/>
+        <p:nvPr/>
+      </p:nvGrpSpPr>
+      <p:grpSpPr>
+        <a:xfrm>
+          <a:off x="0" y="0"/>
+          <a:ext cx="0" cy="0"/>
+          <a:chOff x="0" y="0"/>
+          <a:chExt cx="0" cy="0"/>
+        </a:xfrm>
+      </p:grpSpPr>
+      <p:sp>
+        <p:nvSpPr>
+          <p:cNvPr id="2" name="Slide Image Placeholder 1"/>
+          <p:cNvSpPr>
+            <a:spLocks noGrp="1" noRot="1" noChangeAspect="1"/>
+          </p:cNvSpPr>
+          <p:nvPr>
+            <p:ph type="sldImg"/>
+          </p:nvPr>
+        </p:nvSpPr>
+        <p:spPr/>
+      </p:sp>
+      <p:sp>
+        <p:nvSpPr>
+          <p:cNvPr id="3" name="Notes Placeholder 2"/>
+          <p:cNvSpPr>
+            <a:spLocks noGrp="1"/>
+          </p:cNvSpPr>
+          <p:nvPr>
+            <p:ph type="body" idx="1"/>
+          </p:nvPr>
+        </p:nvSpPr>
+        <p:spPr/>
+        <p:txBody>
+          <a:bodyPr/>
+          <a:lstStyle/>
+          <a:p>
+            <a:endParaRPr lang="en-US" dirty="0"/>
+          </a:p>
+        </p:txBody>
+      </p:sp>
+      <p:sp>
+        <p:nvSpPr>
+          <p:cNvPr id="4" name="Slide Number Placeholder 3"/>
+          <p:cNvSpPr>
+            <a:spLocks noGrp="1"/>
+          </p:cNvSpPr>
+          <p:nvPr>
+            <p:ph type="sldNum" sz="quarter" idx="5"/>
+          </p:nvPr>
+        </p:nvSpPr>
+        <p:spPr/>
+        <p:txBody>
+          <a:bodyPr/>
+          <a:lstStyle/>
+          <a:p>
+            <a:fld id="{22289C57-55D7-40A4-A101-E74FAC7A092B}" type="slidenum">
+              <a:rPr lang="en-US" smtClean="0"/>
+              <a:t>11</a:t>
             </a:fld>
             <a:endParaRPr lang="en-US" dirty="0"/>
           </a:p>
@@ -9745,6 +9830,504 @@
           <p:cNvPr id="2" name="Title 1">
             <a:extLst>
               <a:ext uri="{FF2B5EF4-FFF2-40B4-BE49-F238E27FC236}">
+                <a16:creationId xmlns:a16="http://schemas.microsoft.com/office/drawing/2014/main" id="{8B27D9B3-B64F-656A-0D99-161A6C0F518F}"/>
+              </a:ext>
+            </a:extLst>
+          </p:cNvPr>
+          <p:cNvSpPr>
+            <a:spLocks noGrp="1"/>
+          </p:cNvSpPr>
+          <p:nvPr>
+            <p:ph type="title"/>
+          </p:nvPr>
+        </p:nvSpPr>
+        <p:spPr>
+          <a:xfrm>
+            <a:off x="1341120" y="558801"/>
+            <a:ext cx="9953308" cy="580682"/>
+          </a:xfrm>
+        </p:spPr>
+        <p:txBody>
+          <a:bodyPr/>
+          <a:lstStyle/>
+          <a:p>
+            <a:r>
+              <a:rPr lang="en-US" dirty="0"/>
+              <a:t>Data Representation</a:t>
+            </a:r>
+          </a:p>
+        </p:txBody>
+      </p:sp>
+      <p:sp>
+        <p:nvSpPr>
+          <p:cNvPr id="68" name="Slide Number Placeholder 67">
+            <a:extLst>
+              <a:ext uri="{FF2B5EF4-FFF2-40B4-BE49-F238E27FC236}">
+                <a16:creationId xmlns:a16="http://schemas.microsoft.com/office/drawing/2014/main" id="{AA0ACADD-CC4E-851C-DA07-C22DB97FA23E}"/>
+              </a:ext>
+            </a:extLst>
+          </p:cNvPr>
+          <p:cNvSpPr>
+            <a:spLocks noGrp="1"/>
+          </p:cNvSpPr>
+          <p:nvPr>
+            <p:ph type="sldNum" sz="quarter" idx="13"/>
+          </p:nvPr>
+        </p:nvSpPr>
+        <p:spPr>
+          <a:xfrm>
+            <a:off x="10373350" y="6356349"/>
+            <a:ext cx="987552" cy="365125"/>
+          </a:xfrm>
+        </p:spPr>
+        <p:txBody>
+          <a:bodyPr/>
+          <a:lstStyle/>
+          <a:p>
+            <a:fld id="{A49DFD55-3C28-40EF-9E31-A92D2E4017FF}" type="slidenum">
+              <a:rPr lang="en-US" smtClean="0"/>
+              <a:pPr/>
+              <a:t>10</a:t>
+            </a:fld>
+            <a:endParaRPr lang="en-US" dirty="0"/>
+          </a:p>
+        </p:txBody>
+      </p:sp>
+      <p:sp>
+        <p:nvSpPr>
+          <p:cNvPr id="4" name="Content Placeholder 3">
+            <a:extLst>
+              <a:ext uri="{FF2B5EF4-FFF2-40B4-BE49-F238E27FC236}">
+                <a16:creationId xmlns:a16="http://schemas.microsoft.com/office/drawing/2014/main" id="{AB1F8A9E-54FC-8CCB-7C5C-8B9D1002ADA2}"/>
+              </a:ext>
+            </a:extLst>
+          </p:cNvPr>
+          <p:cNvSpPr>
+            <a:spLocks noGrp="1"/>
+          </p:cNvSpPr>
+          <p:nvPr>
+            <p:ph sz="half" idx="14"/>
+          </p:nvPr>
+        </p:nvSpPr>
+        <p:spPr>
+          <a:xfrm>
+            <a:off x="1341120" y="1139482"/>
+            <a:ext cx="8920481" cy="3079261"/>
+          </a:xfrm>
+        </p:spPr>
+        <p:txBody>
+          <a:bodyPr>
+            <a:normAutofit fontScale="92500"/>
+          </a:bodyPr>
+          <a:lstStyle/>
+          <a:p>
+            <a:pPr marL="285750" indent="-285750">
+              <a:buFont typeface="Arial" panose="020B0604020202020204" pitchFamily="34" charset="0"/>
+              <a:buChar char="•"/>
+            </a:pPr>
+            <a:r>
+              <a:rPr lang="en-US" dirty="0"/>
+              <a:t>Revised hypothesis: because there are layers in the FNO which are doing spectral transforms, the constant panes are being reduced in information to just one pixel (one non-zero frequency), and the rest of the 2D FFT array are just 0s. Worse, the different wavevectors end up being scaled versions of each other, meaning they’re interacting with the same weights, rather than different weights in the FNO.</a:t>
+            </a:r>
+          </a:p>
+          <a:p>
+            <a:pPr marL="285750" indent="-285750">
+              <a:buFont typeface="Arial" panose="020B0604020202020204" pitchFamily="34" charset="0"/>
+              <a:buChar char="•"/>
+            </a:pPr>
+            <a:r>
+              <a:rPr lang="en-US" dirty="0"/>
+              <a:t>Revised inputs are sinusoids with spatial frequencies of wavevector const, or band const, such that their FFT transforms are much richer representations, and different wavevector/band values activate different weights in the model.</a:t>
+            </a:r>
+          </a:p>
+          <a:p>
+            <a:pPr marL="285750" indent="-285750">
+              <a:buFont typeface="Arial" panose="020B0604020202020204" pitchFamily="34" charset="0"/>
+              <a:buChar char="•"/>
+            </a:pPr>
+            <a:r>
+              <a:rPr lang="en-US" dirty="0"/>
+              <a:t>Training now showing decreasing loss per batch/epoch. </a:t>
+            </a:r>
+          </a:p>
+          <a:p>
+            <a:pPr marL="285750" indent="-285750">
+              <a:buFont typeface="Arial" panose="020B0604020202020204" pitchFamily="34" charset="0"/>
+              <a:buChar char="•"/>
+            </a:pPr>
+            <a:r>
+              <a:rPr lang="en-US" dirty="0"/>
+              <a:t>Might need more/better hardware. ~1 epoch/day currently.</a:t>
+            </a:r>
+          </a:p>
+        </p:txBody>
+      </p:sp>
+      <p:pic>
+        <p:nvPicPr>
+          <p:cNvPr id="6" name="Picture 5">
+            <a:extLst>
+              <a:ext uri="{FF2B5EF4-FFF2-40B4-BE49-F238E27FC236}">
+                <a16:creationId xmlns:a16="http://schemas.microsoft.com/office/drawing/2014/main" id="{35F5234F-185B-DD95-46BF-D933FD902D5B}"/>
+              </a:ext>
+            </a:extLst>
+          </p:cNvPr>
+          <p:cNvPicPr>
+            <a:picLocks noChangeAspect="1"/>
+          </p:cNvPicPr>
+          <p:nvPr/>
+        </p:nvPicPr>
+        <p:blipFill>
+          <a:blip r:embed="rId3"/>
+          <a:srcRect/>
+          <a:stretch/>
+        </p:blipFill>
+        <p:spPr>
+          <a:xfrm>
+            <a:off x="5401994" y="4958518"/>
+            <a:ext cx="6790006" cy="1899482"/>
+          </a:xfrm>
+          <a:prstGeom prst="rect">
+            <a:avLst/>
+          </a:prstGeom>
+        </p:spPr>
+      </p:pic>
+      <p:pic>
+        <p:nvPicPr>
+          <p:cNvPr id="5" name="Picture 4">
+            <a:extLst>
+              <a:ext uri="{FF2B5EF4-FFF2-40B4-BE49-F238E27FC236}">
+                <a16:creationId xmlns:a16="http://schemas.microsoft.com/office/drawing/2014/main" id="{5C52E863-3162-99D9-3E10-D989D08B32CE}"/>
+              </a:ext>
+            </a:extLst>
+          </p:cNvPr>
+          <p:cNvPicPr>
+            <a:picLocks noChangeAspect="1"/>
+          </p:cNvPicPr>
+          <p:nvPr/>
+        </p:nvPicPr>
+        <p:blipFill>
+          <a:blip r:embed="rId4"/>
+          <a:srcRect/>
+          <a:stretch/>
+        </p:blipFill>
+        <p:spPr>
+          <a:xfrm>
+            <a:off x="-1" y="5029200"/>
+            <a:ext cx="5033980" cy="1828800"/>
+          </a:xfrm>
+          <a:prstGeom prst="rect">
+            <a:avLst/>
+          </a:prstGeom>
+        </p:spPr>
+      </p:pic>
+      <p:sp>
+        <p:nvSpPr>
+          <p:cNvPr id="3" name="TextBox 2">
+            <a:extLst>
+              <a:ext uri="{FF2B5EF4-FFF2-40B4-BE49-F238E27FC236}">
+                <a16:creationId xmlns:a16="http://schemas.microsoft.com/office/drawing/2014/main" id="{0B1F46CB-F542-B406-1F47-5B38A3D49C6C}"/>
+              </a:ext>
+            </a:extLst>
+          </p:cNvPr>
+          <p:cNvSpPr txBox="1"/>
+          <p:nvPr/>
+        </p:nvSpPr>
+        <p:spPr>
+          <a:xfrm>
+            <a:off x="210243" y="4619964"/>
+            <a:ext cx="1363856" cy="338554"/>
+          </a:xfrm>
+          <a:prstGeom prst="rect">
+            <a:avLst/>
+          </a:prstGeom>
+          <a:noFill/>
+        </p:spPr>
+        <p:txBody>
+          <a:bodyPr wrap="square" rtlCol="0">
+            <a:spAutoFit/>
+          </a:bodyPr>
+          <a:lstStyle/>
+          <a:p>
+            <a:r>
+              <a:rPr lang="en-US" sz="1600" dirty="0"/>
+              <a:t>Sample Input</a:t>
+            </a:r>
+          </a:p>
+        </p:txBody>
+      </p:sp>
+      <p:sp>
+        <p:nvSpPr>
+          <p:cNvPr id="7" name="TextBox 6">
+            <a:extLst>
+              <a:ext uri="{FF2B5EF4-FFF2-40B4-BE49-F238E27FC236}">
+                <a16:creationId xmlns:a16="http://schemas.microsoft.com/office/drawing/2014/main" id="{85E94D1D-6BB2-5C6D-7898-3B74957449A8}"/>
+              </a:ext>
+            </a:extLst>
+          </p:cNvPr>
+          <p:cNvSpPr txBox="1"/>
+          <p:nvPr/>
+        </p:nvSpPr>
+        <p:spPr>
+          <a:xfrm>
+            <a:off x="5563725" y="4632518"/>
+            <a:ext cx="1508097" cy="338554"/>
+          </a:xfrm>
+          <a:prstGeom prst="rect">
+            <a:avLst/>
+          </a:prstGeom>
+          <a:noFill/>
+        </p:spPr>
+        <p:txBody>
+          <a:bodyPr wrap="square" rtlCol="0">
+            <a:spAutoFit/>
+          </a:bodyPr>
+          <a:lstStyle/>
+          <a:p>
+            <a:r>
+              <a:rPr lang="en-US" sz="1600" dirty="0"/>
+              <a:t>Sample Output</a:t>
+            </a:r>
+          </a:p>
+        </p:txBody>
+      </p:sp>
+      <p:pic>
+        <p:nvPicPr>
+          <p:cNvPr id="10" name="Picture 9" descr="A screenshot of a computer screen&#10;&#10;Description automatically generated">
+            <a:extLst>
+              <a:ext uri="{FF2B5EF4-FFF2-40B4-BE49-F238E27FC236}">
+                <a16:creationId xmlns:a16="http://schemas.microsoft.com/office/drawing/2014/main" id="{7B449C73-02B7-22A0-0840-B1AF697A1216}"/>
+              </a:ext>
+            </a:extLst>
+          </p:cNvPr>
+          <p:cNvPicPr>
+            <a:picLocks noChangeAspect="1"/>
+          </p:cNvPicPr>
+          <p:nvPr/>
+        </p:nvPicPr>
+        <p:blipFill rotWithShape="1">
+          <a:blip r:embed="rId5"/>
+          <a:srcRect t="60410" r="13789"/>
+          <a:stretch/>
+        </p:blipFill>
+        <p:spPr>
+          <a:xfrm>
+            <a:off x="7732680" y="3468713"/>
+            <a:ext cx="2634429" cy="1320992"/>
+          </a:xfrm>
+          <a:prstGeom prst="rect">
+            <a:avLst/>
+          </a:prstGeom>
+        </p:spPr>
+      </p:pic>
+      <p:pic>
+        <p:nvPicPr>
+          <p:cNvPr id="12" name="Picture 11" descr="A screenshot of a computer screen&#10;&#10;Description automatically generated">
+            <a:extLst>
+              <a:ext uri="{FF2B5EF4-FFF2-40B4-BE49-F238E27FC236}">
+                <a16:creationId xmlns:a16="http://schemas.microsoft.com/office/drawing/2014/main" id="{1CB276A0-E568-BC2C-F594-EF1F11B5E4A9}"/>
+              </a:ext>
+            </a:extLst>
+          </p:cNvPr>
+          <p:cNvPicPr>
+            <a:picLocks noChangeAspect="1"/>
+          </p:cNvPicPr>
+          <p:nvPr/>
+        </p:nvPicPr>
+        <p:blipFill rotWithShape="1">
+          <a:blip r:embed="rId5"/>
+          <a:srcRect l="45614" t="15783" r="14125" b="50442"/>
+          <a:stretch/>
+        </p:blipFill>
+        <p:spPr>
+          <a:xfrm>
+            <a:off x="10922459" y="3592730"/>
+            <a:ext cx="1228578" cy="1125416"/>
+          </a:xfrm>
+          <a:prstGeom prst="rect">
+            <a:avLst/>
+          </a:prstGeom>
+        </p:spPr>
+      </p:pic>
+      <p:pic>
+        <p:nvPicPr>
+          <p:cNvPr id="13" name="Picture 12" descr="A screenshot of a computer screen&#10;&#10;Description automatically generated">
+            <a:extLst>
+              <a:ext uri="{FF2B5EF4-FFF2-40B4-BE49-F238E27FC236}">
+                <a16:creationId xmlns:a16="http://schemas.microsoft.com/office/drawing/2014/main" id="{8F2BB873-2A5B-F340-734B-6288CE783E49}"/>
+              </a:ext>
+            </a:extLst>
+          </p:cNvPr>
+          <p:cNvPicPr>
+            <a:picLocks noChangeAspect="1"/>
+          </p:cNvPicPr>
+          <p:nvPr/>
+        </p:nvPicPr>
+        <p:blipFill rotWithShape="1">
+          <a:blip r:embed="rId5"/>
+          <a:srcRect l="28259" t="79565" r="69595" b="18748"/>
+          <a:stretch/>
+        </p:blipFill>
+        <p:spPr>
+          <a:xfrm>
+            <a:off x="11453559" y="4106096"/>
+            <a:ext cx="65559" cy="56274"/>
+          </a:xfrm>
+          <a:prstGeom prst="rect">
+            <a:avLst/>
+          </a:prstGeom>
+        </p:spPr>
+      </p:pic>
+      <p:sp>
+        <p:nvSpPr>
+          <p:cNvPr id="14" name="Arrow: Right 13">
+            <a:extLst>
+              <a:ext uri="{FF2B5EF4-FFF2-40B4-BE49-F238E27FC236}">
+                <a16:creationId xmlns:a16="http://schemas.microsoft.com/office/drawing/2014/main" id="{2EC8BD0C-6A86-CAC9-6F47-876E327B36F9}"/>
+              </a:ext>
+            </a:extLst>
+          </p:cNvPr>
+          <p:cNvSpPr/>
+          <p:nvPr/>
+        </p:nvSpPr>
+        <p:spPr>
+          <a:xfrm>
+            <a:off x="10344111" y="4049930"/>
+            <a:ext cx="531100" cy="168813"/>
+          </a:xfrm>
+          <a:prstGeom prst="rightArrow">
+            <a:avLst/>
+          </a:prstGeom>
+        </p:spPr>
+        <p:style>
+          <a:lnRef idx="2">
+            <a:schemeClr val="accent1">
+              <a:shade val="15000"/>
+            </a:schemeClr>
+          </a:lnRef>
+          <a:fillRef idx="1">
+            <a:schemeClr val="accent1"/>
+          </a:fillRef>
+          <a:effectRef idx="0">
+            <a:schemeClr val="accent1"/>
+          </a:effectRef>
+          <a:fontRef idx="minor">
+            <a:schemeClr val="lt1"/>
+          </a:fontRef>
+        </p:style>
+        <p:txBody>
+          <a:bodyPr rtlCol="0" anchor="ctr"/>
+          <a:lstStyle/>
+          <a:p>
+            <a:pPr algn="ctr"/>
+            <a:endParaRPr lang="en-US"/>
+          </a:p>
+        </p:txBody>
+      </p:sp>
+      <p:sp>
+        <p:nvSpPr>
+          <p:cNvPr id="16" name="TextBox 15">
+            <a:extLst>
+              <a:ext uri="{FF2B5EF4-FFF2-40B4-BE49-F238E27FC236}">
+                <a16:creationId xmlns:a16="http://schemas.microsoft.com/office/drawing/2014/main" id="{69B48D8E-A249-6156-2EF8-A882A73A228E}"/>
+              </a:ext>
+            </a:extLst>
+          </p:cNvPr>
+          <p:cNvSpPr txBox="1"/>
+          <p:nvPr/>
+        </p:nvSpPr>
+        <p:spPr>
+          <a:xfrm>
+            <a:off x="11027967" y="3684170"/>
+            <a:ext cx="237222" cy="369332"/>
+          </a:xfrm>
+          <a:prstGeom prst="rect">
+            <a:avLst/>
+          </a:prstGeom>
+          <a:noFill/>
+        </p:spPr>
+        <p:txBody>
+          <a:bodyPr wrap="square" rtlCol="0">
+            <a:spAutoFit/>
+          </a:bodyPr>
+          <a:lstStyle/>
+          <a:p>
+            <a:r>
+              <a:rPr lang="en-US" dirty="0"/>
+              <a:t>0</a:t>
+            </a:r>
+          </a:p>
+        </p:txBody>
+      </p:sp>
+      <p:sp>
+        <p:nvSpPr>
+          <p:cNvPr id="17" name="TextBox 16">
+            <a:extLst>
+              <a:ext uri="{FF2B5EF4-FFF2-40B4-BE49-F238E27FC236}">
+                <a16:creationId xmlns:a16="http://schemas.microsoft.com/office/drawing/2014/main" id="{C4463C09-E972-37B2-CD22-C0A8659F2662}"/>
+              </a:ext>
+            </a:extLst>
+          </p:cNvPr>
+          <p:cNvSpPr txBox="1"/>
+          <p:nvPr/>
+        </p:nvSpPr>
+        <p:spPr>
+          <a:xfrm>
+            <a:off x="10290540" y="3761543"/>
+            <a:ext cx="584671" cy="369332"/>
+          </a:xfrm>
+          <a:prstGeom prst="rect">
+            <a:avLst/>
+          </a:prstGeom>
+          <a:noFill/>
+        </p:spPr>
+        <p:txBody>
+          <a:bodyPr wrap="square" rtlCol="0">
+            <a:spAutoFit/>
+          </a:bodyPr>
+          <a:lstStyle/>
+          <a:p>
+            <a:r>
+              <a:rPr lang="en-US" dirty="0"/>
+              <a:t>FFT</a:t>
+            </a:r>
+          </a:p>
+        </p:txBody>
+      </p:sp>
+    </p:spTree>
+    <p:extLst>
+      <p:ext uri="{BB962C8B-B14F-4D97-AF65-F5344CB8AC3E}">
+        <p14:creationId xmlns:p14="http://schemas.microsoft.com/office/powerpoint/2010/main" val="2823729841"/>
+      </p:ext>
+    </p:extLst>
+  </p:cSld>
+  <p:clrMapOvr>
+    <a:masterClrMapping/>
+  </p:clrMapOvr>
+</p:sld>
+</file>
+
+<file path=ppt/slides/slide11.xml><?xml version="1.0" encoding="utf-8"?>
+<p:sld xmlns:a="http://schemas.openxmlformats.org/drawingml/2006/main" xmlns:r="http://schemas.openxmlformats.org/officeDocument/2006/relationships" xmlns:p="http://schemas.openxmlformats.org/presentationml/2006/main">
+  <p:cSld>
+    <p:spTree>
+      <p:nvGrpSpPr>
+        <p:cNvPr id="1" name=""/>
+        <p:cNvGrpSpPr/>
+        <p:nvPr/>
+      </p:nvGrpSpPr>
+      <p:grpSpPr>
+        <a:xfrm>
+          <a:off x="0" y="0"/>
+          <a:ext cx="0" cy="0"/>
+          <a:chOff x="0" y="0"/>
+          <a:chExt cx="0" cy="0"/>
+        </a:xfrm>
+      </p:grpSpPr>
+      <p:sp>
+        <p:nvSpPr>
+          <p:cNvPr id="2" name="Title 1">
+            <a:extLst>
+              <a:ext uri="{FF2B5EF4-FFF2-40B4-BE49-F238E27FC236}">
                 <a16:creationId xmlns:a16="http://schemas.microsoft.com/office/drawing/2014/main" id="{8BDF1EDE-5423-435C-B149-87AB1BC22B83}"/>
               </a:ext>
             </a:extLst>
@@ -9837,7 +10420,7 @@
             <a:fld id="{A49DFD55-3C28-40EF-9E31-A92D2E4017FF}" type="slidenum">
               <a:rPr lang="en-US" smtClean="0"/>
               <a:pPr/>
-              <a:t>10</a:t>
+              <a:t>11</a:t>
             </a:fld>
             <a:endParaRPr lang="en-US" dirty="0"/>
           </a:p>
@@ -13256,15 +13839,7 @@
             </a:pPr>
             <a:r>
               <a:rPr lang="en-US" dirty="0"/>
-              <a:t>Model is a FNO with 1 lifting layer, 4 </a:t>
-            </a:r>
-            <a:r>
-              <a:rPr lang="en-US" dirty="0" err="1"/>
-              <a:t>fourier</a:t>
-            </a:r>
-            <a:r>
-              <a:rPr lang="en-US" dirty="0"/>
-              <a:t> layers, and 1 projection layer.</a:t>
+              <a:t>Model is a FNO with 1 lifting layer, 4 Fourier layers, and 1 projection layer.</a:t>
             </a:r>
           </a:p>
           <a:p>
@@ -13294,13 +13869,8 @@
             </a:pPr>
             <a:r>
               <a:rPr lang="en-US" dirty="0"/>
-              <a:t>Other potential fixes: change loss function, </a:t>
-            </a:r>
-            <a:r>
-              <a:rPr lang="en-US"/>
-              <a:t>add layers.</a:t>
-            </a:r>
-            <a:endParaRPr lang="en-US" dirty="0"/>
+              <a:t>Other potential fixes: change loss function, add layers.</a:t>
+            </a:r>
           </a:p>
         </p:txBody>
       </p:sp>
@@ -14198,6 +14768,23 @@
 </file>
 
 <file path=customXml/item1.xml><?xml version="1.0" encoding="utf-8"?>
+<p:properties xmlns:p="http://schemas.microsoft.com/office/2006/metadata/properties" xmlns:xsi="http://www.w3.org/2001/XMLSchema-instance" xmlns:pc="http://schemas.microsoft.com/office/infopath/2007/PartnerControls">
+  <documentManagement>
+    <_activity xmlns="5ab46313-7834-4214-aec9-155b2fe37111" xsi:nil="true"/>
+  </documentManagement>
+</p:properties>
+</file>
+
+<file path=customXml/item2.xml><?xml version="1.0" encoding="utf-8"?>
+<?mso-contentType ?>
+<FormTemplates xmlns="http://schemas.microsoft.com/sharepoint/v3/contenttype/forms">
+  <Display>DocumentLibraryForm</Display>
+  <Edit>DocumentLibraryForm</Edit>
+  <New>DocumentLibraryForm</New>
+</FormTemplates>
+</file>
+
+<file path=customXml/item3.xml><?xml version="1.0" encoding="utf-8"?>
 <ct:contentTypeSchema xmlns:ct="http://schemas.microsoft.com/office/2006/metadata/contentType" xmlns:ma="http://schemas.microsoft.com/office/2006/metadata/properties/metaAttributes" ct:_="" ma:_="" ma:contentTypeName="Document" ma:contentTypeID="0x0101008C6D81289CCC004F972E63C671B7D298" ma:contentTypeVersion="16" ma:contentTypeDescription="Create a new document." ma:contentTypeScope="" ma:versionID="c2c3315a8cb087b7f4137d6d13727adf">
   <xsd:schema xmlns:xsd="http://www.w3.org/2001/XMLSchema" xmlns:xs="http://www.w3.org/2001/XMLSchema" xmlns:p="http://schemas.microsoft.com/office/2006/metadata/properties" xmlns:ns3="5ab46313-7834-4214-aec9-155b2fe37111" xmlns:ns4="2d1aa6b7-1a0a-46e3-8f70-b6d3e32cbd9a" targetNamespace="http://schemas.microsoft.com/office/2006/metadata/properties" ma:root="true" ma:fieldsID="26aa1baf6954272560c91e9e12c661a6" ns3:_="" ns4:_="">
     <xsd:import namespace="5ab46313-7834-4214-aec9-155b2fe37111"/>
@@ -14436,24 +15023,32 @@
 </ct:contentTypeSchema>
 </file>
 
-<file path=customXml/item2.xml><?xml version="1.0" encoding="utf-8"?>
-<?mso-contentType ?>
-<FormTemplates xmlns="http://schemas.microsoft.com/sharepoint/v3/contenttype/forms">
-  <Display>DocumentLibraryForm</Display>
-  <Edit>DocumentLibraryForm</Edit>
-  <New>DocumentLibraryForm</New>
-</FormTemplates>
+<file path=customXml/itemProps1.xml><?xml version="1.0" encoding="utf-8"?>
+<ds:datastoreItem xmlns:ds="http://schemas.openxmlformats.org/officeDocument/2006/customXml" ds:itemID="{49168DCE-134F-4610-A6AA-88CEBE8D71D2}">
+  <ds:schemaRefs>
+    <ds:schemaRef ds:uri="http://schemas.microsoft.com/office/infopath/2007/PartnerControls"/>
+    <ds:schemaRef ds:uri="http://schemas.microsoft.com/office/2006/metadata/properties"/>
+    <ds:schemaRef ds:uri="http://purl.org/dc/elements/1.1/"/>
+    <ds:schemaRef ds:uri="http://purl.org/dc/dcmitype/"/>
+    <ds:schemaRef ds:uri="http://schemas.openxmlformats.org/package/2006/metadata/core-properties"/>
+    <ds:schemaRef ds:uri="http://www.w3.org/XML/1998/namespace"/>
+    <ds:schemaRef ds:uri="http://schemas.microsoft.com/office/2006/documentManagement/types"/>
+    <ds:schemaRef ds:uri="http://purl.org/dc/terms/"/>
+    <ds:schemaRef ds:uri="5ab46313-7834-4214-aec9-155b2fe37111"/>
+    <ds:schemaRef ds:uri="2d1aa6b7-1a0a-46e3-8f70-b6d3e32cbd9a"/>
+  </ds:schemaRefs>
+</ds:datastoreItem>
 </file>
 
-<file path=customXml/item3.xml><?xml version="1.0" encoding="utf-8"?>
-<p:properties xmlns:p="http://schemas.microsoft.com/office/2006/metadata/properties" xmlns:xsi="http://www.w3.org/2001/XMLSchema-instance" xmlns:pc="http://schemas.microsoft.com/office/infopath/2007/PartnerControls">
-  <documentManagement>
-    <_activity xmlns="5ab46313-7834-4214-aec9-155b2fe37111" xsi:nil="true"/>
-  </documentManagement>
-</p:properties>
+<file path=customXml/itemProps2.xml><?xml version="1.0" encoding="utf-8"?>
+<ds:datastoreItem xmlns:ds="http://schemas.openxmlformats.org/officeDocument/2006/customXml" ds:itemID="{CABF691C-888B-4061-8A6F-D5CE84A0254B}">
+  <ds:schemaRefs>
+    <ds:schemaRef ds:uri="http://schemas.microsoft.com/sharepoint/v3/contenttype/forms"/>
+  </ds:schemaRefs>
+</ds:datastoreItem>
 </file>
 
-<file path=customXml/itemProps1.xml><?xml version="1.0" encoding="utf-8"?>
+<file path=customXml/itemProps3.xml><?xml version="1.0" encoding="utf-8"?>
 <ds:datastoreItem xmlns:ds="http://schemas.openxmlformats.org/officeDocument/2006/customXml" ds:itemID="{7DFF6294-0604-41C8-8ED0-04BB72B8FEC1}">
   <ds:schemaRefs>
     <ds:schemaRef ds:uri="http://schemas.microsoft.com/office/2006/metadata/contentType"/>
@@ -14472,31 +15067,6 @@
 </ds:datastoreItem>
 </file>
 
-<file path=customXml/itemProps2.xml><?xml version="1.0" encoding="utf-8"?>
-<ds:datastoreItem xmlns:ds="http://schemas.openxmlformats.org/officeDocument/2006/customXml" ds:itemID="{CABF691C-888B-4061-8A6F-D5CE84A0254B}">
-  <ds:schemaRefs>
-    <ds:schemaRef ds:uri="http://schemas.microsoft.com/sharepoint/v3/contenttype/forms"/>
-  </ds:schemaRefs>
-</ds:datastoreItem>
-</file>
-
-<file path=customXml/itemProps3.xml><?xml version="1.0" encoding="utf-8"?>
-<ds:datastoreItem xmlns:ds="http://schemas.openxmlformats.org/officeDocument/2006/customXml" ds:itemID="{49168DCE-134F-4610-A6AA-88CEBE8D71D2}">
-  <ds:schemaRefs>
-    <ds:schemaRef ds:uri="http://schemas.microsoft.com/office/infopath/2007/PartnerControls"/>
-    <ds:schemaRef ds:uri="http://schemas.microsoft.com/office/2006/metadata/properties"/>
-    <ds:schemaRef ds:uri="http://purl.org/dc/elements/1.1/"/>
-    <ds:schemaRef ds:uri="http://purl.org/dc/dcmitype/"/>
-    <ds:schemaRef ds:uri="http://schemas.openxmlformats.org/package/2006/metadata/core-properties"/>
-    <ds:schemaRef ds:uri="http://www.w3.org/XML/1998/namespace"/>
-    <ds:schemaRef ds:uri="http://schemas.microsoft.com/office/2006/documentManagement/types"/>
-    <ds:schemaRef ds:uri="http://purl.org/dc/terms/"/>
-    <ds:schemaRef ds:uri="5ab46313-7834-4214-aec9-155b2fe37111"/>
-    <ds:schemaRef ds:uri="2d1aa6b7-1a0a-46e3-8f70-b6d3e32cbd9a"/>
-  </ds:schemaRefs>
-</ds:datastoreItem>
-</file>
-
 <file path=docMetadata/LabelInfo.xml><?xml version="1.0" encoding="utf-8"?>
 <clbl:labelList xmlns:clbl="http://schemas.microsoft.com/office/2020/mipLabelMetadata"/>
 </file>
--- a/Fourier Neural Operators.pptx
+++ b/Fourier Neural Operators.pptx
@@ -5,10 +5,10 @@
     <p:sldMasterId id="2147483648" r:id="rId4"/>
   </p:sldMasterIdLst>
   <p:notesMasterIdLst>
-    <p:notesMasterId r:id="rId16"/>
+    <p:notesMasterId r:id="rId18"/>
   </p:notesMasterIdLst>
   <p:handoutMasterIdLst>
-    <p:handoutMasterId r:id="rId17"/>
+    <p:handoutMasterId r:id="rId19"/>
   </p:handoutMasterIdLst>
   <p:sldIdLst>
     <p:sldId id="256" r:id="rId5"/>
@@ -21,7 +21,9 @@
     <p:sldId id="290" r:id="rId12"/>
     <p:sldId id="291" r:id="rId13"/>
     <p:sldId id="292" r:id="rId14"/>
-    <p:sldId id="271" r:id="rId15"/>
+    <p:sldId id="293" r:id="rId15"/>
+    <p:sldId id="294" r:id="rId16"/>
+    <p:sldId id="271" r:id="rId17"/>
   </p:sldIdLst>
   <p:sldSz cx="12192000" cy="6858000"/>
   <p:notesSz cx="6858000" cy="9144000"/>
@@ -3026,7 +3028,7 @@
           <a:p>
             <a:fld id="{B56F32FC-4BD9-442A-A8C6-51598C909FE3}" type="datetimeFigureOut">
               <a:rPr lang="en-US" smtClean="0"/>
-              <a:t>6/14/2024</a:t>
+              <a:t>7/9/2024</a:t>
             </a:fld>
             <a:endParaRPr lang="en-US" dirty="0"/>
           </a:p>
@@ -3203,7 +3205,7 @@
           <a:p>
             <a:fld id="{056371FA-A98D-41E8-93F4-09945841298A}" type="datetimeFigureOut">
               <a:rPr lang="en-US" smtClean="0"/>
-              <a:t>6/14/2024</a:t>
+              <a:t>7/9/2024</a:t>
             </a:fld>
             <a:endParaRPr lang="en-US" dirty="0"/>
           </a:p>
@@ -3704,6 +3706,174 @@
             <a:fld id="{22289C57-55D7-40A4-A101-E74FAC7A092B}" type="slidenum">
               <a:rPr lang="en-US" smtClean="0"/>
               <a:t>11</a:t>
+            </a:fld>
+            <a:endParaRPr lang="en-US" dirty="0"/>
+          </a:p>
+        </p:txBody>
+      </p:sp>
+    </p:spTree>
+    <p:extLst>
+      <p:ext uri="{BB962C8B-B14F-4D97-AF65-F5344CB8AC3E}">
+        <p14:creationId xmlns:p14="http://schemas.microsoft.com/office/powerpoint/2010/main" val="3475769782"/>
+      </p:ext>
+    </p:extLst>
+  </p:cSld>
+  <p:clrMapOvr>
+    <a:masterClrMapping/>
+  </p:clrMapOvr>
+</p:notes>
+</file>
+
+<file path=ppt/notesSlides/notesSlide12.xml><?xml version="1.0" encoding="utf-8"?>
+<p:notes xmlns:a="http://schemas.openxmlformats.org/drawingml/2006/main" xmlns:r="http://schemas.openxmlformats.org/officeDocument/2006/relationships" xmlns:p="http://schemas.openxmlformats.org/presentationml/2006/main">
+  <p:cSld>
+    <p:spTree>
+      <p:nvGrpSpPr>
+        <p:cNvPr id="1" name=""/>
+        <p:cNvGrpSpPr/>
+        <p:nvPr/>
+      </p:nvGrpSpPr>
+      <p:grpSpPr>
+        <a:xfrm>
+          <a:off x="0" y="0"/>
+          <a:ext cx="0" cy="0"/>
+          <a:chOff x="0" y="0"/>
+          <a:chExt cx="0" cy="0"/>
+        </a:xfrm>
+      </p:grpSpPr>
+      <p:sp>
+        <p:nvSpPr>
+          <p:cNvPr id="2" name="Slide Image Placeholder 1"/>
+          <p:cNvSpPr>
+            <a:spLocks noGrp="1" noRot="1" noChangeAspect="1"/>
+          </p:cNvSpPr>
+          <p:nvPr>
+            <p:ph type="sldImg"/>
+          </p:nvPr>
+        </p:nvSpPr>
+        <p:spPr/>
+      </p:sp>
+      <p:sp>
+        <p:nvSpPr>
+          <p:cNvPr id="3" name="Notes Placeholder 2"/>
+          <p:cNvSpPr>
+            <a:spLocks noGrp="1"/>
+          </p:cNvSpPr>
+          <p:nvPr>
+            <p:ph type="body" idx="1"/>
+          </p:nvPr>
+        </p:nvSpPr>
+        <p:spPr/>
+        <p:txBody>
+          <a:bodyPr/>
+          <a:lstStyle/>
+          <a:p>
+            <a:endParaRPr lang="en-US" dirty="0"/>
+          </a:p>
+        </p:txBody>
+      </p:sp>
+      <p:sp>
+        <p:nvSpPr>
+          <p:cNvPr id="4" name="Slide Number Placeholder 3"/>
+          <p:cNvSpPr>
+            <a:spLocks noGrp="1"/>
+          </p:cNvSpPr>
+          <p:nvPr>
+            <p:ph type="sldNum" sz="quarter" idx="5"/>
+          </p:nvPr>
+        </p:nvSpPr>
+        <p:spPr/>
+        <p:txBody>
+          <a:bodyPr/>
+          <a:lstStyle/>
+          <a:p>
+            <a:fld id="{22289C57-55D7-40A4-A101-E74FAC7A092B}" type="slidenum">
+              <a:rPr lang="en-US" smtClean="0"/>
+              <a:t>12</a:t>
+            </a:fld>
+            <a:endParaRPr lang="en-US" dirty="0"/>
+          </a:p>
+        </p:txBody>
+      </p:sp>
+    </p:spTree>
+    <p:extLst>
+      <p:ext uri="{BB962C8B-B14F-4D97-AF65-F5344CB8AC3E}">
+        <p14:creationId xmlns:p14="http://schemas.microsoft.com/office/powerpoint/2010/main" val="740346189"/>
+      </p:ext>
+    </p:extLst>
+  </p:cSld>
+  <p:clrMapOvr>
+    <a:masterClrMapping/>
+  </p:clrMapOvr>
+</p:notes>
+</file>
+
+<file path=ppt/notesSlides/notesSlide13.xml><?xml version="1.0" encoding="utf-8"?>
+<p:notes xmlns:a="http://schemas.openxmlformats.org/drawingml/2006/main" xmlns:r="http://schemas.openxmlformats.org/officeDocument/2006/relationships" xmlns:p="http://schemas.openxmlformats.org/presentationml/2006/main">
+  <p:cSld>
+    <p:spTree>
+      <p:nvGrpSpPr>
+        <p:cNvPr id="1" name=""/>
+        <p:cNvGrpSpPr/>
+        <p:nvPr/>
+      </p:nvGrpSpPr>
+      <p:grpSpPr>
+        <a:xfrm>
+          <a:off x="0" y="0"/>
+          <a:ext cx="0" cy="0"/>
+          <a:chOff x="0" y="0"/>
+          <a:chExt cx="0" cy="0"/>
+        </a:xfrm>
+      </p:grpSpPr>
+      <p:sp>
+        <p:nvSpPr>
+          <p:cNvPr id="2" name="Slide Image Placeholder 1"/>
+          <p:cNvSpPr>
+            <a:spLocks noGrp="1" noRot="1" noChangeAspect="1"/>
+          </p:cNvSpPr>
+          <p:nvPr>
+            <p:ph type="sldImg"/>
+          </p:nvPr>
+        </p:nvSpPr>
+        <p:spPr/>
+      </p:sp>
+      <p:sp>
+        <p:nvSpPr>
+          <p:cNvPr id="3" name="Notes Placeholder 2"/>
+          <p:cNvSpPr>
+            <a:spLocks noGrp="1"/>
+          </p:cNvSpPr>
+          <p:nvPr>
+            <p:ph type="body" idx="1"/>
+          </p:nvPr>
+        </p:nvSpPr>
+        <p:spPr/>
+        <p:txBody>
+          <a:bodyPr/>
+          <a:lstStyle/>
+          <a:p>
+            <a:endParaRPr lang="en-US" dirty="0"/>
+          </a:p>
+        </p:txBody>
+      </p:sp>
+      <p:sp>
+        <p:nvSpPr>
+          <p:cNvPr id="4" name="Slide Number Placeholder 3"/>
+          <p:cNvSpPr>
+            <a:spLocks noGrp="1"/>
+          </p:cNvSpPr>
+          <p:nvPr>
+            <p:ph type="sldNum" sz="quarter" idx="5"/>
+          </p:nvPr>
+        </p:nvSpPr>
+        <p:spPr/>
+        <p:txBody>
+          <a:bodyPr/>
+          <a:lstStyle/>
+          <a:p>
+            <a:fld id="{22289C57-55D7-40A4-A101-E74FAC7A092B}" type="slidenum">
+              <a:rPr lang="en-US" smtClean="0"/>
+              <a:t>13</a:t>
             </a:fld>
             <a:endParaRPr lang="en-US" dirty="0"/>
           </a:p>
@@ -9911,13 +10081,13 @@
         </p:nvSpPr>
         <p:spPr>
           <a:xfrm>
-            <a:off x="1341120" y="1139482"/>
-            <a:ext cx="8920481" cy="3079261"/>
+            <a:off x="1341120" y="1139483"/>
+            <a:ext cx="8920481" cy="1899482"/>
           </a:xfrm>
         </p:spPr>
         <p:txBody>
           <a:bodyPr>
-            <a:normAutofit fontScale="92500"/>
+            <a:normAutofit fontScale="92500" lnSpcReduction="20000"/>
           </a:bodyPr>
           <a:lstStyle/>
           <a:p>
@@ -9938,26 +10108,6 @@
             <a:r>
               <a:rPr lang="en-US" dirty="0"/>
               <a:t>Revised inputs are sinusoids with spatial frequencies of wavevector const, or band const, such that their FFT transforms are much richer representations, and different wavevector/band values activate different weights in the model.</a:t>
-            </a:r>
-          </a:p>
-          <a:p>
-            <a:pPr marL="285750" indent="-285750">
-              <a:buFont typeface="Arial" panose="020B0604020202020204" pitchFamily="34" charset="0"/>
-              <a:buChar char="•"/>
-            </a:pPr>
-            <a:r>
-              <a:rPr lang="en-US" dirty="0"/>
-              <a:t>Training now showing decreasing loss per batch/epoch. </a:t>
-            </a:r>
-          </a:p>
-          <a:p>
-            <a:pPr marL="285750" indent="-285750">
-              <a:buFont typeface="Arial" panose="020B0604020202020204" pitchFamily="34" charset="0"/>
-              <a:buChar char="•"/>
-            </a:pPr>
-            <a:r>
-              <a:rPr lang="en-US" dirty="0"/>
-              <a:t>Might need more/better hardware. ~1 epoch/day currently.</a:t>
             </a:r>
           </a:p>
         </p:txBody>
@@ -10090,12 +10240,238 @@
           </a:p>
         </p:txBody>
       </p:sp>
+      <p:grpSp>
+        <p:nvGrpSpPr>
+          <p:cNvPr id="11" name="Group 10">
+            <a:extLst>
+              <a:ext uri="{FF2B5EF4-FFF2-40B4-BE49-F238E27FC236}">
+                <a16:creationId xmlns:a16="http://schemas.microsoft.com/office/drawing/2014/main" id="{C52216BF-B0E8-C0A7-C333-79AC2C67B763}"/>
+              </a:ext>
+            </a:extLst>
+          </p:cNvPr>
+          <p:cNvGrpSpPr>
+            <a:grpSpLocks noChangeAspect="1"/>
+          </p:cNvGrpSpPr>
+          <p:nvPr/>
+        </p:nvGrpSpPr>
+        <p:grpSpPr>
+          <a:xfrm>
+            <a:off x="389345" y="3068318"/>
+            <a:ext cx="5103230" cy="1525754"/>
+            <a:chOff x="7732680" y="3468713"/>
+            <a:chExt cx="4418357" cy="1320992"/>
+          </a:xfrm>
+        </p:grpSpPr>
+        <p:pic>
+          <p:nvPicPr>
+            <p:cNvPr id="10" name="Picture 9" descr="A screenshot of a computer screen&#10;&#10;Description automatically generated">
+              <a:extLst>
+                <a:ext uri="{FF2B5EF4-FFF2-40B4-BE49-F238E27FC236}">
+                  <a16:creationId xmlns:a16="http://schemas.microsoft.com/office/drawing/2014/main" id="{7B449C73-02B7-22A0-0840-B1AF697A1216}"/>
+                </a:ext>
+              </a:extLst>
+            </p:cNvPr>
+            <p:cNvPicPr>
+              <a:picLocks noChangeAspect="1"/>
+            </p:cNvPicPr>
+            <p:nvPr/>
+          </p:nvPicPr>
+          <p:blipFill rotWithShape="1">
+            <a:blip r:embed="rId5"/>
+            <a:srcRect t="60410" r="13789"/>
+            <a:stretch/>
+          </p:blipFill>
+          <p:spPr>
+            <a:xfrm>
+              <a:off x="7732680" y="3468713"/>
+              <a:ext cx="2634429" cy="1320992"/>
+            </a:xfrm>
+            <a:prstGeom prst="rect">
+              <a:avLst/>
+            </a:prstGeom>
+          </p:spPr>
+        </p:pic>
+        <p:pic>
+          <p:nvPicPr>
+            <p:cNvPr id="12" name="Picture 11" descr="A screenshot of a computer screen&#10;&#10;Description automatically generated">
+              <a:extLst>
+                <a:ext uri="{FF2B5EF4-FFF2-40B4-BE49-F238E27FC236}">
+                  <a16:creationId xmlns:a16="http://schemas.microsoft.com/office/drawing/2014/main" id="{1CB276A0-E568-BC2C-F594-EF1F11B5E4A9}"/>
+                </a:ext>
+              </a:extLst>
+            </p:cNvPr>
+            <p:cNvPicPr>
+              <a:picLocks noChangeAspect="1"/>
+            </p:cNvPicPr>
+            <p:nvPr/>
+          </p:nvPicPr>
+          <p:blipFill rotWithShape="1">
+            <a:blip r:embed="rId5"/>
+            <a:srcRect l="45614" t="15783" r="14125" b="50442"/>
+            <a:stretch/>
+          </p:blipFill>
+          <p:spPr>
+            <a:xfrm>
+              <a:off x="10922459" y="3592730"/>
+              <a:ext cx="1228578" cy="1125416"/>
+            </a:xfrm>
+            <a:prstGeom prst="rect">
+              <a:avLst/>
+            </a:prstGeom>
+          </p:spPr>
+        </p:pic>
+        <p:pic>
+          <p:nvPicPr>
+            <p:cNvPr id="13" name="Picture 12" descr="A screenshot of a computer screen&#10;&#10;Description automatically generated">
+              <a:extLst>
+                <a:ext uri="{FF2B5EF4-FFF2-40B4-BE49-F238E27FC236}">
+                  <a16:creationId xmlns:a16="http://schemas.microsoft.com/office/drawing/2014/main" id="{8F2BB873-2A5B-F340-734B-6288CE783E49}"/>
+                </a:ext>
+              </a:extLst>
+            </p:cNvPr>
+            <p:cNvPicPr>
+              <a:picLocks noChangeAspect="1"/>
+            </p:cNvPicPr>
+            <p:nvPr/>
+          </p:nvPicPr>
+          <p:blipFill rotWithShape="1">
+            <a:blip r:embed="rId5"/>
+            <a:srcRect l="28259" t="79565" r="69595" b="18748"/>
+            <a:stretch/>
+          </p:blipFill>
+          <p:spPr>
+            <a:xfrm>
+              <a:off x="11453559" y="4106096"/>
+              <a:ext cx="65559" cy="56274"/>
+            </a:xfrm>
+            <a:prstGeom prst="rect">
+              <a:avLst/>
+            </a:prstGeom>
+          </p:spPr>
+        </p:pic>
+        <p:sp>
+          <p:nvSpPr>
+            <p:cNvPr id="14" name="Arrow: Right 13">
+              <a:extLst>
+                <a:ext uri="{FF2B5EF4-FFF2-40B4-BE49-F238E27FC236}">
+                  <a16:creationId xmlns:a16="http://schemas.microsoft.com/office/drawing/2014/main" id="{2EC8BD0C-6A86-CAC9-6F47-876E327B36F9}"/>
+                </a:ext>
+              </a:extLst>
+            </p:cNvPr>
+            <p:cNvSpPr/>
+            <p:nvPr/>
+          </p:nvSpPr>
+          <p:spPr>
+            <a:xfrm>
+              <a:off x="10344111" y="4049930"/>
+              <a:ext cx="531100" cy="168813"/>
+            </a:xfrm>
+            <a:prstGeom prst="rightArrow">
+              <a:avLst/>
+            </a:prstGeom>
+          </p:spPr>
+          <p:style>
+            <a:lnRef idx="2">
+              <a:schemeClr val="accent1">
+                <a:shade val="15000"/>
+              </a:schemeClr>
+            </a:lnRef>
+            <a:fillRef idx="1">
+              <a:schemeClr val="accent1"/>
+            </a:fillRef>
+            <a:effectRef idx="0">
+              <a:schemeClr val="accent1"/>
+            </a:effectRef>
+            <a:fontRef idx="minor">
+              <a:schemeClr val="lt1"/>
+            </a:fontRef>
+          </p:style>
+          <p:txBody>
+            <a:bodyPr rtlCol="0" anchor="ctr"/>
+            <a:lstStyle/>
+            <a:p>
+              <a:pPr algn="ctr"/>
+              <a:endParaRPr lang="en-US"/>
+            </a:p>
+          </p:txBody>
+        </p:sp>
+        <p:sp>
+          <p:nvSpPr>
+            <p:cNvPr id="16" name="TextBox 15">
+              <a:extLst>
+                <a:ext uri="{FF2B5EF4-FFF2-40B4-BE49-F238E27FC236}">
+                  <a16:creationId xmlns:a16="http://schemas.microsoft.com/office/drawing/2014/main" id="{69B48D8E-A249-6156-2EF8-A882A73A228E}"/>
+                </a:ext>
+              </a:extLst>
+            </p:cNvPr>
+            <p:cNvSpPr txBox="1"/>
+            <p:nvPr/>
+          </p:nvSpPr>
+          <p:spPr>
+            <a:xfrm>
+              <a:off x="11027967" y="3684170"/>
+              <a:ext cx="237222" cy="369332"/>
+            </a:xfrm>
+            <a:prstGeom prst="rect">
+              <a:avLst/>
+            </a:prstGeom>
+            <a:noFill/>
+          </p:spPr>
+          <p:txBody>
+            <a:bodyPr wrap="square" rtlCol="0">
+              <a:spAutoFit/>
+            </a:bodyPr>
+            <a:lstStyle/>
+            <a:p>
+              <a:r>
+                <a:rPr lang="en-US" dirty="0"/>
+                <a:t>0</a:t>
+              </a:r>
+            </a:p>
+          </p:txBody>
+        </p:sp>
+        <p:sp>
+          <p:nvSpPr>
+            <p:cNvPr id="17" name="TextBox 16">
+              <a:extLst>
+                <a:ext uri="{FF2B5EF4-FFF2-40B4-BE49-F238E27FC236}">
+                  <a16:creationId xmlns:a16="http://schemas.microsoft.com/office/drawing/2014/main" id="{C4463C09-E972-37B2-CD22-C0A8659F2662}"/>
+                </a:ext>
+              </a:extLst>
+            </p:cNvPr>
+            <p:cNvSpPr txBox="1"/>
+            <p:nvPr/>
+          </p:nvSpPr>
+          <p:spPr>
+            <a:xfrm>
+              <a:off x="10290540" y="3761543"/>
+              <a:ext cx="584671" cy="369332"/>
+            </a:xfrm>
+            <a:prstGeom prst="rect">
+              <a:avLst/>
+            </a:prstGeom>
+            <a:noFill/>
+          </p:spPr>
+          <p:txBody>
+            <a:bodyPr wrap="square" rtlCol="0">
+              <a:spAutoFit/>
+            </a:bodyPr>
+            <a:lstStyle/>
+            <a:p>
+              <a:r>
+                <a:rPr lang="en-US" dirty="0"/>
+                <a:t>FFT</a:t>
+              </a:r>
+            </a:p>
+          </p:txBody>
+        </p:sp>
+      </p:grpSp>
       <p:pic>
         <p:nvPicPr>
-          <p:cNvPr id="10" name="Picture 9" descr="A screenshot of a computer screen&#10;&#10;Description automatically generated">
+          <p:cNvPr id="9" name="Picture 8" descr="A screenshot of a computer generated image&#10;&#10;Description automatically generated">
             <a:extLst>
               <a:ext uri="{FF2B5EF4-FFF2-40B4-BE49-F238E27FC236}">
-                <a16:creationId xmlns:a16="http://schemas.microsoft.com/office/drawing/2014/main" id="{7B449C73-02B7-22A0-0840-B1AF697A1216}"/>
+                <a16:creationId xmlns:a16="http://schemas.microsoft.com/office/drawing/2014/main" id="{01E1B3A6-B036-7EAE-9C93-B536C825273F}"/>
               </a:ext>
             </a:extLst>
           </p:cNvPr>
@@ -10104,73 +10480,16 @@
           </p:cNvPicPr>
           <p:nvPr/>
         </p:nvPicPr>
-        <p:blipFill rotWithShape="1">
-          <a:blip r:embed="rId5"/>
-          <a:srcRect t="60410" r="13789"/>
-          <a:stretch/>
+        <p:blipFill>
+          <a:blip r:embed="rId6"/>
+          <a:stretch>
+            <a:fillRect/>
+          </a:stretch>
         </p:blipFill>
         <p:spPr>
           <a:xfrm>
-            <a:off x="7732680" y="3468713"/>
-            <a:ext cx="2634429" cy="1320992"/>
-          </a:xfrm>
-          <a:prstGeom prst="rect">
-            <a:avLst/>
-          </a:prstGeom>
-        </p:spPr>
-      </p:pic>
-      <p:pic>
-        <p:nvPicPr>
-          <p:cNvPr id="12" name="Picture 11" descr="A screenshot of a computer screen&#10;&#10;Description automatically generated">
-            <a:extLst>
-              <a:ext uri="{FF2B5EF4-FFF2-40B4-BE49-F238E27FC236}">
-                <a16:creationId xmlns:a16="http://schemas.microsoft.com/office/drawing/2014/main" id="{1CB276A0-E568-BC2C-F594-EF1F11B5E4A9}"/>
-              </a:ext>
-            </a:extLst>
-          </p:cNvPr>
-          <p:cNvPicPr>
-            <a:picLocks noChangeAspect="1"/>
-          </p:cNvPicPr>
-          <p:nvPr/>
-        </p:nvPicPr>
-        <p:blipFill rotWithShape="1">
-          <a:blip r:embed="rId5"/>
-          <a:srcRect l="45614" t="15783" r="14125" b="50442"/>
-          <a:stretch/>
-        </p:blipFill>
-        <p:spPr>
-          <a:xfrm>
-            <a:off x="10922459" y="3592730"/>
-            <a:ext cx="1228578" cy="1125416"/>
-          </a:xfrm>
-          <a:prstGeom prst="rect">
-            <a:avLst/>
-          </a:prstGeom>
-        </p:spPr>
-      </p:pic>
-      <p:pic>
-        <p:nvPicPr>
-          <p:cNvPr id="13" name="Picture 12" descr="A screenshot of a computer screen&#10;&#10;Description automatically generated">
-            <a:extLst>
-              <a:ext uri="{FF2B5EF4-FFF2-40B4-BE49-F238E27FC236}">
-                <a16:creationId xmlns:a16="http://schemas.microsoft.com/office/drawing/2014/main" id="{8F2BB873-2A5B-F340-734B-6288CE783E49}"/>
-              </a:ext>
-            </a:extLst>
-          </p:cNvPr>
-          <p:cNvPicPr>
-            <a:picLocks noChangeAspect="1"/>
-          </p:cNvPicPr>
-          <p:nvPr/>
-        </p:nvPicPr>
-        <p:blipFill rotWithShape="1">
-          <a:blip r:embed="rId5"/>
-          <a:srcRect l="28259" t="79565" r="69595" b="18748"/>
-          <a:stretch/>
-        </p:blipFill>
-        <p:spPr>
-          <a:xfrm>
-            <a:off x="11453559" y="4106096"/>
-            <a:ext cx="65559" cy="56274"/>
+            <a:off x="8240434" y="2921965"/>
+            <a:ext cx="3562221" cy="1775083"/>
           </a:xfrm>
           <a:prstGeom prst="rect">
             <a:avLst/>
@@ -10179,10 +10498,10 @@
       </p:pic>
       <p:sp>
         <p:nvSpPr>
-          <p:cNvPr id="14" name="Arrow: Right 13">
+          <p:cNvPr id="15" name="Arrow: Right 14">
             <a:extLst>
               <a:ext uri="{FF2B5EF4-FFF2-40B4-BE49-F238E27FC236}">
-                <a16:creationId xmlns:a16="http://schemas.microsoft.com/office/drawing/2014/main" id="{2EC8BD0C-6A86-CAC9-6F47-876E327B36F9}"/>
+                <a16:creationId xmlns:a16="http://schemas.microsoft.com/office/drawing/2014/main" id="{8BFF791F-AF15-CA2B-3DE3-1C9894064AD7}"/>
               </a:ext>
             </a:extLst>
           </p:cNvPr>
@@ -10191,7 +10510,7 @@
         </p:nvSpPr>
         <p:spPr>
           <a:xfrm>
-            <a:off x="10344111" y="4049930"/>
+            <a:off x="9954579" y="2942583"/>
             <a:ext cx="531100" cy="168813"/>
           </a:xfrm>
           <a:prstGeom prst="rightArrow">
@@ -10225,10 +10544,10 @@
       </p:sp>
       <p:sp>
         <p:nvSpPr>
-          <p:cNvPr id="16" name="TextBox 15">
+          <p:cNvPr id="18" name="TextBox 17">
             <a:extLst>
               <a:ext uri="{FF2B5EF4-FFF2-40B4-BE49-F238E27FC236}">
-                <a16:creationId xmlns:a16="http://schemas.microsoft.com/office/drawing/2014/main" id="{69B48D8E-A249-6156-2EF8-A882A73A228E}"/>
+                <a16:creationId xmlns:a16="http://schemas.microsoft.com/office/drawing/2014/main" id="{4974DD6B-E6B7-F0F2-1ED1-9824AEAD9A72}"/>
               </a:ext>
             </a:extLst>
           </p:cNvPr>
@@ -10237,42 +10556,7 @@
         </p:nvSpPr>
         <p:spPr>
           <a:xfrm>
-            <a:off x="11027967" y="3684170"/>
-            <a:ext cx="237222" cy="369332"/>
-          </a:xfrm>
-          <a:prstGeom prst="rect">
-            <a:avLst/>
-          </a:prstGeom>
-          <a:noFill/>
-        </p:spPr>
-        <p:txBody>
-          <a:bodyPr wrap="square" rtlCol="0">
-            <a:spAutoFit/>
-          </a:bodyPr>
-          <a:lstStyle/>
-          <a:p>
-            <a:r>
-              <a:rPr lang="en-US" dirty="0"/>
-              <a:t>0</a:t>
-            </a:r>
-          </a:p>
-        </p:txBody>
-      </p:sp>
-      <p:sp>
-        <p:nvSpPr>
-          <p:cNvPr id="17" name="TextBox 16">
-            <a:extLst>
-              <a:ext uri="{FF2B5EF4-FFF2-40B4-BE49-F238E27FC236}">
-                <a16:creationId xmlns:a16="http://schemas.microsoft.com/office/drawing/2014/main" id="{C4463C09-E972-37B2-CD22-C0A8659F2662}"/>
-              </a:ext>
-            </a:extLst>
-          </p:cNvPr>
-          <p:cNvSpPr txBox="1"/>
-          <p:nvPr/>
-        </p:nvSpPr>
-        <p:spPr>
-          <a:xfrm>
-            <a:off x="10290540" y="3761543"/>
+            <a:off x="9901008" y="2654196"/>
             <a:ext cx="584671" cy="369332"/>
           </a:xfrm>
           <a:prstGeom prst="rect">
@@ -10328,6 +10612,446 @@
           <p:cNvPr id="2" name="Title 1">
             <a:extLst>
               <a:ext uri="{FF2B5EF4-FFF2-40B4-BE49-F238E27FC236}">
+                <a16:creationId xmlns:a16="http://schemas.microsoft.com/office/drawing/2014/main" id="{8B27D9B3-B64F-656A-0D99-161A6C0F518F}"/>
+              </a:ext>
+            </a:extLst>
+          </p:cNvPr>
+          <p:cNvSpPr>
+            <a:spLocks noGrp="1"/>
+          </p:cNvSpPr>
+          <p:nvPr>
+            <p:ph type="title"/>
+          </p:nvPr>
+        </p:nvSpPr>
+        <p:spPr>
+          <a:xfrm>
+            <a:off x="1341120" y="558801"/>
+            <a:ext cx="9953308" cy="580682"/>
+          </a:xfrm>
+        </p:spPr>
+        <p:txBody>
+          <a:bodyPr/>
+          <a:lstStyle/>
+          <a:p>
+            <a:r>
+              <a:rPr lang="en-US" dirty="0"/>
+              <a:t>Revised Training</a:t>
+            </a:r>
+          </a:p>
+        </p:txBody>
+      </p:sp>
+      <p:sp>
+        <p:nvSpPr>
+          <p:cNvPr id="68" name="Slide Number Placeholder 67">
+            <a:extLst>
+              <a:ext uri="{FF2B5EF4-FFF2-40B4-BE49-F238E27FC236}">
+                <a16:creationId xmlns:a16="http://schemas.microsoft.com/office/drawing/2014/main" id="{AA0ACADD-CC4E-851C-DA07-C22DB97FA23E}"/>
+              </a:ext>
+            </a:extLst>
+          </p:cNvPr>
+          <p:cNvSpPr>
+            <a:spLocks noGrp="1"/>
+          </p:cNvSpPr>
+          <p:nvPr>
+            <p:ph type="sldNum" sz="quarter" idx="13"/>
+          </p:nvPr>
+        </p:nvSpPr>
+        <p:spPr>
+          <a:xfrm>
+            <a:off x="10373350" y="6356349"/>
+            <a:ext cx="987552" cy="365125"/>
+          </a:xfrm>
+        </p:spPr>
+        <p:txBody>
+          <a:bodyPr/>
+          <a:lstStyle/>
+          <a:p>
+            <a:fld id="{A49DFD55-3C28-40EF-9E31-A92D2E4017FF}" type="slidenum">
+              <a:rPr lang="en-US" smtClean="0"/>
+              <a:pPr/>
+              <a:t>11</a:t>
+            </a:fld>
+            <a:endParaRPr lang="en-US" dirty="0"/>
+          </a:p>
+        </p:txBody>
+      </p:sp>
+      <p:sp>
+        <p:nvSpPr>
+          <p:cNvPr id="4" name="Content Placeholder 3">
+            <a:extLst>
+              <a:ext uri="{FF2B5EF4-FFF2-40B4-BE49-F238E27FC236}">
+                <a16:creationId xmlns:a16="http://schemas.microsoft.com/office/drawing/2014/main" id="{AB1F8A9E-54FC-8CCB-7C5C-8B9D1002ADA2}"/>
+              </a:ext>
+            </a:extLst>
+          </p:cNvPr>
+          <p:cNvSpPr>
+            <a:spLocks noGrp="1"/>
+          </p:cNvSpPr>
+          <p:nvPr>
+            <p:ph sz="half" idx="14"/>
+          </p:nvPr>
+        </p:nvSpPr>
+        <p:spPr>
+          <a:xfrm>
+            <a:off x="1341120" y="1139483"/>
+            <a:ext cx="8920481" cy="5216865"/>
+          </a:xfrm>
+        </p:spPr>
+        <p:txBody>
+          <a:bodyPr/>
+          <a:lstStyle/>
+          <a:p>
+            <a:pPr marL="285750" indent="-285750">
+              <a:buFont typeface="Arial" panose="020B0604020202020204" pitchFamily="34" charset="0"/>
+              <a:buChar char="•"/>
+            </a:pPr>
+            <a:r>
+              <a:rPr lang="en-US" dirty="0"/>
+              <a:t>After normalizing data, and representing constants in frequency space, retrained model results saw massive improvements.</a:t>
+            </a:r>
+          </a:p>
+          <a:p>
+            <a:pPr marL="285750" indent="-285750">
+              <a:buFont typeface="Arial" panose="020B0604020202020204" pitchFamily="34" charset="0"/>
+              <a:buChar char="•"/>
+            </a:pPr>
+            <a:endParaRPr lang="en-US" dirty="0"/>
+          </a:p>
+        </p:txBody>
+      </p:sp>
+      <p:pic>
+        <p:nvPicPr>
+          <p:cNvPr id="5" name="Picture 4" descr="A graph of training and validation&#10;&#10;Description automatically generated">
+            <a:extLst>
+              <a:ext uri="{FF2B5EF4-FFF2-40B4-BE49-F238E27FC236}">
+                <a16:creationId xmlns:a16="http://schemas.microsoft.com/office/drawing/2014/main" id="{C2C2528D-ABDF-6EF7-2B51-10FC36B7B667}"/>
+              </a:ext>
+            </a:extLst>
+          </p:cNvPr>
+          <p:cNvPicPr>
+            <a:picLocks noChangeAspect="1"/>
+          </p:cNvPicPr>
+          <p:nvPr/>
+        </p:nvPicPr>
+        <p:blipFill>
+          <a:blip r:embed="rId3"/>
+          <a:stretch>
+            <a:fillRect/>
+          </a:stretch>
+        </p:blipFill>
+        <p:spPr>
+          <a:xfrm>
+            <a:off x="0" y="2370406"/>
+            <a:ext cx="3879173" cy="2919045"/>
+          </a:xfrm>
+          <a:prstGeom prst="rect">
+            <a:avLst/>
+          </a:prstGeom>
+        </p:spPr>
+      </p:pic>
+      <p:pic>
+        <p:nvPicPr>
+          <p:cNvPr id="9" name="Picture 8" descr="A screenshot of a computer screen&#10;&#10;Description automatically generated">
+            <a:extLst>
+              <a:ext uri="{FF2B5EF4-FFF2-40B4-BE49-F238E27FC236}">
+                <a16:creationId xmlns:a16="http://schemas.microsoft.com/office/drawing/2014/main" id="{815C2555-B80C-59FC-7248-6C1095ACCFF1}"/>
+              </a:ext>
+            </a:extLst>
+          </p:cNvPr>
+          <p:cNvPicPr>
+            <a:picLocks noChangeAspect="1"/>
+          </p:cNvPicPr>
+          <p:nvPr/>
+        </p:nvPicPr>
+        <p:blipFill>
+          <a:blip r:embed="rId4"/>
+          <a:stretch>
+            <a:fillRect/>
+          </a:stretch>
+        </p:blipFill>
+        <p:spPr>
+          <a:xfrm>
+            <a:off x="5259530" y="3110084"/>
+            <a:ext cx="3388330" cy="3699803"/>
+          </a:xfrm>
+          <a:prstGeom prst="rect">
+            <a:avLst/>
+          </a:prstGeom>
+        </p:spPr>
+      </p:pic>
+      <p:pic>
+        <p:nvPicPr>
+          <p:cNvPr id="11" name="Picture 10" descr="A screenshot of a computer screen&#10;&#10;Description automatically generated">
+            <a:extLst>
+              <a:ext uri="{FF2B5EF4-FFF2-40B4-BE49-F238E27FC236}">
+                <a16:creationId xmlns:a16="http://schemas.microsoft.com/office/drawing/2014/main" id="{F46ECD0F-403A-D8BB-B986-ED42A885165F}"/>
+              </a:ext>
+            </a:extLst>
+          </p:cNvPr>
+          <p:cNvPicPr>
+            <a:picLocks noChangeAspect="1"/>
+          </p:cNvPicPr>
+          <p:nvPr/>
+        </p:nvPicPr>
+        <p:blipFill>
+          <a:blip r:embed="rId5"/>
+          <a:stretch>
+            <a:fillRect/>
+          </a:stretch>
+        </p:blipFill>
+        <p:spPr>
+          <a:xfrm>
+            <a:off x="8759609" y="3110084"/>
+            <a:ext cx="3432391" cy="3747915"/>
+          </a:xfrm>
+          <a:prstGeom prst="rect">
+            <a:avLst/>
+          </a:prstGeom>
+        </p:spPr>
+      </p:pic>
+      <p:pic>
+        <p:nvPicPr>
+          <p:cNvPr id="13" name="Picture 12" descr="A chart of different colors&#10;&#10;Description automatically generated with medium confidence">
+            <a:extLst>
+              <a:ext uri="{FF2B5EF4-FFF2-40B4-BE49-F238E27FC236}">
+                <a16:creationId xmlns:a16="http://schemas.microsoft.com/office/drawing/2014/main" id="{56DDA46F-B87A-80BF-1661-D446744C9617}"/>
+              </a:ext>
+            </a:extLst>
+          </p:cNvPr>
+          <p:cNvPicPr>
+            <a:picLocks noChangeAspect="1"/>
+          </p:cNvPicPr>
+          <p:nvPr/>
+        </p:nvPicPr>
+        <p:blipFill rotWithShape="1">
+          <a:blip r:embed="rId6"/>
+          <a:srcRect t="42564" r="17184" b="29436"/>
+          <a:stretch/>
+        </p:blipFill>
+        <p:spPr>
+          <a:xfrm>
+            <a:off x="0" y="5289451"/>
+            <a:ext cx="4296244" cy="1568547"/>
+          </a:xfrm>
+          <a:prstGeom prst="rect">
+            <a:avLst/>
+          </a:prstGeom>
+        </p:spPr>
+      </p:pic>
+    </p:spTree>
+    <p:extLst>
+      <p:ext uri="{BB962C8B-B14F-4D97-AF65-F5344CB8AC3E}">
+        <p14:creationId xmlns:p14="http://schemas.microsoft.com/office/powerpoint/2010/main" val="1115767538"/>
+      </p:ext>
+    </p:extLst>
+  </p:cSld>
+  <p:clrMapOvr>
+    <a:masterClrMapping/>
+  </p:clrMapOvr>
+</p:sld>
+</file>
+
+<file path=ppt/slides/slide12.xml><?xml version="1.0" encoding="utf-8"?>
+<p:sld xmlns:a="http://schemas.openxmlformats.org/drawingml/2006/main" xmlns:r="http://schemas.openxmlformats.org/officeDocument/2006/relationships" xmlns:p="http://schemas.openxmlformats.org/presentationml/2006/main">
+  <p:cSld>
+    <p:spTree>
+      <p:nvGrpSpPr>
+        <p:cNvPr id="1" name=""/>
+        <p:cNvGrpSpPr/>
+        <p:nvPr/>
+      </p:nvGrpSpPr>
+      <p:grpSpPr>
+        <a:xfrm>
+          <a:off x="0" y="0"/>
+          <a:ext cx="0" cy="0"/>
+          <a:chOff x="0" y="0"/>
+          <a:chExt cx="0" cy="0"/>
+        </a:xfrm>
+      </p:grpSpPr>
+      <p:sp>
+        <p:nvSpPr>
+          <p:cNvPr id="2" name="Title 1">
+            <a:extLst>
+              <a:ext uri="{FF2B5EF4-FFF2-40B4-BE49-F238E27FC236}">
+                <a16:creationId xmlns:a16="http://schemas.microsoft.com/office/drawing/2014/main" id="{8B27D9B3-B64F-656A-0D99-161A6C0F518F}"/>
+              </a:ext>
+            </a:extLst>
+          </p:cNvPr>
+          <p:cNvSpPr>
+            <a:spLocks noGrp="1"/>
+          </p:cNvSpPr>
+          <p:nvPr>
+            <p:ph type="title"/>
+          </p:nvPr>
+        </p:nvSpPr>
+        <p:spPr>
+          <a:xfrm>
+            <a:off x="1341120" y="558801"/>
+            <a:ext cx="9953308" cy="580682"/>
+          </a:xfrm>
+        </p:spPr>
+        <p:txBody>
+          <a:bodyPr/>
+          <a:lstStyle/>
+          <a:p>
+            <a:r>
+              <a:rPr lang="en-US" dirty="0"/>
+              <a:t>Current &amp; future Work</a:t>
+            </a:r>
+          </a:p>
+        </p:txBody>
+      </p:sp>
+      <p:sp>
+        <p:nvSpPr>
+          <p:cNvPr id="68" name="Slide Number Placeholder 67">
+            <a:extLst>
+              <a:ext uri="{FF2B5EF4-FFF2-40B4-BE49-F238E27FC236}">
+                <a16:creationId xmlns:a16="http://schemas.microsoft.com/office/drawing/2014/main" id="{AA0ACADD-CC4E-851C-DA07-C22DB97FA23E}"/>
+              </a:ext>
+            </a:extLst>
+          </p:cNvPr>
+          <p:cNvSpPr>
+            <a:spLocks noGrp="1"/>
+          </p:cNvSpPr>
+          <p:nvPr>
+            <p:ph type="sldNum" sz="quarter" idx="13"/>
+          </p:nvPr>
+        </p:nvSpPr>
+        <p:spPr>
+          <a:xfrm>
+            <a:off x="10373350" y="6356349"/>
+            <a:ext cx="987552" cy="365125"/>
+          </a:xfrm>
+        </p:spPr>
+        <p:txBody>
+          <a:bodyPr/>
+          <a:lstStyle/>
+          <a:p>
+            <a:fld id="{A49DFD55-3C28-40EF-9E31-A92D2E4017FF}" type="slidenum">
+              <a:rPr lang="en-US" smtClean="0"/>
+              <a:pPr/>
+              <a:t>12</a:t>
+            </a:fld>
+            <a:endParaRPr lang="en-US" dirty="0"/>
+          </a:p>
+        </p:txBody>
+      </p:sp>
+      <p:sp>
+        <p:nvSpPr>
+          <p:cNvPr id="4" name="Content Placeholder 3">
+            <a:extLst>
+              <a:ext uri="{FF2B5EF4-FFF2-40B4-BE49-F238E27FC236}">
+                <a16:creationId xmlns:a16="http://schemas.microsoft.com/office/drawing/2014/main" id="{AB1F8A9E-54FC-8CCB-7C5C-8B9D1002ADA2}"/>
+              </a:ext>
+            </a:extLst>
+          </p:cNvPr>
+          <p:cNvSpPr>
+            <a:spLocks noGrp="1"/>
+          </p:cNvSpPr>
+          <p:nvPr>
+            <p:ph sz="half" idx="14"/>
+          </p:nvPr>
+        </p:nvSpPr>
+        <p:spPr>
+          <a:xfrm>
+            <a:off x="1341120" y="1139483"/>
+            <a:ext cx="8920481" cy="5216865"/>
+          </a:xfrm>
+        </p:spPr>
+        <p:txBody>
+          <a:bodyPr/>
+          <a:lstStyle/>
+          <a:p>
+            <a:pPr marL="285750" indent="-285750">
+              <a:buFont typeface="Arial" panose="020B0604020202020204" pitchFamily="34" charset="0"/>
+              <a:buChar char="•"/>
+            </a:pPr>
+            <a:r>
+              <a:rPr lang="en-US" dirty="0"/>
+              <a:t>Different model architectures (trying higher hidden channel count has not yielded much improvement.)</a:t>
+            </a:r>
+          </a:p>
+          <a:p>
+            <a:pPr marL="285750" indent="-285750">
+              <a:buFont typeface="Arial" panose="020B0604020202020204" pitchFamily="34" charset="0"/>
+              <a:buChar char="•"/>
+            </a:pPr>
+            <a:r>
+              <a:rPr lang="en-US" dirty="0"/>
+              <a:t>New, larger datasets (bottlenecked by RAM)</a:t>
+            </a:r>
+          </a:p>
+          <a:p>
+            <a:pPr marL="285750" indent="-285750">
+              <a:buFont typeface="Arial" panose="020B0604020202020204" pitchFamily="34" charset="0"/>
+              <a:buChar char="•"/>
+            </a:pPr>
+            <a:r>
+              <a:rPr lang="en-US" dirty="0"/>
+              <a:t>Augmented datasets (rotations, reflections)</a:t>
+            </a:r>
+          </a:p>
+          <a:p>
+            <a:pPr marL="285750" indent="-285750">
+              <a:buFont typeface="Arial" panose="020B0604020202020204" pitchFamily="34" charset="0"/>
+              <a:buChar char="•"/>
+            </a:pPr>
+            <a:r>
+              <a:rPr lang="en-US" dirty="0"/>
+              <a:t>Resolution rescaling tests</a:t>
+            </a:r>
+          </a:p>
+          <a:p>
+            <a:pPr marL="285750" indent="-285750">
+              <a:buFont typeface="Arial" panose="020B0604020202020204" pitchFamily="34" charset="0"/>
+              <a:buChar char="•"/>
+            </a:pPr>
+            <a:endParaRPr lang="en-US" dirty="0"/>
+          </a:p>
+          <a:p>
+            <a:pPr marL="285750" indent="-285750">
+              <a:buFont typeface="Arial" panose="020B0604020202020204" pitchFamily="34" charset="0"/>
+              <a:buChar char="•"/>
+            </a:pPr>
+            <a:endParaRPr lang="en-US" dirty="0"/>
+          </a:p>
+        </p:txBody>
+      </p:sp>
+    </p:spTree>
+    <p:extLst>
+      <p:ext uri="{BB962C8B-B14F-4D97-AF65-F5344CB8AC3E}">
+        <p14:creationId xmlns:p14="http://schemas.microsoft.com/office/powerpoint/2010/main" val="936972234"/>
+      </p:ext>
+    </p:extLst>
+  </p:cSld>
+  <p:clrMapOvr>
+    <a:masterClrMapping/>
+  </p:clrMapOvr>
+</p:sld>
+</file>
+
+<file path=ppt/slides/slide13.xml><?xml version="1.0" encoding="utf-8"?>
+<p:sld xmlns:a="http://schemas.openxmlformats.org/drawingml/2006/main" xmlns:r="http://schemas.openxmlformats.org/officeDocument/2006/relationships" xmlns:p="http://schemas.openxmlformats.org/presentationml/2006/main">
+  <p:cSld>
+    <p:spTree>
+      <p:nvGrpSpPr>
+        <p:cNvPr id="1" name=""/>
+        <p:cNvGrpSpPr/>
+        <p:nvPr/>
+      </p:nvGrpSpPr>
+      <p:grpSpPr>
+        <a:xfrm>
+          <a:off x="0" y="0"/>
+          <a:ext cx="0" cy="0"/>
+          <a:chOff x="0" y="0"/>
+          <a:chExt cx="0" cy="0"/>
+        </a:xfrm>
+      </p:grpSpPr>
+      <p:sp>
+        <p:nvSpPr>
+          <p:cNvPr id="2" name="Title 1">
+            <a:extLst>
+              <a:ext uri="{FF2B5EF4-FFF2-40B4-BE49-F238E27FC236}">
                 <a16:creationId xmlns:a16="http://schemas.microsoft.com/office/drawing/2014/main" id="{8BDF1EDE-5423-435C-B149-87AB1BC22B83}"/>
               </a:ext>
             </a:extLst>
@@ -10420,7 +11144,7 @@
             <a:fld id="{A49DFD55-3C28-40EF-9E31-A92D2E4017FF}" type="slidenum">
               <a:rPr lang="en-US" smtClean="0"/>
               <a:pPr/>
-              <a:t>11</a:t>
+              <a:t>13</a:t>
             </a:fld>
             <a:endParaRPr lang="en-US" dirty="0"/>
           </a:p>
@@ -13201,7 +13925,7 @@
 </file>
 
 <file path=ppt/slides/slide7.xml><?xml version="1.0" encoding="utf-8"?>
-<p:sld xmlns:a="http://schemas.openxmlformats.org/drawingml/2006/main" xmlns:r="http://schemas.openxmlformats.org/officeDocument/2006/relationships" xmlns:p="http://schemas.openxmlformats.org/presentationml/2006/main">
+<p:sld xmlns:a="http://schemas.openxmlformats.org/drawingml/2006/main" xmlns:r="http://schemas.openxmlformats.org/officeDocument/2006/relationships" xmlns:p="http://schemas.openxmlformats.org/presentationml/2006/main" show="0">
   <p:cSld>
     <p:spTree>
       <p:nvGrpSpPr>
@@ -14768,23 +15492,6 @@
 </file>
 
 <file path=customXml/item1.xml><?xml version="1.0" encoding="utf-8"?>
-<p:properties xmlns:p="http://schemas.microsoft.com/office/2006/metadata/properties" xmlns:xsi="http://www.w3.org/2001/XMLSchema-instance" xmlns:pc="http://schemas.microsoft.com/office/infopath/2007/PartnerControls">
-  <documentManagement>
-    <_activity xmlns="5ab46313-7834-4214-aec9-155b2fe37111" xsi:nil="true"/>
-  </documentManagement>
-</p:properties>
-</file>
-
-<file path=customXml/item2.xml><?xml version="1.0" encoding="utf-8"?>
-<?mso-contentType ?>
-<FormTemplates xmlns="http://schemas.microsoft.com/sharepoint/v3/contenttype/forms">
-  <Display>DocumentLibraryForm</Display>
-  <Edit>DocumentLibraryForm</Edit>
-  <New>DocumentLibraryForm</New>
-</FormTemplates>
-</file>
-
-<file path=customXml/item3.xml><?xml version="1.0" encoding="utf-8"?>
 <ct:contentTypeSchema xmlns:ct="http://schemas.microsoft.com/office/2006/metadata/contentType" xmlns:ma="http://schemas.microsoft.com/office/2006/metadata/properties/metaAttributes" ct:_="" ma:_="" ma:contentTypeName="Document" ma:contentTypeID="0x0101008C6D81289CCC004F972E63C671B7D298" ma:contentTypeVersion="16" ma:contentTypeDescription="Create a new document." ma:contentTypeScope="" ma:versionID="c2c3315a8cb087b7f4137d6d13727adf">
   <xsd:schema xmlns:xsd="http://www.w3.org/2001/XMLSchema" xmlns:xs="http://www.w3.org/2001/XMLSchema" xmlns:p="http://schemas.microsoft.com/office/2006/metadata/properties" xmlns:ns3="5ab46313-7834-4214-aec9-155b2fe37111" xmlns:ns4="2d1aa6b7-1a0a-46e3-8f70-b6d3e32cbd9a" targetNamespace="http://schemas.microsoft.com/office/2006/metadata/properties" ma:root="true" ma:fieldsID="26aa1baf6954272560c91e9e12c661a6" ns3:_="" ns4:_="">
     <xsd:import namespace="5ab46313-7834-4214-aec9-155b2fe37111"/>
@@ -15023,32 +15730,24 @@
 </ct:contentTypeSchema>
 </file>
 
-<file path=customXml/itemProps1.xml><?xml version="1.0" encoding="utf-8"?>
-<ds:datastoreItem xmlns:ds="http://schemas.openxmlformats.org/officeDocument/2006/customXml" ds:itemID="{49168DCE-134F-4610-A6AA-88CEBE8D71D2}">
-  <ds:schemaRefs>
-    <ds:schemaRef ds:uri="http://schemas.microsoft.com/office/infopath/2007/PartnerControls"/>
-    <ds:schemaRef ds:uri="http://schemas.microsoft.com/office/2006/metadata/properties"/>
-    <ds:schemaRef ds:uri="http://purl.org/dc/elements/1.1/"/>
-    <ds:schemaRef ds:uri="http://purl.org/dc/dcmitype/"/>
-    <ds:schemaRef ds:uri="http://schemas.openxmlformats.org/package/2006/metadata/core-properties"/>
-    <ds:schemaRef ds:uri="http://www.w3.org/XML/1998/namespace"/>
-    <ds:schemaRef ds:uri="http://schemas.microsoft.com/office/2006/documentManagement/types"/>
-    <ds:schemaRef ds:uri="http://purl.org/dc/terms/"/>
-    <ds:schemaRef ds:uri="5ab46313-7834-4214-aec9-155b2fe37111"/>
-    <ds:schemaRef ds:uri="2d1aa6b7-1a0a-46e3-8f70-b6d3e32cbd9a"/>
-  </ds:schemaRefs>
-</ds:datastoreItem>
+<file path=customXml/item2.xml><?xml version="1.0" encoding="utf-8"?>
+<?mso-contentType ?>
+<FormTemplates xmlns="http://schemas.microsoft.com/sharepoint/v3/contenttype/forms">
+  <Display>DocumentLibraryForm</Display>
+  <Edit>DocumentLibraryForm</Edit>
+  <New>DocumentLibraryForm</New>
+</FormTemplates>
 </file>
 
-<file path=customXml/itemProps2.xml><?xml version="1.0" encoding="utf-8"?>
-<ds:datastoreItem xmlns:ds="http://schemas.openxmlformats.org/officeDocument/2006/customXml" ds:itemID="{CABF691C-888B-4061-8A6F-D5CE84A0254B}">
-  <ds:schemaRefs>
-    <ds:schemaRef ds:uri="http://schemas.microsoft.com/sharepoint/v3/contenttype/forms"/>
-  </ds:schemaRefs>
-</ds:datastoreItem>
+<file path=customXml/item3.xml><?xml version="1.0" encoding="utf-8"?>
+<p:properties xmlns:p="http://schemas.microsoft.com/office/2006/metadata/properties" xmlns:xsi="http://www.w3.org/2001/XMLSchema-instance" xmlns:pc="http://schemas.microsoft.com/office/infopath/2007/PartnerControls">
+  <documentManagement>
+    <_activity xmlns="5ab46313-7834-4214-aec9-155b2fe37111" xsi:nil="true"/>
+  </documentManagement>
+</p:properties>
 </file>
 
-<file path=customXml/itemProps3.xml><?xml version="1.0" encoding="utf-8"?>
+<file path=customXml/itemProps1.xml><?xml version="1.0" encoding="utf-8"?>
 <ds:datastoreItem xmlns:ds="http://schemas.openxmlformats.org/officeDocument/2006/customXml" ds:itemID="{7DFF6294-0604-41C8-8ED0-04BB72B8FEC1}">
   <ds:schemaRefs>
     <ds:schemaRef ds:uri="http://schemas.microsoft.com/office/2006/metadata/contentType"/>
@@ -15067,6 +15766,31 @@
 </ds:datastoreItem>
 </file>
 
+<file path=customXml/itemProps2.xml><?xml version="1.0" encoding="utf-8"?>
+<ds:datastoreItem xmlns:ds="http://schemas.openxmlformats.org/officeDocument/2006/customXml" ds:itemID="{CABF691C-888B-4061-8A6F-D5CE84A0254B}">
+  <ds:schemaRefs>
+    <ds:schemaRef ds:uri="http://schemas.microsoft.com/sharepoint/v3/contenttype/forms"/>
+  </ds:schemaRefs>
+</ds:datastoreItem>
+</file>
+
+<file path=customXml/itemProps3.xml><?xml version="1.0" encoding="utf-8"?>
+<ds:datastoreItem xmlns:ds="http://schemas.openxmlformats.org/officeDocument/2006/customXml" ds:itemID="{49168DCE-134F-4610-A6AA-88CEBE8D71D2}">
+  <ds:schemaRefs>
+    <ds:schemaRef ds:uri="http://schemas.microsoft.com/office/infopath/2007/PartnerControls"/>
+    <ds:schemaRef ds:uri="http://schemas.microsoft.com/office/2006/metadata/properties"/>
+    <ds:schemaRef ds:uri="http://purl.org/dc/elements/1.1/"/>
+    <ds:schemaRef ds:uri="http://purl.org/dc/dcmitype/"/>
+    <ds:schemaRef ds:uri="http://schemas.openxmlformats.org/package/2006/metadata/core-properties"/>
+    <ds:schemaRef ds:uri="http://www.w3.org/XML/1998/namespace"/>
+    <ds:schemaRef ds:uri="http://schemas.microsoft.com/office/2006/documentManagement/types"/>
+    <ds:schemaRef ds:uri="http://purl.org/dc/terms/"/>
+    <ds:schemaRef ds:uri="5ab46313-7834-4214-aec9-155b2fe37111"/>
+    <ds:schemaRef ds:uri="2d1aa6b7-1a0a-46e3-8f70-b6d3e32cbd9a"/>
+  </ds:schemaRefs>
+</ds:datastoreItem>
+</file>
+
 <file path=docMetadata/LabelInfo.xml><?xml version="1.0" encoding="utf-8"?>
 <clbl:labelList xmlns:clbl="http://schemas.microsoft.com/office/2020/mipLabelMetadata"/>
 </file>
--- a/Fourier Neural Operators.pptx
+++ b/Fourier Neural Operators.pptx
@@ -11006,6 +11006,35 @@
               <a:buFont typeface="Arial" panose="020B0604020202020204" pitchFamily="34" charset="0"/>
               <a:buChar char="•"/>
             </a:pPr>
+            <a:r>
+              <a:rPr lang="en-US" dirty="0"/>
+              <a:t>Check </a:t>
+            </a:r>
+            <a:r>
+              <a:rPr lang="en-US" dirty="0" err="1"/>
+              <a:t>matlab</a:t>
+            </a:r>
+            <a:r>
+              <a:rPr lang="en-US" dirty="0"/>
+              <a:t> &amp; python combined </a:t>
+            </a:r>
+            <a:r>
+              <a:rPr lang="en-US"/>
+              <a:t>normalization effects</a:t>
+            </a:r>
+          </a:p>
+          <a:p>
+            <a:pPr marL="285750" indent="-285750">
+              <a:buFont typeface="Arial" panose="020B0604020202020204" pitchFamily="34" charset="0"/>
+              <a:buChar char="•"/>
+            </a:pPr>
+            <a:endParaRPr lang="en-US" dirty="0"/>
+          </a:p>
+          <a:p>
+            <a:pPr marL="285750" indent="-285750">
+              <a:buFont typeface="Arial" panose="020B0604020202020204" pitchFamily="34" charset="0"/>
+              <a:buChar char="•"/>
+            </a:pPr>
             <a:endParaRPr lang="en-US" dirty="0"/>
           </a:p>
           <a:p>
@@ -15492,6 +15521,23 @@
 </file>
 
 <file path=customXml/item1.xml><?xml version="1.0" encoding="utf-8"?>
+<p:properties xmlns:p="http://schemas.microsoft.com/office/2006/metadata/properties" xmlns:xsi="http://www.w3.org/2001/XMLSchema-instance" xmlns:pc="http://schemas.microsoft.com/office/infopath/2007/PartnerControls">
+  <documentManagement>
+    <_activity xmlns="5ab46313-7834-4214-aec9-155b2fe37111" xsi:nil="true"/>
+  </documentManagement>
+</p:properties>
+</file>
+
+<file path=customXml/item2.xml><?xml version="1.0" encoding="utf-8"?>
+<?mso-contentType ?>
+<FormTemplates xmlns="http://schemas.microsoft.com/sharepoint/v3/contenttype/forms">
+  <Display>DocumentLibraryForm</Display>
+  <Edit>DocumentLibraryForm</Edit>
+  <New>DocumentLibraryForm</New>
+</FormTemplates>
+</file>
+
+<file path=customXml/item3.xml><?xml version="1.0" encoding="utf-8"?>
 <ct:contentTypeSchema xmlns:ct="http://schemas.microsoft.com/office/2006/metadata/contentType" xmlns:ma="http://schemas.microsoft.com/office/2006/metadata/properties/metaAttributes" ct:_="" ma:_="" ma:contentTypeName="Document" ma:contentTypeID="0x0101008C6D81289CCC004F972E63C671B7D298" ma:contentTypeVersion="16" ma:contentTypeDescription="Create a new document." ma:contentTypeScope="" ma:versionID="c2c3315a8cb087b7f4137d6d13727adf">
   <xsd:schema xmlns:xsd="http://www.w3.org/2001/XMLSchema" xmlns:xs="http://www.w3.org/2001/XMLSchema" xmlns:p="http://schemas.microsoft.com/office/2006/metadata/properties" xmlns:ns3="5ab46313-7834-4214-aec9-155b2fe37111" xmlns:ns4="2d1aa6b7-1a0a-46e3-8f70-b6d3e32cbd9a" targetNamespace="http://schemas.microsoft.com/office/2006/metadata/properties" ma:root="true" ma:fieldsID="26aa1baf6954272560c91e9e12c661a6" ns3:_="" ns4:_="">
     <xsd:import namespace="5ab46313-7834-4214-aec9-155b2fe37111"/>
@@ -15730,24 +15776,32 @@
 </ct:contentTypeSchema>
 </file>
 
-<file path=customXml/item2.xml><?xml version="1.0" encoding="utf-8"?>
-<?mso-contentType ?>
-<FormTemplates xmlns="http://schemas.microsoft.com/sharepoint/v3/contenttype/forms">
-  <Display>DocumentLibraryForm</Display>
-  <Edit>DocumentLibraryForm</Edit>
-  <New>DocumentLibraryForm</New>
-</FormTemplates>
+<file path=customXml/itemProps1.xml><?xml version="1.0" encoding="utf-8"?>
+<ds:datastoreItem xmlns:ds="http://schemas.openxmlformats.org/officeDocument/2006/customXml" ds:itemID="{49168DCE-134F-4610-A6AA-88CEBE8D71D2}">
+  <ds:schemaRefs>
+    <ds:schemaRef ds:uri="http://schemas.microsoft.com/office/infopath/2007/PartnerControls"/>
+    <ds:schemaRef ds:uri="http://schemas.microsoft.com/office/2006/metadata/properties"/>
+    <ds:schemaRef ds:uri="http://purl.org/dc/elements/1.1/"/>
+    <ds:schemaRef ds:uri="http://purl.org/dc/dcmitype/"/>
+    <ds:schemaRef ds:uri="http://schemas.openxmlformats.org/package/2006/metadata/core-properties"/>
+    <ds:schemaRef ds:uri="http://www.w3.org/XML/1998/namespace"/>
+    <ds:schemaRef ds:uri="http://schemas.microsoft.com/office/2006/documentManagement/types"/>
+    <ds:schemaRef ds:uri="http://purl.org/dc/terms/"/>
+    <ds:schemaRef ds:uri="5ab46313-7834-4214-aec9-155b2fe37111"/>
+    <ds:schemaRef ds:uri="2d1aa6b7-1a0a-46e3-8f70-b6d3e32cbd9a"/>
+  </ds:schemaRefs>
+</ds:datastoreItem>
 </file>
 
-<file path=customXml/item3.xml><?xml version="1.0" encoding="utf-8"?>
-<p:properties xmlns:p="http://schemas.microsoft.com/office/2006/metadata/properties" xmlns:xsi="http://www.w3.org/2001/XMLSchema-instance" xmlns:pc="http://schemas.microsoft.com/office/infopath/2007/PartnerControls">
-  <documentManagement>
-    <_activity xmlns="5ab46313-7834-4214-aec9-155b2fe37111" xsi:nil="true"/>
-  </documentManagement>
-</p:properties>
+<file path=customXml/itemProps2.xml><?xml version="1.0" encoding="utf-8"?>
+<ds:datastoreItem xmlns:ds="http://schemas.openxmlformats.org/officeDocument/2006/customXml" ds:itemID="{CABF691C-888B-4061-8A6F-D5CE84A0254B}">
+  <ds:schemaRefs>
+    <ds:schemaRef ds:uri="http://schemas.microsoft.com/sharepoint/v3/contenttype/forms"/>
+  </ds:schemaRefs>
+</ds:datastoreItem>
 </file>
 
-<file path=customXml/itemProps1.xml><?xml version="1.0" encoding="utf-8"?>
+<file path=customXml/itemProps3.xml><?xml version="1.0" encoding="utf-8"?>
 <ds:datastoreItem xmlns:ds="http://schemas.openxmlformats.org/officeDocument/2006/customXml" ds:itemID="{7DFF6294-0604-41C8-8ED0-04BB72B8FEC1}">
   <ds:schemaRefs>
     <ds:schemaRef ds:uri="http://schemas.microsoft.com/office/2006/metadata/contentType"/>
@@ -15766,31 +15820,6 @@
 </ds:datastoreItem>
 </file>
 
-<file path=customXml/itemProps2.xml><?xml version="1.0" encoding="utf-8"?>
-<ds:datastoreItem xmlns:ds="http://schemas.openxmlformats.org/officeDocument/2006/customXml" ds:itemID="{CABF691C-888B-4061-8A6F-D5CE84A0254B}">
-  <ds:schemaRefs>
-    <ds:schemaRef ds:uri="http://schemas.microsoft.com/sharepoint/v3/contenttype/forms"/>
-  </ds:schemaRefs>
-</ds:datastoreItem>
-</file>
-
-<file path=customXml/itemProps3.xml><?xml version="1.0" encoding="utf-8"?>
-<ds:datastoreItem xmlns:ds="http://schemas.openxmlformats.org/officeDocument/2006/customXml" ds:itemID="{49168DCE-134F-4610-A6AA-88CEBE8D71D2}">
-  <ds:schemaRefs>
-    <ds:schemaRef ds:uri="http://schemas.microsoft.com/office/infopath/2007/PartnerControls"/>
-    <ds:schemaRef ds:uri="http://schemas.microsoft.com/office/2006/metadata/properties"/>
-    <ds:schemaRef ds:uri="http://purl.org/dc/elements/1.1/"/>
-    <ds:schemaRef ds:uri="http://purl.org/dc/dcmitype/"/>
-    <ds:schemaRef ds:uri="http://schemas.openxmlformats.org/package/2006/metadata/core-properties"/>
-    <ds:schemaRef ds:uri="http://www.w3.org/XML/1998/namespace"/>
-    <ds:schemaRef ds:uri="http://schemas.microsoft.com/office/2006/documentManagement/types"/>
-    <ds:schemaRef ds:uri="http://purl.org/dc/terms/"/>
-    <ds:schemaRef ds:uri="5ab46313-7834-4214-aec9-155b2fe37111"/>
-    <ds:schemaRef ds:uri="2d1aa6b7-1a0a-46e3-8f70-b6d3e32cbd9a"/>
-  </ds:schemaRefs>
-</ds:datastoreItem>
-</file>
-
 <file path=docMetadata/LabelInfo.xml><?xml version="1.0" encoding="utf-8"?>
 <clbl:labelList xmlns:clbl="http://schemas.microsoft.com/office/2020/mipLabelMetadata"/>
 </file>
--- a/Fourier Neural Operators.pptx
+++ b/Fourier Neural Operators.pptx
@@ -5,25 +5,27 @@
     <p:sldMasterId id="2147483648" r:id="rId4"/>
   </p:sldMasterIdLst>
   <p:notesMasterIdLst>
-    <p:notesMasterId r:id="rId18"/>
+    <p:notesMasterId r:id="rId20"/>
   </p:notesMasterIdLst>
   <p:handoutMasterIdLst>
-    <p:handoutMasterId r:id="rId19"/>
+    <p:handoutMasterId r:id="rId21"/>
   </p:handoutMasterIdLst>
   <p:sldIdLst>
     <p:sldId id="256" r:id="rId5"/>
     <p:sldId id="257" r:id="rId6"/>
     <p:sldId id="258" r:id="rId7"/>
-    <p:sldId id="286" r:id="rId8"/>
-    <p:sldId id="282" r:id="rId9"/>
-    <p:sldId id="287" r:id="rId10"/>
-    <p:sldId id="289" r:id="rId11"/>
-    <p:sldId id="290" r:id="rId12"/>
-    <p:sldId id="291" r:id="rId13"/>
-    <p:sldId id="292" r:id="rId14"/>
-    <p:sldId id="293" r:id="rId15"/>
-    <p:sldId id="294" r:id="rId16"/>
-    <p:sldId id="271" r:id="rId17"/>
+    <p:sldId id="295" r:id="rId8"/>
+    <p:sldId id="296" r:id="rId9"/>
+    <p:sldId id="286" r:id="rId10"/>
+    <p:sldId id="282" r:id="rId11"/>
+    <p:sldId id="287" r:id="rId12"/>
+    <p:sldId id="289" r:id="rId13"/>
+    <p:sldId id="290" r:id="rId14"/>
+    <p:sldId id="291" r:id="rId15"/>
+    <p:sldId id="292" r:id="rId16"/>
+    <p:sldId id="293" r:id="rId17"/>
+    <p:sldId id="294" r:id="rId18"/>
+    <p:sldId id="271" r:id="rId19"/>
   </p:sldIdLst>
   <p:sldSz cx="12192000" cy="6858000"/>
   <p:notesSz cx="6858000" cy="9144000"/>
@@ -3028,7 +3030,7 @@
           <a:p>
             <a:fld id="{B56F32FC-4BD9-442A-A8C6-51598C909FE3}" type="datetimeFigureOut">
               <a:rPr lang="en-US" smtClean="0"/>
-              <a:t>7/9/2024</a:t>
+              <a:t>2/3/2025</a:t>
             </a:fld>
             <a:endParaRPr lang="en-US" dirty="0"/>
           </a:p>
@@ -3205,7 +3207,7 @@
           <a:p>
             <a:fld id="{056371FA-A98D-41E8-93F4-09945841298A}" type="datetimeFigureOut">
               <a:rPr lang="en-US" smtClean="0"/>
-              <a:t>7/9/2024</a:t>
+              <a:t>2/3/2025</a:t>
             </a:fld>
             <a:endParaRPr lang="en-US" dirty="0"/>
           </a:p>
@@ -3630,7 +3632,7 @@
     </p:spTree>
     <p:extLst>
       <p:ext uri="{BB962C8B-B14F-4D97-AF65-F5344CB8AC3E}">
-        <p14:creationId xmlns:p14="http://schemas.microsoft.com/office/powerpoint/2010/main" val="425801007"/>
+        <p14:creationId xmlns:p14="http://schemas.microsoft.com/office/powerpoint/2010/main" val="552981084"/>
       </p:ext>
     </p:extLst>
   </p:cSld>
@@ -3714,7 +3716,7 @@
     </p:spTree>
     <p:extLst>
       <p:ext uri="{BB962C8B-B14F-4D97-AF65-F5344CB8AC3E}">
-        <p14:creationId xmlns:p14="http://schemas.microsoft.com/office/powerpoint/2010/main" val="3475769782"/>
+        <p14:creationId xmlns:p14="http://schemas.microsoft.com/office/powerpoint/2010/main" val="1393862505"/>
       </p:ext>
     </p:extLst>
   </p:cSld>
@@ -3798,7 +3800,7 @@
     </p:spTree>
     <p:extLst>
       <p:ext uri="{BB962C8B-B14F-4D97-AF65-F5344CB8AC3E}">
-        <p14:creationId xmlns:p14="http://schemas.microsoft.com/office/powerpoint/2010/main" val="740346189"/>
+        <p14:creationId xmlns:p14="http://schemas.microsoft.com/office/powerpoint/2010/main" val="425801007"/>
       </p:ext>
     </p:extLst>
   </p:cSld>
@@ -3874,6 +3876,174 @@
             <a:fld id="{22289C57-55D7-40A4-A101-E74FAC7A092B}" type="slidenum">
               <a:rPr lang="en-US" smtClean="0"/>
               <a:t>13</a:t>
+            </a:fld>
+            <a:endParaRPr lang="en-US" dirty="0"/>
+          </a:p>
+        </p:txBody>
+      </p:sp>
+    </p:spTree>
+    <p:extLst>
+      <p:ext uri="{BB962C8B-B14F-4D97-AF65-F5344CB8AC3E}">
+        <p14:creationId xmlns:p14="http://schemas.microsoft.com/office/powerpoint/2010/main" val="3475769782"/>
+      </p:ext>
+    </p:extLst>
+  </p:cSld>
+  <p:clrMapOvr>
+    <a:masterClrMapping/>
+  </p:clrMapOvr>
+</p:notes>
+</file>
+
+<file path=ppt/notesSlides/notesSlide14.xml><?xml version="1.0" encoding="utf-8"?>
+<p:notes xmlns:a="http://schemas.openxmlformats.org/drawingml/2006/main" xmlns:r="http://schemas.openxmlformats.org/officeDocument/2006/relationships" xmlns:p="http://schemas.openxmlformats.org/presentationml/2006/main">
+  <p:cSld>
+    <p:spTree>
+      <p:nvGrpSpPr>
+        <p:cNvPr id="1" name=""/>
+        <p:cNvGrpSpPr/>
+        <p:nvPr/>
+      </p:nvGrpSpPr>
+      <p:grpSpPr>
+        <a:xfrm>
+          <a:off x="0" y="0"/>
+          <a:ext cx="0" cy="0"/>
+          <a:chOff x="0" y="0"/>
+          <a:chExt cx="0" cy="0"/>
+        </a:xfrm>
+      </p:grpSpPr>
+      <p:sp>
+        <p:nvSpPr>
+          <p:cNvPr id="2" name="Slide Image Placeholder 1"/>
+          <p:cNvSpPr>
+            <a:spLocks noGrp="1" noRot="1" noChangeAspect="1"/>
+          </p:cNvSpPr>
+          <p:nvPr>
+            <p:ph type="sldImg"/>
+          </p:nvPr>
+        </p:nvSpPr>
+        <p:spPr/>
+      </p:sp>
+      <p:sp>
+        <p:nvSpPr>
+          <p:cNvPr id="3" name="Notes Placeholder 2"/>
+          <p:cNvSpPr>
+            <a:spLocks noGrp="1"/>
+          </p:cNvSpPr>
+          <p:nvPr>
+            <p:ph type="body" idx="1"/>
+          </p:nvPr>
+        </p:nvSpPr>
+        <p:spPr/>
+        <p:txBody>
+          <a:bodyPr/>
+          <a:lstStyle/>
+          <a:p>
+            <a:endParaRPr lang="en-US" dirty="0"/>
+          </a:p>
+        </p:txBody>
+      </p:sp>
+      <p:sp>
+        <p:nvSpPr>
+          <p:cNvPr id="4" name="Slide Number Placeholder 3"/>
+          <p:cNvSpPr>
+            <a:spLocks noGrp="1"/>
+          </p:cNvSpPr>
+          <p:nvPr>
+            <p:ph type="sldNum" sz="quarter" idx="5"/>
+          </p:nvPr>
+        </p:nvSpPr>
+        <p:spPr/>
+        <p:txBody>
+          <a:bodyPr/>
+          <a:lstStyle/>
+          <a:p>
+            <a:fld id="{22289C57-55D7-40A4-A101-E74FAC7A092B}" type="slidenum">
+              <a:rPr lang="en-US" smtClean="0"/>
+              <a:t>14</a:t>
+            </a:fld>
+            <a:endParaRPr lang="en-US" dirty="0"/>
+          </a:p>
+        </p:txBody>
+      </p:sp>
+    </p:spTree>
+    <p:extLst>
+      <p:ext uri="{BB962C8B-B14F-4D97-AF65-F5344CB8AC3E}">
+        <p14:creationId xmlns:p14="http://schemas.microsoft.com/office/powerpoint/2010/main" val="740346189"/>
+      </p:ext>
+    </p:extLst>
+  </p:cSld>
+  <p:clrMapOvr>
+    <a:masterClrMapping/>
+  </p:clrMapOvr>
+</p:notes>
+</file>
+
+<file path=ppt/notesSlides/notesSlide15.xml><?xml version="1.0" encoding="utf-8"?>
+<p:notes xmlns:a="http://schemas.openxmlformats.org/drawingml/2006/main" xmlns:r="http://schemas.openxmlformats.org/officeDocument/2006/relationships" xmlns:p="http://schemas.openxmlformats.org/presentationml/2006/main">
+  <p:cSld>
+    <p:spTree>
+      <p:nvGrpSpPr>
+        <p:cNvPr id="1" name=""/>
+        <p:cNvGrpSpPr/>
+        <p:nvPr/>
+      </p:nvGrpSpPr>
+      <p:grpSpPr>
+        <a:xfrm>
+          <a:off x="0" y="0"/>
+          <a:ext cx="0" cy="0"/>
+          <a:chOff x="0" y="0"/>
+          <a:chExt cx="0" cy="0"/>
+        </a:xfrm>
+      </p:grpSpPr>
+      <p:sp>
+        <p:nvSpPr>
+          <p:cNvPr id="2" name="Slide Image Placeholder 1"/>
+          <p:cNvSpPr>
+            <a:spLocks noGrp="1" noRot="1" noChangeAspect="1"/>
+          </p:cNvSpPr>
+          <p:nvPr>
+            <p:ph type="sldImg"/>
+          </p:nvPr>
+        </p:nvSpPr>
+        <p:spPr/>
+      </p:sp>
+      <p:sp>
+        <p:nvSpPr>
+          <p:cNvPr id="3" name="Notes Placeholder 2"/>
+          <p:cNvSpPr>
+            <a:spLocks noGrp="1"/>
+          </p:cNvSpPr>
+          <p:nvPr>
+            <p:ph type="body" idx="1"/>
+          </p:nvPr>
+        </p:nvSpPr>
+        <p:spPr/>
+        <p:txBody>
+          <a:bodyPr/>
+          <a:lstStyle/>
+          <a:p>
+            <a:endParaRPr lang="en-US" dirty="0"/>
+          </a:p>
+        </p:txBody>
+      </p:sp>
+      <p:sp>
+        <p:nvSpPr>
+          <p:cNvPr id="4" name="Slide Number Placeholder 3"/>
+          <p:cNvSpPr>
+            <a:spLocks noGrp="1"/>
+          </p:cNvSpPr>
+          <p:nvPr>
+            <p:ph type="sldNum" sz="quarter" idx="5"/>
+          </p:nvPr>
+        </p:nvSpPr>
+        <p:spPr/>
+        <p:txBody>
+          <a:bodyPr/>
+          <a:lstStyle/>
+          <a:p>
+            <a:fld id="{22289C57-55D7-40A4-A101-E74FAC7A092B}" type="slidenum">
+              <a:rPr lang="en-US" smtClean="0"/>
+              <a:t>15</a:t>
             </a:fld>
             <a:endParaRPr lang="en-US" dirty="0"/>
           </a:p>
@@ -4065,7 +4235,13 @@
   <p:cSld>
     <p:spTree>
       <p:nvGrpSpPr>
-        <p:cNvPr id="1" name=""/>
+        <p:cNvPr id="1" name="">
+          <a:extLst>
+            <a:ext uri="{FF2B5EF4-FFF2-40B4-BE49-F238E27FC236}">
+              <a16:creationId xmlns:a16="http://schemas.microsoft.com/office/drawing/2014/main" id="{D6EFF4D5-E147-E773-D6D7-266DC6A379D0}"/>
+            </a:ext>
+          </a:extLst>
+        </p:cNvPr>
         <p:cNvGrpSpPr/>
         <p:nvPr/>
       </p:nvGrpSpPr>
@@ -4079,7 +4255,13 @@
       </p:grpSpPr>
       <p:sp>
         <p:nvSpPr>
-          <p:cNvPr id="2" name="Slide Image Placeholder 1"/>
+          <p:cNvPr id="2" name="Slide Image Placeholder 1">
+            <a:extLst>
+              <a:ext uri="{FF2B5EF4-FFF2-40B4-BE49-F238E27FC236}">
+                <a16:creationId xmlns:a16="http://schemas.microsoft.com/office/drawing/2014/main" id="{CEAA969B-8B90-FE87-371E-1E5B3E6AB1D1}"/>
+              </a:ext>
+            </a:extLst>
+          </p:cNvPr>
           <p:cNvSpPr>
             <a:spLocks noGrp="1" noRot="1" noChangeAspect="1"/>
           </p:cNvSpPr>
@@ -4091,7 +4273,13 @@
       </p:sp>
       <p:sp>
         <p:nvSpPr>
-          <p:cNvPr id="3" name="Notes Placeholder 2"/>
+          <p:cNvPr id="3" name="Notes Placeholder 2">
+            <a:extLst>
+              <a:ext uri="{FF2B5EF4-FFF2-40B4-BE49-F238E27FC236}">
+                <a16:creationId xmlns:a16="http://schemas.microsoft.com/office/drawing/2014/main" id="{54B5E539-3B2C-1841-7455-C4B43F84D187}"/>
+              </a:ext>
+            </a:extLst>
+          </p:cNvPr>
           <p:cNvSpPr>
             <a:spLocks noGrp="1"/>
           </p:cNvSpPr>
@@ -4110,7 +4298,13 @@
       </p:sp>
       <p:sp>
         <p:nvSpPr>
-          <p:cNvPr id="4" name="Slide Number Placeholder 3"/>
+          <p:cNvPr id="4" name="Slide Number Placeholder 3">
+            <a:extLst>
+              <a:ext uri="{FF2B5EF4-FFF2-40B4-BE49-F238E27FC236}">
+                <a16:creationId xmlns:a16="http://schemas.microsoft.com/office/drawing/2014/main" id="{0A343F0F-9862-AAEF-485F-3FCCDCCCF5BD}"/>
+              </a:ext>
+            </a:extLst>
+          </p:cNvPr>
           <p:cNvSpPr>
             <a:spLocks noGrp="1"/>
           </p:cNvSpPr>
@@ -4134,7 +4328,7 @@
     </p:spTree>
     <p:extLst>
       <p:ext uri="{BB962C8B-B14F-4D97-AF65-F5344CB8AC3E}">
-        <p14:creationId xmlns:p14="http://schemas.microsoft.com/office/powerpoint/2010/main" val="731309434"/>
+        <p14:creationId xmlns:p14="http://schemas.microsoft.com/office/powerpoint/2010/main" val="957300227"/>
       </p:ext>
     </p:extLst>
   </p:cSld>
@@ -4149,7 +4343,13 @@
   <p:cSld>
     <p:spTree>
       <p:nvGrpSpPr>
-        <p:cNvPr id="1" name=""/>
+        <p:cNvPr id="1" name="">
+          <a:extLst>
+            <a:ext uri="{FF2B5EF4-FFF2-40B4-BE49-F238E27FC236}">
+              <a16:creationId xmlns:a16="http://schemas.microsoft.com/office/drawing/2014/main" id="{F00766C2-EB6B-76F4-E358-F77B6934BD86}"/>
+            </a:ext>
+          </a:extLst>
+        </p:cNvPr>
         <p:cNvGrpSpPr/>
         <p:nvPr/>
       </p:nvGrpSpPr>
@@ -4163,7 +4363,13 @@
       </p:grpSpPr>
       <p:sp>
         <p:nvSpPr>
-          <p:cNvPr id="2" name="Slide Image Placeholder 1"/>
+          <p:cNvPr id="2" name="Slide Image Placeholder 1">
+            <a:extLst>
+              <a:ext uri="{FF2B5EF4-FFF2-40B4-BE49-F238E27FC236}">
+                <a16:creationId xmlns:a16="http://schemas.microsoft.com/office/drawing/2014/main" id="{E6ACD7A9-D3B7-2541-03C6-508EA242A905}"/>
+              </a:ext>
+            </a:extLst>
+          </p:cNvPr>
           <p:cNvSpPr>
             <a:spLocks noGrp="1" noRot="1" noChangeAspect="1"/>
           </p:cNvSpPr>
@@ -4175,7 +4381,13 @@
       </p:sp>
       <p:sp>
         <p:nvSpPr>
-          <p:cNvPr id="3" name="Notes Placeholder 2"/>
+          <p:cNvPr id="3" name="Notes Placeholder 2">
+            <a:extLst>
+              <a:ext uri="{FF2B5EF4-FFF2-40B4-BE49-F238E27FC236}">
+                <a16:creationId xmlns:a16="http://schemas.microsoft.com/office/drawing/2014/main" id="{DD9F7477-6E64-16E0-0B19-5E0DCCE009F9}"/>
+              </a:ext>
+            </a:extLst>
+          </p:cNvPr>
           <p:cNvSpPr>
             <a:spLocks noGrp="1"/>
           </p:cNvSpPr>
@@ -4194,7 +4406,13 @@
       </p:sp>
       <p:sp>
         <p:nvSpPr>
-          <p:cNvPr id="4" name="Slide Number Placeholder 3"/>
+          <p:cNvPr id="4" name="Slide Number Placeholder 3">
+            <a:extLst>
+              <a:ext uri="{FF2B5EF4-FFF2-40B4-BE49-F238E27FC236}">
+                <a16:creationId xmlns:a16="http://schemas.microsoft.com/office/drawing/2014/main" id="{05F7883C-08AD-4DE0-65FC-5FC6296CCD1C}"/>
+              </a:ext>
+            </a:extLst>
+          </p:cNvPr>
           <p:cNvSpPr>
             <a:spLocks noGrp="1"/>
           </p:cNvSpPr>
@@ -4218,7 +4436,7 @@
     </p:spTree>
     <p:extLst>
       <p:ext uri="{BB962C8B-B14F-4D97-AF65-F5344CB8AC3E}">
-        <p14:creationId xmlns:p14="http://schemas.microsoft.com/office/powerpoint/2010/main" val="236659336"/>
+        <p14:creationId xmlns:p14="http://schemas.microsoft.com/office/powerpoint/2010/main" val="27271417"/>
       </p:ext>
     </p:extLst>
   </p:cSld>
@@ -4302,7 +4520,7 @@
     </p:spTree>
     <p:extLst>
       <p:ext uri="{BB962C8B-B14F-4D97-AF65-F5344CB8AC3E}">
-        <p14:creationId xmlns:p14="http://schemas.microsoft.com/office/powerpoint/2010/main" val="3327029406"/>
+        <p14:creationId xmlns:p14="http://schemas.microsoft.com/office/powerpoint/2010/main" val="731309434"/>
       </p:ext>
     </p:extLst>
   </p:cSld>
@@ -4386,7 +4604,7 @@
     </p:spTree>
     <p:extLst>
       <p:ext uri="{BB962C8B-B14F-4D97-AF65-F5344CB8AC3E}">
-        <p14:creationId xmlns:p14="http://schemas.microsoft.com/office/powerpoint/2010/main" val="413884245"/>
+        <p14:creationId xmlns:p14="http://schemas.microsoft.com/office/powerpoint/2010/main" val="236659336"/>
       </p:ext>
     </p:extLst>
   </p:cSld>
@@ -4470,7 +4688,7 @@
     </p:spTree>
     <p:extLst>
       <p:ext uri="{BB962C8B-B14F-4D97-AF65-F5344CB8AC3E}">
-        <p14:creationId xmlns:p14="http://schemas.microsoft.com/office/powerpoint/2010/main" val="552981084"/>
+        <p14:creationId xmlns:p14="http://schemas.microsoft.com/office/powerpoint/2010/main" val="3327029406"/>
       </p:ext>
     </p:extLst>
   </p:cSld>
@@ -4554,7 +4772,7 @@
     </p:spTree>
     <p:extLst>
       <p:ext uri="{BB962C8B-B14F-4D97-AF65-F5344CB8AC3E}">
-        <p14:creationId xmlns:p14="http://schemas.microsoft.com/office/powerpoint/2010/main" val="1393862505"/>
+        <p14:creationId xmlns:p14="http://schemas.microsoft.com/office/powerpoint/2010/main" val="413884245"/>
       </p:ext>
     </p:extLst>
   </p:cSld>
@@ -10023,7 +10241,7 @@
           <a:p>
             <a:r>
               <a:rPr lang="en-US" dirty="0"/>
-              <a:t>Data Representation</a:t>
+              <a:t>Data Prep</a:t>
             </a:r>
           </a:p>
         </p:txBody>
@@ -10058,6 +10276,552 @@
               <a:rPr lang="en-US" smtClean="0"/>
               <a:pPr/>
               <a:t>10</a:t>
+            </a:fld>
+            <a:endParaRPr lang="en-US" dirty="0"/>
+          </a:p>
+        </p:txBody>
+      </p:sp>
+      <p:sp>
+        <p:nvSpPr>
+          <p:cNvPr id="4" name="Content Placeholder 3">
+            <a:extLst>
+              <a:ext uri="{FF2B5EF4-FFF2-40B4-BE49-F238E27FC236}">
+                <a16:creationId xmlns:a16="http://schemas.microsoft.com/office/drawing/2014/main" id="{AB1F8A9E-54FC-8CCB-7C5C-8B9D1002ADA2}"/>
+              </a:ext>
+            </a:extLst>
+          </p:cNvPr>
+          <p:cNvSpPr>
+            <a:spLocks noGrp="1"/>
+          </p:cNvSpPr>
+          <p:nvPr>
+            <p:ph sz="half" idx="14"/>
+          </p:nvPr>
+        </p:nvSpPr>
+        <p:spPr>
+          <a:xfrm>
+            <a:off x="1341120" y="1139483"/>
+            <a:ext cx="8920481" cy="5216865"/>
+          </a:xfrm>
+        </p:spPr>
+        <p:txBody>
+          <a:bodyPr/>
+          <a:lstStyle/>
+          <a:p>
+            <a:pPr marL="285750" indent="-285750">
+              <a:buFont typeface="Arial" panose="020B0604020202020204" pitchFamily="34" charset="0"/>
+              <a:buChar char="•"/>
+            </a:pPr>
+            <a:r>
+              <a:rPr lang="en-US" dirty="0"/>
+              <a:t>Displacement field data is fixed, and utility functions have been written to extract and format Caltech’s </a:t>
+            </a:r>
+            <a:r>
+              <a:rPr lang="en-US" dirty="0" err="1"/>
+              <a:t>matlab</a:t>
+            </a:r>
+            <a:r>
+              <a:rPr lang="en-US" dirty="0"/>
+              <a:t> data to python friendly formats.</a:t>
+            </a:r>
+          </a:p>
+          <a:p>
+            <a:pPr marL="285750" indent="-285750">
+              <a:buFont typeface="Arial" panose="020B0604020202020204" pitchFamily="34" charset="0"/>
+              <a:buChar char="•"/>
+            </a:pPr>
+            <a:r>
+              <a:rPr lang="en-US" dirty="0"/>
+              <a:t>Dataset is 400 geometries x 325 wavevectors x 6 bands = 780,000 effective samples.</a:t>
+            </a:r>
+          </a:p>
+          <a:p>
+            <a:pPr marL="285750" indent="-285750">
+              <a:buFont typeface="Arial" panose="020B0604020202020204" pitchFamily="34" charset="0"/>
+              <a:buChar char="•"/>
+            </a:pPr>
+            <a:r>
+              <a:rPr lang="en-US" dirty="0"/>
+              <a:t>Inputs are 4 panes of data, 1 pane each for a 32x32 geometry, </a:t>
+            </a:r>
+            <a:r>
+              <a:rPr lang="en-US" dirty="0" err="1"/>
+              <a:t>wavevector_x</a:t>
+            </a:r>
+            <a:r>
+              <a:rPr lang="en-US" dirty="0"/>
+              <a:t>, </a:t>
+            </a:r>
+            <a:r>
+              <a:rPr lang="en-US" dirty="0" err="1"/>
+              <a:t>wavevector_y</a:t>
+            </a:r>
+            <a:r>
+              <a:rPr lang="en-US" dirty="0"/>
+              <a:t>, and band. The latter 3 are 2D arrays of constants.</a:t>
+            </a:r>
+          </a:p>
+          <a:p>
+            <a:pPr marL="285750" indent="-285750">
+              <a:buFont typeface="Arial" panose="020B0604020202020204" pitchFamily="34" charset="0"/>
+              <a:buChar char="•"/>
+            </a:pPr>
+            <a:r>
+              <a:rPr lang="en-US" dirty="0"/>
+              <a:t>Outputs are 4 panes of data, 1 pane each for </a:t>
+            </a:r>
+            <a:r>
+              <a:rPr lang="en-US" dirty="0" err="1"/>
+              <a:t>x_real</a:t>
+            </a:r>
+            <a:r>
+              <a:rPr lang="en-US" dirty="0"/>
+              <a:t>, </a:t>
+            </a:r>
+            <a:r>
+              <a:rPr lang="en-US" dirty="0" err="1"/>
+              <a:t>x_imag</a:t>
+            </a:r>
+            <a:r>
+              <a:rPr lang="en-US" dirty="0"/>
+              <a:t>, </a:t>
+            </a:r>
+            <a:r>
+              <a:rPr lang="en-US" dirty="0" err="1"/>
+              <a:t>y_real</a:t>
+            </a:r>
+            <a:r>
+              <a:rPr lang="en-US" dirty="0"/>
+              <a:t>, </a:t>
+            </a:r>
+            <a:r>
+              <a:rPr lang="en-US" dirty="0" err="1"/>
+              <a:t>y_imag</a:t>
+            </a:r>
+            <a:r>
+              <a:rPr lang="en-US" dirty="0"/>
+              <a:t> displacement fields.</a:t>
+            </a:r>
+          </a:p>
+        </p:txBody>
+      </p:sp>
+      <p:pic>
+        <p:nvPicPr>
+          <p:cNvPr id="6" name="Picture 5">
+            <a:extLst>
+              <a:ext uri="{FF2B5EF4-FFF2-40B4-BE49-F238E27FC236}">
+                <a16:creationId xmlns:a16="http://schemas.microsoft.com/office/drawing/2014/main" id="{35F5234F-185B-DD95-46BF-D933FD902D5B}"/>
+              </a:ext>
+            </a:extLst>
+          </p:cNvPr>
+          <p:cNvPicPr>
+            <a:picLocks noChangeAspect="1"/>
+          </p:cNvPicPr>
+          <p:nvPr/>
+        </p:nvPicPr>
+        <p:blipFill>
+          <a:blip r:embed="rId3"/>
+          <a:srcRect/>
+          <a:stretch/>
+        </p:blipFill>
+        <p:spPr>
+          <a:xfrm>
+            <a:off x="8046720" y="3519804"/>
+            <a:ext cx="4145279" cy="3338196"/>
+          </a:xfrm>
+          <a:prstGeom prst="rect">
+            <a:avLst/>
+          </a:prstGeom>
+        </p:spPr>
+      </p:pic>
+      <p:pic>
+        <p:nvPicPr>
+          <p:cNvPr id="8" name="Picture 7" descr="A yellow and purple square with a square in the middle&#10;&#10;Description automatically generated">
+            <a:extLst>
+              <a:ext uri="{FF2B5EF4-FFF2-40B4-BE49-F238E27FC236}">
+                <a16:creationId xmlns:a16="http://schemas.microsoft.com/office/drawing/2014/main" id="{5A495E85-62F1-E04C-8F46-BFDCAA0FD500}"/>
+              </a:ext>
+            </a:extLst>
+          </p:cNvPr>
+          <p:cNvPicPr>
+            <a:picLocks noChangeAspect="1"/>
+          </p:cNvPicPr>
+          <p:nvPr/>
+        </p:nvPicPr>
+        <p:blipFill>
+          <a:blip r:embed="rId4"/>
+          <a:stretch>
+            <a:fillRect/>
+          </a:stretch>
+        </p:blipFill>
+        <p:spPr>
+          <a:xfrm>
+            <a:off x="0" y="3795907"/>
+            <a:ext cx="2947181" cy="3062093"/>
+          </a:xfrm>
+          <a:prstGeom prst="rect">
+            <a:avLst/>
+          </a:prstGeom>
+        </p:spPr>
+      </p:pic>
+    </p:spTree>
+    <p:extLst>
+      <p:ext uri="{BB962C8B-B14F-4D97-AF65-F5344CB8AC3E}">
+        <p14:creationId xmlns:p14="http://schemas.microsoft.com/office/powerpoint/2010/main" val="119295080"/>
+      </p:ext>
+    </p:extLst>
+  </p:cSld>
+  <p:clrMapOvr>
+    <a:masterClrMapping/>
+  </p:clrMapOvr>
+</p:sld>
+</file>
+
+<file path=ppt/slides/slide11.xml><?xml version="1.0" encoding="utf-8"?>
+<p:sld xmlns:a="http://schemas.openxmlformats.org/drawingml/2006/main" xmlns:r="http://schemas.openxmlformats.org/officeDocument/2006/relationships" xmlns:p="http://schemas.openxmlformats.org/presentationml/2006/main">
+  <p:cSld>
+    <p:spTree>
+      <p:nvGrpSpPr>
+        <p:cNvPr id="1" name=""/>
+        <p:cNvGrpSpPr/>
+        <p:nvPr/>
+      </p:nvGrpSpPr>
+      <p:grpSpPr>
+        <a:xfrm>
+          <a:off x="0" y="0"/>
+          <a:ext cx="0" cy="0"/>
+          <a:chOff x="0" y="0"/>
+          <a:chExt cx="0" cy="0"/>
+        </a:xfrm>
+      </p:grpSpPr>
+      <p:sp>
+        <p:nvSpPr>
+          <p:cNvPr id="2" name="Title 1">
+            <a:extLst>
+              <a:ext uri="{FF2B5EF4-FFF2-40B4-BE49-F238E27FC236}">
+                <a16:creationId xmlns:a16="http://schemas.microsoft.com/office/drawing/2014/main" id="{8B27D9B3-B64F-656A-0D99-161A6C0F518F}"/>
+              </a:ext>
+            </a:extLst>
+          </p:cNvPr>
+          <p:cNvSpPr>
+            <a:spLocks noGrp="1"/>
+          </p:cNvSpPr>
+          <p:nvPr>
+            <p:ph type="title"/>
+          </p:nvPr>
+        </p:nvSpPr>
+        <p:spPr>
+          <a:xfrm>
+            <a:off x="1341120" y="558801"/>
+            <a:ext cx="9953308" cy="580682"/>
+          </a:xfrm>
+        </p:spPr>
+        <p:txBody>
+          <a:bodyPr/>
+          <a:lstStyle/>
+          <a:p>
+            <a:r>
+              <a:rPr lang="en-US" dirty="0"/>
+              <a:t>Training</a:t>
+            </a:r>
+          </a:p>
+        </p:txBody>
+      </p:sp>
+      <p:sp>
+        <p:nvSpPr>
+          <p:cNvPr id="68" name="Slide Number Placeholder 67">
+            <a:extLst>
+              <a:ext uri="{FF2B5EF4-FFF2-40B4-BE49-F238E27FC236}">
+                <a16:creationId xmlns:a16="http://schemas.microsoft.com/office/drawing/2014/main" id="{AA0ACADD-CC4E-851C-DA07-C22DB97FA23E}"/>
+              </a:ext>
+            </a:extLst>
+          </p:cNvPr>
+          <p:cNvSpPr>
+            <a:spLocks noGrp="1"/>
+          </p:cNvSpPr>
+          <p:nvPr>
+            <p:ph type="sldNum" sz="quarter" idx="13"/>
+          </p:nvPr>
+        </p:nvSpPr>
+        <p:spPr>
+          <a:xfrm>
+            <a:off x="10373350" y="6356349"/>
+            <a:ext cx="987552" cy="365125"/>
+          </a:xfrm>
+        </p:spPr>
+        <p:txBody>
+          <a:bodyPr/>
+          <a:lstStyle/>
+          <a:p>
+            <a:fld id="{A49DFD55-3C28-40EF-9E31-A92D2E4017FF}" type="slidenum">
+              <a:rPr lang="en-US" smtClean="0"/>
+              <a:pPr/>
+              <a:t>11</a:t>
+            </a:fld>
+            <a:endParaRPr lang="en-US" dirty="0"/>
+          </a:p>
+        </p:txBody>
+      </p:sp>
+      <p:sp>
+        <p:nvSpPr>
+          <p:cNvPr id="4" name="Content Placeholder 3">
+            <a:extLst>
+              <a:ext uri="{FF2B5EF4-FFF2-40B4-BE49-F238E27FC236}">
+                <a16:creationId xmlns:a16="http://schemas.microsoft.com/office/drawing/2014/main" id="{AB1F8A9E-54FC-8CCB-7C5C-8B9D1002ADA2}"/>
+              </a:ext>
+            </a:extLst>
+          </p:cNvPr>
+          <p:cNvSpPr>
+            <a:spLocks noGrp="1"/>
+          </p:cNvSpPr>
+          <p:nvPr>
+            <p:ph sz="half" idx="14"/>
+          </p:nvPr>
+        </p:nvSpPr>
+        <p:spPr>
+          <a:xfrm>
+            <a:off x="1341120" y="1139483"/>
+            <a:ext cx="8920481" cy="1899137"/>
+          </a:xfrm>
+        </p:spPr>
+        <p:txBody>
+          <a:bodyPr>
+            <a:normAutofit fontScale="92500" lnSpcReduction="20000"/>
+          </a:bodyPr>
+          <a:lstStyle/>
+          <a:p>
+            <a:pPr marL="285750" indent="-285750">
+              <a:buFont typeface="Arial" panose="020B0604020202020204" pitchFamily="34" charset="0"/>
+              <a:buChar char="•"/>
+            </a:pPr>
+            <a:r>
+              <a:rPr lang="en-US" dirty="0"/>
+              <a:t>Appears to have mode collapse, model is predicting something like the average value of the displacement field.</a:t>
+            </a:r>
+          </a:p>
+          <a:p>
+            <a:pPr marL="285750" indent="-285750">
+              <a:buFont typeface="Arial" panose="020B0604020202020204" pitchFamily="34" charset="0"/>
+              <a:buChar char="•"/>
+            </a:pPr>
+            <a:r>
+              <a:rPr lang="en-US" dirty="0"/>
+              <a:t>Model is a FNO with 1 lifting layer, 4 Fourier layers, and 1 projection layer.</a:t>
+            </a:r>
+          </a:p>
+          <a:p>
+            <a:pPr marL="285750" indent="-285750">
+              <a:buFont typeface="Arial" panose="020B0604020202020204" pitchFamily="34" charset="0"/>
+              <a:buChar char="•"/>
+            </a:pPr>
+            <a:r>
+              <a:rPr lang="en-US" dirty="0"/>
+              <a:t>ADAM optimizer, 10 epochs, 18282 batches/epoch, 32 samples/batch, MSE loss</a:t>
+            </a:r>
+          </a:p>
+          <a:p>
+            <a:pPr marL="285750" indent="-285750">
+              <a:buFont typeface="Arial" panose="020B0604020202020204" pitchFamily="34" charset="0"/>
+              <a:buChar char="•"/>
+            </a:pPr>
+            <a:r>
+              <a:rPr lang="en-US" dirty="0"/>
+              <a:t>Next steps: normalize data before training, increase batch size to 256.</a:t>
+            </a:r>
+          </a:p>
+          <a:p>
+            <a:pPr marL="285750" indent="-285750">
+              <a:buFont typeface="Arial" panose="020B0604020202020204" pitchFamily="34" charset="0"/>
+              <a:buChar char="•"/>
+            </a:pPr>
+            <a:r>
+              <a:rPr lang="en-US" dirty="0"/>
+              <a:t>Other potential fixes: change loss function, add layers.</a:t>
+            </a:r>
+          </a:p>
+        </p:txBody>
+      </p:sp>
+      <p:pic>
+        <p:nvPicPr>
+          <p:cNvPr id="6" name="Picture 5">
+            <a:extLst>
+              <a:ext uri="{FF2B5EF4-FFF2-40B4-BE49-F238E27FC236}">
+                <a16:creationId xmlns:a16="http://schemas.microsoft.com/office/drawing/2014/main" id="{35F5234F-185B-DD95-46BF-D933FD902D5B}"/>
+              </a:ext>
+            </a:extLst>
+          </p:cNvPr>
+          <p:cNvPicPr>
+            <a:picLocks noChangeAspect="1"/>
+          </p:cNvPicPr>
+          <p:nvPr/>
+        </p:nvPicPr>
+        <p:blipFill>
+          <a:blip r:embed="rId3"/>
+          <a:srcRect/>
+          <a:stretch/>
+        </p:blipFill>
+        <p:spPr>
+          <a:xfrm>
+            <a:off x="8475616" y="3038623"/>
+            <a:ext cx="3716383" cy="3819378"/>
+          </a:xfrm>
+          <a:prstGeom prst="rect">
+            <a:avLst/>
+          </a:prstGeom>
+        </p:spPr>
+      </p:pic>
+      <p:pic>
+        <p:nvPicPr>
+          <p:cNvPr id="5" name="Picture 4" descr="A screenshot of a computer screen&#10;&#10;Description automatically generated">
+            <a:extLst>
+              <a:ext uri="{FF2B5EF4-FFF2-40B4-BE49-F238E27FC236}">
+                <a16:creationId xmlns:a16="http://schemas.microsoft.com/office/drawing/2014/main" id="{5C52E863-3162-99D9-3E10-D989D08B32CE}"/>
+              </a:ext>
+            </a:extLst>
+          </p:cNvPr>
+          <p:cNvPicPr>
+            <a:picLocks noChangeAspect="1"/>
+          </p:cNvPicPr>
+          <p:nvPr/>
+        </p:nvPicPr>
+        <p:blipFill>
+          <a:blip r:embed="rId4"/>
+          <a:stretch>
+            <a:fillRect/>
+          </a:stretch>
+        </p:blipFill>
+        <p:spPr>
+          <a:xfrm>
+            <a:off x="4536267" y="3038622"/>
+            <a:ext cx="3563014" cy="3819378"/>
+          </a:xfrm>
+          <a:prstGeom prst="rect">
+            <a:avLst/>
+          </a:prstGeom>
+        </p:spPr>
+      </p:pic>
+      <p:pic>
+        <p:nvPicPr>
+          <p:cNvPr id="9" name="Picture 8" descr="A screenshot of a computer screen&#10;&#10;Description automatically generated">
+            <a:extLst>
+              <a:ext uri="{FF2B5EF4-FFF2-40B4-BE49-F238E27FC236}">
+                <a16:creationId xmlns:a16="http://schemas.microsoft.com/office/drawing/2014/main" id="{324518F4-1224-CEED-72D1-19ED9FA170A8}"/>
+              </a:ext>
+            </a:extLst>
+          </p:cNvPr>
+          <p:cNvPicPr>
+            <a:picLocks noChangeAspect="1"/>
+          </p:cNvPicPr>
+          <p:nvPr/>
+        </p:nvPicPr>
+        <p:blipFill>
+          <a:blip r:embed="rId5"/>
+          <a:stretch>
+            <a:fillRect/>
+          </a:stretch>
+        </p:blipFill>
+        <p:spPr>
+          <a:xfrm>
+            <a:off x="0" y="3038620"/>
+            <a:ext cx="3497839" cy="3819379"/>
+          </a:xfrm>
+          <a:prstGeom prst="rect">
+            <a:avLst/>
+          </a:prstGeom>
+        </p:spPr>
+      </p:pic>
+    </p:spTree>
+    <p:extLst>
+      <p:ext uri="{BB962C8B-B14F-4D97-AF65-F5344CB8AC3E}">
+        <p14:creationId xmlns:p14="http://schemas.microsoft.com/office/powerpoint/2010/main" val="2588372954"/>
+      </p:ext>
+    </p:extLst>
+  </p:cSld>
+  <p:clrMapOvr>
+    <a:masterClrMapping/>
+  </p:clrMapOvr>
+</p:sld>
+</file>
+
+<file path=ppt/slides/slide12.xml><?xml version="1.0" encoding="utf-8"?>
+<p:sld xmlns:a="http://schemas.openxmlformats.org/drawingml/2006/main" xmlns:r="http://schemas.openxmlformats.org/officeDocument/2006/relationships" xmlns:p="http://schemas.openxmlformats.org/presentationml/2006/main">
+  <p:cSld>
+    <p:spTree>
+      <p:nvGrpSpPr>
+        <p:cNvPr id="1" name=""/>
+        <p:cNvGrpSpPr/>
+        <p:nvPr/>
+      </p:nvGrpSpPr>
+      <p:grpSpPr>
+        <a:xfrm>
+          <a:off x="0" y="0"/>
+          <a:ext cx="0" cy="0"/>
+          <a:chOff x="0" y="0"/>
+          <a:chExt cx="0" cy="0"/>
+        </a:xfrm>
+      </p:grpSpPr>
+      <p:sp>
+        <p:nvSpPr>
+          <p:cNvPr id="2" name="Title 1">
+            <a:extLst>
+              <a:ext uri="{FF2B5EF4-FFF2-40B4-BE49-F238E27FC236}">
+                <a16:creationId xmlns:a16="http://schemas.microsoft.com/office/drawing/2014/main" id="{8B27D9B3-B64F-656A-0D99-161A6C0F518F}"/>
+              </a:ext>
+            </a:extLst>
+          </p:cNvPr>
+          <p:cNvSpPr>
+            <a:spLocks noGrp="1"/>
+          </p:cNvSpPr>
+          <p:nvPr>
+            <p:ph type="title"/>
+          </p:nvPr>
+        </p:nvSpPr>
+        <p:spPr>
+          <a:xfrm>
+            <a:off x="1341120" y="558801"/>
+            <a:ext cx="9953308" cy="580682"/>
+          </a:xfrm>
+        </p:spPr>
+        <p:txBody>
+          <a:bodyPr/>
+          <a:lstStyle/>
+          <a:p>
+            <a:r>
+              <a:rPr lang="en-US" dirty="0"/>
+              <a:t>Data Representation</a:t>
+            </a:r>
+          </a:p>
+        </p:txBody>
+      </p:sp>
+      <p:sp>
+        <p:nvSpPr>
+          <p:cNvPr id="68" name="Slide Number Placeholder 67">
+            <a:extLst>
+              <a:ext uri="{FF2B5EF4-FFF2-40B4-BE49-F238E27FC236}">
+                <a16:creationId xmlns:a16="http://schemas.microsoft.com/office/drawing/2014/main" id="{AA0ACADD-CC4E-851C-DA07-C22DB97FA23E}"/>
+              </a:ext>
+            </a:extLst>
+          </p:cNvPr>
+          <p:cNvSpPr>
+            <a:spLocks noGrp="1"/>
+          </p:cNvSpPr>
+          <p:nvPr>
+            <p:ph type="sldNum" sz="quarter" idx="13"/>
+          </p:nvPr>
+        </p:nvSpPr>
+        <p:spPr>
+          <a:xfrm>
+            <a:off x="10373350" y="6356349"/>
+            <a:ext cx="987552" cy="365125"/>
+          </a:xfrm>
+        </p:spPr>
+        <p:txBody>
+          <a:bodyPr/>
+          <a:lstStyle/>
+          <a:p>
+            <a:fld id="{A49DFD55-3C28-40EF-9E31-A92D2E4017FF}" type="slidenum">
+              <a:rPr lang="en-US" smtClean="0"/>
+              <a:pPr/>
+              <a:t>12</a:t>
             </a:fld>
             <a:endParaRPr lang="en-US" dirty="0"/>
           </a:p>
@@ -10590,7 +11354,7 @@
 </p:sld>
 </file>
 
-<file path=ppt/slides/slide11.xml><?xml version="1.0" encoding="utf-8"?>
+<file path=ppt/slides/slide13.xml><?xml version="1.0" encoding="utf-8"?>
 <p:sld xmlns:a="http://schemas.openxmlformats.org/drawingml/2006/main" xmlns:r="http://schemas.openxmlformats.org/officeDocument/2006/relationships" xmlns:p="http://schemas.openxmlformats.org/presentationml/2006/main">
   <p:cSld>
     <p:spTree>
@@ -10669,7 +11433,7 @@
             <a:fld id="{A49DFD55-3C28-40EF-9E31-A92D2E4017FF}" type="slidenum">
               <a:rPr lang="en-US" smtClean="0"/>
               <a:pPr/>
-              <a:t>11</a:t>
+              <a:t>13</a:t>
             </a:fld>
             <a:endParaRPr lang="en-US" dirty="0"/>
           </a:p>
@@ -10851,7 +11615,7 @@
 </p:sld>
 </file>
 
-<file path=ppt/slides/slide12.xml><?xml version="1.0" encoding="utf-8"?>
+<file path=ppt/slides/slide14.xml><?xml version="1.0" encoding="utf-8"?>
 <p:sld xmlns:a="http://schemas.openxmlformats.org/drawingml/2006/main" xmlns:r="http://schemas.openxmlformats.org/officeDocument/2006/relationships" xmlns:p="http://schemas.openxmlformats.org/presentationml/2006/main">
   <p:cSld>
     <p:spTree>
@@ -10930,7 +11694,7 @@
             <a:fld id="{A49DFD55-3C28-40EF-9E31-A92D2E4017FF}" type="slidenum">
               <a:rPr lang="en-US" smtClean="0"/>
               <a:pPr/>
-              <a:t>12</a:t>
+              <a:t>14</a:t>
             </a:fld>
             <a:endParaRPr lang="en-US" dirty="0"/>
           </a:p>
@@ -11059,7 +11823,7 @@
 </p:sld>
 </file>
 
-<file path=ppt/slides/slide13.xml><?xml version="1.0" encoding="utf-8"?>
+<file path=ppt/slides/slide15.xml><?xml version="1.0" encoding="utf-8"?>
 <p:sld xmlns:a="http://schemas.openxmlformats.org/drawingml/2006/main" xmlns:r="http://schemas.openxmlformats.org/officeDocument/2006/relationships" xmlns:p="http://schemas.openxmlformats.org/presentationml/2006/main">
   <p:cSld>
     <p:spTree>
@@ -11173,7 +11937,7 @@
             <a:fld id="{A49DFD55-3C28-40EF-9E31-A92D2E4017FF}" type="slidenum">
               <a:rPr lang="en-US" smtClean="0"/>
               <a:pPr/>
-              <a:t>13</a:t>
+              <a:t>15</a:t>
             </a:fld>
             <a:endParaRPr lang="en-US" dirty="0"/>
           </a:p>
@@ -11591,6 +12355,3094 @@
   <p:cSld>
     <p:spTree>
       <p:nvGrpSpPr>
+        <p:cNvPr id="1" name="">
+          <a:extLst>
+            <a:ext uri="{FF2B5EF4-FFF2-40B4-BE49-F238E27FC236}">
+              <a16:creationId xmlns:a16="http://schemas.microsoft.com/office/drawing/2014/main" id="{AA5FCED3-3C49-EEBC-C1B0-D7A1B6BB9608}"/>
+            </a:ext>
+          </a:extLst>
+        </p:cNvPr>
+        <p:cNvGrpSpPr/>
+        <p:nvPr/>
+      </p:nvGrpSpPr>
+      <p:grpSpPr>
+        <a:xfrm>
+          <a:off x="0" y="0"/>
+          <a:ext cx="0" cy="0"/>
+          <a:chOff x="0" y="0"/>
+          <a:chExt cx="0" cy="0"/>
+        </a:xfrm>
+      </p:grpSpPr>
+      <p:sp>
+        <p:nvSpPr>
+          <p:cNvPr id="2" name="Title 1">
+            <a:extLst>
+              <a:ext uri="{FF2B5EF4-FFF2-40B4-BE49-F238E27FC236}">
+                <a16:creationId xmlns:a16="http://schemas.microsoft.com/office/drawing/2014/main" id="{C1D79F3B-4717-7153-47B8-7E2443D40877}"/>
+              </a:ext>
+            </a:extLst>
+          </p:cNvPr>
+          <p:cNvSpPr>
+            <a:spLocks noGrp="1"/>
+          </p:cNvSpPr>
+          <p:nvPr>
+            <p:ph type="title"/>
+          </p:nvPr>
+        </p:nvSpPr>
+        <p:spPr>
+          <a:xfrm>
+            <a:off x="1341120" y="558801"/>
+            <a:ext cx="9953308" cy="580682"/>
+          </a:xfrm>
+        </p:spPr>
+        <p:txBody>
+          <a:bodyPr/>
+          <a:lstStyle/>
+          <a:p>
+            <a:r>
+              <a:rPr lang="en-US" dirty="0"/>
+              <a:t>Governing Equations – Solid Acoustics</a:t>
+            </a:r>
+          </a:p>
+        </p:txBody>
+      </p:sp>
+      <p:sp>
+        <p:nvSpPr>
+          <p:cNvPr id="68" name="Slide Number Placeholder 67">
+            <a:extLst>
+              <a:ext uri="{FF2B5EF4-FFF2-40B4-BE49-F238E27FC236}">
+                <a16:creationId xmlns:a16="http://schemas.microsoft.com/office/drawing/2014/main" id="{10CC6860-06AC-5BBF-6D69-02A45795450C}"/>
+              </a:ext>
+            </a:extLst>
+          </p:cNvPr>
+          <p:cNvSpPr>
+            <a:spLocks noGrp="1"/>
+          </p:cNvSpPr>
+          <p:nvPr>
+            <p:ph type="sldNum" sz="quarter" idx="13"/>
+          </p:nvPr>
+        </p:nvSpPr>
+        <p:spPr>
+          <a:xfrm>
+            <a:off x="10373350" y="6356349"/>
+            <a:ext cx="987552" cy="365125"/>
+          </a:xfrm>
+        </p:spPr>
+        <p:txBody>
+          <a:bodyPr/>
+          <a:lstStyle/>
+          <a:p>
+            <a:fld id="{A49DFD55-3C28-40EF-9E31-A92D2E4017FF}" type="slidenum">
+              <a:rPr lang="en-US" smtClean="0"/>
+              <a:pPr/>
+              <a:t>4</a:t>
+            </a:fld>
+            <a:endParaRPr lang="en-US" dirty="0"/>
+          </a:p>
+        </p:txBody>
+      </p:sp>
+      <mc:AlternateContent xmlns:mc="http://schemas.openxmlformats.org/markup-compatibility/2006">
+        <mc:Choice xmlns:a14="http://schemas.microsoft.com/office/drawing/2010/main" Requires="a14">
+          <p:sp>
+            <p:nvSpPr>
+              <p:cNvPr id="4" name="Content Placeholder 3">
+                <a:extLst>
+                  <a:ext uri="{FF2B5EF4-FFF2-40B4-BE49-F238E27FC236}">
+                    <a16:creationId xmlns:a16="http://schemas.microsoft.com/office/drawing/2014/main" id="{C9F60626-48B6-5ABF-56DC-461C6D7C5091}"/>
+                  </a:ext>
+                </a:extLst>
+              </p:cNvPr>
+              <p:cNvSpPr>
+                <a:spLocks noGrp="1"/>
+              </p:cNvSpPr>
+              <p:nvPr>
+                <p:ph sz="half" idx="14"/>
+              </p:nvPr>
+            </p:nvSpPr>
+            <p:spPr>
+              <a:xfrm>
+                <a:off x="1341120" y="1139483"/>
+                <a:ext cx="8920481" cy="5216865"/>
+              </a:xfrm>
+            </p:spPr>
+            <p:txBody>
+              <a:bodyPr>
+                <a:normAutofit/>
+              </a:bodyPr>
+              <a:lstStyle/>
+              <a:p>
+                <a:pPr marL="285750" indent="-285750">
+                  <a:buFont typeface="Arial" panose="020B0604020202020204" pitchFamily="34" charset="0"/>
+                  <a:buChar char="•"/>
+                </a:pPr>
+                <a:r>
+                  <a:rPr lang="en-US" dirty="0"/>
+                  <a:t>Momentum Conservation (Navier’s Equation):</a:t>
+                </a:r>
+              </a:p>
+              <a:p>
+                <a:pPr marL="0" indent="0">
+                  <a:buNone/>
+                </a:pPr>
+                <a14:m>
+                  <m:oMathPara xmlns:m="http://schemas.openxmlformats.org/officeDocument/2006/math">
+                    <m:oMathParaPr>
+                      <m:jc m:val="centerGroup"/>
+                    </m:oMathParaPr>
+                    <m:oMath xmlns:m="http://schemas.openxmlformats.org/officeDocument/2006/math">
+                      <m:r>
+                        <a:rPr lang="en-US" b="0" i="1" smtClean="0">
+                          <a:latin typeface="Cambria Math" panose="02040503050406030204" pitchFamily="18" charset="0"/>
+                        </a:rPr>
+                        <m:t>𝜌</m:t>
+                      </m:r>
+                      <m:f>
+                        <m:fPr>
+                          <m:ctrlPr>
+                            <a:rPr lang="en-US" b="0" i="1" smtClean="0">
+                              <a:latin typeface="Cambria Math" panose="02040503050406030204" pitchFamily="18" charset="0"/>
+                            </a:rPr>
+                          </m:ctrlPr>
+                        </m:fPr>
+                        <m:num>
+                          <m:sSup>
+                            <m:sSupPr>
+                              <m:ctrlPr>
+                                <a:rPr lang="en-US" b="0" i="1" smtClean="0">
+                                  <a:latin typeface="Cambria Math" panose="02040503050406030204" pitchFamily="18" charset="0"/>
+                                </a:rPr>
+                              </m:ctrlPr>
+                            </m:sSupPr>
+                            <m:e>
+                              <m:r>
+                                <a:rPr lang="en-US" b="0" i="1" smtClean="0">
+                                  <a:latin typeface="Cambria Math" panose="02040503050406030204" pitchFamily="18" charset="0"/>
+                                  <a:ea typeface="Cambria Math" panose="02040503050406030204" pitchFamily="18" charset="0"/>
+                                </a:rPr>
+                                <m:t>𝜕</m:t>
+                              </m:r>
+                            </m:e>
+                            <m:sup>
+                              <m:r>
+                                <a:rPr lang="en-US" b="0" i="1" smtClean="0">
+                                  <a:latin typeface="Cambria Math" panose="02040503050406030204" pitchFamily="18" charset="0"/>
+                                </a:rPr>
+                                <m:t>2</m:t>
+                              </m:r>
+                            </m:sup>
+                          </m:sSup>
+                          <m:acc>
+                            <m:accPr>
+                              <m:chr m:val="̅"/>
+                              <m:ctrlPr>
+                                <a:rPr lang="en-US" b="0" i="1" smtClean="0">
+                                  <a:latin typeface="Cambria Math" panose="02040503050406030204" pitchFamily="18" charset="0"/>
+                                </a:rPr>
+                              </m:ctrlPr>
+                            </m:accPr>
+                            <m:e>
+                              <m:r>
+                                <a:rPr lang="en-US" b="0" i="1" smtClean="0">
+                                  <a:latin typeface="Cambria Math" panose="02040503050406030204" pitchFamily="18" charset="0"/>
+                                </a:rPr>
+                                <m:t>𝑢</m:t>
+                              </m:r>
+                            </m:e>
+                          </m:acc>
+                        </m:num>
+                        <m:den>
+                          <m:r>
+                            <a:rPr lang="en-US" b="0" i="1" smtClean="0">
+                              <a:latin typeface="Cambria Math" panose="02040503050406030204" pitchFamily="18" charset="0"/>
+                              <a:ea typeface="Cambria Math" panose="02040503050406030204" pitchFamily="18" charset="0"/>
+                            </a:rPr>
+                            <m:t>𝜕</m:t>
+                          </m:r>
+                          <m:sSup>
+                            <m:sSupPr>
+                              <m:ctrlPr>
+                                <a:rPr lang="en-US" b="0" i="1" smtClean="0">
+                                  <a:latin typeface="Cambria Math" panose="02040503050406030204" pitchFamily="18" charset="0"/>
+                                </a:rPr>
+                              </m:ctrlPr>
+                            </m:sSupPr>
+                            <m:e>
+                              <m:r>
+                                <a:rPr lang="en-US" b="0" i="1" smtClean="0">
+                                  <a:latin typeface="Cambria Math" panose="02040503050406030204" pitchFamily="18" charset="0"/>
+                                </a:rPr>
+                                <m:t>𝑡</m:t>
+                              </m:r>
+                            </m:e>
+                            <m:sup>
+                              <m:r>
+                                <a:rPr lang="en-US" b="0" i="1" smtClean="0">
+                                  <a:latin typeface="Cambria Math" panose="02040503050406030204" pitchFamily="18" charset="0"/>
+                                </a:rPr>
+                                <m:t>2</m:t>
+                              </m:r>
+                            </m:sup>
+                          </m:sSup>
+                        </m:den>
+                      </m:f>
+                      <m:r>
+                        <a:rPr lang="en-US" b="0" i="1" smtClean="0">
+                          <a:latin typeface="Cambria Math" panose="02040503050406030204" pitchFamily="18" charset="0"/>
+                        </a:rPr>
+                        <m:t>=</m:t>
+                      </m:r>
+                      <m:r>
+                        <m:rPr>
+                          <m:sty m:val="p"/>
+                        </m:rPr>
+                        <a:rPr lang="en-US" b="0" i="1" smtClean="0">
+                          <a:latin typeface="Cambria Math" panose="02040503050406030204" pitchFamily="18" charset="0"/>
+                          <a:ea typeface="Cambria Math" panose="02040503050406030204" pitchFamily="18" charset="0"/>
+                        </a:rPr>
+                        <m:t>∇</m:t>
+                      </m:r>
+                      <m:r>
+                        <a:rPr lang="en-US" b="0" i="1" smtClean="0">
+                          <a:latin typeface="Cambria Math" panose="02040503050406030204" pitchFamily="18" charset="0"/>
+                          <a:ea typeface="Cambria Math" panose="02040503050406030204" pitchFamily="18" charset="0"/>
+                        </a:rPr>
+                        <m:t>⋅</m:t>
+                      </m:r>
+                      <m:acc>
+                        <m:accPr>
+                          <m:chr m:val="̅"/>
+                          <m:ctrlPr>
+                            <a:rPr lang="en-US" b="0" i="1" smtClean="0">
+                              <a:latin typeface="Cambria Math" panose="02040503050406030204" pitchFamily="18" charset="0"/>
+                              <a:ea typeface="Cambria Math" panose="02040503050406030204" pitchFamily="18" charset="0"/>
+                            </a:rPr>
+                          </m:ctrlPr>
+                        </m:accPr>
+                        <m:e>
+                          <m:r>
+                            <a:rPr lang="en-US" b="0" i="1" smtClean="0">
+                              <a:latin typeface="Cambria Math" panose="02040503050406030204" pitchFamily="18" charset="0"/>
+                              <a:ea typeface="Cambria Math" panose="02040503050406030204" pitchFamily="18" charset="0"/>
+                            </a:rPr>
+                            <m:t>𝜎</m:t>
+                          </m:r>
+                        </m:e>
+                      </m:acc>
+                      <m:r>
+                        <a:rPr lang="en-US" b="0" i="1" smtClean="0">
+                          <a:latin typeface="Cambria Math" panose="02040503050406030204" pitchFamily="18" charset="0"/>
+                          <a:ea typeface="Cambria Math" panose="02040503050406030204" pitchFamily="18" charset="0"/>
+                        </a:rPr>
+                        <m:t>+</m:t>
+                      </m:r>
+                      <m:acc>
+                        <m:accPr>
+                          <m:chr m:val="̅"/>
+                          <m:ctrlPr>
+                            <a:rPr lang="en-US" b="0" i="1" smtClean="0">
+                              <a:latin typeface="Cambria Math" panose="02040503050406030204" pitchFamily="18" charset="0"/>
+                              <a:ea typeface="Cambria Math" panose="02040503050406030204" pitchFamily="18" charset="0"/>
+                            </a:rPr>
+                          </m:ctrlPr>
+                        </m:accPr>
+                        <m:e>
+                          <m:r>
+                            <a:rPr lang="en-US" b="0" i="1" smtClean="0">
+                              <a:latin typeface="Cambria Math" panose="02040503050406030204" pitchFamily="18" charset="0"/>
+                              <a:ea typeface="Cambria Math" panose="02040503050406030204" pitchFamily="18" charset="0"/>
+                            </a:rPr>
+                            <m:t>𝑓</m:t>
+                          </m:r>
+                        </m:e>
+                      </m:acc>
+                    </m:oMath>
+                  </m:oMathPara>
+                </a14:m>
+                <a:endParaRPr lang="en-US" dirty="0"/>
+              </a:p>
+              <a:p>
+                <a:pPr marL="290513"/>
+                <a:r>
+                  <a:rPr lang="en-US" dirty="0"/>
+                  <a:t>The displacement at any point, is equal to the sum of internal forces and external forces. </a:t>
+                </a:r>
+              </a:p>
+              <a:p>
+                <a:pPr marL="285750" indent="-285750">
+                  <a:buFont typeface="Arial" panose="020B0604020202020204" pitchFamily="34" charset="0"/>
+                  <a:buChar char="•"/>
+                </a:pPr>
+                <a:r>
+                  <a:rPr lang="en-US" dirty="0"/>
+                  <a:t>Constitutive Relation (Hooke’s Law):</a:t>
+                </a:r>
+              </a:p>
+              <a:p>
+                <a:pPr lvl="1" indent="0">
+                  <a:buNone/>
+                </a:pPr>
+                <a14:m>
+                  <m:oMathPara xmlns:m="http://schemas.openxmlformats.org/officeDocument/2006/math">
+                    <m:oMathParaPr>
+                      <m:jc m:val="centerGroup"/>
+                    </m:oMathParaPr>
+                    <m:oMath xmlns:m="http://schemas.openxmlformats.org/officeDocument/2006/math">
+                      <m:acc>
+                        <m:accPr>
+                          <m:chr m:val="̅"/>
+                          <m:ctrlPr>
+                            <a:rPr lang="en-US" i="1" smtClean="0">
+                              <a:latin typeface="Cambria Math" panose="02040503050406030204" pitchFamily="18" charset="0"/>
+                              <a:ea typeface="Cambria Math" panose="02040503050406030204" pitchFamily="18" charset="0"/>
+                            </a:rPr>
+                          </m:ctrlPr>
+                        </m:accPr>
+                        <m:e>
+                          <m:r>
+                            <a:rPr lang="en-US" b="0" i="1" smtClean="0">
+                              <a:latin typeface="Cambria Math" panose="02040503050406030204" pitchFamily="18" charset="0"/>
+                              <a:ea typeface="Cambria Math" panose="02040503050406030204" pitchFamily="18" charset="0"/>
+                            </a:rPr>
+                            <m:t>𝜎</m:t>
+                          </m:r>
+                        </m:e>
+                      </m:acc>
+                      <m:r>
+                        <a:rPr lang="en-US" b="0" i="1" smtClean="0">
+                          <a:latin typeface="Cambria Math" panose="02040503050406030204" pitchFamily="18" charset="0"/>
+                          <a:ea typeface="Cambria Math" panose="02040503050406030204" pitchFamily="18" charset="0"/>
+                        </a:rPr>
+                        <m:t>=</m:t>
+                      </m:r>
+                      <m:acc>
+                        <m:accPr>
+                          <m:chr m:val="̿"/>
+                          <m:ctrlPr>
+                            <a:rPr lang="en-US" b="0" i="1" smtClean="0">
+                              <a:latin typeface="Cambria Math" panose="02040503050406030204" pitchFamily="18" charset="0"/>
+                              <a:ea typeface="Cambria Math" panose="02040503050406030204" pitchFamily="18" charset="0"/>
+                            </a:rPr>
+                          </m:ctrlPr>
+                        </m:accPr>
+                        <m:e>
+                          <m:r>
+                            <a:rPr lang="en-US" b="0" i="1" smtClean="0">
+                              <a:latin typeface="Cambria Math" panose="02040503050406030204" pitchFamily="18" charset="0"/>
+                              <a:ea typeface="Cambria Math" panose="02040503050406030204" pitchFamily="18" charset="0"/>
+                            </a:rPr>
+                            <m:t>𝐶</m:t>
+                          </m:r>
+                        </m:e>
+                      </m:acc>
+                      <m:r>
+                        <a:rPr lang="en-US" b="0" i="1" smtClean="0">
+                          <a:latin typeface="Cambria Math" panose="02040503050406030204" pitchFamily="18" charset="0"/>
+                          <a:ea typeface="Cambria Math" panose="02040503050406030204" pitchFamily="18" charset="0"/>
+                        </a:rPr>
+                        <m:t>:</m:t>
+                      </m:r>
+                      <m:acc>
+                        <m:accPr>
+                          <m:chr m:val="̅"/>
+                          <m:ctrlPr>
+                            <a:rPr lang="en-US" b="0" i="1" smtClean="0">
+                              <a:latin typeface="Cambria Math" panose="02040503050406030204" pitchFamily="18" charset="0"/>
+                              <a:ea typeface="Cambria Math" panose="02040503050406030204" pitchFamily="18" charset="0"/>
+                            </a:rPr>
+                          </m:ctrlPr>
+                        </m:accPr>
+                        <m:e>
+                          <m:r>
+                            <a:rPr lang="en-US" b="0" i="1" smtClean="0">
+                              <a:latin typeface="Cambria Math" panose="02040503050406030204" pitchFamily="18" charset="0"/>
+                              <a:ea typeface="Cambria Math" panose="02040503050406030204" pitchFamily="18" charset="0"/>
+                            </a:rPr>
+                            <m:t>𝜖</m:t>
+                          </m:r>
+                        </m:e>
+                      </m:acc>
+                      <m:r>
+                        <a:rPr lang="en-US" b="0" i="1" smtClean="0">
+                          <a:latin typeface="Cambria Math" panose="02040503050406030204" pitchFamily="18" charset="0"/>
+                          <a:ea typeface="Cambria Math" panose="02040503050406030204" pitchFamily="18" charset="0"/>
+                        </a:rPr>
+                        <m:t>=</m:t>
+                      </m:r>
+                      <m:r>
+                        <a:rPr lang="en-US" b="0" i="1" smtClean="0">
+                          <a:latin typeface="Cambria Math" panose="02040503050406030204" pitchFamily="18" charset="0"/>
+                          <a:ea typeface="Cambria Math" panose="02040503050406030204" pitchFamily="18" charset="0"/>
+                        </a:rPr>
+                        <m:t>𝜆</m:t>
+                      </m:r>
+                      <m:d>
+                        <m:dPr>
+                          <m:ctrlPr>
+                            <a:rPr lang="en-US" b="0" i="1" smtClean="0">
+                              <a:latin typeface="Cambria Math" panose="02040503050406030204" pitchFamily="18" charset="0"/>
+                              <a:ea typeface="Cambria Math" panose="02040503050406030204" pitchFamily="18" charset="0"/>
+                            </a:rPr>
+                          </m:ctrlPr>
+                        </m:dPr>
+                        <m:e>
+                          <m:r>
+                            <m:rPr>
+                              <m:sty m:val="p"/>
+                            </m:rPr>
+                            <a:rPr lang="en-US" b="0" i="0" smtClean="0">
+                              <a:latin typeface="Cambria Math" panose="02040503050406030204" pitchFamily="18" charset="0"/>
+                              <a:ea typeface="Cambria Math" panose="02040503050406030204" pitchFamily="18" charset="0"/>
+                            </a:rPr>
+                            <m:t>∇</m:t>
+                          </m:r>
+                          <m:r>
+                            <a:rPr lang="en-US" b="0" i="1" smtClean="0">
+                              <a:latin typeface="Cambria Math" panose="02040503050406030204" pitchFamily="18" charset="0"/>
+                              <a:ea typeface="Cambria Math" panose="02040503050406030204" pitchFamily="18" charset="0"/>
+                            </a:rPr>
+                            <m:t>⋅</m:t>
+                          </m:r>
+                          <m:acc>
+                            <m:accPr>
+                              <m:chr m:val="̅"/>
+                              <m:ctrlPr>
+                                <a:rPr lang="en-US" b="0" i="1" smtClean="0">
+                                  <a:latin typeface="Cambria Math" panose="02040503050406030204" pitchFamily="18" charset="0"/>
+                                  <a:ea typeface="Cambria Math" panose="02040503050406030204" pitchFamily="18" charset="0"/>
+                                </a:rPr>
+                              </m:ctrlPr>
+                            </m:accPr>
+                            <m:e>
+                              <m:r>
+                                <a:rPr lang="en-US" b="0" i="1" smtClean="0">
+                                  <a:latin typeface="Cambria Math" panose="02040503050406030204" pitchFamily="18" charset="0"/>
+                                  <a:ea typeface="Cambria Math" panose="02040503050406030204" pitchFamily="18" charset="0"/>
+                                </a:rPr>
+                                <m:t>𝑢</m:t>
+                              </m:r>
+                            </m:e>
+                          </m:acc>
+                        </m:e>
+                      </m:d>
+                      <m:acc>
+                        <m:accPr>
+                          <m:chr m:val="̿"/>
+                          <m:ctrlPr>
+                            <a:rPr lang="en-US" b="0" i="1" smtClean="0">
+                              <a:latin typeface="Cambria Math" panose="02040503050406030204" pitchFamily="18" charset="0"/>
+                              <a:ea typeface="Cambria Math" panose="02040503050406030204" pitchFamily="18" charset="0"/>
+                            </a:rPr>
+                          </m:ctrlPr>
+                        </m:accPr>
+                        <m:e>
+                          <m:r>
+                            <a:rPr lang="en-US" b="0" i="1" smtClean="0">
+                              <a:latin typeface="Cambria Math" panose="02040503050406030204" pitchFamily="18" charset="0"/>
+                              <a:ea typeface="Cambria Math" panose="02040503050406030204" pitchFamily="18" charset="0"/>
+                            </a:rPr>
+                            <m:t>𝐼</m:t>
+                          </m:r>
+                        </m:e>
+                      </m:acc>
+                      <m:r>
+                        <a:rPr lang="en-US" b="0" i="1" smtClean="0">
+                          <a:latin typeface="Cambria Math" panose="02040503050406030204" pitchFamily="18" charset="0"/>
+                          <a:ea typeface="Cambria Math" panose="02040503050406030204" pitchFamily="18" charset="0"/>
+                        </a:rPr>
+                        <m:t>+2</m:t>
+                      </m:r>
+                      <m:r>
+                        <a:rPr lang="en-US" b="0" i="1" smtClean="0">
+                          <a:latin typeface="Cambria Math" panose="02040503050406030204" pitchFamily="18" charset="0"/>
+                          <a:ea typeface="Cambria Math" panose="02040503050406030204" pitchFamily="18" charset="0"/>
+                        </a:rPr>
+                        <m:t>𝜇𝜖</m:t>
+                      </m:r>
+                    </m:oMath>
+                  </m:oMathPara>
+                </a14:m>
+                <a:endParaRPr lang="en-US" dirty="0">
+                  <a:latin typeface="Cambria Math" panose="02040503050406030204" pitchFamily="18" charset="0"/>
+                  <a:ea typeface="Cambria Math" panose="02040503050406030204" pitchFamily="18" charset="0"/>
+                </a:endParaRPr>
+              </a:p>
+              <a:p>
+                <a:pPr lvl="1" indent="0">
+                  <a:buNone/>
+                </a:pPr>
+                <a:r>
+                  <a:rPr lang="en-US" b="0" dirty="0"/>
+                  <a:t>Where, </a:t>
+                </a:r>
+                <a14:m>
+                  <m:oMath xmlns:m="http://schemas.openxmlformats.org/officeDocument/2006/math">
+                    <m:sSub>
+                      <m:sSubPr>
+                        <m:ctrlPr>
+                          <a:rPr lang="en-US" b="0" i="1" smtClean="0">
+                            <a:latin typeface="Cambria Math" panose="02040503050406030204" pitchFamily="18" charset="0"/>
+                          </a:rPr>
+                        </m:ctrlPr>
+                      </m:sSubPr>
+                      <m:e>
+                        <m:r>
+                          <a:rPr lang="en-US" b="0" i="1" smtClean="0">
+                            <a:latin typeface="Cambria Math" panose="02040503050406030204" pitchFamily="18" charset="0"/>
+                          </a:rPr>
+                          <m:t>𝐶</m:t>
+                        </m:r>
+                      </m:e>
+                      <m:sub>
+                        <m:r>
+                          <a:rPr lang="en-US" b="0" i="1" smtClean="0">
+                            <a:latin typeface="Cambria Math" panose="02040503050406030204" pitchFamily="18" charset="0"/>
+                          </a:rPr>
+                          <m:t>𝑖𝑗𝑘𝑙</m:t>
+                        </m:r>
+                      </m:sub>
+                    </m:sSub>
+                    <m:r>
+                      <a:rPr lang="en-US" b="0" i="1" smtClean="0">
+                        <a:latin typeface="Cambria Math" panose="02040503050406030204" pitchFamily="18" charset="0"/>
+                      </a:rPr>
+                      <m:t>=</m:t>
+                    </m:r>
+                    <m:r>
+                      <a:rPr lang="en-US" b="0" i="1" smtClean="0">
+                        <a:latin typeface="Cambria Math" panose="02040503050406030204" pitchFamily="18" charset="0"/>
+                      </a:rPr>
+                      <m:t>𝜆</m:t>
+                    </m:r>
+                    <m:sSub>
+                      <m:sSubPr>
+                        <m:ctrlPr>
+                          <a:rPr lang="en-US" b="0" i="1" smtClean="0">
+                            <a:latin typeface="Cambria Math" panose="02040503050406030204" pitchFamily="18" charset="0"/>
+                          </a:rPr>
+                        </m:ctrlPr>
+                      </m:sSubPr>
+                      <m:e>
+                        <m:r>
+                          <a:rPr lang="en-US" b="0" i="1" smtClean="0">
+                            <a:latin typeface="Cambria Math" panose="02040503050406030204" pitchFamily="18" charset="0"/>
+                          </a:rPr>
+                          <m:t>𝛿</m:t>
+                        </m:r>
+                      </m:e>
+                      <m:sub>
+                        <m:r>
+                          <a:rPr lang="en-US" b="0" i="1" smtClean="0">
+                            <a:latin typeface="Cambria Math" panose="02040503050406030204" pitchFamily="18" charset="0"/>
+                          </a:rPr>
+                          <m:t>𝑖𝑗</m:t>
+                        </m:r>
+                      </m:sub>
+                    </m:sSub>
+                    <m:sSub>
+                      <m:sSubPr>
+                        <m:ctrlPr>
+                          <a:rPr lang="en-US" b="0" i="1" smtClean="0">
+                            <a:latin typeface="Cambria Math" panose="02040503050406030204" pitchFamily="18" charset="0"/>
+                          </a:rPr>
+                        </m:ctrlPr>
+                      </m:sSubPr>
+                      <m:e>
+                        <m:r>
+                          <a:rPr lang="en-US" b="0" i="1" smtClean="0">
+                            <a:latin typeface="Cambria Math" panose="02040503050406030204" pitchFamily="18" charset="0"/>
+                          </a:rPr>
+                          <m:t>𝛿</m:t>
+                        </m:r>
+                      </m:e>
+                      <m:sub>
+                        <m:r>
+                          <a:rPr lang="en-US" b="0" i="1" smtClean="0">
+                            <a:latin typeface="Cambria Math" panose="02040503050406030204" pitchFamily="18" charset="0"/>
+                          </a:rPr>
+                          <m:t>𝑘𝑙</m:t>
+                        </m:r>
+                      </m:sub>
+                    </m:sSub>
+                    <m:r>
+                      <a:rPr lang="en-US" b="0" i="1" smtClean="0">
+                        <a:latin typeface="Cambria Math" panose="02040503050406030204" pitchFamily="18" charset="0"/>
+                      </a:rPr>
+                      <m:t>+</m:t>
+                    </m:r>
+                    <m:r>
+                      <a:rPr lang="en-US" b="0" i="1" smtClean="0">
+                        <a:latin typeface="Cambria Math" panose="02040503050406030204" pitchFamily="18" charset="0"/>
+                      </a:rPr>
+                      <m:t>𝜇</m:t>
+                    </m:r>
+                    <m:r>
+                      <a:rPr lang="en-US" b="0" i="1" smtClean="0">
+                        <a:latin typeface="Cambria Math" panose="02040503050406030204" pitchFamily="18" charset="0"/>
+                      </a:rPr>
+                      <m:t>(</m:t>
+                    </m:r>
+                    <m:sSub>
+                      <m:sSubPr>
+                        <m:ctrlPr>
+                          <a:rPr lang="en-US" b="0" i="1" smtClean="0">
+                            <a:latin typeface="Cambria Math" panose="02040503050406030204" pitchFamily="18" charset="0"/>
+                          </a:rPr>
+                        </m:ctrlPr>
+                      </m:sSubPr>
+                      <m:e>
+                        <m:r>
+                          <a:rPr lang="en-US" b="0" i="1" smtClean="0">
+                            <a:latin typeface="Cambria Math" panose="02040503050406030204" pitchFamily="18" charset="0"/>
+                          </a:rPr>
+                          <m:t>𝛿</m:t>
+                        </m:r>
+                      </m:e>
+                      <m:sub>
+                        <m:r>
+                          <a:rPr lang="en-US" b="0" i="1" smtClean="0">
+                            <a:latin typeface="Cambria Math" panose="02040503050406030204" pitchFamily="18" charset="0"/>
+                          </a:rPr>
+                          <m:t>𝑖𝑘</m:t>
+                        </m:r>
+                      </m:sub>
+                    </m:sSub>
+                    <m:sSub>
+                      <m:sSubPr>
+                        <m:ctrlPr>
+                          <a:rPr lang="en-US" b="0" i="1" smtClean="0">
+                            <a:latin typeface="Cambria Math" panose="02040503050406030204" pitchFamily="18" charset="0"/>
+                          </a:rPr>
+                        </m:ctrlPr>
+                      </m:sSubPr>
+                      <m:e>
+                        <m:r>
+                          <a:rPr lang="en-US" b="0" i="1" smtClean="0">
+                            <a:latin typeface="Cambria Math" panose="02040503050406030204" pitchFamily="18" charset="0"/>
+                          </a:rPr>
+                          <m:t>𝛿</m:t>
+                        </m:r>
+                      </m:e>
+                      <m:sub>
+                        <m:r>
+                          <a:rPr lang="en-US" b="0" i="1" smtClean="0">
+                            <a:latin typeface="Cambria Math" panose="02040503050406030204" pitchFamily="18" charset="0"/>
+                          </a:rPr>
+                          <m:t>𝑗𝑙</m:t>
+                        </m:r>
+                      </m:sub>
+                    </m:sSub>
+                    <m:r>
+                      <a:rPr lang="en-US" b="0" i="1" smtClean="0">
+                        <a:latin typeface="Cambria Math" panose="02040503050406030204" pitchFamily="18" charset="0"/>
+                      </a:rPr>
+                      <m:t>+</m:t>
+                    </m:r>
+                    <m:sSub>
+                      <m:sSubPr>
+                        <m:ctrlPr>
+                          <a:rPr lang="en-US" b="0" i="1" smtClean="0">
+                            <a:latin typeface="Cambria Math" panose="02040503050406030204" pitchFamily="18" charset="0"/>
+                          </a:rPr>
+                        </m:ctrlPr>
+                      </m:sSubPr>
+                      <m:e>
+                        <m:r>
+                          <a:rPr lang="en-US" b="0" i="1" smtClean="0">
+                            <a:latin typeface="Cambria Math" panose="02040503050406030204" pitchFamily="18" charset="0"/>
+                          </a:rPr>
+                          <m:t>𝛿</m:t>
+                        </m:r>
+                      </m:e>
+                      <m:sub>
+                        <m:r>
+                          <a:rPr lang="en-US" b="0" i="1" smtClean="0">
+                            <a:latin typeface="Cambria Math" panose="02040503050406030204" pitchFamily="18" charset="0"/>
+                          </a:rPr>
+                          <m:t>𝑖𝑙</m:t>
+                        </m:r>
+                      </m:sub>
+                    </m:sSub>
+                    <m:sSub>
+                      <m:sSubPr>
+                        <m:ctrlPr>
+                          <a:rPr lang="en-US" b="0" i="1" smtClean="0">
+                            <a:latin typeface="Cambria Math" panose="02040503050406030204" pitchFamily="18" charset="0"/>
+                          </a:rPr>
+                        </m:ctrlPr>
+                      </m:sSubPr>
+                      <m:e>
+                        <m:r>
+                          <a:rPr lang="en-US" b="0" i="1" smtClean="0">
+                            <a:latin typeface="Cambria Math" panose="02040503050406030204" pitchFamily="18" charset="0"/>
+                          </a:rPr>
+                          <m:t>𝛿</m:t>
+                        </m:r>
+                      </m:e>
+                      <m:sub>
+                        <m:r>
+                          <a:rPr lang="en-US" b="0" i="1" smtClean="0">
+                            <a:latin typeface="Cambria Math" panose="02040503050406030204" pitchFamily="18" charset="0"/>
+                          </a:rPr>
+                          <m:t>𝑗𝑘</m:t>
+                        </m:r>
+                      </m:sub>
+                    </m:sSub>
+                    <m:r>
+                      <a:rPr lang="en-US" b="0" i="1" smtClean="0">
+                        <a:latin typeface="Cambria Math" panose="02040503050406030204" pitchFamily="18" charset="0"/>
+                      </a:rPr>
+                      <m:t>)</m:t>
+                    </m:r>
+                  </m:oMath>
+                </a14:m>
+                <a:r>
+                  <a:rPr lang="en-US" dirty="0"/>
+                  <a:t> ; (</a:t>
+                </a:r>
+                <a14:m>
+                  <m:oMath xmlns:m="http://schemas.openxmlformats.org/officeDocument/2006/math">
+                    <m:r>
+                      <a:rPr lang="en-US" b="0" i="1" smtClean="0">
+                        <a:latin typeface="Cambria Math" panose="02040503050406030204" pitchFamily="18" charset="0"/>
+                      </a:rPr>
+                      <m:t>𝜆</m:t>
+                    </m:r>
+                  </m:oMath>
+                </a14:m>
+                <a:r>
+                  <a:rPr lang="en-US" dirty="0"/>
+                  <a:t> &amp; </a:t>
+                </a:r>
+                <a14:m>
+                  <m:oMath xmlns:m="http://schemas.openxmlformats.org/officeDocument/2006/math">
+                    <m:r>
+                      <a:rPr lang="en-US" b="0" i="1" smtClean="0">
+                        <a:latin typeface="Cambria Math" panose="02040503050406030204" pitchFamily="18" charset="0"/>
+                      </a:rPr>
+                      <m:t>𝜇</m:t>
+                    </m:r>
+                  </m:oMath>
+                </a14:m>
+                <a:r>
+                  <a:rPr lang="en-US" dirty="0"/>
+                  <a:t> being the Lamé constants),</a:t>
+                </a:r>
+              </a:p>
+              <a:p>
+                <a:pPr lvl="1" indent="0">
+                  <a:buNone/>
+                </a:pPr>
+                <a:r>
+                  <a:rPr lang="en-US" dirty="0">
+                    <a:ea typeface="Cambria Math" panose="02040503050406030204" pitchFamily="18" charset="0"/>
+                  </a:rPr>
+                  <a:t>And where </a:t>
+                </a:r>
+                <a14:m>
+                  <m:oMath xmlns:m="http://schemas.openxmlformats.org/officeDocument/2006/math">
+                    <m:acc>
+                      <m:accPr>
+                        <m:chr m:val="̅"/>
+                        <m:ctrlPr>
+                          <a:rPr lang="en-US" b="0" i="1" smtClean="0">
+                            <a:latin typeface="Cambria Math" panose="02040503050406030204" pitchFamily="18" charset="0"/>
+                            <a:ea typeface="Cambria Math" panose="02040503050406030204" pitchFamily="18" charset="0"/>
+                          </a:rPr>
+                        </m:ctrlPr>
+                      </m:accPr>
+                      <m:e>
+                        <m:r>
+                          <a:rPr lang="en-US" b="0" i="1" smtClean="0">
+                            <a:latin typeface="Cambria Math" panose="02040503050406030204" pitchFamily="18" charset="0"/>
+                            <a:ea typeface="Cambria Math" panose="02040503050406030204" pitchFamily="18" charset="0"/>
+                          </a:rPr>
+                          <m:t>𝜖</m:t>
+                        </m:r>
+                      </m:e>
+                    </m:acc>
+                    <m:r>
+                      <a:rPr lang="en-US" b="0" i="1" smtClean="0">
+                        <a:latin typeface="Cambria Math" panose="02040503050406030204" pitchFamily="18" charset="0"/>
+                        <a:ea typeface="Cambria Math" panose="02040503050406030204" pitchFamily="18" charset="0"/>
+                      </a:rPr>
+                      <m:t>=</m:t>
+                    </m:r>
+                    <m:f>
+                      <m:fPr>
+                        <m:ctrlPr>
+                          <a:rPr lang="en-US" b="0" i="1" smtClean="0">
+                            <a:latin typeface="Cambria Math" panose="02040503050406030204" pitchFamily="18" charset="0"/>
+                            <a:ea typeface="Cambria Math" panose="02040503050406030204" pitchFamily="18" charset="0"/>
+                          </a:rPr>
+                        </m:ctrlPr>
+                      </m:fPr>
+                      <m:num>
+                        <m:r>
+                          <a:rPr lang="en-US" b="0" i="1" smtClean="0">
+                            <a:latin typeface="Cambria Math" panose="02040503050406030204" pitchFamily="18" charset="0"/>
+                            <a:ea typeface="Cambria Math" panose="02040503050406030204" pitchFamily="18" charset="0"/>
+                          </a:rPr>
+                          <m:t>1</m:t>
+                        </m:r>
+                      </m:num>
+                      <m:den>
+                        <m:r>
+                          <a:rPr lang="en-US" b="0" i="1" smtClean="0">
+                            <a:latin typeface="Cambria Math" panose="02040503050406030204" pitchFamily="18" charset="0"/>
+                            <a:ea typeface="Cambria Math" panose="02040503050406030204" pitchFamily="18" charset="0"/>
+                          </a:rPr>
+                          <m:t>2</m:t>
+                        </m:r>
+                      </m:den>
+                    </m:f>
+                    <m:d>
+                      <m:dPr>
+                        <m:ctrlPr>
+                          <a:rPr lang="en-US" b="0" i="1" smtClean="0">
+                            <a:latin typeface="Cambria Math" panose="02040503050406030204" pitchFamily="18" charset="0"/>
+                            <a:ea typeface="Cambria Math" panose="02040503050406030204" pitchFamily="18" charset="0"/>
+                          </a:rPr>
+                        </m:ctrlPr>
+                      </m:dPr>
+                      <m:e>
+                        <m:r>
+                          <m:rPr>
+                            <m:sty m:val="p"/>
+                          </m:rPr>
+                          <a:rPr lang="en-US" b="0" i="0" smtClean="0">
+                            <a:latin typeface="Cambria Math" panose="02040503050406030204" pitchFamily="18" charset="0"/>
+                            <a:ea typeface="Cambria Math" panose="02040503050406030204" pitchFamily="18" charset="0"/>
+                          </a:rPr>
+                          <m:t>∇</m:t>
+                        </m:r>
+                        <m:acc>
+                          <m:accPr>
+                            <m:chr m:val="̅"/>
+                            <m:ctrlPr>
+                              <a:rPr lang="en-US" b="0" i="1" smtClean="0">
+                                <a:latin typeface="Cambria Math" panose="02040503050406030204" pitchFamily="18" charset="0"/>
+                                <a:ea typeface="Cambria Math" panose="02040503050406030204" pitchFamily="18" charset="0"/>
+                              </a:rPr>
+                            </m:ctrlPr>
+                          </m:accPr>
+                          <m:e>
+                            <m:r>
+                              <a:rPr lang="en-US" b="0" i="1" smtClean="0">
+                                <a:latin typeface="Cambria Math" panose="02040503050406030204" pitchFamily="18" charset="0"/>
+                                <a:ea typeface="Cambria Math" panose="02040503050406030204" pitchFamily="18" charset="0"/>
+                              </a:rPr>
+                              <m:t>𝑢</m:t>
+                            </m:r>
+                          </m:e>
+                        </m:acc>
+                        <m:r>
+                          <a:rPr lang="en-US" b="0" i="1" smtClean="0">
+                            <a:latin typeface="Cambria Math" panose="02040503050406030204" pitchFamily="18" charset="0"/>
+                            <a:ea typeface="Cambria Math" panose="02040503050406030204" pitchFamily="18" charset="0"/>
+                          </a:rPr>
+                          <m:t>+</m:t>
+                        </m:r>
+                        <m:sSup>
+                          <m:sSupPr>
+                            <m:ctrlPr>
+                              <a:rPr lang="en-US" b="0" i="1" smtClean="0">
+                                <a:latin typeface="Cambria Math" panose="02040503050406030204" pitchFamily="18" charset="0"/>
+                                <a:ea typeface="Cambria Math" panose="02040503050406030204" pitchFamily="18" charset="0"/>
+                              </a:rPr>
+                            </m:ctrlPr>
+                          </m:sSupPr>
+                          <m:e>
+                            <m:d>
+                              <m:dPr>
+                                <m:ctrlPr>
+                                  <a:rPr lang="en-US" b="0" i="1" smtClean="0">
+                                    <a:latin typeface="Cambria Math" panose="02040503050406030204" pitchFamily="18" charset="0"/>
+                                    <a:ea typeface="Cambria Math" panose="02040503050406030204" pitchFamily="18" charset="0"/>
+                                  </a:rPr>
+                                </m:ctrlPr>
+                              </m:dPr>
+                              <m:e>
+                                <m:r>
+                                  <m:rPr>
+                                    <m:sty m:val="p"/>
+                                  </m:rPr>
+                                  <a:rPr lang="en-US" b="0" i="0" smtClean="0">
+                                    <a:latin typeface="Cambria Math" panose="02040503050406030204" pitchFamily="18" charset="0"/>
+                                    <a:ea typeface="Cambria Math" panose="02040503050406030204" pitchFamily="18" charset="0"/>
+                                  </a:rPr>
+                                  <m:t>∇</m:t>
+                                </m:r>
+                                <m:acc>
+                                  <m:accPr>
+                                    <m:chr m:val="̅"/>
+                                    <m:ctrlPr>
+                                      <a:rPr lang="en-US" b="0" i="1" smtClean="0">
+                                        <a:latin typeface="Cambria Math" panose="02040503050406030204" pitchFamily="18" charset="0"/>
+                                        <a:ea typeface="Cambria Math" panose="02040503050406030204" pitchFamily="18" charset="0"/>
+                                      </a:rPr>
+                                    </m:ctrlPr>
+                                  </m:accPr>
+                                  <m:e>
+                                    <m:r>
+                                      <a:rPr lang="en-US" b="0" i="1" smtClean="0">
+                                        <a:latin typeface="Cambria Math" panose="02040503050406030204" pitchFamily="18" charset="0"/>
+                                        <a:ea typeface="Cambria Math" panose="02040503050406030204" pitchFamily="18" charset="0"/>
+                                      </a:rPr>
+                                      <m:t>𝑢</m:t>
+                                    </m:r>
+                                  </m:e>
+                                </m:acc>
+                              </m:e>
+                            </m:d>
+                          </m:e>
+                          <m:sup>
+                            <m:r>
+                              <a:rPr lang="en-US" b="0" i="1" smtClean="0">
+                                <a:latin typeface="Cambria Math" panose="02040503050406030204" pitchFamily="18" charset="0"/>
+                                <a:ea typeface="Cambria Math" panose="02040503050406030204" pitchFamily="18" charset="0"/>
+                              </a:rPr>
+                              <m:t>𝑇</m:t>
+                            </m:r>
+                          </m:sup>
+                        </m:sSup>
+                      </m:e>
+                    </m:d>
+                  </m:oMath>
+                </a14:m>
+                <a:r>
+                  <a:rPr lang="en-US" dirty="0">
+                    <a:latin typeface="Cambria Math" panose="02040503050406030204" pitchFamily="18" charset="0"/>
+                    <a:ea typeface="Cambria Math" panose="02040503050406030204" pitchFamily="18" charset="0"/>
+                  </a:rPr>
+                  <a:t> ; </a:t>
+                </a:r>
+                <a14:m>
+                  <m:oMath xmlns:m="http://schemas.openxmlformats.org/officeDocument/2006/math">
+                    <m:sSub>
+                      <m:sSubPr>
+                        <m:ctrlPr>
+                          <a:rPr lang="en-US" b="0" i="1" smtClean="0">
+                            <a:latin typeface="Cambria Math" panose="02040503050406030204" pitchFamily="18" charset="0"/>
+                            <a:ea typeface="Cambria Math" panose="02040503050406030204" pitchFamily="18" charset="0"/>
+                          </a:rPr>
+                        </m:ctrlPr>
+                      </m:sSubPr>
+                      <m:e>
+                        <m:d>
+                          <m:dPr>
+                            <m:ctrlPr>
+                              <a:rPr lang="en-US" i="1">
+                                <a:latin typeface="Cambria Math" panose="02040503050406030204" pitchFamily="18" charset="0"/>
+                                <a:ea typeface="Cambria Math" panose="02040503050406030204" pitchFamily="18" charset="0"/>
+                              </a:rPr>
+                            </m:ctrlPr>
+                          </m:dPr>
+                          <m:e>
+                            <m:r>
+                              <m:rPr>
+                                <m:sty m:val="p"/>
+                              </m:rPr>
+                              <a:rPr lang="en-US">
+                                <a:latin typeface="Cambria Math" panose="02040503050406030204" pitchFamily="18" charset="0"/>
+                                <a:ea typeface="Cambria Math" panose="02040503050406030204" pitchFamily="18" charset="0"/>
+                              </a:rPr>
+                              <m:t>∇</m:t>
+                            </m:r>
+                            <m:acc>
+                              <m:accPr>
+                                <m:chr m:val="̅"/>
+                                <m:ctrlPr>
+                                  <a:rPr lang="en-US" i="1">
+                                    <a:latin typeface="Cambria Math" panose="02040503050406030204" pitchFamily="18" charset="0"/>
+                                    <a:ea typeface="Cambria Math" panose="02040503050406030204" pitchFamily="18" charset="0"/>
+                                  </a:rPr>
+                                </m:ctrlPr>
+                              </m:accPr>
+                              <m:e>
+                                <m:r>
+                                  <a:rPr lang="en-US" i="1">
+                                    <a:latin typeface="Cambria Math" panose="02040503050406030204" pitchFamily="18" charset="0"/>
+                                    <a:ea typeface="Cambria Math" panose="02040503050406030204" pitchFamily="18" charset="0"/>
+                                  </a:rPr>
+                                  <m:t>𝑢</m:t>
+                                </m:r>
+                              </m:e>
+                            </m:acc>
+                          </m:e>
+                        </m:d>
+                      </m:e>
+                      <m:sub>
+                        <m:r>
+                          <a:rPr lang="en-US" b="0" i="1" smtClean="0">
+                            <a:latin typeface="Cambria Math" panose="02040503050406030204" pitchFamily="18" charset="0"/>
+                            <a:ea typeface="Cambria Math" panose="02040503050406030204" pitchFamily="18" charset="0"/>
+                          </a:rPr>
+                          <m:t>𝑖𝑗</m:t>
+                        </m:r>
+                      </m:sub>
+                    </m:sSub>
+                    <m:r>
+                      <a:rPr lang="en-US" b="0" i="1" smtClean="0">
+                        <a:latin typeface="Cambria Math" panose="02040503050406030204" pitchFamily="18" charset="0"/>
+                        <a:ea typeface="Cambria Math" panose="02040503050406030204" pitchFamily="18" charset="0"/>
+                      </a:rPr>
+                      <m:t>=</m:t>
+                    </m:r>
+                    <m:f>
+                      <m:fPr>
+                        <m:ctrlPr>
+                          <a:rPr lang="en-US" b="0" i="1" smtClean="0">
+                            <a:latin typeface="Cambria Math" panose="02040503050406030204" pitchFamily="18" charset="0"/>
+                            <a:ea typeface="Cambria Math" panose="02040503050406030204" pitchFamily="18" charset="0"/>
+                          </a:rPr>
+                        </m:ctrlPr>
+                      </m:fPr>
+                      <m:num>
+                        <m:r>
+                          <a:rPr lang="en-US" b="0" i="1" smtClean="0">
+                            <a:latin typeface="Cambria Math" panose="02040503050406030204" pitchFamily="18" charset="0"/>
+                            <a:ea typeface="Cambria Math" panose="02040503050406030204" pitchFamily="18" charset="0"/>
+                          </a:rPr>
+                          <m:t>𝜕</m:t>
+                        </m:r>
+                        <m:sSub>
+                          <m:sSubPr>
+                            <m:ctrlPr>
+                              <a:rPr lang="en-US" b="0" i="1" smtClean="0">
+                                <a:latin typeface="Cambria Math" panose="02040503050406030204" pitchFamily="18" charset="0"/>
+                                <a:ea typeface="Cambria Math" panose="02040503050406030204" pitchFamily="18" charset="0"/>
+                              </a:rPr>
+                            </m:ctrlPr>
+                          </m:sSubPr>
+                          <m:e>
+                            <m:r>
+                              <a:rPr lang="en-US" b="0" i="1" smtClean="0">
+                                <a:latin typeface="Cambria Math" panose="02040503050406030204" pitchFamily="18" charset="0"/>
+                                <a:ea typeface="Cambria Math" panose="02040503050406030204" pitchFamily="18" charset="0"/>
+                              </a:rPr>
+                              <m:t>𝑢</m:t>
+                            </m:r>
+                          </m:e>
+                          <m:sub>
+                            <m:r>
+                              <a:rPr lang="en-US" b="0" i="1" smtClean="0">
+                                <a:latin typeface="Cambria Math" panose="02040503050406030204" pitchFamily="18" charset="0"/>
+                                <a:ea typeface="Cambria Math" panose="02040503050406030204" pitchFamily="18" charset="0"/>
+                              </a:rPr>
+                              <m:t>𝑖</m:t>
+                            </m:r>
+                          </m:sub>
+                        </m:sSub>
+                      </m:num>
+                      <m:den>
+                        <m:r>
+                          <a:rPr lang="en-US" b="0" i="1" smtClean="0">
+                            <a:latin typeface="Cambria Math" panose="02040503050406030204" pitchFamily="18" charset="0"/>
+                            <a:ea typeface="Cambria Math" panose="02040503050406030204" pitchFamily="18" charset="0"/>
+                          </a:rPr>
+                          <m:t>𝜕</m:t>
+                        </m:r>
+                        <m:sSub>
+                          <m:sSubPr>
+                            <m:ctrlPr>
+                              <a:rPr lang="en-US" b="0" i="1" smtClean="0">
+                                <a:latin typeface="Cambria Math" panose="02040503050406030204" pitchFamily="18" charset="0"/>
+                                <a:ea typeface="Cambria Math" panose="02040503050406030204" pitchFamily="18" charset="0"/>
+                              </a:rPr>
+                            </m:ctrlPr>
+                          </m:sSubPr>
+                          <m:e>
+                            <m:r>
+                              <a:rPr lang="en-US" b="0" i="1" smtClean="0">
+                                <a:latin typeface="Cambria Math" panose="02040503050406030204" pitchFamily="18" charset="0"/>
+                                <a:ea typeface="Cambria Math" panose="02040503050406030204" pitchFamily="18" charset="0"/>
+                              </a:rPr>
+                              <m:t>𝑥</m:t>
+                            </m:r>
+                          </m:e>
+                          <m:sub>
+                            <m:r>
+                              <a:rPr lang="en-US" b="0" i="1" smtClean="0">
+                                <a:latin typeface="Cambria Math" panose="02040503050406030204" pitchFamily="18" charset="0"/>
+                                <a:ea typeface="Cambria Math" panose="02040503050406030204" pitchFamily="18" charset="0"/>
+                              </a:rPr>
+                              <m:t>𝑗</m:t>
+                            </m:r>
+                          </m:sub>
+                        </m:sSub>
+                      </m:den>
+                    </m:f>
+                  </m:oMath>
+                </a14:m>
+                <a:r>
+                  <a:rPr lang="en-US" dirty="0">
+                    <a:latin typeface="Cambria Math" panose="02040503050406030204" pitchFamily="18" charset="0"/>
+                    <a:ea typeface="Cambria Math" panose="02040503050406030204" pitchFamily="18" charset="0"/>
+                  </a:rPr>
+                  <a:t> </a:t>
+                </a:r>
+              </a:p>
+              <a:p>
+                <a:pPr lvl="1" indent="0">
+                  <a:buNone/>
+                </a:pPr>
+                <a:r>
+                  <a:rPr lang="en-US" dirty="0"/>
+                  <a:t>Symmetric parts of </a:t>
+                </a:r>
+                <a14:m>
+                  <m:oMath xmlns:m="http://schemas.openxmlformats.org/officeDocument/2006/math">
+                    <m:r>
+                      <m:rPr>
+                        <m:sty m:val="p"/>
+                      </m:rPr>
+                      <a:rPr lang="en-US" b="0" i="0" smtClean="0">
+                        <a:latin typeface="Cambria Math" panose="02040503050406030204" pitchFamily="18" charset="0"/>
+                        <a:ea typeface="Cambria Math" panose="02040503050406030204" pitchFamily="18" charset="0"/>
+                      </a:rPr>
+                      <m:t>∇</m:t>
+                    </m:r>
+                    <m:acc>
+                      <m:accPr>
+                        <m:chr m:val="̅"/>
+                        <m:ctrlPr>
+                          <a:rPr lang="en-US" b="0" i="1" smtClean="0">
+                            <a:latin typeface="Cambria Math" panose="02040503050406030204" pitchFamily="18" charset="0"/>
+                            <a:ea typeface="Cambria Math" panose="02040503050406030204" pitchFamily="18" charset="0"/>
+                          </a:rPr>
+                        </m:ctrlPr>
+                      </m:accPr>
+                      <m:e>
+                        <m:r>
+                          <a:rPr lang="en-US" b="0" i="1" smtClean="0">
+                            <a:latin typeface="Cambria Math" panose="02040503050406030204" pitchFamily="18" charset="0"/>
+                            <a:ea typeface="Cambria Math" panose="02040503050406030204" pitchFamily="18" charset="0"/>
+                          </a:rPr>
+                          <m:t>𝑢</m:t>
+                        </m:r>
+                      </m:e>
+                    </m:acc>
+                  </m:oMath>
+                </a14:m>
+                <a:r>
+                  <a:rPr lang="en-US" dirty="0"/>
+                  <a:t> represent pure deformations (stretching, compression, and shear). The asymmetric parts represent rigid body motions.</a:t>
+                </a:r>
+              </a:p>
+              <a:p>
+                <a:pPr marL="285750" lvl="1"/>
+                <a:r>
+                  <a:rPr lang="en-US" dirty="0"/>
+                  <a:t>The wave equation for solids:</a:t>
+                </a:r>
+              </a:p>
+              <a:p>
+                <a14:m>
+                  <m:oMathPara xmlns:m="http://schemas.openxmlformats.org/officeDocument/2006/math">
+                    <m:oMathParaPr>
+                      <m:jc m:val="centerGroup"/>
+                    </m:oMathParaPr>
+                    <m:oMath xmlns:m="http://schemas.openxmlformats.org/officeDocument/2006/math">
+                      <m:r>
+                        <a:rPr lang="en-US" i="1">
+                          <a:latin typeface="Cambria Math" panose="02040503050406030204" pitchFamily="18" charset="0"/>
+                        </a:rPr>
+                        <m:t>𝜌</m:t>
+                      </m:r>
+                      <m:f>
+                        <m:fPr>
+                          <m:ctrlPr>
+                            <a:rPr lang="en-US" i="1">
+                              <a:latin typeface="Cambria Math" panose="02040503050406030204" pitchFamily="18" charset="0"/>
+                            </a:rPr>
+                          </m:ctrlPr>
+                        </m:fPr>
+                        <m:num>
+                          <m:sSup>
+                            <m:sSupPr>
+                              <m:ctrlPr>
+                                <a:rPr lang="en-US" i="1">
+                                  <a:latin typeface="Cambria Math" panose="02040503050406030204" pitchFamily="18" charset="0"/>
+                                </a:rPr>
+                              </m:ctrlPr>
+                            </m:sSupPr>
+                            <m:e>
+                              <m:r>
+                                <a:rPr lang="en-US" i="1">
+                                  <a:latin typeface="Cambria Math" panose="02040503050406030204" pitchFamily="18" charset="0"/>
+                                  <a:ea typeface="Cambria Math" panose="02040503050406030204" pitchFamily="18" charset="0"/>
+                                </a:rPr>
+                                <m:t>𝜕</m:t>
+                              </m:r>
+                            </m:e>
+                            <m:sup>
+                              <m:r>
+                                <a:rPr lang="en-US" i="1">
+                                  <a:latin typeface="Cambria Math" panose="02040503050406030204" pitchFamily="18" charset="0"/>
+                                </a:rPr>
+                                <m:t>2</m:t>
+                              </m:r>
+                            </m:sup>
+                          </m:sSup>
+                          <m:acc>
+                            <m:accPr>
+                              <m:chr m:val="̅"/>
+                              <m:ctrlPr>
+                                <a:rPr lang="en-US" i="1">
+                                  <a:latin typeface="Cambria Math" panose="02040503050406030204" pitchFamily="18" charset="0"/>
+                                </a:rPr>
+                              </m:ctrlPr>
+                            </m:accPr>
+                            <m:e>
+                              <m:r>
+                                <a:rPr lang="en-US" i="1">
+                                  <a:latin typeface="Cambria Math" panose="02040503050406030204" pitchFamily="18" charset="0"/>
+                                </a:rPr>
+                                <m:t>𝑢</m:t>
+                              </m:r>
+                            </m:e>
+                          </m:acc>
+                        </m:num>
+                        <m:den>
+                          <m:r>
+                            <a:rPr lang="en-US" i="1">
+                              <a:latin typeface="Cambria Math" panose="02040503050406030204" pitchFamily="18" charset="0"/>
+                              <a:ea typeface="Cambria Math" panose="02040503050406030204" pitchFamily="18" charset="0"/>
+                            </a:rPr>
+                            <m:t>𝜕</m:t>
+                          </m:r>
+                          <m:sSup>
+                            <m:sSupPr>
+                              <m:ctrlPr>
+                                <a:rPr lang="en-US" i="1">
+                                  <a:latin typeface="Cambria Math" panose="02040503050406030204" pitchFamily="18" charset="0"/>
+                                </a:rPr>
+                              </m:ctrlPr>
+                            </m:sSupPr>
+                            <m:e>
+                              <m:r>
+                                <a:rPr lang="en-US" i="1">
+                                  <a:latin typeface="Cambria Math" panose="02040503050406030204" pitchFamily="18" charset="0"/>
+                                </a:rPr>
+                                <m:t>𝑡</m:t>
+                              </m:r>
+                            </m:e>
+                            <m:sup>
+                              <m:r>
+                                <a:rPr lang="en-US" i="1">
+                                  <a:latin typeface="Cambria Math" panose="02040503050406030204" pitchFamily="18" charset="0"/>
+                                </a:rPr>
+                                <m:t>2</m:t>
+                              </m:r>
+                            </m:sup>
+                          </m:sSup>
+                        </m:den>
+                      </m:f>
+                      <m:r>
+                        <a:rPr lang="en-US" i="1">
+                          <a:latin typeface="Cambria Math" panose="02040503050406030204" pitchFamily="18" charset="0"/>
+                        </a:rPr>
+                        <m:t>=</m:t>
+                      </m:r>
+                      <m:d>
+                        <m:dPr>
+                          <m:ctrlPr>
+                            <a:rPr lang="en-US" b="0" i="1" smtClean="0">
+                              <a:latin typeface="Cambria Math" panose="02040503050406030204" pitchFamily="18" charset="0"/>
+                            </a:rPr>
+                          </m:ctrlPr>
+                        </m:dPr>
+                        <m:e>
+                          <m:r>
+                            <a:rPr lang="en-US" b="0" i="1" smtClean="0">
+                              <a:latin typeface="Cambria Math" panose="02040503050406030204" pitchFamily="18" charset="0"/>
+                            </a:rPr>
+                            <m:t>𝜆</m:t>
+                          </m:r>
+                          <m:r>
+                            <a:rPr lang="en-US" b="0" i="1" smtClean="0">
+                              <a:latin typeface="Cambria Math" panose="02040503050406030204" pitchFamily="18" charset="0"/>
+                            </a:rPr>
+                            <m:t>+</m:t>
+                          </m:r>
+                          <m:r>
+                            <a:rPr lang="en-US" b="0" i="1" smtClean="0">
+                              <a:latin typeface="Cambria Math" panose="02040503050406030204" pitchFamily="18" charset="0"/>
+                            </a:rPr>
+                            <m:t>𝜇</m:t>
+                          </m:r>
+                        </m:e>
+                      </m:d>
+                      <m:r>
+                        <m:rPr>
+                          <m:sty m:val="p"/>
+                        </m:rPr>
+                        <a:rPr lang="en-US" b="0" i="0" smtClean="0">
+                          <a:latin typeface="Cambria Math" panose="02040503050406030204" pitchFamily="18" charset="0"/>
+                        </a:rPr>
+                        <m:t>∇</m:t>
+                      </m:r>
+                      <m:d>
+                        <m:dPr>
+                          <m:ctrlPr>
+                            <a:rPr lang="en-US" b="0" i="0" smtClean="0">
+                              <a:latin typeface="Cambria Math" panose="02040503050406030204" pitchFamily="18" charset="0"/>
+                            </a:rPr>
+                          </m:ctrlPr>
+                        </m:dPr>
+                        <m:e>
+                          <m:r>
+                            <m:rPr>
+                              <m:sty m:val="p"/>
+                            </m:rPr>
+                            <a:rPr lang="en-US" i="1">
+                              <a:latin typeface="Cambria Math" panose="02040503050406030204" pitchFamily="18" charset="0"/>
+                              <a:ea typeface="Cambria Math" panose="02040503050406030204" pitchFamily="18" charset="0"/>
+                            </a:rPr>
+                            <m:t>∇</m:t>
+                          </m:r>
+                          <m:r>
+                            <a:rPr lang="en-US" i="1">
+                              <a:latin typeface="Cambria Math" panose="02040503050406030204" pitchFamily="18" charset="0"/>
+                              <a:ea typeface="Cambria Math" panose="02040503050406030204" pitchFamily="18" charset="0"/>
+                            </a:rPr>
+                            <m:t>⋅</m:t>
+                          </m:r>
+                          <m:acc>
+                            <m:accPr>
+                              <m:chr m:val="̅"/>
+                              <m:ctrlPr>
+                                <a:rPr lang="en-US" i="1">
+                                  <a:latin typeface="Cambria Math" panose="02040503050406030204" pitchFamily="18" charset="0"/>
+                                  <a:ea typeface="Cambria Math" panose="02040503050406030204" pitchFamily="18" charset="0"/>
+                                </a:rPr>
+                              </m:ctrlPr>
+                            </m:accPr>
+                            <m:e>
+                              <m:r>
+                                <a:rPr lang="en-US" b="0" i="1" smtClean="0">
+                                  <a:latin typeface="Cambria Math" panose="02040503050406030204" pitchFamily="18" charset="0"/>
+                                  <a:ea typeface="Cambria Math" panose="02040503050406030204" pitchFamily="18" charset="0"/>
+                                </a:rPr>
+                                <m:t>𝑢</m:t>
+                              </m:r>
+                            </m:e>
+                          </m:acc>
+                        </m:e>
+                      </m:d>
+                      <m:r>
+                        <a:rPr lang="en-US" i="1">
+                          <a:latin typeface="Cambria Math" panose="02040503050406030204" pitchFamily="18" charset="0"/>
+                          <a:ea typeface="Cambria Math" panose="02040503050406030204" pitchFamily="18" charset="0"/>
+                        </a:rPr>
+                        <m:t>+</m:t>
+                      </m:r>
+                      <m:r>
+                        <a:rPr lang="en-US" b="0" i="1" smtClean="0">
+                          <a:latin typeface="Cambria Math" panose="02040503050406030204" pitchFamily="18" charset="0"/>
+                          <a:ea typeface="Cambria Math" panose="02040503050406030204" pitchFamily="18" charset="0"/>
+                        </a:rPr>
+                        <m:t>𝜇</m:t>
+                      </m:r>
+                      <m:sSup>
+                        <m:sSupPr>
+                          <m:ctrlPr>
+                            <a:rPr lang="en-US" b="0" i="1" smtClean="0">
+                              <a:latin typeface="Cambria Math" panose="02040503050406030204" pitchFamily="18" charset="0"/>
+                              <a:ea typeface="Cambria Math" panose="02040503050406030204" pitchFamily="18" charset="0"/>
+                            </a:rPr>
+                          </m:ctrlPr>
+                        </m:sSupPr>
+                        <m:e>
+                          <m:r>
+                            <m:rPr>
+                              <m:sty m:val="p"/>
+                            </m:rPr>
+                            <a:rPr lang="en-US" b="0" i="0" smtClean="0">
+                              <a:latin typeface="Cambria Math" panose="02040503050406030204" pitchFamily="18" charset="0"/>
+                              <a:ea typeface="Cambria Math" panose="02040503050406030204" pitchFamily="18" charset="0"/>
+                            </a:rPr>
+                            <m:t>∇</m:t>
+                          </m:r>
+                        </m:e>
+                        <m:sup>
+                          <m:r>
+                            <a:rPr lang="en-US" b="0" i="1" smtClean="0">
+                              <a:latin typeface="Cambria Math" panose="02040503050406030204" pitchFamily="18" charset="0"/>
+                              <a:ea typeface="Cambria Math" panose="02040503050406030204" pitchFamily="18" charset="0"/>
+                            </a:rPr>
+                            <m:t>2</m:t>
+                          </m:r>
+                        </m:sup>
+                      </m:sSup>
+                      <m:acc>
+                        <m:accPr>
+                          <m:chr m:val="̅"/>
+                          <m:ctrlPr>
+                            <a:rPr lang="en-US" i="1">
+                              <a:latin typeface="Cambria Math" panose="02040503050406030204" pitchFamily="18" charset="0"/>
+                              <a:ea typeface="Cambria Math" panose="02040503050406030204" pitchFamily="18" charset="0"/>
+                            </a:rPr>
+                          </m:ctrlPr>
+                        </m:accPr>
+                        <m:e>
+                          <m:r>
+                            <a:rPr lang="en-US" b="0" i="1" smtClean="0">
+                              <a:latin typeface="Cambria Math" panose="02040503050406030204" pitchFamily="18" charset="0"/>
+                              <a:ea typeface="Cambria Math" panose="02040503050406030204" pitchFamily="18" charset="0"/>
+                            </a:rPr>
+                            <m:t>𝑢</m:t>
+                          </m:r>
+                        </m:e>
+                      </m:acc>
+                      <m:r>
+                        <a:rPr lang="en-US" b="0" i="1" smtClean="0">
+                          <a:latin typeface="Cambria Math" panose="02040503050406030204" pitchFamily="18" charset="0"/>
+                          <a:ea typeface="Cambria Math" panose="02040503050406030204" pitchFamily="18" charset="0"/>
+                        </a:rPr>
+                        <m:t>+</m:t>
+                      </m:r>
+                      <m:acc>
+                        <m:accPr>
+                          <m:chr m:val="̅"/>
+                          <m:ctrlPr>
+                            <a:rPr lang="en-US" b="0" i="1" smtClean="0">
+                              <a:latin typeface="Cambria Math" panose="02040503050406030204" pitchFamily="18" charset="0"/>
+                              <a:ea typeface="Cambria Math" panose="02040503050406030204" pitchFamily="18" charset="0"/>
+                            </a:rPr>
+                          </m:ctrlPr>
+                        </m:accPr>
+                        <m:e>
+                          <m:r>
+                            <a:rPr lang="en-US" b="0" i="1" smtClean="0">
+                              <a:latin typeface="Cambria Math" panose="02040503050406030204" pitchFamily="18" charset="0"/>
+                              <a:ea typeface="Cambria Math" panose="02040503050406030204" pitchFamily="18" charset="0"/>
+                            </a:rPr>
+                            <m:t>𝑓</m:t>
+                          </m:r>
+                        </m:e>
+                      </m:acc>
+                    </m:oMath>
+                  </m:oMathPara>
+                </a14:m>
+                <a:endParaRPr lang="en-US" dirty="0"/>
+              </a:p>
+              <a:p>
+                <a:pPr marL="285750"/>
+                <a:endParaRPr lang="en-US" dirty="0"/>
+              </a:p>
+            </p:txBody>
+          </p:sp>
+        </mc:Choice>
+        <mc:Fallback>
+          <p:sp>
+            <p:nvSpPr>
+              <p:cNvPr id="4" name="Content Placeholder 3">
+                <a:extLst>
+                  <a:ext uri="{FF2B5EF4-FFF2-40B4-BE49-F238E27FC236}">
+                    <a16:creationId xmlns:a16="http://schemas.microsoft.com/office/drawing/2014/main" id="{C9F60626-48B6-5ABF-56DC-461C6D7C5091}"/>
+                  </a:ext>
+                </a:extLst>
+              </p:cNvPr>
+              <p:cNvSpPr>
+                <a:spLocks noGrp="1" noRot="1" noChangeAspect="1" noMove="1" noResize="1" noEditPoints="1" noAdjustHandles="1" noChangeArrowheads="1" noChangeShapeType="1" noTextEdit="1"/>
+              </p:cNvSpPr>
+              <p:nvPr>
+                <p:ph sz="half" idx="14"/>
+              </p:nvPr>
+            </p:nvSpPr>
+            <p:spPr>
+              <a:xfrm>
+                <a:off x="1341120" y="1139483"/>
+                <a:ext cx="8920481" cy="5216865"/>
+              </a:xfrm>
+              <a:blipFill>
+                <a:blip r:embed="rId3"/>
+                <a:stretch>
+                  <a:fillRect l="-410" t="-1519"/>
+                </a:stretch>
+              </a:blipFill>
+            </p:spPr>
+            <p:txBody>
+              <a:bodyPr/>
+              <a:lstStyle/>
+              <a:p>
+                <a:r>
+                  <a:rPr lang="en-US">
+                    <a:noFill/>
+                  </a:rPr>
+                  <a:t> </a:t>
+                </a:r>
+              </a:p>
+            </p:txBody>
+          </p:sp>
+        </mc:Fallback>
+      </mc:AlternateContent>
+    </p:spTree>
+    <p:extLst>
+      <p:ext uri="{BB962C8B-B14F-4D97-AF65-F5344CB8AC3E}">
+        <p14:creationId xmlns:p14="http://schemas.microsoft.com/office/powerpoint/2010/main" val="85280667"/>
+      </p:ext>
+    </p:extLst>
+  </p:cSld>
+  <p:clrMapOvr>
+    <a:masterClrMapping/>
+  </p:clrMapOvr>
+</p:sld>
+</file>
+
+<file path=ppt/slides/slide5.xml><?xml version="1.0" encoding="utf-8"?>
+<p:sld xmlns:a="http://schemas.openxmlformats.org/drawingml/2006/main" xmlns:r="http://schemas.openxmlformats.org/officeDocument/2006/relationships" xmlns:p="http://schemas.openxmlformats.org/presentationml/2006/main">
+  <p:cSld>
+    <p:spTree>
+      <p:nvGrpSpPr>
+        <p:cNvPr id="1" name="">
+          <a:extLst>
+            <a:ext uri="{FF2B5EF4-FFF2-40B4-BE49-F238E27FC236}">
+              <a16:creationId xmlns:a16="http://schemas.microsoft.com/office/drawing/2014/main" id="{64552390-94C5-7C8A-E531-0E96E82EA7C3}"/>
+            </a:ext>
+          </a:extLst>
+        </p:cNvPr>
+        <p:cNvGrpSpPr/>
+        <p:nvPr/>
+      </p:nvGrpSpPr>
+      <p:grpSpPr>
+        <a:xfrm>
+          <a:off x="0" y="0"/>
+          <a:ext cx="0" cy="0"/>
+          <a:chOff x="0" y="0"/>
+          <a:chExt cx="0" cy="0"/>
+        </a:xfrm>
+      </p:grpSpPr>
+      <p:sp>
+        <p:nvSpPr>
+          <p:cNvPr id="2" name="Title 1">
+            <a:extLst>
+              <a:ext uri="{FF2B5EF4-FFF2-40B4-BE49-F238E27FC236}">
+                <a16:creationId xmlns:a16="http://schemas.microsoft.com/office/drawing/2014/main" id="{05023634-3FF5-98EB-9101-63137C059787}"/>
+              </a:ext>
+            </a:extLst>
+          </p:cNvPr>
+          <p:cNvSpPr>
+            <a:spLocks noGrp="1"/>
+          </p:cNvSpPr>
+          <p:nvPr>
+            <p:ph type="title"/>
+          </p:nvPr>
+        </p:nvSpPr>
+        <p:spPr>
+          <a:xfrm>
+            <a:off x="1341120" y="558801"/>
+            <a:ext cx="9953308" cy="580682"/>
+          </a:xfrm>
+        </p:spPr>
+        <p:txBody>
+          <a:bodyPr/>
+          <a:lstStyle/>
+          <a:p>
+            <a:r>
+              <a:rPr lang="en-US" dirty="0"/>
+              <a:t>Boundary Conditions</a:t>
+            </a:r>
+          </a:p>
+        </p:txBody>
+      </p:sp>
+      <p:sp>
+        <p:nvSpPr>
+          <p:cNvPr id="68" name="Slide Number Placeholder 67">
+            <a:extLst>
+              <a:ext uri="{FF2B5EF4-FFF2-40B4-BE49-F238E27FC236}">
+                <a16:creationId xmlns:a16="http://schemas.microsoft.com/office/drawing/2014/main" id="{E018125A-0987-F2A8-9EBE-BBC5A8DB2F4C}"/>
+              </a:ext>
+            </a:extLst>
+          </p:cNvPr>
+          <p:cNvSpPr>
+            <a:spLocks noGrp="1"/>
+          </p:cNvSpPr>
+          <p:nvPr>
+            <p:ph type="sldNum" sz="quarter" idx="13"/>
+          </p:nvPr>
+        </p:nvSpPr>
+        <p:spPr>
+          <a:xfrm>
+            <a:off x="10373350" y="6356349"/>
+            <a:ext cx="987552" cy="365125"/>
+          </a:xfrm>
+        </p:spPr>
+        <p:txBody>
+          <a:bodyPr/>
+          <a:lstStyle/>
+          <a:p>
+            <a:fld id="{A49DFD55-3C28-40EF-9E31-A92D2E4017FF}" type="slidenum">
+              <a:rPr lang="en-US" smtClean="0"/>
+              <a:pPr/>
+              <a:t>5</a:t>
+            </a:fld>
+            <a:endParaRPr lang="en-US" dirty="0"/>
+          </a:p>
+        </p:txBody>
+      </p:sp>
+      <mc:AlternateContent xmlns:mc="http://schemas.openxmlformats.org/markup-compatibility/2006">
+        <mc:Choice xmlns:a14="http://schemas.microsoft.com/office/drawing/2010/main" Requires="a14">
+          <p:sp>
+            <p:nvSpPr>
+              <p:cNvPr id="4" name="Content Placeholder 3">
+                <a:extLst>
+                  <a:ext uri="{FF2B5EF4-FFF2-40B4-BE49-F238E27FC236}">
+                    <a16:creationId xmlns:a16="http://schemas.microsoft.com/office/drawing/2014/main" id="{1573343B-E3B0-E1CB-3BDC-58F1C031904B}"/>
+                  </a:ext>
+                </a:extLst>
+              </p:cNvPr>
+              <p:cNvSpPr>
+                <a:spLocks noGrp="1"/>
+              </p:cNvSpPr>
+              <p:nvPr>
+                <p:ph sz="half" idx="14"/>
+              </p:nvPr>
+            </p:nvSpPr>
+            <p:spPr>
+              <a:xfrm>
+                <a:off x="1341120" y="1139483"/>
+                <a:ext cx="8920481" cy="5216865"/>
+              </a:xfrm>
+            </p:spPr>
+            <p:txBody>
+              <a:bodyPr>
+                <a:normAutofit/>
+              </a:bodyPr>
+              <a:lstStyle/>
+              <a:p>
+                <a:pPr marL="285750" indent="-285750">
+                  <a:buFont typeface="Arial" panose="020B0604020202020204" pitchFamily="34" charset="0"/>
+                  <a:buChar char="•"/>
+                </a:pPr>
+                <a:r>
+                  <a:rPr lang="en-US" dirty="0"/>
+                  <a:t>Simulations </a:t>
+                </a:r>
+                <a:r>
+                  <a:rPr lang="en-US"/>
+                  <a:t>assume metamaterials made of two solids:</a:t>
+                </a:r>
+                <a:endParaRPr lang="en-US" dirty="0"/>
+              </a:p>
+              <a:p>
+                <a:pPr marL="0" indent="0">
+                  <a:buNone/>
+                </a:pPr>
+                <a14:m>
+                  <m:oMathPara xmlns:m="http://schemas.openxmlformats.org/officeDocument/2006/math">
+                    <m:oMathParaPr>
+                      <m:jc m:val="centerGroup"/>
+                    </m:oMathParaPr>
+                    <m:oMath xmlns:m="http://schemas.openxmlformats.org/officeDocument/2006/math">
+                      <m:r>
+                        <a:rPr lang="en-US" b="0" i="1" smtClean="0">
+                          <a:latin typeface="Cambria Math" panose="02040503050406030204" pitchFamily="18" charset="0"/>
+                        </a:rPr>
+                        <m:t>𝜌</m:t>
+                      </m:r>
+                      <m:f>
+                        <m:fPr>
+                          <m:ctrlPr>
+                            <a:rPr lang="en-US" b="0" i="1" smtClean="0">
+                              <a:latin typeface="Cambria Math" panose="02040503050406030204" pitchFamily="18" charset="0"/>
+                            </a:rPr>
+                          </m:ctrlPr>
+                        </m:fPr>
+                        <m:num>
+                          <m:sSup>
+                            <m:sSupPr>
+                              <m:ctrlPr>
+                                <a:rPr lang="en-US" b="0" i="1" smtClean="0">
+                                  <a:latin typeface="Cambria Math" panose="02040503050406030204" pitchFamily="18" charset="0"/>
+                                </a:rPr>
+                              </m:ctrlPr>
+                            </m:sSupPr>
+                            <m:e>
+                              <m:r>
+                                <a:rPr lang="en-US" b="0" i="1" smtClean="0">
+                                  <a:latin typeface="Cambria Math" panose="02040503050406030204" pitchFamily="18" charset="0"/>
+                                  <a:ea typeface="Cambria Math" panose="02040503050406030204" pitchFamily="18" charset="0"/>
+                                </a:rPr>
+                                <m:t>𝜕</m:t>
+                              </m:r>
+                            </m:e>
+                            <m:sup>
+                              <m:r>
+                                <a:rPr lang="en-US" b="0" i="1" smtClean="0">
+                                  <a:latin typeface="Cambria Math" panose="02040503050406030204" pitchFamily="18" charset="0"/>
+                                </a:rPr>
+                                <m:t>2</m:t>
+                              </m:r>
+                            </m:sup>
+                          </m:sSup>
+                          <m:acc>
+                            <m:accPr>
+                              <m:chr m:val="̅"/>
+                              <m:ctrlPr>
+                                <a:rPr lang="en-US" b="0" i="1" smtClean="0">
+                                  <a:latin typeface="Cambria Math" panose="02040503050406030204" pitchFamily="18" charset="0"/>
+                                </a:rPr>
+                              </m:ctrlPr>
+                            </m:accPr>
+                            <m:e>
+                              <m:r>
+                                <a:rPr lang="en-US" b="0" i="1" smtClean="0">
+                                  <a:latin typeface="Cambria Math" panose="02040503050406030204" pitchFamily="18" charset="0"/>
+                                </a:rPr>
+                                <m:t>𝑢</m:t>
+                              </m:r>
+                            </m:e>
+                          </m:acc>
+                        </m:num>
+                        <m:den>
+                          <m:r>
+                            <a:rPr lang="en-US" b="0" i="1" smtClean="0">
+                              <a:latin typeface="Cambria Math" panose="02040503050406030204" pitchFamily="18" charset="0"/>
+                              <a:ea typeface="Cambria Math" panose="02040503050406030204" pitchFamily="18" charset="0"/>
+                            </a:rPr>
+                            <m:t>𝜕</m:t>
+                          </m:r>
+                          <m:sSup>
+                            <m:sSupPr>
+                              <m:ctrlPr>
+                                <a:rPr lang="en-US" b="0" i="1" smtClean="0">
+                                  <a:latin typeface="Cambria Math" panose="02040503050406030204" pitchFamily="18" charset="0"/>
+                                </a:rPr>
+                              </m:ctrlPr>
+                            </m:sSupPr>
+                            <m:e>
+                              <m:r>
+                                <a:rPr lang="en-US" b="0" i="1" smtClean="0">
+                                  <a:latin typeface="Cambria Math" panose="02040503050406030204" pitchFamily="18" charset="0"/>
+                                </a:rPr>
+                                <m:t>𝑡</m:t>
+                              </m:r>
+                            </m:e>
+                            <m:sup>
+                              <m:r>
+                                <a:rPr lang="en-US" b="0" i="1" smtClean="0">
+                                  <a:latin typeface="Cambria Math" panose="02040503050406030204" pitchFamily="18" charset="0"/>
+                                </a:rPr>
+                                <m:t>2</m:t>
+                              </m:r>
+                            </m:sup>
+                          </m:sSup>
+                        </m:den>
+                      </m:f>
+                      <m:r>
+                        <a:rPr lang="en-US" b="0" i="1" smtClean="0">
+                          <a:latin typeface="Cambria Math" panose="02040503050406030204" pitchFamily="18" charset="0"/>
+                        </a:rPr>
+                        <m:t>=</m:t>
+                      </m:r>
+                      <m:r>
+                        <m:rPr>
+                          <m:sty m:val="p"/>
+                        </m:rPr>
+                        <a:rPr lang="en-US" b="0" i="1" smtClean="0">
+                          <a:latin typeface="Cambria Math" panose="02040503050406030204" pitchFamily="18" charset="0"/>
+                          <a:ea typeface="Cambria Math" panose="02040503050406030204" pitchFamily="18" charset="0"/>
+                        </a:rPr>
+                        <m:t>∇</m:t>
+                      </m:r>
+                      <m:r>
+                        <a:rPr lang="en-US" b="0" i="1" smtClean="0">
+                          <a:latin typeface="Cambria Math" panose="02040503050406030204" pitchFamily="18" charset="0"/>
+                          <a:ea typeface="Cambria Math" panose="02040503050406030204" pitchFamily="18" charset="0"/>
+                        </a:rPr>
+                        <m:t>⋅</m:t>
+                      </m:r>
+                      <m:acc>
+                        <m:accPr>
+                          <m:chr m:val="̅"/>
+                          <m:ctrlPr>
+                            <a:rPr lang="en-US" b="0" i="1" smtClean="0">
+                              <a:latin typeface="Cambria Math" panose="02040503050406030204" pitchFamily="18" charset="0"/>
+                              <a:ea typeface="Cambria Math" panose="02040503050406030204" pitchFamily="18" charset="0"/>
+                            </a:rPr>
+                          </m:ctrlPr>
+                        </m:accPr>
+                        <m:e>
+                          <m:r>
+                            <a:rPr lang="en-US" b="0" i="1" smtClean="0">
+                              <a:latin typeface="Cambria Math" panose="02040503050406030204" pitchFamily="18" charset="0"/>
+                              <a:ea typeface="Cambria Math" panose="02040503050406030204" pitchFamily="18" charset="0"/>
+                            </a:rPr>
+                            <m:t>𝜎</m:t>
+                          </m:r>
+                        </m:e>
+                      </m:acc>
+                      <m:r>
+                        <a:rPr lang="en-US" b="0" i="1" smtClean="0">
+                          <a:latin typeface="Cambria Math" panose="02040503050406030204" pitchFamily="18" charset="0"/>
+                          <a:ea typeface="Cambria Math" panose="02040503050406030204" pitchFamily="18" charset="0"/>
+                        </a:rPr>
+                        <m:t>+</m:t>
+                      </m:r>
+                      <m:acc>
+                        <m:accPr>
+                          <m:chr m:val="̅"/>
+                          <m:ctrlPr>
+                            <a:rPr lang="en-US" b="0" i="1" smtClean="0">
+                              <a:latin typeface="Cambria Math" panose="02040503050406030204" pitchFamily="18" charset="0"/>
+                              <a:ea typeface="Cambria Math" panose="02040503050406030204" pitchFamily="18" charset="0"/>
+                            </a:rPr>
+                          </m:ctrlPr>
+                        </m:accPr>
+                        <m:e>
+                          <m:r>
+                            <a:rPr lang="en-US" b="0" i="1" smtClean="0">
+                              <a:latin typeface="Cambria Math" panose="02040503050406030204" pitchFamily="18" charset="0"/>
+                              <a:ea typeface="Cambria Math" panose="02040503050406030204" pitchFamily="18" charset="0"/>
+                            </a:rPr>
+                            <m:t>𝑓</m:t>
+                          </m:r>
+                        </m:e>
+                      </m:acc>
+                    </m:oMath>
+                  </m:oMathPara>
+                </a14:m>
+                <a:endParaRPr lang="en-US" dirty="0"/>
+              </a:p>
+              <a:p>
+                <a:pPr marL="290513"/>
+                <a:r>
+                  <a:rPr lang="en-US" dirty="0"/>
+                  <a:t>The displacement at any point, is equal to the sum of internal forces and external forces. </a:t>
+                </a:r>
+              </a:p>
+              <a:p>
+                <a:pPr marL="285750" indent="-285750">
+                  <a:buFont typeface="Arial" panose="020B0604020202020204" pitchFamily="34" charset="0"/>
+                  <a:buChar char="•"/>
+                </a:pPr>
+                <a:r>
+                  <a:rPr lang="en-US" dirty="0"/>
+                  <a:t>Constitutive Relation (Hooke’s Law):</a:t>
+                </a:r>
+              </a:p>
+              <a:p>
+                <a:pPr lvl="1" indent="0">
+                  <a:buNone/>
+                </a:pPr>
+                <a14:m>
+                  <m:oMathPara xmlns:m="http://schemas.openxmlformats.org/officeDocument/2006/math">
+                    <m:oMathParaPr>
+                      <m:jc m:val="centerGroup"/>
+                    </m:oMathParaPr>
+                    <m:oMath xmlns:m="http://schemas.openxmlformats.org/officeDocument/2006/math">
+                      <m:acc>
+                        <m:accPr>
+                          <m:chr m:val="̅"/>
+                          <m:ctrlPr>
+                            <a:rPr lang="en-US" i="1" smtClean="0">
+                              <a:latin typeface="Cambria Math" panose="02040503050406030204" pitchFamily="18" charset="0"/>
+                              <a:ea typeface="Cambria Math" panose="02040503050406030204" pitchFamily="18" charset="0"/>
+                            </a:rPr>
+                          </m:ctrlPr>
+                        </m:accPr>
+                        <m:e>
+                          <m:r>
+                            <a:rPr lang="en-US" b="0" i="1" smtClean="0">
+                              <a:latin typeface="Cambria Math" panose="02040503050406030204" pitchFamily="18" charset="0"/>
+                              <a:ea typeface="Cambria Math" panose="02040503050406030204" pitchFamily="18" charset="0"/>
+                            </a:rPr>
+                            <m:t>𝜎</m:t>
+                          </m:r>
+                        </m:e>
+                      </m:acc>
+                      <m:r>
+                        <a:rPr lang="en-US" b="0" i="1" smtClean="0">
+                          <a:latin typeface="Cambria Math" panose="02040503050406030204" pitchFamily="18" charset="0"/>
+                          <a:ea typeface="Cambria Math" panose="02040503050406030204" pitchFamily="18" charset="0"/>
+                        </a:rPr>
+                        <m:t>=</m:t>
+                      </m:r>
+                      <m:acc>
+                        <m:accPr>
+                          <m:chr m:val="̿"/>
+                          <m:ctrlPr>
+                            <a:rPr lang="en-US" b="0" i="1" smtClean="0">
+                              <a:latin typeface="Cambria Math" panose="02040503050406030204" pitchFamily="18" charset="0"/>
+                              <a:ea typeface="Cambria Math" panose="02040503050406030204" pitchFamily="18" charset="0"/>
+                            </a:rPr>
+                          </m:ctrlPr>
+                        </m:accPr>
+                        <m:e>
+                          <m:r>
+                            <a:rPr lang="en-US" b="0" i="1" smtClean="0">
+                              <a:latin typeface="Cambria Math" panose="02040503050406030204" pitchFamily="18" charset="0"/>
+                              <a:ea typeface="Cambria Math" panose="02040503050406030204" pitchFamily="18" charset="0"/>
+                            </a:rPr>
+                            <m:t>𝐶</m:t>
+                          </m:r>
+                        </m:e>
+                      </m:acc>
+                      <m:r>
+                        <a:rPr lang="en-US" b="0" i="1" smtClean="0">
+                          <a:latin typeface="Cambria Math" panose="02040503050406030204" pitchFamily="18" charset="0"/>
+                          <a:ea typeface="Cambria Math" panose="02040503050406030204" pitchFamily="18" charset="0"/>
+                        </a:rPr>
+                        <m:t>:</m:t>
+                      </m:r>
+                      <m:acc>
+                        <m:accPr>
+                          <m:chr m:val="̅"/>
+                          <m:ctrlPr>
+                            <a:rPr lang="en-US" b="0" i="1" smtClean="0">
+                              <a:latin typeface="Cambria Math" panose="02040503050406030204" pitchFamily="18" charset="0"/>
+                              <a:ea typeface="Cambria Math" panose="02040503050406030204" pitchFamily="18" charset="0"/>
+                            </a:rPr>
+                          </m:ctrlPr>
+                        </m:accPr>
+                        <m:e>
+                          <m:r>
+                            <a:rPr lang="en-US" b="0" i="1" smtClean="0">
+                              <a:latin typeface="Cambria Math" panose="02040503050406030204" pitchFamily="18" charset="0"/>
+                              <a:ea typeface="Cambria Math" panose="02040503050406030204" pitchFamily="18" charset="0"/>
+                            </a:rPr>
+                            <m:t>𝜖</m:t>
+                          </m:r>
+                        </m:e>
+                      </m:acc>
+                      <m:r>
+                        <a:rPr lang="en-US" b="0" i="1" smtClean="0">
+                          <a:latin typeface="Cambria Math" panose="02040503050406030204" pitchFamily="18" charset="0"/>
+                          <a:ea typeface="Cambria Math" panose="02040503050406030204" pitchFamily="18" charset="0"/>
+                        </a:rPr>
+                        <m:t>=</m:t>
+                      </m:r>
+                      <m:r>
+                        <a:rPr lang="en-US" b="0" i="1" smtClean="0">
+                          <a:latin typeface="Cambria Math" panose="02040503050406030204" pitchFamily="18" charset="0"/>
+                          <a:ea typeface="Cambria Math" panose="02040503050406030204" pitchFamily="18" charset="0"/>
+                        </a:rPr>
+                        <m:t>𝜆</m:t>
+                      </m:r>
+                      <m:d>
+                        <m:dPr>
+                          <m:ctrlPr>
+                            <a:rPr lang="en-US" b="0" i="1" smtClean="0">
+                              <a:latin typeface="Cambria Math" panose="02040503050406030204" pitchFamily="18" charset="0"/>
+                              <a:ea typeface="Cambria Math" panose="02040503050406030204" pitchFamily="18" charset="0"/>
+                            </a:rPr>
+                          </m:ctrlPr>
+                        </m:dPr>
+                        <m:e>
+                          <m:r>
+                            <m:rPr>
+                              <m:sty m:val="p"/>
+                            </m:rPr>
+                            <a:rPr lang="en-US" b="0" i="0" smtClean="0">
+                              <a:latin typeface="Cambria Math" panose="02040503050406030204" pitchFamily="18" charset="0"/>
+                              <a:ea typeface="Cambria Math" panose="02040503050406030204" pitchFamily="18" charset="0"/>
+                            </a:rPr>
+                            <m:t>∇</m:t>
+                          </m:r>
+                          <m:r>
+                            <a:rPr lang="en-US" b="0" i="1" smtClean="0">
+                              <a:latin typeface="Cambria Math" panose="02040503050406030204" pitchFamily="18" charset="0"/>
+                              <a:ea typeface="Cambria Math" panose="02040503050406030204" pitchFamily="18" charset="0"/>
+                            </a:rPr>
+                            <m:t>⋅</m:t>
+                          </m:r>
+                          <m:acc>
+                            <m:accPr>
+                              <m:chr m:val="̅"/>
+                              <m:ctrlPr>
+                                <a:rPr lang="en-US" b="0" i="1" smtClean="0">
+                                  <a:latin typeface="Cambria Math" panose="02040503050406030204" pitchFamily="18" charset="0"/>
+                                  <a:ea typeface="Cambria Math" panose="02040503050406030204" pitchFamily="18" charset="0"/>
+                                </a:rPr>
+                              </m:ctrlPr>
+                            </m:accPr>
+                            <m:e>
+                              <m:r>
+                                <a:rPr lang="en-US" b="0" i="1" smtClean="0">
+                                  <a:latin typeface="Cambria Math" panose="02040503050406030204" pitchFamily="18" charset="0"/>
+                                  <a:ea typeface="Cambria Math" panose="02040503050406030204" pitchFamily="18" charset="0"/>
+                                </a:rPr>
+                                <m:t>𝑢</m:t>
+                              </m:r>
+                            </m:e>
+                          </m:acc>
+                        </m:e>
+                      </m:d>
+                      <m:acc>
+                        <m:accPr>
+                          <m:chr m:val="̿"/>
+                          <m:ctrlPr>
+                            <a:rPr lang="en-US" b="0" i="1" smtClean="0">
+                              <a:latin typeface="Cambria Math" panose="02040503050406030204" pitchFamily="18" charset="0"/>
+                              <a:ea typeface="Cambria Math" panose="02040503050406030204" pitchFamily="18" charset="0"/>
+                            </a:rPr>
+                          </m:ctrlPr>
+                        </m:accPr>
+                        <m:e>
+                          <m:r>
+                            <a:rPr lang="en-US" b="0" i="1" smtClean="0">
+                              <a:latin typeface="Cambria Math" panose="02040503050406030204" pitchFamily="18" charset="0"/>
+                              <a:ea typeface="Cambria Math" panose="02040503050406030204" pitchFamily="18" charset="0"/>
+                            </a:rPr>
+                            <m:t>𝐼</m:t>
+                          </m:r>
+                        </m:e>
+                      </m:acc>
+                      <m:r>
+                        <a:rPr lang="en-US" b="0" i="1" smtClean="0">
+                          <a:latin typeface="Cambria Math" panose="02040503050406030204" pitchFamily="18" charset="0"/>
+                          <a:ea typeface="Cambria Math" panose="02040503050406030204" pitchFamily="18" charset="0"/>
+                        </a:rPr>
+                        <m:t>+2</m:t>
+                      </m:r>
+                      <m:r>
+                        <a:rPr lang="en-US" b="0" i="1" smtClean="0">
+                          <a:latin typeface="Cambria Math" panose="02040503050406030204" pitchFamily="18" charset="0"/>
+                          <a:ea typeface="Cambria Math" panose="02040503050406030204" pitchFamily="18" charset="0"/>
+                        </a:rPr>
+                        <m:t>𝜇𝜖</m:t>
+                      </m:r>
+                    </m:oMath>
+                  </m:oMathPara>
+                </a14:m>
+                <a:endParaRPr lang="en-US" dirty="0">
+                  <a:latin typeface="Cambria Math" panose="02040503050406030204" pitchFamily="18" charset="0"/>
+                  <a:ea typeface="Cambria Math" panose="02040503050406030204" pitchFamily="18" charset="0"/>
+                </a:endParaRPr>
+              </a:p>
+              <a:p>
+                <a:pPr lvl="1" indent="0">
+                  <a:buNone/>
+                </a:pPr>
+                <a:r>
+                  <a:rPr lang="en-US" b="0" dirty="0"/>
+                  <a:t>Where, </a:t>
+                </a:r>
+                <a14:m>
+                  <m:oMath xmlns:m="http://schemas.openxmlformats.org/officeDocument/2006/math">
+                    <m:sSub>
+                      <m:sSubPr>
+                        <m:ctrlPr>
+                          <a:rPr lang="en-US" b="0" i="1" smtClean="0">
+                            <a:latin typeface="Cambria Math" panose="02040503050406030204" pitchFamily="18" charset="0"/>
+                          </a:rPr>
+                        </m:ctrlPr>
+                      </m:sSubPr>
+                      <m:e>
+                        <m:r>
+                          <a:rPr lang="en-US" b="0" i="1" smtClean="0">
+                            <a:latin typeface="Cambria Math" panose="02040503050406030204" pitchFamily="18" charset="0"/>
+                          </a:rPr>
+                          <m:t>𝐶</m:t>
+                        </m:r>
+                      </m:e>
+                      <m:sub>
+                        <m:r>
+                          <a:rPr lang="en-US" b="0" i="1" smtClean="0">
+                            <a:latin typeface="Cambria Math" panose="02040503050406030204" pitchFamily="18" charset="0"/>
+                          </a:rPr>
+                          <m:t>𝑖𝑗𝑘𝑙</m:t>
+                        </m:r>
+                      </m:sub>
+                    </m:sSub>
+                    <m:r>
+                      <a:rPr lang="en-US" b="0" i="1" smtClean="0">
+                        <a:latin typeface="Cambria Math" panose="02040503050406030204" pitchFamily="18" charset="0"/>
+                      </a:rPr>
+                      <m:t>=</m:t>
+                    </m:r>
+                    <m:r>
+                      <a:rPr lang="en-US" b="0" i="1" smtClean="0">
+                        <a:latin typeface="Cambria Math" panose="02040503050406030204" pitchFamily="18" charset="0"/>
+                      </a:rPr>
+                      <m:t>𝜆</m:t>
+                    </m:r>
+                    <m:sSub>
+                      <m:sSubPr>
+                        <m:ctrlPr>
+                          <a:rPr lang="en-US" b="0" i="1" smtClean="0">
+                            <a:latin typeface="Cambria Math" panose="02040503050406030204" pitchFamily="18" charset="0"/>
+                          </a:rPr>
+                        </m:ctrlPr>
+                      </m:sSubPr>
+                      <m:e>
+                        <m:r>
+                          <a:rPr lang="en-US" b="0" i="1" smtClean="0">
+                            <a:latin typeface="Cambria Math" panose="02040503050406030204" pitchFamily="18" charset="0"/>
+                          </a:rPr>
+                          <m:t>𝛿</m:t>
+                        </m:r>
+                      </m:e>
+                      <m:sub>
+                        <m:r>
+                          <a:rPr lang="en-US" b="0" i="1" smtClean="0">
+                            <a:latin typeface="Cambria Math" panose="02040503050406030204" pitchFamily="18" charset="0"/>
+                          </a:rPr>
+                          <m:t>𝑖𝑗</m:t>
+                        </m:r>
+                      </m:sub>
+                    </m:sSub>
+                    <m:sSub>
+                      <m:sSubPr>
+                        <m:ctrlPr>
+                          <a:rPr lang="en-US" b="0" i="1" smtClean="0">
+                            <a:latin typeface="Cambria Math" panose="02040503050406030204" pitchFamily="18" charset="0"/>
+                          </a:rPr>
+                        </m:ctrlPr>
+                      </m:sSubPr>
+                      <m:e>
+                        <m:r>
+                          <a:rPr lang="en-US" b="0" i="1" smtClean="0">
+                            <a:latin typeface="Cambria Math" panose="02040503050406030204" pitchFamily="18" charset="0"/>
+                          </a:rPr>
+                          <m:t>𝛿</m:t>
+                        </m:r>
+                      </m:e>
+                      <m:sub>
+                        <m:r>
+                          <a:rPr lang="en-US" b="0" i="1" smtClean="0">
+                            <a:latin typeface="Cambria Math" panose="02040503050406030204" pitchFamily="18" charset="0"/>
+                          </a:rPr>
+                          <m:t>𝑘𝑙</m:t>
+                        </m:r>
+                      </m:sub>
+                    </m:sSub>
+                    <m:r>
+                      <a:rPr lang="en-US" b="0" i="1" smtClean="0">
+                        <a:latin typeface="Cambria Math" panose="02040503050406030204" pitchFamily="18" charset="0"/>
+                      </a:rPr>
+                      <m:t>+</m:t>
+                    </m:r>
+                    <m:r>
+                      <a:rPr lang="en-US" b="0" i="1" smtClean="0">
+                        <a:latin typeface="Cambria Math" panose="02040503050406030204" pitchFamily="18" charset="0"/>
+                      </a:rPr>
+                      <m:t>𝜇</m:t>
+                    </m:r>
+                    <m:r>
+                      <a:rPr lang="en-US" b="0" i="1" smtClean="0">
+                        <a:latin typeface="Cambria Math" panose="02040503050406030204" pitchFamily="18" charset="0"/>
+                      </a:rPr>
+                      <m:t>(</m:t>
+                    </m:r>
+                    <m:sSub>
+                      <m:sSubPr>
+                        <m:ctrlPr>
+                          <a:rPr lang="en-US" b="0" i="1" smtClean="0">
+                            <a:latin typeface="Cambria Math" panose="02040503050406030204" pitchFamily="18" charset="0"/>
+                          </a:rPr>
+                        </m:ctrlPr>
+                      </m:sSubPr>
+                      <m:e>
+                        <m:r>
+                          <a:rPr lang="en-US" b="0" i="1" smtClean="0">
+                            <a:latin typeface="Cambria Math" panose="02040503050406030204" pitchFamily="18" charset="0"/>
+                          </a:rPr>
+                          <m:t>𝛿</m:t>
+                        </m:r>
+                      </m:e>
+                      <m:sub>
+                        <m:r>
+                          <a:rPr lang="en-US" b="0" i="1" smtClean="0">
+                            <a:latin typeface="Cambria Math" panose="02040503050406030204" pitchFamily="18" charset="0"/>
+                          </a:rPr>
+                          <m:t>𝑖𝑘</m:t>
+                        </m:r>
+                      </m:sub>
+                    </m:sSub>
+                    <m:sSub>
+                      <m:sSubPr>
+                        <m:ctrlPr>
+                          <a:rPr lang="en-US" b="0" i="1" smtClean="0">
+                            <a:latin typeface="Cambria Math" panose="02040503050406030204" pitchFamily="18" charset="0"/>
+                          </a:rPr>
+                        </m:ctrlPr>
+                      </m:sSubPr>
+                      <m:e>
+                        <m:r>
+                          <a:rPr lang="en-US" b="0" i="1" smtClean="0">
+                            <a:latin typeface="Cambria Math" panose="02040503050406030204" pitchFamily="18" charset="0"/>
+                          </a:rPr>
+                          <m:t>𝛿</m:t>
+                        </m:r>
+                      </m:e>
+                      <m:sub>
+                        <m:r>
+                          <a:rPr lang="en-US" b="0" i="1" smtClean="0">
+                            <a:latin typeface="Cambria Math" panose="02040503050406030204" pitchFamily="18" charset="0"/>
+                          </a:rPr>
+                          <m:t>𝑗𝑙</m:t>
+                        </m:r>
+                      </m:sub>
+                    </m:sSub>
+                    <m:r>
+                      <a:rPr lang="en-US" b="0" i="1" smtClean="0">
+                        <a:latin typeface="Cambria Math" panose="02040503050406030204" pitchFamily="18" charset="0"/>
+                      </a:rPr>
+                      <m:t>+</m:t>
+                    </m:r>
+                    <m:sSub>
+                      <m:sSubPr>
+                        <m:ctrlPr>
+                          <a:rPr lang="en-US" b="0" i="1" smtClean="0">
+                            <a:latin typeface="Cambria Math" panose="02040503050406030204" pitchFamily="18" charset="0"/>
+                          </a:rPr>
+                        </m:ctrlPr>
+                      </m:sSubPr>
+                      <m:e>
+                        <m:r>
+                          <a:rPr lang="en-US" b="0" i="1" smtClean="0">
+                            <a:latin typeface="Cambria Math" panose="02040503050406030204" pitchFamily="18" charset="0"/>
+                          </a:rPr>
+                          <m:t>𝛿</m:t>
+                        </m:r>
+                      </m:e>
+                      <m:sub>
+                        <m:r>
+                          <a:rPr lang="en-US" b="0" i="1" smtClean="0">
+                            <a:latin typeface="Cambria Math" panose="02040503050406030204" pitchFamily="18" charset="0"/>
+                          </a:rPr>
+                          <m:t>𝑖𝑙</m:t>
+                        </m:r>
+                      </m:sub>
+                    </m:sSub>
+                    <m:sSub>
+                      <m:sSubPr>
+                        <m:ctrlPr>
+                          <a:rPr lang="en-US" b="0" i="1" smtClean="0">
+                            <a:latin typeface="Cambria Math" panose="02040503050406030204" pitchFamily="18" charset="0"/>
+                          </a:rPr>
+                        </m:ctrlPr>
+                      </m:sSubPr>
+                      <m:e>
+                        <m:r>
+                          <a:rPr lang="en-US" b="0" i="1" smtClean="0">
+                            <a:latin typeface="Cambria Math" panose="02040503050406030204" pitchFamily="18" charset="0"/>
+                          </a:rPr>
+                          <m:t>𝛿</m:t>
+                        </m:r>
+                      </m:e>
+                      <m:sub>
+                        <m:r>
+                          <a:rPr lang="en-US" b="0" i="1" smtClean="0">
+                            <a:latin typeface="Cambria Math" panose="02040503050406030204" pitchFamily="18" charset="0"/>
+                          </a:rPr>
+                          <m:t>𝑗𝑘</m:t>
+                        </m:r>
+                      </m:sub>
+                    </m:sSub>
+                    <m:r>
+                      <a:rPr lang="en-US" b="0" i="1" smtClean="0">
+                        <a:latin typeface="Cambria Math" panose="02040503050406030204" pitchFamily="18" charset="0"/>
+                      </a:rPr>
+                      <m:t>)</m:t>
+                    </m:r>
+                  </m:oMath>
+                </a14:m>
+                <a:r>
+                  <a:rPr lang="en-US" dirty="0"/>
+                  <a:t> ; (</a:t>
+                </a:r>
+                <a14:m>
+                  <m:oMath xmlns:m="http://schemas.openxmlformats.org/officeDocument/2006/math">
+                    <m:r>
+                      <a:rPr lang="en-US" b="0" i="1" smtClean="0">
+                        <a:latin typeface="Cambria Math" panose="02040503050406030204" pitchFamily="18" charset="0"/>
+                      </a:rPr>
+                      <m:t>𝜆</m:t>
+                    </m:r>
+                  </m:oMath>
+                </a14:m>
+                <a:r>
+                  <a:rPr lang="en-US" dirty="0"/>
+                  <a:t> &amp; </a:t>
+                </a:r>
+                <a14:m>
+                  <m:oMath xmlns:m="http://schemas.openxmlformats.org/officeDocument/2006/math">
+                    <m:r>
+                      <a:rPr lang="en-US" b="0" i="1" smtClean="0">
+                        <a:latin typeface="Cambria Math" panose="02040503050406030204" pitchFamily="18" charset="0"/>
+                      </a:rPr>
+                      <m:t>𝜇</m:t>
+                    </m:r>
+                  </m:oMath>
+                </a14:m>
+                <a:r>
+                  <a:rPr lang="en-US" dirty="0"/>
+                  <a:t> being the Lamé constants),</a:t>
+                </a:r>
+              </a:p>
+              <a:p>
+                <a:pPr lvl="1" indent="0">
+                  <a:buNone/>
+                </a:pPr>
+                <a:r>
+                  <a:rPr lang="en-US" dirty="0">
+                    <a:ea typeface="Cambria Math" panose="02040503050406030204" pitchFamily="18" charset="0"/>
+                  </a:rPr>
+                  <a:t>And where </a:t>
+                </a:r>
+                <a14:m>
+                  <m:oMath xmlns:m="http://schemas.openxmlformats.org/officeDocument/2006/math">
+                    <m:acc>
+                      <m:accPr>
+                        <m:chr m:val="̅"/>
+                        <m:ctrlPr>
+                          <a:rPr lang="en-US" b="0" i="1" smtClean="0">
+                            <a:latin typeface="Cambria Math" panose="02040503050406030204" pitchFamily="18" charset="0"/>
+                            <a:ea typeface="Cambria Math" panose="02040503050406030204" pitchFamily="18" charset="0"/>
+                          </a:rPr>
+                        </m:ctrlPr>
+                      </m:accPr>
+                      <m:e>
+                        <m:r>
+                          <a:rPr lang="en-US" b="0" i="1" smtClean="0">
+                            <a:latin typeface="Cambria Math" panose="02040503050406030204" pitchFamily="18" charset="0"/>
+                            <a:ea typeface="Cambria Math" panose="02040503050406030204" pitchFamily="18" charset="0"/>
+                          </a:rPr>
+                          <m:t>𝜖</m:t>
+                        </m:r>
+                      </m:e>
+                    </m:acc>
+                    <m:r>
+                      <a:rPr lang="en-US" b="0" i="1" smtClean="0">
+                        <a:latin typeface="Cambria Math" panose="02040503050406030204" pitchFamily="18" charset="0"/>
+                        <a:ea typeface="Cambria Math" panose="02040503050406030204" pitchFamily="18" charset="0"/>
+                      </a:rPr>
+                      <m:t>=</m:t>
+                    </m:r>
+                    <m:f>
+                      <m:fPr>
+                        <m:ctrlPr>
+                          <a:rPr lang="en-US" b="0" i="1" smtClean="0">
+                            <a:latin typeface="Cambria Math" panose="02040503050406030204" pitchFamily="18" charset="0"/>
+                            <a:ea typeface="Cambria Math" panose="02040503050406030204" pitchFamily="18" charset="0"/>
+                          </a:rPr>
+                        </m:ctrlPr>
+                      </m:fPr>
+                      <m:num>
+                        <m:r>
+                          <a:rPr lang="en-US" b="0" i="1" smtClean="0">
+                            <a:latin typeface="Cambria Math" panose="02040503050406030204" pitchFamily="18" charset="0"/>
+                            <a:ea typeface="Cambria Math" panose="02040503050406030204" pitchFamily="18" charset="0"/>
+                          </a:rPr>
+                          <m:t>1</m:t>
+                        </m:r>
+                      </m:num>
+                      <m:den>
+                        <m:r>
+                          <a:rPr lang="en-US" b="0" i="1" smtClean="0">
+                            <a:latin typeface="Cambria Math" panose="02040503050406030204" pitchFamily="18" charset="0"/>
+                            <a:ea typeface="Cambria Math" panose="02040503050406030204" pitchFamily="18" charset="0"/>
+                          </a:rPr>
+                          <m:t>2</m:t>
+                        </m:r>
+                      </m:den>
+                    </m:f>
+                    <m:d>
+                      <m:dPr>
+                        <m:ctrlPr>
+                          <a:rPr lang="en-US" b="0" i="1" smtClean="0">
+                            <a:latin typeface="Cambria Math" panose="02040503050406030204" pitchFamily="18" charset="0"/>
+                            <a:ea typeface="Cambria Math" panose="02040503050406030204" pitchFamily="18" charset="0"/>
+                          </a:rPr>
+                        </m:ctrlPr>
+                      </m:dPr>
+                      <m:e>
+                        <m:r>
+                          <m:rPr>
+                            <m:sty m:val="p"/>
+                          </m:rPr>
+                          <a:rPr lang="en-US" b="0" i="0" smtClean="0">
+                            <a:latin typeface="Cambria Math" panose="02040503050406030204" pitchFamily="18" charset="0"/>
+                            <a:ea typeface="Cambria Math" panose="02040503050406030204" pitchFamily="18" charset="0"/>
+                          </a:rPr>
+                          <m:t>∇</m:t>
+                        </m:r>
+                        <m:acc>
+                          <m:accPr>
+                            <m:chr m:val="̅"/>
+                            <m:ctrlPr>
+                              <a:rPr lang="en-US" b="0" i="1" smtClean="0">
+                                <a:latin typeface="Cambria Math" panose="02040503050406030204" pitchFamily="18" charset="0"/>
+                                <a:ea typeface="Cambria Math" panose="02040503050406030204" pitchFamily="18" charset="0"/>
+                              </a:rPr>
+                            </m:ctrlPr>
+                          </m:accPr>
+                          <m:e>
+                            <m:r>
+                              <a:rPr lang="en-US" b="0" i="1" smtClean="0">
+                                <a:latin typeface="Cambria Math" panose="02040503050406030204" pitchFamily="18" charset="0"/>
+                                <a:ea typeface="Cambria Math" panose="02040503050406030204" pitchFamily="18" charset="0"/>
+                              </a:rPr>
+                              <m:t>𝑢</m:t>
+                            </m:r>
+                          </m:e>
+                        </m:acc>
+                        <m:r>
+                          <a:rPr lang="en-US" b="0" i="1" smtClean="0">
+                            <a:latin typeface="Cambria Math" panose="02040503050406030204" pitchFamily="18" charset="0"/>
+                            <a:ea typeface="Cambria Math" panose="02040503050406030204" pitchFamily="18" charset="0"/>
+                          </a:rPr>
+                          <m:t>+</m:t>
+                        </m:r>
+                        <m:sSup>
+                          <m:sSupPr>
+                            <m:ctrlPr>
+                              <a:rPr lang="en-US" b="0" i="1" smtClean="0">
+                                <a:latin typeface="Cambria Math" panose="02040503050406030204" pitchFamily="18" charset="0"/>
+                                <a:ea typeface="Cambria Math" panose="02040503050406030204" pitchFamily="18" charset="0"/>
+                              </a:rPr>
+                            </m:ctrlPr>
+                          </m:sSupPr>
+                          <m:e>
+                            <m:d>
+                              <m:dPr>
+                                <m:ctrlPr>
+                                  <a:rPr lang="en-US" b="0" i="1" smtClean="0">
+                                    <a:latin typeface="Cambria Math" panose="02040503050406030204" pitchFamily="18" charset="0"/>
+                                    <a:ea typeface="Cambria Math" panose="02040503050406030204" pitchFamily="18" charset="0"/>
+                                  </a:rPr>
+                                </m:ctrlPr>
+                              </m:dPr>
+                              <m:e>
+                                <m:r>
+                                  <m:rPr>
+                                    <m:sty m:val="p"/>
+                                  </m:rPr>
+                                  <a:rPr lang="en-US" b="0" i="0" smtClean="0">
+                                    <a:latin typeface="Cambria Math" panose="02040503050406030204" pitchFamily="18" charset="0"/>
+                                    <a:ea typeface="Cambria Math" panose="02040503050406030204" pitchFamily="18" charset="0"/>
+                                  </a:rPr>
+                                  <m:t>∇</m:t>
+                                </m:r>
+                                <m:acc>
+                                  <m:accPr>
+                                    <m:chr m:val="̅"/>
+                                    <m:ctrlPr>
+                                      <a:rPr lang="en-US" b="0" i="1" smtClean="0">
+                                        <a:latin typeface="Cambria Math" panose="02040503050406030204" pitchFamily="18" charset="0"/>
+                                        <a:ea typeface="Cambria Math" panose="02040503050406030204" pitchFamily="18" charset="0"/>
+                                      </a:rPr>
+                                    </m:ctrlPr>
+                                  </m:accPr>
+                                  <m:e>
+                                    <m:r>
+                                      <a:rPr lang="en-US" b="0" i="1" smtClean="0">
+                                        <a:latin typeface="Cambria Math" panose="02040503050406030204" pitchFamily="18" charset="0"/>
+                                        <a:ea typeface="Cambria Math" panose="02040503050406030204" pitchFamily="18" charset="0"/>
+                                      </a:rPr>
+                                      <m:t>𝑢</m:t>
+                                    </m:r>
+                                  </m:e>
+                                </m:acc>
+                              </m:e>
+                            </m:d>
+                          </m:e>
+                          <m:sup>
+                            <m:r>
+                              <a:rPr lang="en-US" b="0" i="1" smtClean="0">
+                                <a:latin typeface="Cambria Math" panose="02040503050406030204" pitchFamily="18" charset="0"/>
+                                <a:ea typeface="Cambria Math" panose="02040503050406030204" pitchFamily="18" charset="0"/>
+                              </a:rPr>
+                              <m:t>𝑇</m:t>
+                            </m:r>
+                          </m:sup>
+                        </m:sSup>
+                      </m:e>
+                    </m:d>
+                  </m:oMath>
+                </a14:m>
+                <a:r>
+                  <a:rPr lang="en-US" dirty="0">
+                    <a:latin typeface="Cambria Math" panose="02040503050406030204" pitchFamily="18" charset="0"/>
+                    <a:ea typeface="Cambria Math" panose="02040503050406030204" pitchFamily="18" charset="0"/>
+                  </a:rPr>
+                  <a:t> ; </a:t>
+                </a:r>
+                <a14:m>
+                  <m:oMath xmlns:m="http://schemas.openxmlformats.org/officeDocument/2006/math">
+                    <m:sSub>
+                      <m:sSubPr>
+                        <m:ctrlPr>
+                          <a:rPr lang="en-US" b="0" i="1" smtClean="0">
+                            <a:latin typeface="Cambria Math" panose="02040503050406030204" pitchFamily="18" charset="0"/>
+                            <a:ea typeface="Cambria Math" panose="02040503050406030204" pitchFamily="18" charset="0"/>
+                          </a:rPr>
+                        </m:ctrlPr>
+                      </m:sSubPr>
+                      <m:e>
+                        <m:d>
+                          <m:dPr>
+                            <m:ctrlPr>
+                              <a:rPr lang="en-US" i="1">
+                                <a:latin typeface="Cambria Math" panose="02040503050406030204" pitchFamily="18" charset="0"/>
+                                <a:ea typeface="Cambria Math" panose="02040503050406030204" pitchFamily="18" charset="0"/>
+                              </a:rPr>
+                            </m:ctrlPr>
+                          </m:dPr>
+                          <m:e>
+                            <m:r>
+                              <m:rPr>
+                                <m:sty m:val="p"/>
+                              </m:rPr>
+                              <a:rPr lang="en-US">
+                                <a:latin typeface="Cambria Math" panose="02040503050406030204" pitchFamily="18" charset="0"/>
+                                <a:ea typeface="Cambria Math" panose="02040503050406030204" pitchFamily="18" charset="0"/>
+                              </a:rPr>
+                              <m:t>∇</m:t>
+                            </m:r>
+                            <m:acc>
+                              <m:accPr>
+                                <m:chr m:val="̅"/>
+                                <m:ctrlPr>
+                                  <a:rPr lang="en-US" i="1">
+                                    <a:latin typeface="Cambria Math" panose="02040503050406030204" pitchFamily="18" charset="0"/>
+                                    <a:ea typeface="Cambria Math" panose="02040503050406030204" pitchFamily="18" charset="0"/>
+                                  </a:rPr>
+                                </m:ctrlPr>
+                              </m:accPr>
+                              <m:e>
+                                <m:r>
+                                  <a:rPr lang="en-US" i="1">
+                                    <a:latin typeface="Cambria Math" panose="02040503050406030204" pitchFamily="18" charset="0"/>
+                                    <a:ea typeface="Cambria Math" panose="02040503050406030204" pitchFamily="18" charset="0"/>
+                                  </a:rPr>
+                                  <m:t>𝑢</m:t>
+                                </m:r>
+                              </m:e>
+                            </m:acc>
+                          </m:e>
+                        </m:d>
+                      </m:e>
+                      <m:sub>
+                        <m:r>
+                          <a:rPr lang="en-US" b="0" i="1" smtClean="0">
+                            <a:latin typeface="Cambria Math" panose="02040503050406030204" pitchFamily="18" charset="0"/>
+                            <a:ea typeface="Cambria Math" panose="02040503050406030204" pitchFamily="18" charset="0"/>
+                          </a:rPr>
+                          <m:t>𝑖𝑗</m:t>
+                        </m:r>
+                      </m:sub>
+                    </m:sSub>
+                    <m:r>
+                      <a:rPr lang="en-US" b="0" i="1" smtClean="0">
+                        <a:latin typeface="Cambria Math" panose="02040503050406030204" pitchFamily="18" charset="0"/>
+                        <a:ea typeface="Cambria Math" panose="02040503050406030204" pitchFamily="18" charset="0"/>
+                      </a:rPr>
+                      <m:t>=</m:t>
+                    </m:r>
+                    <m:f>
+                      <m:fPr>
+                        <m:ctrlPr>
+                          <a:rPr lang="en-US" b="0" i="1" smtClean="0">
+                            <a:latin typeface="Cambria Math" panose="02040503050406030204" pitchFamily="18" charset="0"/>
+                            <a:ea typeface="Cambria Math" panose="02040503050406030204" pitchFamily="18" charset="0"/>
+                          </a:rPr>
+                        </m:ctrlPr>
+                      </m:fPr>
+                      <m:num>
+                        <m:r>
+                          <a:rPr lang="en-US" b="0" i="1" smtClean="0">
+                            <a:latin typeface="Cambria Math" panose="02040503050406030204" pitchFamily="18" charset="0"/>
+                            <a:ea typeface="Cambria Math" panose="02040503050406030204" pitchFamily="18" charset="0"/>
+                          </a:rPr>
+                          <m:t>𝜕</m:t>
+                        </m:r>
+                        <m:sSub>
+                          <m:sSubPr>
+                            <m:ctrlPr>
+                              <a:rPr lang="en-US" b="0" i="1" smtClean="0">
+                                <a:latin typeface="Cambria Math" panose="02040503050406030204" pitchFamily="18" charset="0"/>
+                                <a:ea typeface="Cambria Math" panose="02040503050406030204" pitchFamily="18" charset="0"/>
+                              </a:rPr>
+                            </m:ctrlPr>
+                          </m:sSubPr>
+                          <m:e>
+                            <m:r>
+                              <a:rPr lang="en-US" b="0" i="1" smtClean="0">
+                                <a:latin typeface="Cambria Math" panose="02040503050406030204" pitchFamily="18" charset="0"/>
+                                <a:ea typeface="Cambria Math" panose="02040503050406030204" pitchFamily="18" charset="0"/>
+                              </a:rPr>
+                              <m:t>𝑢</m:t>
+                            </m:r>
+                          </m:e>
+                          <m:sub>
+                            <m:r>
+                              <a:rPr lang="en-US" b="0" i="1" smtClean="0">
+                                <a:latin typeface="Cambria Math" panose="02040503050406030204" pitchFamily="18" charset="0"/>
+                                <a:ea typeface="Cambria Math" panose="02040503050406030204" pitchFamily="18" charset="0"/>
+                              </a:rPr>
+                              <m:t>𝑖</m:t>
+                            </m:r>
+                          </m:sub>
+                        </m:sSub>
+                      </m:num>
+                      <m:den>
+                        <m:r>
+                          <a:rPr lang="en-US" b="0" i="1" smtClean="0">
+                            <a:latin typeface="Cambria Math" panose="02040503050406030204" pitchFamily="18" charset="0"/>
+                            <a:ea typeface="Cambria Math" panose="02040503050406030204" pitchFamily="18" charset="0"/>
+                          </a:rPr>
+                          <m:t>𝜕</m:t>
+                        </m:r>
+                        <m:sSub>
+                          <m:sSubPr>
+                            <m:ctrlPr>
+                              <a:rPr lang="en-US" b="0" i="1" smtClean="0">
+                                <a:latin typeface="Cambria Math" panose="02040503050406030204" pitchFamily="18" charset="0"/>
+                                <a:ea typeface="Cambria Math" panose="02040503050406030204" pitchFamily="18" charset="0"/>
+                              </a:rPr>
+                            </m:ctrlPr>
+                          </m:sSubPr>
+                          <m:e>
+                            <m:r>
+                              <a:rPr lang="en-US" b="0" i="1" smtClean="0">
+                                <a:latin typeface="Cambria Math" panose="02040503050406030204" pitchFamily="18" charset="0"/>
+                                <a:ea typeface="Cambria Math" panose="02040503050406030204" pitchFamily="18" charset="0"/>
+                              </a:rPr>
+                              <m:t>𝑥</m:t>
+                            </m:r>
+                          </m:e>
+                          <m:sub>
+                            <m:r>
+                              <a:rPr lang="en-US" b="0" i="1" smtClean="0">
+                                <a:latin typeface="Cambria Math" panose="02040503050406030204" pitchFamily="18" charset="0"/>
+                                <a:ea typeface="Cambria Math" panose="02040503050406030204" pitchFamily="18" charset="0"/>
+                              </a:rPr>
+                              <m:t>𝑗</m:t>
+                            </m:r>
+                          </m:sub>
+                        </m:sSub>
+                      </m:den>
+                    </m:f>
+                  </m:oMath>
+                </a14:m>
+                <a:r>
+                  <a:rPr lang="en-US" dirty="0">
+                    <a:latin typeface="Cambria Math" panose="02040503050406030204" pitchFamily="18" charset="0"/>
+                    <a:ea typeface="Cambria Math" panose="02040503050406030204" pitchFamily="18" charset="0"/>
+                  </a:rPr>
+                  <a:t> </a:t>
+                </a:r>
+              </a:p>
+              <a:p>
+                <a:pPr lvl="1" indent="0">
+                  <a:buNone/>
+                </a:pPr>
+                <a:r>
+                  <a:rPr lang="en-US" dirty="0"/>
+                  <a:t>Symmetric parts of </a:t>
+                </a:r>
+                <a14:m>
+                  <m:oMath xmlns:m="http://schemas.openxmlformats.org/officeDocument/2006/math">
+                    <m:r>
+                      <m:rPr>
+                        <m:sty m:val="p"/>
+                      </m:rPr>
+                      <a:rPr lang="en-US" b="0" i="0" smtClean="0">
+                        <a:latin typeface="Cambria Math" panose="02040503050406030204" pitchFamily="18" charset="0"/>
+                        <a:ea typeface="Cambria Math" panose="02040503050406030204" pitchFamily="18" charset="0"/>
+                      </a:rPr>
+                      <m:t>∇</m:t>
+                    </m:r>
+                    <m:acc>
+                      <m:accPr>
+                        <m:chr m:val="̅"/>
+                        <m:ctrlPr>
+                          <a:rPr lang="en-US" b="0" i="1" smtClean="0">
+                            <a:latin typeface="Cambria Math" panose="02040503050406030204" pitchFamily="18" charset="0"/>
+                            <a:ea typeface="Cambria Math" panose="02040503050406030204" pitchFamily="18" charset="0"/>
+                          </a:rPr>
+                        </m:ctrlPr>
+                      </m:accPr>
+                      <m:e>
+                        <m:r>
+                          <a:rPr lang="en-US" b="0" i="1" smtClean="0">
+                            <a:latin typeface="Cambria Math" panose="02040503050406030204" pitchFamily="18" charset="0"/>
+                            <a:ea typeface="Cambria Math" panose="02040503050406030204" pitchFamily="18" charset="0"/>
+                          </a:rPr>
+                          <m:t>𝑢</m:t>
+                        </m:r>
+                      </m:e>
+                    </m:acc>
+                  </m:oMath>
+                </a14:m>
+                <a:r>
+                  <a:rPr lang="en-US" dirty="0"/>
+                  <a:t> represent pure deformations (stretching, compression, and shear). The asymmetric parts represent rigid body motions.</a:t>
+                </a:r>
+              </a:p>
+              <a:p>
+                <a:pPr marL="285750" lvl="1"/>
+                <a:r>
+                  <a:rPr lang="en-US" dirty="0"/>
+                  <a:t>The wave equation for solids:</a:t>
+                </a:r>
+              </a:p>
+              <a:p>
+                <a:pPr/>
+                <a14:m>
+                  <m:oMathPara xmlns:m="http://schemas.openxmlformats.org/officeDocument/2006/math">
+                    <m:oMathParaPr>
+                      <m:jc m:val="centerGroup"/>
+                    </m:oMathParaPr>
+                    <m:oMath xmlns:m="http://schemas.openxmlformats.org/officeDocument/2006/math">
+                      <m:r>
+                        <a:rPr lang="en-US" i="1">
+                          <a:latin typeface="Cambria Math" panose="02040503050406030204" pitchFamily="18" charset="0"/>
+                        </a:rPr>
+                        <m:t>𝜌</m:t>
+                      </m:r>
+                      <m:f>
+                        <m:fPr>
+                          <m:ctrlPr>
+                            <a:rPr lang="en-US" i="1">
+                              <a:latin typeface="Cambria Math" panose="02040503050406030204" pitchFamily="18" charset="0"/>
+                            </a:rPr>
+                          </m:ctrlPr>
+                        </m:fPr>
+                        <m:num>
+                          <m:sSup>
+                            <m:sSupPr>
+                              <m:ctrlPr>
+                                <a:rPr lang="en-US" i="1">
+                                  <a:latin typeface="Cambria Math" panose="02040503050406030204" pitchFamily="18" charset="0"/>
+                                </a:rPr>
+                              </m:ctrlPr>
+                            </m:sSupPr>
+                            <m:e>
+                              <m:r>
+                                <a:rPr lang="en-US" i="1">
+                                  <a:latin typeface="Cambria Math" panose="02040503050406030204" pitchFamily="18" charset="0"/>
+                                  <a:ea typeface="Cambria Math" panose="02040503050406030204" pitchFamily="18" charset="0"/>
+                                </a:rPr>
+                                <m:t>𝜕</m:t>
+                              </m:r>
+                            </m:e>
+                            <m:sup>
+                              <m:r>
+                                <a:rPr lang="en-US" i="1">
+                                  <a:latin typeface="Cambria Math" panose="02040503050406030204" pitchFamily="18" charset="0"/>
+                                </a:rPr>
+                                <m:t>2</m:t>
+                              </m:r>
+                            </m:sup>
+                          </m:sSup>
+                          <m:acc>
+                            <m:accPr>
+                              <m:chr m:val="̅"/>
+                              <m:ctrlPr>
+                                <a:rPr lang="en-US" i="1">
+                                  <a:latin typeface="Cambria Math" panose="02040503050406030204" pitchFamily="18" charset="0"/>
+                                </a:rPr>
+                              </m:ctrlPr>
+                            </m:accPr>
+                            <m:e>
+                              <m:r>
+                                <a:rPr lang="en-US" i="1">
+                                  <a:latin typeface="Cambria Math" panose="02040503050406030204" pitchFamily="18" charset="0"/>
+                                </a:rPr>
+                                <m:t>𝑢</m:t>
+                              </m:r>
+                            </m:e>
+                          </m:acc>
+                        </m:num>
+                        <m:den>
+                          <m:r>
+                            <a:rPr lang="en-US" i="1">
+                              <a:latin typeface="Cambria Math" panose="02040503050406030204" pitchFamily="18" charset="0"/>
+                              <a:ea typeface="Cambria Math" panose="02040503050406030204" pitchFamily="18" charset="0"/>
+                            </a:rPr>
+                            <m:t>𝜕</m:t>
+                          </m:r>
+                          <m:sSup>
+                            <m:sSupPr>
+                              <m:ctrlPr>
+                                <a:rPr lang="en-US" i="1">
+                                  <a:latin typeface="Cambria Math" panose="02040503050406030204" pitchFamily="18" charset="0"/>
+                                </a:rPr>
+                              </m:ctrlPr>
+                            </m:sSupPr>
+                            <m:e>
+                              <m:r>
+                                <a:rPr lang="en-US" i="1">
+                                  <a:latin typeface="Cambria Math" panose="02040503050406030204" pitchFamily="18" charset="0"/>
+                                </a:rPr>
+                                <m:t>𝑡</m:t>
+                              </m:r>
+                            </m:e>
+                            <m:sup>
+                              <m:r>
+                                <a:rPr lang="en-US" i="1">
+                                  <a:latin typeface="Cambria Math" panose="02040503050406030204" pitchFamily="18" charset="0"/>
+                                </a:rPr>
+                                <m:t>2</m:t>
+                              </m:r>
+                            </m:sup>
+                          </m:sSup>
+                        </m:den>
+                      </m:f>
+                      <m:r>
+                        <a:rPr lang="en-US" i="1">
+                          <a:latin typeface="Cambria Math" panose="02040503050406030204" pitchFamily="18" charset="0"/>
+                        </a:rPr>
+                        <m:t>=</m:t>
+                      </m:r>
+                      <m:d>
+                        <m:dPr>
+                          <m:ctrlPr>
+                            <a:rPr lang="en-US" b="0" i="1" smtClean="0">
+                              <a:latin typeface="Cambria Math" panose="02040503050406030204" pitchFamily="18" charset="0"/>
+                            </a:rPr>
+                          </m:ctrlPr>
+                        </m:dPr>
+                        <m:e>
+                          <m:r>
+                            <a:rPr lang="en-US" b="0" i="1" smtClean="0">
+                              <a:latin typeface="Cambria Math" panose="02040503050406030204" pitchFamily="18" charset="0"/>
+                            </a:rPr>
+                            <m:t>𝜆</m:t>
+                          </m:r>
+                          <m:r>
+                            <a:rPr lang="en-US" b="0" i="1" smtClean="0">
+                              <a:latin typeface="Cambria Math" panose="02040503050406030204" pitchFamily="18" charset="0"/>
+                            </a:rPr>
+                            <m:t>+</m:t>
+                          </m:r>
+                          <m:r>
+                            <a:rPr lang="en-US" b="0" i="1" smtClean="0">
+                              <a:latin typeface="Cambria Math" panose="02040503050406030204" pitchFamily="18" charset="0"/>
+                            </a:rPr>
+                            <m:t>𝜇</m:t>
+                          </m:r>
+                        </m:e>
+                      </m:d>
+                      <m:r>
+                        <m:rPr>
+                          <m:sty m:val="p"/>
+                        </m:rPr>
+                        <a:rPr lang="en-US" b="0" i="0" smtClean="0">
+                          <a:latin typeface="Cambria Math" panose="02040503050406030204" pitchFamily="18" charset="0"/>
+                        </a:rPr>
+                        <m:t>∇</m:t>
+                      </m:r>
+                      <m:d>
+                        <m:dPr>
+                          <m:ctrlPr>
+                            <a:rPr lang="en-US" b="0" i="1" smtClean="0">
+                              <a:latin typeface="Cambria Math" panose="02040503050406030204" pitchFamily="18" charset="0"/>
+                            </a:rPr>
+                          </m:ctrlPr>
+                        </m:dPr>
+                        <m:e>
+                          <m:r>
+                            <m:rPr>
+                              <m:sty m:val="p"/>
+                            </m:rPr>
+                            <a:rPr lang="en-US" i="1">
+                              <a:latin typeface="Cambria Math" panose="02040503050406030204" pitchFamily="18" charset="0"/>
+                              <a:ea typeface="Cambria Math" panose="02040503050406030204" pitchFamily="18" charset="0"/>
+                            </a:rPr>
+                            <m:t>∇</m:t>
+                          </m:r>
+                          <m:r>
+                            <a:rPr lang="en-US" i="1">
+                              <a:latin typeface="Cambria Math" panose="02040503050406030204" pitchFamily="18" charset="0"/>
+                              <a:ea typeface="Cambria Math" panose="02040503050406030204" pitchFamily="18" charset="0"/>
+                            </a:rPr>
+                            <m:t>⋅</m:t>
+                          </m:r>
+                          <m:acc>
+                            <m:accPr>
+                              <m:chr m:val="̅"/>
+                              <m:ctrlPr>
+                                <a:rPr lang="en-US" i="1">
+                                  <a:latin typeface="Cambria Math" panose="02040503050406030204" pitchFamily="18" charset="0"/>
+                                  <a:ea typeface="Cambria Math" panose="02040503050406030204" pitchFamily="18" charset="0"/>
+                                </a:rPr>
+                              </m:ctrlPr>
+                            </m:accPr>
+                            <m:e>
+                              <m:r>
+                                <a:rPr lang="en-US" b="0" i="1" smtClean="0">
+                                  <a:latin typeface="Cambria Math" panose="02040503050406030204" pitchFamily="18" charset="0"/>
+                                  <a:ea typeface="Cambria Math" panose="02040503050406030204" pitchFamily="18" charset="0"/>
+                                </a:rPr>
+                                <m:t>𝑢</m:t>
+                              </m:r>
+                            </m:e>
+                          </m:acc>
+                        </m:e>
+                      </m:d>
+                      <m:r>
+                        <a:rPr lang="en-US" i="1">
+                          <a:latin typeface="Cambria Math" panose="02040503050406030204" pitchFamily="18" charset="0"/>
+                          <a:ea typeface="Cambria Math" panose="02040503050406030204" pitchFamily="18" charset="0"/>
+                        </a:rPr>
+                        <m:t>+</m:t>
+                      </m:r>
+                      <m:r>
+                        <a:rPr lang="en-US" b="0" i="1" smtClean="0">
+                          <a:latin typeface="Cambria Math" panose="02040503050406030204" pitchFamily="18" charset="0"/>
+                          <a:ea typeface="Cambria Math" panose="02040503050406030204" pitchFamily="18" charset="0"/>
+                        </a:rPr>
+                        <m:t>𝜇</m:t>
+                      </m:r>
+                      <m:sSup>
+                        <m:sSupPr>
+                          <m:ctrlPr>
+                            <a:rPr lang="en-US" b="0" i="1" smtClean="0">
+                              <a:latin typeface="Cambria Math" panose="02040503050406030204" pitchFamily="18" charset="0"/>
+                              <a:ea typeface="Cambria Math" panose="02040503050406030204" pitchFamily="18" charset="0"/>
+                            </a:rPr>
+                          </m:ctrlPr>
+                        </m:sSupPr>
+                        <m:e>
+                          <m:r>
+                            <m:rPr>
+                              <m:sty m:val="p"/>
+                            </m:rPr>
+                            <a:rPr lang="en-US" b="0" i="0" smtClean="0">
+                              <a:latin typeface="Cambria Math" panose="02040503050406030204" pitchFamily="18" charset="0"/>
+                              <a:ea typeface="Cambria Math" panose="02040503050406030204" pitchFamily="18" charset="0"/>
+                            </a:rPr>
+                            <m:t>∇</m:t>
+                          </m:r>
+                        </m:e>
+                        <m:sup>
+                          <m:r>
+                            <a:rPr lang="en-US" b="0" i="1" smtClean="0">
+                              <a:latin typeface="Cambria Math" panose="02040503050406030204" pitchFamily="18" charset="0"/>
+                              <a:ea typeface="Cambria Math" panose="02040503050406030204" pitchFamily="18" charset="0"/>
+                            </a:rPr>
+                            <m:t>2</m:t>
+                          </m:r>
+                        </m:sup>
+                      </m:sSup>
+                      <m:acc>
+                        <m:accPr>
+                          <m:chr m:val="̅"/>
+                          <m:ctrlPr>
+                            <a:rPr lang="en-US" i="1">
+                              <a:latin typeface="Cambria Math" panose="02040503050406030204" pitchFamily="18" charset="0"/>
+                              <a:ea typeface="Cambria Math" panose="02040503050406030204" pitchFamily="18" charset="0"/>
+                            </a:rPr>
+                          </m:ctrlPr>
+                        </m:accPr>
+                        <m:e>
+                          <m:r>
+                            <a:rPr lang="en-US" b="0" i="1" smtClean="0">
+                              <a:latin typeface="Cambria Math" panose="02040503050406030204" pitchFamily="18" charset="0"/>
+                              <a:ea typeface="Cambria Math" panose="02040503050406030204" pitchFamily="18" charset="0"/>
+                            </a:rPr>
+                            <m:t>𝑢</m:t>
+                          </m:r>
+                        </m:e>
+                      </m:acc>
+                      <m:r>
+                        <a:rPr lang="en-US" b="0" i="1" smtClean="0">
+                          <a:latin typeface="Cambria Math" panose="02040503050406030204" pitchFamily="18" charset="0"/>
+                          <a:ea typeface="Cambria Math" panose="02040503050406030204" pitchFamily="18" charset="0"/>
+                        </a:rPr>
+                        <m:t>+</m:t>
+                      </m:r>
+                      <m:acc>
+                        <m:accPr>
+                          <m:chr m:val="̅"/>
+                          <m:ctrlPr>
+                            <a:rPr lang="en-US" b="0" i="1" smtClean="0">
+                              <a:latin typeface="Cambria Math" panose="02040503050406030204" pitchFamily="18" charset="0"/>
+                              <a:ea typeface="Cambria Math" panose="02040503050406030204" pitchFamily="18" charset="0"/>
+                            </a:rPr>
+                          </m:ctrlPr>
+                        </m:accPr>
+                        <m:e>
+                          <m:r>
+                            <a:rPr lang="en-US" b="0" i="1" smtClean="0">
+                              <a:latin typeface="Cambria Math" panose="02040503050406030204" pitchFamily="18" charset="0"/>
+                              <a:ea typeface="Cambria Math" panose="02040503050406030204" pitchFamily="18" charset="0"/>
+                            </a:rPr>
+                            <m:t>𝑓</m:t>
+                          </m:r>
+                        </m:e>
+                      </m:acc>
+                    </m:oMath>
+                  </m:oMathPara>
+                </a14:m>
+                <a:endParaRPr lang="en-US" dirty="0"/>
+              </a:p>
+              <a:p>
+                <a:pPr marL="285750"/>
+                <a:endParaRPr lang="en-US" dirty="0"/>
+              </a:p>
+            </p:txBody>
+          </p:sp>
+        </mc:Choice>
+        <mc:Fallback>
+          <p:sp>
+            <p:nvSpPr>
+              <p:cNvPr id="4" name="Content Placeholder 3">
+                <a:extLst>
+                  <a:ext uri="{FF2B5EF4-FFF2-40B4-BE49-F238E27FC236}">
+                    <a16:creationId xmlns:a16="http://schemas.microsoft.com/office/drawing/2014/main" id="{1573343B-E3B0-E1CB-3BDC-58F1C031904B}"/>
+                  </a:ext>
+                </a:extLst>
+              </p:cNvPr>
+              <p:cNvSpPr>
+                <a:spLocks noGrp="1" noRot="1" noChangeAspect="1" noMove="1" noResize="1" noEditPoints="1" noAdjustHandles="1" noChangeArrowheads="1" noChangeShapeType="1" noTextEdit="1"/>
+              </p:cNvSpPr>
+              <p:nvPr>
+                <p:ph sz="half" idx="14"/>
+              </p:nvPr>
+            </p:nvSpPr>
+            <p:spPr>
+              <a:xfrm>
+                <a:off x="1341120" y="1139483"/>
+                <a:ext cx="8920481" cy="5216865"/>
+              </a:xfrm>
+              <a:blipFill>
+                <a:blip r:embed="rId3"/>
+                <a:stretch>
+                  <a:fillRect l="-410" t="-1519"/>
+                </a:stretch>
+              </a:blipFill>
+            </p:spPr>
+            <p:txBody>
+              <a:bodyPr/>
+              <a:lstStyle/>
+              <a:p>
+                <a:r>
+                  <a:rPr lang="en-US">
+                    <a:noFill/>
+                  </a:rPr>
+                  <a:t> </a:t>
+                </a:r>
+              </a:p>
+            </p:txBody>
+          </p:sp>
+        </mc:Fallback>
+      </mc:AlternateContent>
+    </p:spTree>
+    <p:extLst>
+      <p:ext uri="{BB962C8B-B14F-4D97-AF65-F5344CB8AC3E}">
+        <p14:creationId xmlns:p14="http://schemas.microsoft.com/office/powerpoint/2010/main" val="481869344"/>
+      </p:ext>
+    </p:extLst>
+  </p:cSld>
+  <p:clrMapOvr>
+    <a:masterClrMapping/>
+  </p:clrMapOvr>
+</p:sld>
+</file>
+
+<file path=ppt/slides/slide6.xml><?xml version="1.0" encoding="utf-8"?>
+<p:sld xmlns:a="http://schemas.openxmlformats.org/drawingml/2006/main" xmlns:r="http://schemas.openxmlformats.org/officeDocument/2006/relationships" xmlns:p="http://schemas.openxmlformats.org/presentationml/2006/main">
+  <p:cSld>
+    <p:spTree>
+      <p:nvGrpSpPr>
         <p:cNvPr id="1" name=""/>
         <p:cNvGrpSpPr/>
         <p:nvPr/>
@@ -11665,7 +15517,7 @@
             <a:fld id="{A49DFD55-3C28-40EF-9E31-A92D2E4017FF}" type="slidenum">
               <a:rPr lang="en-US" smtClean="0"/>
               <a:pPr/>
-              <a:t>4</a:t>
+              <a:t>6</a:t>
             </a:fld>
             <a:endParaRPr lang="en-US" dirty="0"/>
           </a:p>
@@ -12609,7 +16461,7 @@
 </p:sld>
 </file>
 
-<file path=ppt/slides/slide5.xml><?xml version="1.0" encoding="utf-8"?>
+<file path=ppt/slides/slide7.xml><?xml version="1.0" encoding="utf-8"?>
 <p:sld xmlns:a="http://schemas.openxmlformats.org/drawingml/2006/main" xmlns:r="http://schemas.openxmlformats.org/officeDocument/2006/relationships" xmlns:p="http://schemas.openxmlformats.org/presentationml/2006/main">
   <p:cSld>
     <p:spTree>
@@ -12688,7 +16540,7 @@
             <a:fld id="{A49DFD55-3C28-40EF-9E31-A92D2E4017FF}" type="slidenum">
               <a:rPr lang="en-US" smtClean="0"/>
               <a:pPr/>
-              <a:t>5</a:t>
+              <a:t>7</a:t>
             </a:fld>
             <a:endParaRPr lang="en-US" dirty="0"/>
           </a:p>
@@ -13673,7 +17525,7 @@
 </p:sld>
 </file>
 
-<file path=ppt/slides/slide6.xml><?xml version="1.0" encoding="utf-8"?>
+<file path=ppt/slides/slide8.xml><?xml version="1.0" encoding="utf-8"?>
 <p:sld xmlns:a="http://schemas.openxmlformats.org/drawingml/2006/main" xmlns:r="http://schemas.openxmlformats.org/officeDocument/2006/relationships" xmlns:p="http://schemas.openxmlformats.org/presentationml/2006/main">
   <p:cSld>
     <p:spTree>
@@ -13752,7 +17604,7 @@
             <a:fld id="{A49DFD55-3C28-40EF-9E31-A92D2E4017FF}" type="slidenum">
               <a:rPr lang="en-US" smtClean="0"/>
               <a:pPr/>
-              <a:t>6</a:t>
+              <a:t>8</a:t>
             </a:fld>
             <a:endParaRPr lang="en-US" dirty="0"/>
           </a:p>
@@ -13953,7 +17805,7 @@
 </p:sld>
 </file>
 
-<file path=ppt/slides/slide7.xml><?xml version="1.0" encoding="utf-8"?>
+<file path=ppt/slides/slide9.xml><?xml version="1.0" encoding="utf-8"?>
 <p:sld xmlns:a="http://schemas.openxmlformats.org/drawingml/2006/main" xmlns:r="http://schemas.openxmlformats.org/officeDocument/2006/relationships" xmlns:p="http://schemas.openxmlformats.org/presentationml/2006/main" show="0">
   <p:cSld>
     <p:spTree>
@@ -14032,7 +17884,7 @@
             <a:fld id="{A49DFD55-3C28-40EF-9E31-A92D2E4017FF}" type="slidenum">
               <a:rPr lang="en-US" smtClean="0"/>
               <a:pPr/>
-              <a:t>7</a:t>
+              <a:t>9</a:t>
             </a:fld>
             <a:endParaRPr lang="en-US" dirty="0"/>
           </a:p>
@@ -14174,552 +18026,6 @@
     <p:extLst>
       <p:ext uri="{BB962C8B-B14F-4D97-AF65-F5344CB8AC3E}">
         <p14:creationId xmlns:p14="http://schemas.microsoft.com/office/powerpoint/2010/main" val="2594934582"/>
-      </p:ext>
-    </p:extLst>
-  </p:cSld>
-  <p:clrMapOvr>
-    <a:masterClrMapping/>
-  </p:clrMapOvr>
-</p:sld>
-</file>
-
-<file path=ppt/slides/slide8.xml><?xml version="1.0" encoding="utf-8"?>
-<p:sld xmlns:a="http://schemas.openxmlformats.org/drawingml/2006/main" xmlns:r="http://schemas.openxmlformats.org/officeDocument/2006/relationships" xmlns:p="http://schemas.openxmlformats.org/presentationml/2006/main">
-  <p:cSld>
-    <p:spTree>
-      <p:nvGrpSpPr>
-        <p:cNvPr id="1" name=""/>
-        <p:cNvGrpSpPr/>
-        <p:nvPr/>
-      </p:nvGrpSpPr>
-      <p:grpSpPr>
-        <a:xfrm>
-          <a:off x="0" y="0"/>
-          <a:ext cx="0" cy="0"/>
-          <a:chOff x="0" y="0"/>
-          <a:chExt cx="0" cy="0"/>
-        </a:xfrm>
-      </p:grpSpPr>
-      <p:sp>
-        <p:nvSpPr>
-          <p:cNvPr id="2" name="Title 1">
-            <a:extLst>
-              <a:ext uri="{FF2B5EF4-FFF2-40B4-BE49-F238E27FC236}">
-                <a16:creationId xmlns:a16="http://schemas.microsoft.com/office/drawing/2014/main" id="{8B27D9B3-B64F-656A-0D99-161A6C0F518F}"/>
-              </a:ext>
-            </a:extLst>
-          </p:cNvPr>
-          <p:cNvSpPr>
-            <a:spLocks noGrp="1"/>
-          </p:cNvSpPr>
-          <p:nvPr>
-            <p:ph type="title"/>
-          </p:nvPr>
-        </p:nvSpPr>
-        <p:spPr>
-          <a:xfrm>
-            <a:off x="1341120" y="558801"/>
-            <a:ext cx="9953308" cy="580682"/>
-          </a:xfrm>
-        </p:spPr>
-        <p:txBody>
-          <a:bodyPr/>
-          <a:lstStyle/>
-          <a:p>
-            <a:r>
-              <a:rPr lang="en-US" dirty="0"/>
-              <a:t>Data Prep</a:t>
-            </a:r>
-          </a:p>
-        </p:txBody>
-      </p:sp>
-      <p:sp>
-        <p:nvSpPr>
-          <p:cNvPr id="68" name="Slide Number Placeholder 67">
-            <a:extLst>
-              <a:ext uri="{FF2B5EF4-FFF2-40B4-BE49-F238E27FC236}">
-                <a16:creationId xmlns:a16="http://schemas.microsoft.com/office/drawing/2014/main" id="{AA0ACADD-CC4E-851C-DA07-C22DB97FA23E}"/>
-              </a:ext>
-            </a:extLst>
-          </p:cNvPr>
-          <p:cNvSpPr>
-            <a:spLocks noGrp="1"/>
-          </p:cNvSpPr>
-          <p:nvPr>
-            <p:ph type="sldNum" sz="quarter" idx="13"/>
-          </p:nvPr>
-        </p:nvSpPr>
-        <p:spPr>
-          <a:xfrm>
-            <a:off x="10373350" y="6356349"/>
-            <a:ext cx="987552" cy="365125"/>
-          </a:xfrm>
-        </p:spPr>
-        <p:txBody>
-          <a:bodyPr/>
-          <a:lstStyle/>
-          <a:p>
-            <a:fld id="{A49DFD55-3C28-40EF-9E31-A92D2E4017FF}" type="slidenum">
-              <a:rPr lang="en-US" smtClean="0"/>
-              <a:pPr/>
-              <a:t>8</a:t>
-            </a:fld>
-            <a:endParaRPr lang="en-US" dirty="0"/>
-          </a:p>
-        </p:txBody>
-      </p:sp>
-      <p:sp>
-        <p:nvSpPr>
-          <p:cNvPr id="4" name="Content Placeholder 3">
-            <a:extLst>
-              <a:ext uri="{FF2B5EF4-FFF2-40B4-BE49-F238E27FC236}">
-                <a16:creationId xmlns:a16="http://schemas.microsoft.com/office/drawing/2014/main" id="{AB1F8A9E-54FC-8CCB-7C5C-8B9D1002ADA2}"/>
-              </a:ext>
-            </a:extLst>
-          </p:cNvPr>
-          <p:cNvSpPr>
-            <a:spLocks noGrp="1"/>
-          </p:cNvSpPr>
-          <p:nvPr>
-            <p:ph sz="half" idx="14"/>
-          </p:nvPr>
-        </p:nvSpPr>
-        <p:spPr>
-          <a:xfrm>
-            <a:off x="1341120" y="1139483"/>
-            <a:ext cx="8920481" cy="5216865"/>
-          </a:xfrm>
-        </p:spPr>
-        <p:txBody>
-          <a:bodyPr/>
-          <a:lstStyle/>
-          <a:p>
-            <a:pPr marL="285750" indent="-285750">
-              <a:buFont typeface="Arial" panose="020B0604020202020204" pitchFamily="34" charset="0"/>
-              <a:buChar char="•"/>
-            </a:pPr>
-            <a:r>
-              <a:rPr lang="en-US" dirty="0"/>
-              <a:t>Displacement field data is fixed, and utility functions have been written to extract and format Caltech’s </a:t>
-            </a:r>
-            <a:r>
-              <a:rPr lang="en-US" dirty="0" err="1"/>
-              <a:t>matlab</a:t>
-            </a:r>
-            <a:r>
-              <a:rPr lang="en-US" dirty="0"/>
-              <a:t> data to python friendly formats.</a:t>
-            </a:r>
-          </a:p>
-          <a:p>
-            <a:pPr marL="285750" indent="-285750">
-              <a:buFont typeface="Arial" panose="020B0604020202020204" pitchFamily="34" charset="0"/>
-              <a:buChar char="•"/>
-            </a:pPr>
-            <a:r>
-              <a:rPr lang="en-US" dirty="0"/>
-              <a:t>Dataset is 400 geometries x 325 wavevectors x 6 bands = 780,000 effective samples.</a:t>
-            </a:r>
-          </a:p>
-          <a:p>
-            <a:pPr marL="285750" indent="-285750">
-              <a:buFont typeface="Arial" panose="020B0604020202020204" pitchFamily="34" charset="0"/>
-              <a:buChar char="•"/>
-            </a:pPr>
-            <a:r>
-              <a:rPr lang="en-US" dirty="0"/>
-              <a:t>Inputs are 4 panes of data, 1 pane each for a 32x32 geometry, </a:t>
-            </a:r>
-            <a:r>
-              <a:rPr lang="en-US" dirty="0" err="1"/>
-              <a:t>wavevector_x</a:t>
-            </a:r>
-            <a:r>
-              <a:rPr lang="en-US" dirty="0"/>
-              <a:t>, </a:t>
-            </a:r>
-            <a:r>
-              <a:rPr lang="en-US" dirty="0" err="1"/>
-              <a:t>wavevector_y</a:t>
-            </a:r>
-            <a:r>
-              <a:rPr lang="en-US" dirty="0"/>
-              <a:t>, and band. The latter 3 are 2D arrays of constants.</a:t>
-            </a:r>
-          </a:p>
-          <a:p>
-            <a:pPr marL="285750" indent="-285750">
-              <a:buFont typeface="Arial" panose="020B0604020202020204" pitchFamily="34" charset="0"/>
-              <a:buChar char="•"/>
-            </a:pPr>
-            <a:r>
-              <a:rPr lang="en-US" dirty="0"/>
-              <a:t>Outputs are 4 panes of data, 1 pane each for </a:t>
-            </a:r>
-            <a:r>
-              <a:rPr lang="en-US" dirty="0" err="1"/>
-              <a:t>x_real</a:t>
-            </a:r>
-            <a:r>
-              <a:rPr lang="en-US" dirty="0"/>
-              <a:t>, </a:t>
-            </a:r>
-            <a:r>
-              <a:rPr lang="en-US" dirty="0" err="1"/>
-              <a:t>x_imag</a:t>
-            </a:r>
-            <a:r>
-              <a:rPr lang="en-US" dirty="0"/>
-              <a:t>, </a:t>
-            </a:r>
-            <a:r>
-              <a:rPr lang="en-US" dirty="0" err="1"/>
-              <a:t>y_real</a:t>
-            </a:r>
-            <a:r>
-              <a:rPr lang="en-US" dirty="0"/>
-              <a:t>, </a:t>
-            </a:r>
-            <a:r>
-              <a:rPr lang="en-US" dirty="0" err="1"/>
-              <a:t>y_imag</a:t>
-            </a:r>
-            <a:r>
-              <a:rPr lang="en-US" dirty="0"/>
-              <a:t> displacement fields.</a:t>
-            </a:r>
-          </a:p>
-        </p:txBody>
-      </p:sp>
-      <p:pic>
-        <p:nvPicPr>
-          <p:cNvPr id="6" name="Picture 5">
-            <a:extLst>
-              <a:ext uri="{FF2B5EF4-FFF2-40B4-BE49-F238E27FC236}">
-                <a16:creationId xmlns:a16="http://schemas.microsoft.com/office/drawing/2014/main" id="{35F5234F-185B-DD95-46BF-D933FD902D5B}"/>
-              </a:ext>
-            </a:extLst>
-          </p:cNvPr>
-          <p:cNvPicPr>
-            <a:picLocks noChangeAspect="1"/>
-          </p:cNvPicPr>
-          <p:nvPr/>
-        </p:nvPicPr>
-        <p:blipFill>
-          <a:blip r:embed="rId3"/>
-          <a:srcRect/>
-          <a:stretch/>
-        </p:blipFill>
-        <p:spPr>
-          <a:xfrm>
-            <a:off x="8046720" y="3519804"/>
-            <a:ext cx="4145279" cy="3338196"/>
-          </a:xfrm>
-          <a:prstGeom prst="rect">
-            <a:avLst/>
-          </a:prstGeom>
-        </p:spPr>
-      </p:pic>
-      <p:pic>
-        <p:nvPicPr>
-          <p:cNvPr id="8" name="Picture 7" descr="A yellow and purple square with a square in the middle&#10;&#10;Description automatically generated">
-            <a:extLst>
-              <a:ext uri="{FF2B5EF4-FFF2-40B4-BE49-F238E27FC236}">
-                <a16:creationId xmlns:a16="http://schemas.microsoft.com/office/drawing/2014/main" id="{5A495E85-62F1-E04C-8F46-BFDCAA0FD500}"/>
-              </a:ext>
-            </a:extLst>
-          </p:cNvPr>
-          <p:cNvPicPr>
-            <a:picLocks noChangeAspect="1"/>
-          </p:cNvPicPr>
-          <p:nvPr/>
-        </p:nvPicPr>
-        <p:blipFill>
-          <a:blip r:embed="rId4"/>
-          <a:stretch>
-            <a:fillRect/>
-          </a:stretch>
-        </p:blipFill>
-        <p:spPr>
-          <a:xfrm>
-            <a:off x="0" y="3795907"/>
-            <a:ext cx="2947181" cy="3062093"/>
-          </a:xfrm>
-          <a:prstGeom prst="rect">
-            <a:avLst/>
-          </a:prstGeom>
-        </p:spPr>
-      </p:pic>
-    </p:spTree>
-    <p:extLst>
-      <p:ext uri="{BB962C8B-B14F-4D97-AF65-F5344CB8AC3E}">
-        <p14:creationId xmlns:p14="http://schemas.microsoft.com/office/powerpoint/2010/main" val="119295080"/>
-      </p:ext>
-    </p:extLst>
-  </p:cSld>
-  <p:clrMapOvr>
-    <a:masterClrMapping/>
-  </p:clrMapOvr>
-</p:sld>
-</file>
-
-<file path=ppt/slides/slide9.xml><?xml version="1.0" encoding="utf-8"?>
-<p:sld xmlns:a="http://schemas.openxmlformats.org/drawingml/2006/main" xmlns:r="http://schemas.openxmlformats.org/officeDocument/2006/relationships" xmlns:p="http://schemas.openxmlformats.org/presentationml/2006/main">
-  <p:cSld>
-    <p:spTree>
-      <p:nvGrpSpPr>
-        <p:cNvPr id="1" name=""/>
-        <p:cNvGrpSpPr/>
-        <p:nvPr/>
-      </p:nvGrpSpPr>
-      <p:grpSpPr>
-        <a:xfrm>
-          <a:off x="0" y="0"/>
-          <a:ext cx="0" cy="0"/>
-          <a:chOff x="0" y="0"/>
-          <a:chExt cx="0" cy="0"/>
-        </a:xfrm>
-      </p:grpSpPr>
-      <p:sp>
-        <p:nvSpPr>
-          <p:cNvPr id="2" name="Title 1">
-            <a:extLst>
-              <a:ext uri="{FF2B5EF4-FFF2-40B4-BE49-F238E27FC236}">
-                <a16:creationId xmlns:a16="http://schemas.microsoft.com/office/drawing/2014/main" id="{8B27D9B3-B64F-656A-0D99-161A6C0F518F}"/>
-              </a:ext>
-            </a:extLst>
-          </p:cNvPr>
-          <p:cNvSpPr>
-            <a:spLocks noGrp="1"/>
-          </p:cNvSpPr>
-          <p:nvPr>
-            <p:ph type="title"/>
-          </p:nvPr>
-        </p:nvSpPr>
-        <p:spPr>
-          <a:xfrm>
-            <a:off x="1341120" y="558801"/>
-            <a:ext cx="9953308" cy="580682"/>
-          </a:xfrm>
-        </p:spPr>
-        <p:txBody>
-          <a:bodyPr/>
-          <a:lstStyle/>
-          <a:p>
-            <a:r>
-              <a:rPr lang="en-US" dirty="0"/>
-              <a:t>Training</a:t>
-            </a:r>
-          </a:p>
-        </p:txBody>
-      </p:sp>
-      <p:sp>
-        <p:nvSpPr>
-          <p:cNvPr id="68" name="Slide Number Placeholder 67">
-            <a:extLst>
-              <a:ext uri="{FF2B5EF4-FFF2-40B4-BE49-F238E27FC236}">
-                <a16:creationId xmlns:a16="http://schemas.microsoft.com/office/drawing/2014/main" id="{AA0ACADD-CC4E-851C-DA07-C22DB97FA23E}"/>
-              </a:ext>
-            </a:extLst>
-          </p:cNvPr>
-          <p:cNvSpPr>
-            <a:spLocks noGrp="1"/>
-          </p:cNvSpPr>
-          <p:nvPr>
-            <p:ph type="sldNum" sz="quarter" idx="13"/>
-          </p:nvPr>
-        </p:nvSpPr>
-        <p:spPr>
-          <a:xfrm>
-            <a:off x="10373350" y="6356349"/>
-            <a:ext cx="987552" cy="365125"/>
-          </a:xfrm>
-        </p:spPr>
-        <p:txBody>
-          <a:bodyPr/>
-          <a:lstStyle/>
-          <a:p>
-            <a:fld id="{A49DFD55-3C28-40EF-9E31-A92D2E4017FF}" type="slidenum">
-              <a:rPr lang="en-US" smtClean="0"/>
-              <a:pPr/>
-              <a:t>9</a:t>
-            </a:fld>
-            <a:endParaRPr lang="en-US" dirty="0"/>
-          </a:p>
-        </p:txBody>
-      </p:sp>
-      <p:sp>
-        <p:nvSpPr>
-          <p:cNvPr id="4" name="Content Placeholder 3">
-            <a:extLst>
-              <a:ext uri="{FF2B5EF4-FFF2-40B4-BE49-F238E27FC236}">
-                <a16:creationId xmlns:a16="http://schemas.microsoft.com/office/drawing/2014/main" id="{AB1F8A9E-54FC-8CCB-7C5C-8B9D1002ADA2}"/>
-              </a:ext>
-            </a:extLst>
-          </p:cNvPr>
-          <p:cNvSpPr>
-            <a:spLocks noGrp="1"/>
-          </p:cNvSpPr>
-          <p:nvPr>
-            <p:ph sz="half" idx="14"/>
-          </p:nvPr>
-        </p:nvSpPr>
-        <p:spPr>
-          <a:xfrm>
-            <a:off x="1341120" y="1139483"/>
-            <a:ext cx="8920481" cy="1899137"/>
-          </a:xfrm>
-        </p:spPr>
-        <p:txBody>
-          <a:bodyPr>
-            <a:normAutofit fontScale="92500" lnSpcReduction="20000"/>
-          </a:bodyPr>
-          <a:lstStyle/>
-          <a:p>
-            <a:pPr marL="285750" indent="-285750">
-              <a:buFont typeface="Arial" panose="020B0604020202020204" pitchFamily="34" charset="0"/>
-              <a:buChar char="•"/>
-            </a:pPr>
-            <a:r>
-              <a:rPr lang="en-US" dirty="0"/>
-              <a:t>Appears to have mode collapse, model is predicting something like the average value of the displacement field.</a:t>
-            </a:r>
-          </a:p>
-          <a:p>
-            <a:pPr marL="285750" indent="-285750">
-              <a:buFont typeface="Arial" panose="020B0604020202020204" pitchFamily="34" charset="0"/>
-              <a:buChar char="•"/>
-            </a:pPr>
-            <a:r>
-              <a:rPr lang="en-US" dirty="0"/>
-              <a:t>Model is a FNO with 1 lifting layer, 4 Fourier layers, and 1 projection layer.</a:t>
-            </a:r>
-          </a:p>
-          <a:p>
-            <a:pPr marL="285750" indent="-285750">
-              <a:buFont typeface="Arial" panose="020B0604020202020204" pitchFamily="34" charset="0"/>
-              <a:buChar char="•"/>
-            </a:pPr>
-            <a:r>
-              <a:rPr lang="en-US" dirty="0"/>
-              <a:t>ADAM optimizer, 10 epochs, 18282 batches/epoch, 32 samples/batch, MSE loss</a:t>
-            </a:r>
-          </a:p>
-          <a:p>
-            <a:pPr marL="285750" indent="-285750">
-              <a:buFont typeface="Arial" panose="020B0604020202020204" pitchFamily="34" charset="0"/>
-              <a:buChar char="•"/>
-            </a:pPr>
-            <a:r>
-              <a:rPr lang="en-US" dirty="0"/>
-              <a:t>Next steps: normalize data before training, increase batch size to 256.</a:t>
-            </a:r>
-          </a:p>
-          <a:p>
-            <a:pPr marL="285750" indent="-285750">
-              <a:buFont typeface="Arial" panose="020B0604020202020204" pitchFamily="34" charset="0"/>
-              <a:buChar char="•"/>
-            </a:pPr>
-            <a:r>
-              <a:rPr lang="en-US" dirty="0"/>
-              <a:t>Other potential fixes: change loss function, add layers.</a:t>
-            </a:r>
-          </a:p>
-        </p:txBody>
-      </p:sp>
-      <p:pic>
-        <p:nvPicPr>
-          <p:cNvPr id="6" name="Picture 5">
-            <a:extLst>
-              <a:ext uri="{FF2B5EF4-FFF2-40B4-BE49-F238E27FC236}">
-                <a16:creationId xmlns:a16="http://schemas.microsoft.com/office/drawing/2014/main" id="{35F5234F-185B-DD95-46BF-D933FD902D5B}"/>
-              </a:ext>
-            </a:extLst>
-          </p:cNvPr>
-          <p:cNvPicPr>
-            <a:picLocks noChangeAspect="1"/>
-          </p:cNvPicPr>
-          <p:nvPr/>
-        </p:nvPicPr>
-        <p:blipFill>
-          <a:blip r:embed="rId3"/>
-          <a:srcRect/>
-          <a:stretch/>
-        </p:blipFill>
-        <p:spPr>
-          <a:xfrm>
-            <a:off x="8475616" y="3038623"/>
-            <a:ext cx="3716383" cy="3819378"/>
-          </a:xfrm>
-          <a:prstGeom prst="rect">
-            <a:avLst/>
-          </a:prstGeom>
-        </p:spPr>
-      </p:pic>
-      <p:pic>
-        <p:nvPicPr>
-          <p:cNvPr id="5" name="Picture 4" descr="A screenshot of a computer screen&#10;&#10;Description automatically generated">
-            <a:extLst>
-              <a:ext uri="{FF2B5EF4-FFF2-40B4-BE49-F238E27FC236}">
-                <a16:creationId xmlns:a16="http://schemas.microsoft.com/office/drawing/2014/main" id="{5C52E863-3162-99D9-3E10-D989D08B32CE}"/>
-              </a:ext>
-            </a:extLst>
-          </p:cNvPr>
-          <p:cNvPicPr>
-            <a:picLocks noChangeAspect="1"/>
-          </p:cNvPicPr>
-          <p:nvPr/>
-        </p:nvPicPr>
-        <p:blipFill>
-          <a:blip r:embed="rId4"/>
-          <a:stretch>
-            <a:fillRect/>
-          </a:stretch>
-        </p:blipFill>
-        <p:spPr>
-          <a:xfrm>
-            <a:off x="4536267" y="3038622"/>
-            <a:ext cx="3563014" cy="3819378"/>
-          </a:xfrm>
-          <a:prstGeom prst="rect">
-            <a:avLst/>
-          </a:prstGeom>
-        </p:spPr>
-      </p:pic>
-      <p:pic>
-        <p:nvPicPr>
-          <p:cNvPr id="9" name="Picture 8" descr="A screenshot of a computer screen&#10;&#10;Description automatically generated">
-            <a:extLst>
-              <a:ext uri="{FF2B5EF4-FFF2-40B4-BE49-F238E27FC236}">
-                <a16:creationId xmlns:a16="http://schemas.microsoft.com/office/drawing/2014/main" id="{324518F4-1224-CEED-72D1-19ED9FA170A8}"/>
-              </a:ext>
-            </a:extLst>
-          </p:cNvPr>
-          <p:cNvPicPr>
-            <a:picLocks noChangeAspect="1"/>
-          </p:cNvPicPr>
-          <p:nvPr/>
-        </p:nvPicPr>
-        <p:blipFill>
-          <a:blip r:embed="rId5"/>
-          <a:stretch>
-            <a:fillRect/>
-          </a:stretch>
-        </p:blipFill>
-        <p:spPr>
-          <a:xfrm>
-            <a:off x="0" y="3038620"/>
-            <a:ext cx="3497839" cy="3819379"/>
-          </a:xfrm>
-          <a:prstGeom prst="rect">
-            <a:avLst/>
-          </a:prstGeom>
-        </p:spPr>
-      </p:pic>
-    </p:spTree>
-    <p:extLst>
-      <p:ext uri="{BB962C8B-B14F-4D97-AF65-F5344CB8AC3E}">
-        <p14:creationId xmlns:p14="http://schemas.microsoft.com/office/powerpoint/2010/main" val="2588372954"/>
       </p:ext>
     </p:extLst>
   </p:cSld>
@@ -15521,20 +18827,20 @@
 </file>
 
 <file path=customXml/item1.xml><?xml version="1.0" encoding="utf-8"?>
-<p:properties xmlns:p="http://schemas.microsoft.com/office/2006/metadata/properties" xmlns:xsi="http://www.w3.org/2001/XMLSchema-instance" xmlns:pc="http://schemas.microsoft.com/office/infopath/2007/PartnerControls">
-  <documentManagement>
-    <_activity xmlns="5ab46313-7834-4214-aec9-155b2fe37111" xsi:nil="true"/>
-  </documentManagement>
-</p:properties>
-</file>
-
-<file path=customXml/item2.xml><?xml version="1.0" encoding="utf-8"?>
 <?mso-contentType ?>
 <FormTemplates xmlns="http://schemas.microsoft.com/sharepoint/v3/contenttype/forms">
   <Display>DocumentLibraryForm</Display>
   <Edit>DocumentLibraryForm</Edit>
   <New>DocumentLibraryForm</New>
 </FormTemplates>
+</file>
+
+<file path=customXml/item2.xml><?xml version="1.0" encoding="utf-8"?>
+<p:properties xmlns:p="http://schemas.microsoft.com/office/2006/metadata/properties" xmlns:xsi="http://www.w3.org/2001/XMLSchema-instance" xmlns:pc="http://schemas.microsoft.com/office/infopath/2007/PartnerControls">
+  <documentManagement>
+    <_activity xmlns="5ab46313-7834-4214-aec9-155b2fe37111" xsi:nil="true"/>
+  </documentManagement>
+</p:properties>
 </file>
 
 <file path=customXml/item3.xml><?xml version="1.0" encoding="utf-8"?>
@@ -15777,6 +19083,14 @@
 </file>
 
 <file path=customXml/itemProps1.xml><?xml version="1.0" encoding="utf-8"?>
+<ds:datastoreItem xmlns:ds="http://schemas.openxmlformats.org/officeDocument/2006/customXml" ds:itemID="{CABF691C-888B-4061-8A6F-D5CE84A0254B}">
+  <ds:schemaRefs>
+    <ds:schemaRef ds:uri="http://schemas.microsoft.com/sharepoint/v3/contenttype/forms"/>
+  </ds:schemaRefs>
+</ds:datastoreItem>
+</file>
+
+<file path=customXml/itemProps2.xml><?xml version="1.0" encoding="utf-8"?>
 <ds:datastoreItem xmlns:ds="http://schemas.openxmlformats.org/officeDocument/2006/customXml" ds:itemID="{49168DCE-134F-4610-A6AA-88CEBE8D71D2}">
   <ds:schemaRefs>
     <ds:schemaRef ds:uri="http://schemas.microsoft.com/office/infopath/2007/PartnerControls"/>
@@ -15789,14 +19103,6 @@
     <ds:schemaRef ds:uri="http://purl.org/dc/terms/"/>
     <ds:schemaRef ds:uri="5ab46313-7834-4214-aec9-155b2fe37111"/>
     <ds:schemaRef ds:uri="2d1aa6b7-1a0a-46e3-8f70-b6d3e32cbd9a"/>
-  </ds:schemaRefs>
-</ds:datastoreItem>
-</file>
-
-<file path=customXml/itemProps2.xml><?xml version="1.0" encoding="utf-8"?>
-<ds:datastoreItem xmlns:ds="http://schemas.openxmlformats.org/officeDocument/2006/customXml" ds:itemID="{CABF691C-888B-4061-8A6F-D5CE84A0254B}">
-  <ds:schemaRefs>
-    <ds:schemaRef ds:uri="http://schemas.microsoft.com/sharepoint/v3/contenttype/forms"/>
   </ds:schemaRefs>
 </ds:datastoreItem>
 </file>

--- a/Fourier Neural Operators.pptx
+++ b/Fourier Neural Operators.pptx
@@ -5,10 +5,10 @@
     <p:sldMasterId id="2147483648" r:id="rId4"/>
   </p:sldMasterIdLst>
   <p:notesMasterIdLst>
-    <p:notesMasterId r:id="rId20"/>
+    <p:notesMasterId r:id="rId21"/>
   </p:notesMasterIdLst>
   <p:handoutMasterIdLst>
-    <p:handoutMasterId r:id="rId21"/>
+    <p:handoutMasterId r:id="rId22"/>
   </p:handoutMasterIdLst>
   <p:sldIdLst>
     <p:sldId id="256" r:id="rId5"/>
@@ -18,14 +18,15 @@
     <p:sldId id="296" r:id="rId9"/>
     <p:sldId id="286" r:id="rId10"/>
     <p:sldId id="282" r:id="rId11"/>
-    <p:sldId id="287" r:id="rId12"/>
-    <p:sldId id="289" r:id="rId13"/>
-    <p:sldId id="290" r:id="rId14"/>
-    <p:sldId id="291" r:id="rId15"/>
-    <p:sldId id="292" r:id="rId16"/>
-    <p:sldId id="293" r:id="rId17"/>
-    <p:sldId id="294" r:id="rId18"/>
-    <p:sldId id="271" r:id="rId19"/>
+    <p:sldId id="297" r:id="rId12"/>
+    <p:sldId id="287" r:id="rId13"/>
+    <p:sldId id="289" r:id="rId14"/>
+    <p:sldId id="290" r:id="rId15"/>
+    <p:sldId id="291" r:id="rId16"/>
+    <p:sldId id="292" r:id="rId17"/>
+    <p:sldId id="293" r:id="rId18"/>
+    <p:sldId id="294" r:id="rId19"/>
+    <p:sldId id="271" r:id="rId20"/>
   </p:sldIdLst>
   <p:sldSz cx="12192000" cy="6858000"/>
   <p:notesSz cx="6858000" cy="9144000"/>
@@ -3030,7 +3031,7 @@
           <a:p>
             <a:fld id="{B56F32FC-4BD9-442A-A8C6-51598C909FE3}" type="datetimeFigureOut">
               <a:rPr lang="en-US" smtClean="0"/>
-              <a:t>2/3/2025</a:t>
+              <a:t>2/4/2025</a:t>
             </a:fld>
             <a:endParaRPr lang="en-US" dirty="0"/>
           </a:p>
@@ -3207,7 +3208,7 @@
           <a:p>
             <a:fld id="{056371FA-A98D-41E8-93F4-09945841298A}" type="datetimeFigureOut">
               <a:rPr lang="en-US" smtClean="0"/>
-              <a:t>2/3/2025</a:t>
+              <a:t>2/4/2025</a:t>
             </a:fld>
             <a:endParaRPr lang="en-US" dirty="0"/>
           </a:p>
@@ -3632,7 +3633,7 @@
     </p:spTree>
     <p:extLst>
       <p:ext uri="{BB962C8B-B14F-4D97-AF65-F5344CB8AC3E}">
-        <p14:creationId xmlns:p14="http://schemas.microsoft.com/office/powerpoint/2010/main" val="552981084"/>
+        <p14:creationId xmlns:p14="http://schemas.microsoft.com/office/powerpoint/2010/main" val="413884245"/>
       </p:ext>
     </p:extLst>
   </p:cSld>
@@ -3716,7 +3717,7 @@
     </p:spTree>
     <p:extLst>
       <p:ext uri="{BB962C8B-B14F-4D97-AF65-F5344CB8AC3E}">
-        <p14:creationId xmlns:p14="http://schemas.microsoft.com/office/powerpoint/2010/main" val="1393862505"/>
+        <p14:creationId xmlns:p14="http://schemas.microsoft.com/office/powerpoint/2010/main" val="552981084"/>
       </p:ext>
     </p:extLst>
   </p:cSld>
@@ -3800,7 +3801,7 @@
     </p:spTree>
     <p:extLst>
       <p:ext uri="{BB962C8B-B14F-4D97-AF65-F5344CB8AC3E}">
-        <p14:creationId xmlns:p14="http://schemas.microsoft.com/office/powerpoint/2010/main" val="425801007"/>
+        <p14:creationId xmlns:p14="http://schemas.microsoft.com/office/powerpoint/2010/main" val="1393862505"/>
       </p:ext>
     </p:extLst>
   </p:cSld>
@@ -3884,7 +3885,7 @@
     </p:spTree>
     <p:extLst>
       <p:ext uri="{BB962C8B-B14F-4D97-AF65-F5344CB8AC3E}">
-        <p14:creationId xmlns:p14="http://schemas.microsoft.com/office/powerpoint/2010/main" val="3475769782"/>
+        <p14:creationId xmlns:p14="http://schemas.microsoft.com/office/powerpoint/2010/main" val="425801007"/>
       </p:ext>
     </p:extLst>
   </p:cSld>
@@ -3968,7 +3969,7 @@
     </p:spTree>
     <p:extLst>
       <p:ext uri="{BB962C8B-B14F-4D97-AF65-F5344CB8AC3E}">
-        <p14:creationId xmlns:p14="http://schemas.microsoft.com/office/powerpoint/2010/main" val="740346189"/>
+        <p14:creationId xmlns:p14="http://schemas.microsoft.com/office/powerpoint/2010/main" val="3475769782"/>
       </p:ext>
     </p:extLst>
   </p:cSld>
@@ -4044,6 +4045,90 @@
             <a:fld id="{22289C57-55D7-40A4-A101-E74FAC7A092B}" type="slidenum">
               <a:rPr lang="en-US" smtClean="0"/>
               <a:t>15</a:t>
+            </a:fld>
+            <a:endParaRPr lang="en-US" dirty="0"/>
+          </a:p>
+        </p:txBody>
+      </p:sp>
+    </p:spTree>
+    <p:extLst>
+      <p:ext uri="{BB962C8B-B14F-4D97-AF65-F5344CB8AC3E}">
+        <p14:creationId xmlns:p14="http://schemas.microsoft.com/office/powerpoint/2010/main" val="740346189"/>
+      </p:ext>
+    </p:extLst>
+  </p:cSld>
+  <p:clrMapOvr>
+    <a:masterClrMapping/>
+  </p:clrMapOvr>
+</p:notes>
+</file>
+
+<file path=ppt/notesSlides/notesSlide16.xml><?xml version="1.0" encoding="utf-8"?>
+<p:notes xmlns:a="http://schemas.openxmlformats.org/drawingml/2006/main" xmlns:r="http://schemas.openxmlformats.org/officeDocument/2006/relationships" xmlns:p="http://schemas.openxmlformats.org/presentationml/2006/main">
+  <p:cSld>
+    <p:spTree>
+      <p:nvGrpSpPr>
+        <p:cNvPr id="1" name=""/>
+        <p:cNvGrpSpPr/>
+        <p:nvPr/>
+      </p:nvGrpSpPr>
+      <p:grpSpPr>
+        <a:xfrm>
+          <a:off x="0" y="0"/>
+          <a:ext cx="0" cy="0"/>
+          <a:chOff x="0" y="0"/>
+          <a:chExt cx="0" cy="0"/>
+        </a:xfrm>
+      </p:grpSpPr>
+      <p:sp>
+        <p:nvSpPr>
+          <p:cNvPr id="2" name="Slide Image Placeholder 1"/>
+          <p:cNvSpPr>
+            <a:spLocks noGrp="1" noRot="1" noChangeAspect="1"/>
+          </p:cNvSpPr>
+          <p:nvPr>
+            <p:ph type="sldImg"/>
+          </p:nvPr>
+        </p:nvSpPr>
+        <p:spPr/>
+      </p:sp>
+      <p:sp>
+        <p:nvSpPr>
+          <p:cNvPr id="3" name="Notes Placeholder 2"/>
+          <p:cNvSpPr>
+            <a:spLocks noGrp="1"/>
+          </p:cNvSpPr>
+          <p:nvPr>
+            <p:ph type="body" idx="1"/>
+          </p:nvPr>
+        </p:nvSpPr>
+        <p:spPr/>
+        <p:txBody>
+          <a:bodyPr/>
+          <a:lstStyle/>
+          <a:p>
+            <a:endParaRPr lang="en-US" dirty="0"/>
+          </a:p>
+        </p:txBody>
+      </p:sp>
+      <p:sp>
+        <p:nvSpPr>
+          <p:cNvPr id="4" name="Slide Number Placeholder 3"/>
+          <p:cNvSpPr>
+            <a:spLocks noGrp="1"/>
+          </p:cNvSpPr>
+          <p:nvPr>
+            <p:ph type="sldNum" sz="quarter" idx="5"/>
+          </p:nvPr>
+        </p:nvSpPr>
+        <p:spPr/>
+        <p:txBody>
+          <a:bodyPr/>
+          <a:lstStyle/>
+          <a:p>
+            <a:fld id="{22289C57-55D7-40A4-A101-E74FAC7A092B}" type="slidenum">
+              <a:rPr lang="en-US" smtClean="0"/>
+              <a:t>16</a:t>
             </a:fld>
             <a:endParaRPr lang="en-US" dirty="0"/>
           </a:p>
@@ -4619,7 +4704,13 @@
   <p:cSld>
     <p:spTree>
       <p:nvGrpSpPr>
-        <p:cNvPr id="1" name=""/>
+        <p:cNvPr id="1" name="">
+          <a:extLst>
+            <a:ext uri="{FF2B5EF4-FFF2-40B4-BE49-F238E27FC236}">
+              <a16:creationId xmlns:a16="http://schemas.microsoft.com/office/drawing/2014/main" id="{70097EA9-19A7-CC0C-3A7B-6A0389143844}"/>
+            </a:ext>
+          </a:extLst>
+        </p:cNvPr>
         <p:cNvGrpSpPr/>
         <p:nvPr/>
       </p:nvGrpSpPr>
@@ -4633,7 +4724,13 @@
       </p:grpSpPr>
       <p:sp>
         <p:nvSpPr>
-          <p:cNvPr id="2" name="Slide Image Placeholder 1"/>
+          <p:cNvPr id="2" name="Slide Image Placeholder 1">
+            <a:extLst>
+              <a:ext uri="{FF2B5EF4-FFF2-40B4-BE49-F238E27FC236}">
+                <a16:creationId xmlns:a16="http://schemas.microsoft.com/office/drawing/2014/main" id="{5049D504-1EAD-56F0-1DAF-5EA629A58EF9}"/>
+              </a:ext>
+            </a:extLst>
+          </p:cNvPr>
           <p:cNvSpPr>
             <a:spLocks noGrp="1" noRot="1" noChangeAspect="1"/>
           </p:cNvSpPr>
@@ -4645,7 +4742,13 @@
       </p:sp>
       <p:sp>
         <p:nvSpPr>
-          <p:cNvPr id="3" name="Notes Placeholder 2"/>
+          <p:cNvPr id="3" name="Notes Placeholder 2">
+            <a:extLst>
+              <a:ext uri="{FF2B5EF4-FFF2-40B4-BE49-F238E27FC236}">
+                <a16:creationId xmlns:a16="http://schemas.microsoft.com/office/drawing/2014/main" id="{BCB69705-B548-E3E0-7B5E-C88400D8507D}"/>
+              </a:ext>
+            </a:extLst>
+          </p:cNvPr>
           <p:cNvSpPr>
             <a:spLocks noGrp="1"/>
           </p:cNvSpPr>
@@ -4664,7 +4767,13 @@
       </p:sp>
       <p:sp>
         <p:nvSpPr>
-          <p:cNvPr id="4" name="Slide Number Placeholder 3"/>
+          <p:cNvPr id="4" name="Slide Number Placeholder 3">
+            <a:extLst>
+              <a:ext uri="{FF2B5EF4-FFF2-40B4-BE49-F238E27FC236}">
+                <a16:creationId xmlns:a16="http://schemas.microsoft.com/office/drawing/2014/main" id="{0866A473-5218-36EB-D4BE-10B9DCB937EA}"/>
+              </a:ext>
+            </a:extLst>
+          </p:cNvPr>
           <p:cNvSpPr>
             <a:spLocks noGrp="1"/>
           </p:cNvSpPr>
@@ -4688,7 +4797,7 @@
     </p:spTree>
     <p:extLst>
       <p:ext uri="{BB962C8B-B14F-4D97-AF65-F5344CB8AC3E}">
-        <p14:creationId xmlns:p14="http://schemas.microsoft.com/office/powerpoint/2010/main" val="3327029406"/>
+        <p14:creationId xmlns:p14="http://schemas.microsoft.com/office/powerpoint/2010/main" val="2235761985"/>
       </p:ext>
     </p:extLst>
   </p:cSld>
@@ -4772,7 +4881,7 @@
     </p:spTree>
     <p:extLst>
       <p:ext uri="{BB962C8B-B14F-4D97-AF65-F5344CB8AC3E}">
-        <p14:creationId xmlns:p14="http://schemas.microsoft.com/office/powerpoint/2010/main" val="413884245"/>
+        <p14:creationId xmlns:p14="http://schemas.microsoft.com/office/powerpoint/2010/main" val="3327029406"/>
       </p:ext>
     </p:extLst>
   </p:cSld>
@@ -10197,6 +10306,236 @@
 </file>
 
 <file path=ppt/slides/slide10.xml><?xml version="1.0" encoding="utf-8"?>
+<p:sld xmlns:a="http://schemas.openxmlformats.org/drawingml/2006/main" xmlns:r="http://schemas.openxmlformats.org/officeDocument/2006/relationships" xmlns:p="http://schemas.openxmlformats.org/presentationml/2006/main" show="0">
+  <p:cSld>
+    <p:spTree>
+      <p:nvGrpSpPr>
+        <p:cNvPr id="1" name=""/>
+        <p:cNvGrpSpPr/>
+        <p:nvPr/>
+      </p:nvGrpSpPr>
+      <p:grpSpPr>
+        <a:xfrm>
+          <a:off x="0" y="0"/>
+          <a:ext cx="0" cy="0"/>
+          <a:chOff x="0" y="0"/>
+          <a:chExt cx="0" cy="0"/>
+        </a:xfrm>
+      </p:grpSpPr>
+      <p:sp>
+        <p:nvSpPr>
+          <p:cNvPr id="2" name="Title 1">
+            <a:extLst>
+              <a:ext uri="{FF2B5EF4-FFF2-40B4-BE49-F238E27FC236}">
+                <a16:creationId xmlns:a16="http://schemas.microsoft.com/office/drawing/2014/main" id="{8B27D9B3-B64F-656A-0D99-161A6C0F518F}"/>
+              </a:ext>
+            </a:extLst>
+          </p:cNvPr>
+          <p:cNvSpPr>
+            <a:spLocks noGrp="1"/>
+          </p:cNvSpPr>
+          <p:nvPr>
+            <p:ph type="title"/>
+          </p:nvPr>
+        </p:nvSpPr>
+        <p:spPr>
+          <a:xfrm>
+            <a:off x="1341120" y="558801"/>
+            <a:ext cx="9953308" cy="580682"/>
+          </a:xfrm>
+        </p:spPr>
+        <p:txBody>
+          <a:bodyPr/>
+          <a:lstStyle/>
+          <a:p>
+            <a:r>
+              <a:rPr lang="en-US" dirty="0"/>
+              <a:t>Troubleshooting</a:t>
+            </a:r>
+          </a:p>
+        </p:txBody>
+      </p:sp>
+      <p:sp>
+        <p:nvSpPr>
+          <p:cNvPr id="68" name="Slide Number Placeholder 67">
+            <a:extLst>
+              <a:ext uri="{FF2B5EF4-FFF2-40B4-BE49-F238E27FC236}">
+                <a16:creationId xmlns:a16="http://schemas.microsoft.com/office/drawing/2014/main" id="{AA0ACADD-CC4E-851C-DA07-C22DB97FA23E}"/>
+              </a:ext>
+            </a:extLst>
+          </p:cNvPr>
+          <p:cNvSpPr>
+            <a:spLocks noGrp="1"/>
+          </p:cNvSpPr>
+          <p:nvPr>
+            <p:ph type="sldNum" sz="quarter" idx="13"/>
+          </p:nvPr>
+        </p:nvSpPr>
+        <p:spPr>
+          <a:xfrm>
+            <a:off x="10373350" y="6356349"/>
+            <a:ext cx="987552" cy="365125"/>
+          </a:xfrm>
+        </p:spPr>
+        <p:txBody>
+          <a:bodyPr/>
+          <a:lstStyle/>
+          <a:p>
+            <a:fld id="{A49DFD55-3C28-40EF-9E31-A92D2E4017FF}" type="slidenum">
+              <a:rPr lang="en-US" smtClean="0"/>
+              <a:pPr/>
+              <a:t>10</a:t>
+            </a:fld>
+            <a:endParaRPr lang="en-US" dirty="0"/>
+          </a:p>
+        </p:txBody>
+      </p:sp>
+      <p:sp>
+        <p:nvSpPr>
+          <p:cNvPr id="4" name="Content Placeholder 3">
+            <a:extLst>
+              <a:ext uri="{FF2B5EF4-FFF2-40B4-BE49-F238E27FC236}">
+                <a16:creationId xmlns:a16="http://schemas.microsoft.com/office/drawing/2014/main" id="{AB1F8A9E-54FC-8CCB-7C5C-8B9D1002ADA2}"/>
+              </a:ext>
+            </a:extLst>
+          </p:cNvPr>
+          <p:cNvSpPr>
+            <a:spLocks noGrp="1"/>
+          </p:cNvSpPr>
+          <p:nvPr>
+            <p:ph sz="half" idx="14"/>
+          </p:nvPr>
+        </p:nvSpPr>
+        <p:spPr>
+          <a:xfrm>
+            <a:off x="1341120" y="1139483"/>
+            <a:ext cx="8920481" cy="5216865"/>
+          </a:xfrm>
+        </p:spPr>
+        <p:txBody>
+          <a:bodyPr/>
+          <a:lstStyle/>
+          <a:p>
+            <a:pPr marL="285750" indent="-285750">
+              <a:buFont typeface="Arial" panose="020B0604020202020204" pitchFamily="34" charset="0"/>
+              <a:buChar char="•"/>
+            </a:pPr>
+            <a:r>
+              <a:rPr lang="en-US" dirty="0"/>
+              <a:t>Currently using </a:t>
+            </a:r>
+            <a:r>
+              <a:rPr lang="en-US" dirty="0" err="1"/>
+              <a:t>Neuralop</a:t>
+            </a:r>
+            <a:r>
+              <a:rPr lang="en-US" dirty="0"/>
+              <a:t> package to build &amp; train FNO neural operator. </a:t>
+            </a:r>
+          </a:p>
+          <a:p>
+            <a:pPr marL="569214" lvl="1"/>
+            <a:r>
+              <a:rPr lang="en-US" dirty="0"/>
+              <a:t>Inputs: geometry; Outputs: eigenvector x component; Fixed: wavevector</a:t>
+            </a:r>
+          </a:p>
+          <a:p>
+            <a:pPr marL="285750" indent="-285750">
+              <a:buFont typeface="Arial" panose="020B0604020202020204" pitchFamily="34" charset="0"/>
+              <a:buChar char="•"/>
+            </a:pPr>
+            <a:r>
+              <a:rPr lang="en-US" dirty="0"/>
+              <a:t>Suspect the neural network is not properly transforming the input space.</a:t>
+            </a:r>
+          </a:p>
+          <a:p>
+            <a:pPr marL="285750" indent="-285750">
+              <a:buFont typeface="Arial" panose="020B0604020202020204" pitchFamily="34" charset="0"/>
+              <a:buChar char="•"/>
+            </a:pPr>
+            <a:r>
+              <a:rPr lang="en-US" dirty="0"/>
+              <a:t>Suspect there are other inputs necessary for network to learn, like wavevector.</a:t>
+            </a:r>
+          </a:p>
+          <a:p>
+            <a:pPr marL="285750" indent="-285750">
+              <a:buFont typeface="Arial" panose="020B0604020202020204" pitchFamily="34" charset="0"/>
+              <a:buChar char="•"/>
+            </a:pPr>
+            <a:r>
+              <a:rPr lang="en-US" dirty="0"/>
+              <a:t>Suspect it may be easier to learn eigenvector magnitude over one component</a:t>
+            </a:r>
+          </a:p>
+          <a:p>
+            <a:pPr marL="285750" indent="-285750">
+              <a:buFont typeface="Arial" panose="020B0604020202020204" pitchFamily="34" charset="0"/>
+              <a:buChar char="•"/>
+            </a:pPr>
+            <a:r>
+              <a:rPr lang="en-US" dirty="0"/>
+              <a:t>Train/test on one sample to see if model can learn just one representation.</a:t>
+            </a:r>
+          </a:p>
+          <a:p>
+            <a:pPr marL="285750" indent="-285750">
+              <a:buFont typeface="Arial" panose="020B0604020202020204" pitchFamily="34" charset="0"/>
+              <a:buChar char="•"/>
+            </a:pPr>
+            <a:r>
+              <a:rPr lang="en-US" dirty="0"/>
+              <a:t>Swap to eigenvector magnitude to see if it can learn that. Then try x &amp; y.</a:t>
+            </a:r>
+          </a:p>
+        </p:txBody>
+      </p:sp>
+      <p:pic>
+        <p:nvPicPr>
+          <p:cNvPr id="5" name="Picture 4" descr="A blue and green squares&#10;&#10;Description automatically generated">
+            <a:extLst>
+              <a:ext uri="{FF2B5EF4-FFF2-40B4-BE49-F238E27FC236}">
+                <a16:creationId xmlns:a16="http://schemas.microsoft.com/office/drawing/2014/main" id="{931E91D2-10F6-706B-F055-E2ED87EABE1E}"/>
+              </a:ext>
+            </a:extLst>
+          </p:cNvPr>
+          <p:cNvPicPr>
+            <a:picLocks noChangeAspect="1"/>
+          </p:cNvPicPr>
+          <p:nvPr/>
+        </p:nvPicPr>
+        <p:blipFill>
+          <a:blip r:embed="rId3"/>
+          <a:stretch>
+            <a:fillRect/>
+          </a:stretch>
+        </p:blipFill>
+        <p:spPr>
+          <a:xfrm>
+            <a:off x="1341120" y="3838543"/>
+            <a:ext cx="8920481" cy="2882931"/>
+          </a:xfrm>
+          <a:prstGeom prst="rect">
+            <a:avLst/>
+          </a:prstGeom>
+        </p:spPr>
+      </p:pic>
+    </p:spTree>
+    <p:extLst>
+      <p:ext uri="{BB962C8B-B14F-4D97-AF65-F5344CB8AC3E}">
+        <p14:creationId xmlns:p14="http://schemas.microsoft.com/office/powerpoint/2010/main" val="2594934582"/>
+      </p:ext>
+    </p:extLst>
+  </p:cSld>
+  <p:clrMapOvr>
+    <a:masterClrMapping/>
+  </p:clrMapOvr>
+</p:sld>
+</file>
+
+<file path=ppt/slides/slide11.xml><?xml version="1.0" encoding="utf-8"?>
 <p:sld xmlns:a="http://schemas.openxmlformats.org/drawingml/2006/main" xmlns:r="http://schemas.openxmlformats.org/officeDocument/2006/relationships" xmlns:p="http://schemas.openxmlformats.org/presentationml/2006/main">
   <p:cSld>
     <p:spTree>
@@ -10275,7 +10614,7 @@
             <a:fld id="{A49DFD55-3C28-40EF-9E31-A92D2E4017FF}" type="slidenum">
               <a:rPr lang="en-US" smtClean="0"/>
               <a:pPr/>
-              <a:t>10</a:t>
+              <a:t>11</a:t>
             </a:fld>
             <a:endParaRPr lang="en-US" dirty="0"/>
           </a:p>
@@ -10476,7 +10815,7 @@
 </p:sld>
 </file>
 
-<file path=ppt/slides/slide11.xml><?xml version="1.0" encoding="utf-8"?>
+<file path=ppt/slides/slide12.xml><?xml version="1.0" encoding="utf-8"?>
 <p:sld xmlns:a="http://schemas.openxmlformats.org/drawingml/2006/main" xmlns:r="http://schemas.openxmlformats.org/officeDocument/2006/relationships" xmlns:p="http://schemas.openxmlformats.org/presentationml/2006/main">
   <p:cSld>
     <p:spTree>
@@ -10555,7 +10894,7 @@
             <a:fld id="{A49DFD55-3C28-40EF-9E31-A92D2E4017FF}" type="slidenum">
               <a:rPr lang="en-US" smtClean="0"/>
               <a:pPr/>
-              <a:t>11</a:t>
+              <a:t>12</a:t>
             </a:fld>
             <a:endParaRPr lang="en-US" dirty="0"/>
           </a:p>
@@ -10742,7 +11081,7 @@
 </p:sld>
 </file>
 
-<file path=ppt/slides/slide12.xml><?xml version="1.0" encoding="utf-8"?>
+<file path=ppt/slides/slide13.xml><?xml version="1.0" encoding="utf-8"?>
 <p:sld xmlns:a="http://schemas.openxmlformats.org/drawingml/2006/main" xmlns:r="http://schemas.openxmlformats.org/officeDocument/2006/relationships" xmlns:p="http://schemas.openxmlformats.org/presentationml/2006/main">
   <p:cSld>
     <p:spTree>
@@ -10821,7 +11160,7 @@
             <a:fld id="{A49DFD55-3C28-40EF-9E31-A92D2E4017FF}" type="slidenum">
               <a:rPr lang="en-US" smtClean="0"/>
               <a:pPr/>
-              <a:t>12</a:t>
+              <a:t>13</a:t>
             </a:fld>
             <a:endParaRPr lang="en-US" dirty="0"/>
           </a:p>
@@ -11354,7 +11693,7 @@
 </p:sld>
 </file>
 
-<file path=ppt/slides/slide13.xml><?xml version="1.0" encoding="utf-8"?>
+<file path=ppt/slides/slide14.xml><?xml version="1.0" encoding="utf-8"?>
 <p:sld xmlns:a="http://schemas.openxmlformats.org/drawingml/2006/main" xmlns:r="http://schemas.openxmlformats.org/officeDocument/2006/relationships" xmlns:p="http://schemas.openxmlformats.org/presentationml/2006/main">
   <p:cSld>
     <p:spTree>
@@ -11433,7 +11772,7 @@
             <a:fld id="{A49DFD55-3C28-40EF-9E31-A92D2E4017FF}" type="slidenum">
               <a:rPr lang="en-US" smtClean="0"/>
               <a:pPr/>
-              <a:t>13</a:t>
+              <a:t>14</a:t>
             </a:fld>
             <a:endParaRPr lang="en-US" dirty="0"/>
           </a:p>
@@ -11615,7 +11954,7 @@
 </p:sld>
 </file>
 
-<file path=ppt/slides/slide14.xml><?xml version="1.0" encoding="utf-8"?>
+<file path=ppt/slides/slide15.xml><?xml version="1.0" encoding="utf-8"?>
 <p:sld xmlns:a="http://schemas.openxmlformats.org/drawingml/2006/main" xmlns:r="http://schemas.openxmlformats.org/officeDocument/2006/relationships" xmlns:p="http://schemas.openxmlformats.org/presentationml/2006/main">
   <p:cSld>
     <p:spTree>
@@ -11694,7 +12033,7 @@
             <a:fld id="{A49DFD55-3C28-40EF-9E31-A92D2E4017FF}" type="slidenum">
               <a:rPr lang="en-US" smtClean="0"/>
               <a:pPr/>
-              <a:t>14</a:t>
+              <a:t>15</a:t>
             </a:fld>
             <a:endParaRPr lang="en-US" dirty="0"/>
           </a:p>
@@ -11823,7 +12162,7 @@
 </p:sld>
 </file>
 
-<file path=ppt/slides/slide15.xml><?xml version="1.0" encoding="utf-8"?>
+<file path=ppt/slides/slide16.xml><?xml version="1.0" encoding="utf-8"?>
 <p:sld xmlns:a="http://schemas.openxmlformats.org/drawingml/2006/main" xmlns:r="http://schemas.openxmlformats.org/officeDocument/2006/relationships" xmlns:p="http://schemas.openxmlformats.org/presentationml/2006/main">
   <p:cSld>
     <p:spTree>
@@ -11937,7 +12276,7 @@
             <a:fld id="{A49DFD55-3C28-40EF-9E31-A92D2E4017FF}" type="slidenum">
               <a:rPr lang="en-US" smtClean="0"/>
               <a:pPr/>
-              <a:t>15</a:t>
+              <a:t>16</a:t>
             </a:fld>
             <a:endParaRPr lang="en-US" dirty="0"/>
           </a:p>
@@ -12441,8 +12780,8 @@
           </a:p>
         </p:txBody>
       </p:sp>
-      <mc:AlternateContent xmlns:mc="http://schemas.openxmlformats.org/markup-compatibility/2006">
-        <mc:Choice xmlns:a14="http://schemas.microsoft.com/office/drawing/2010/main" Requires="a14">
+      <mc:AlternateContent xmlns:mc="http://schemas.openxmlformats.org/markup-compatibility/2006" xmlns:a14="http://schemas.microsoft.com/office/drawing/2010/main">
+        <mc:Choice Requires="a14">
           <p:sp>
             <p:nvSpPr>
               <p:cNvPr id="4" name="Content Placeholder 3">
@@ -13533,1553 +13872,7 @@
                 <a:pPr marL="285750" lvl="1"/>
                 <a:r>
                   <a:rPr lang="en-US" dirty="0"/>
-                  <a:t>The wave equation for solids:</a:t>
-                </a:r>
-              </a:p>
-              <a:p>
-                <a14:m>
-                  <m:oMathPara xmlns:m="http://schemas.openxmlformats.org/officeDocument/2006/math">
-                    <m:oMathParaPr>
-                      <m:jc m:val="centerGroup"/>
-                    </m:oMathParaPr>
-                    <m:oMath xmlns:m="http://schemas.openxmlformats.org/officeDocument/2006/math">
-                      <m:r>
-                        <a:rPr lang="en-US" i="1">
-                          <a:latin typeface="Cambria Math" panose="02040503050406030204" pitchFamily="18" charset="0"/>
-                        </a:rPr>
-                        <m:t>𝜌</m:t>
-                      </m:r>
-                      <m:f>
-                        <m:fPr>
-                          <m:ctrlPr>
-                            <a:rPr lang="en-US" i="1">
-                              <a:latin typeface="Cambria Math" panose="02040503050406030204" pitchFamily="18" charset="0"/>
-                            </a:rPr>
-                          </m:ctrlPr>
-                        </m:fPr>
-                        <m:num>
-                          <m:sSup>
-                            <m:sSupPr>
-                              <m:ctrlPr>
-                                <a:rPr lang="en-US" i="1">
-                                  <a:latin typeface="Cambria Math" panose="02040503050406030204" pitchFamily="18" charset="0"/>
-                                </a:rPr>
-                              </m:ctrlPr>
-                            </m:sSupPr>
-                            <m:e>
-                              <m:r>
-                                <a:rPr lang="en-US" i="1">
-                                  <a:latin typeface="Cambria Math" panose="02040503050406030204" pitchFamily="18" charset="0"/>
-                                  <a:ea typeface="Cambria Math" panose="02040503050406030204" pitchFamily="18" charset="0"/>
-                                </a:rPr>
-                                <m:t>𝜕</m:t>
-                              </m:r>
-                            </m:e>
-                            <m:sup>
-                              <m:r>
-                                <a:rPr lang="en-US" i="1">
-                                  <a:latin typeface="Cambria Math" panose="02040503050406030204" pitchFamily="18" charset="0"/>
-                                </a:rPr>
-                                <m:t>2</m:t>
-                              </m:r>
-                            </m:sup>
-                          </m:sSup>
-                          <m:acc>
-                            <m:accPr>
-                              <m:chr m:val="̅"/>
-                              <m:ctrlPr>
-                                <a:rPr lang="en-US" i="1">
-                                  <a:latin typeface="Cambria Math" panose="02040503050406030204" pitchFamily="18" charset="0"/>
-                                </a:rPr>
-                              </m:ctrlPr>
-                            </m:accPr>
-                            <m:e>
-                              <m:r>
-                                <a:rPr lang="en-US" i="1">
-                                  <a:latin typeface="Cambria Math" panose="02040503050406030204" pitchFamily="18" charset="0"/>
-                                </a:rPr>
-                                <m:t>𝑢</m:t>
-                              </m:r>
-                            </m:e>
-                          </m:acc>
-                        </m:num>
-                        <m:den>
-                          <m:r>
-                            <a:rPr lang="en-US" i="1">
-                              <a:latin typeface="Cambria Math" panose="02040503050406030204" pitchFamily="18" charset="0"/>
-                              <a:ea typeface="Cambria Math" panose="02040503050406030204" pitchFamily="18" charset="0"/>
-                            </a:rPr>
-                            <m:t>𝜕</m:t>
-                          </m:r>
-                          <m:sSup>
-                            <m:sSupPr>
-                              <m:ctrlPr>
-                                <a:rPr lang="en-US" i="1">
-                                  <a:latin typeface="Cambria Math" panose="02040503050406030204" pitchFamily="18" charset="0"/>
-                                </a:rPr>
-                              </m:ctrlPr>
-                            </m:sSupPr>
-                            <m:e>
-                              <m:r>
-                                <a:rPr lang="en-US" i="1">
-                                  <a:latin typeface="Cambria Math" panose="02040503050406030204" pitchFamily="18" charset="0"/>
-                                </a:rPr>
-                                <m:t>𝑡</m:t>
-                              </m:r>
-                            </m:e>
-                            <m:sup>
-                              <m:r>
-                                <a:rPr lang="en-US" i="1">
-                                  <a:latin typeface="Cambria Math" panose="02040503050406030204" pitchFamily="18" charset="0"/>
-                                </a:rPr>
-                                <m:t>2</m:t>
-                              </m:r>
-                            </m:sup>
-                          </m:sSup>
-                        </m:den>
-                      </m:f>
-                      <m:r>
-                        <a:rPr lang="en-US" i="1">
-                          <a:latin typeface="Cambria Math" panose="02040503050406030204" pitchFamily="18" charset="0"/>
-                        </a:rPr>
-                        <m:t>=</m:t>
-                      </m:r>
-                      <m:d>
-                        <m:dPr>
-                          <m:ctrlPr>
-                            <a:rPr lang="en-US" b="0" i="1" smtClean="0">
-                              <a:latin typeface="Cambria Math" panose="02040503050406030204" pitchFamily="18" charset="0"/>
-                            </a:rPr>
-                          </m:ctrlPr>
-                        </m:dPr>
-                        <m:e>
-                          <m:r>
-                            <a:rPr lang="en-US" b="0" i="1" smtClean="0">
-                              <a:latin typeface="Cambria Math" panose="02040503050406030204" pitchFamily="18" charset="0"/>
-                            </a:rPr>
-                            <m:t>𝜆</m:t>
-                          </m:r>
-                          <m:r>
-                            <a:rPr lang="en-US" b="0" i="1" smtClean="0">
-                              <a:latin typeface="Cambria Math" panose="02040503050406030204" pitchFamily="18" charset="0"/>
-                            </a:rPr>
-                            <m:t>+</m:t>
-                          </m:r>
-                          <m:r>
-                            <a:rPr lang="en-US" b="0" i="1" smtClean="0">
-                              <a:latin typeface="Cambria Math" panose="02040503050406030204" pitchFamily="18" charset="0"/>
-                            </a:rPr>
-                            <m:t>𝜇</m:t>
-                          </m:r>
-                        </m:e>
-                      </m:d>
-                      <m:r>
-                        <m:rPr>
-                          <m:sty m:val="p"/>
-                        </m:rPr>
-                        <a:rPr lang="en-US" b="0" i="0" smtClean="0">
-                          <a:latin typeface="Cambria Math" panose="02040503050406030204" pitchFamily="18" charset="0"/>
-                        </a:rPr>
-                        <m:t>∇</m:t>
-                      </m:r>
-                      <m:d>
-                        <m:dPr>
-                          <m:ctrlPr>
-                            <a:rPr lang="en-US" b="0" i="0" smtClean="0">
-                              <a:latin typeface="Cambria Math" panose="02040503050406030204" pitchFamily="18" charset="0"/>
-                            </a:rPr>
-                          </m:ctrlPr>
-                        </m:dPr>
-                        <m:e>
-                          <m:r>
-                            <m:rPr>
-                              <m:sty m:val="p"/>
-                            </m:rPr>
-                            <a:rPr lang="en-US" i="1">
-                              <a:latin typeface="Cambria Math" panose="02040503050406030204" pitchFamily="18" charset="0"/>
-                              <a:ea typeface="Cambria Math" panose="02040503050406030204" pitchFamily="18" charset="0"/>
-                            </a:rPr>
-                            <m:t>∇</m:t>
-                          </m:r>
-                          <m:r>
-                            <a:rPr lang="en-US" i="1">
-                              <a:latin typeface="Cambria Math" panose="02040503050406030204" pitchFamily="18" charset="0"/>
-                              <a:ea typeface="Cambria Math" panose="02040503050406030204" pitchFamily="18" charset="0"/>
-                            </a:rPr>
-                            <m:t>⋅</m:t>
-                          </m:r>
-                          <m:acc>
-                            <m:accPr>
-                              <m:chr m:val="̅"/>
-                              <m:ctrlPr>
-                                <a:rPr lang="en-US" i="1">
-                                  <a:latin typeface="Cambria Math" panose="02040503050406030204" pitchFamily="18" charset="0"/>
-                                  <a:ea typeface="Cambria Math" panose="02040503050406030204" pitchFamily="18" charset="0"/>
-                                </a:rPr>
-                              </m:ctrlPr>
-                            </m:accPr>
-                            <m:e>
-                              <m:r>
-                                <a:rPr lang="en-US" b="0" i="1" smtClean="0">
-                                  <a:latin typeface="Cambria Math" panose="02040503050406030204" pitchFamily="18" charset="0"/>
-                                  <a:ea typeface="Cambria Math" panose="02040503050406030204" pitchFamily="18" charset="0"/>
-                                </a:rPr>
-                                <m:t>𝑢</m:t>
-                              </m:r>
-                            </m:e>
-                          </m:acc>
-                        </m:e>
-                      </m:d>
-                      <m:r>
-                        <a:rPr lang="en-US" i="1">
-                          <a:latin typeface="Cambria Math" panose="02040503050406030204" pitchFamily="18" charset="0"/>
-                          <a:ea typeface="Cambria Math" panose="02040503050406030204" pitchFamily="18" charset="0"/>
-                        </a:rPr>
-                        <m:t>+</m:t>
-                      </m:r>
-                      <m:r>
-                        <a:rPr lang="en-US" b="0" i="1" smtClean="0">
-                          <a:latin typeface="Cambria Math" panose="02040503050406030204" pitchFamily="18" charset="0"/>
-                          <a:ea typeface="Cambria Math" panose="02040503050406030204" pitchFamily="18" charset="0"/>
-                        </a:rPr>
-                        <m:t>𝜇</m:t>
-                      </m:r>
-                      <m:sSup>
-                        <m:sSupPr>
-                          <m:ctrlPr>
-                            <a:rPr lang="en-US" b="0" i="1" smtClean="0">
-                              <a:latin typeface="Cambria Math" panose="02040503050406030204" pitchFamily="18" charset="0"/>
-                              <a:ea typeface="Cambria Math" panose="02040503050406030204" pitchFamily="18" charset="0"/>
-                            </a:rPr>
-                          </m:ctrlPr>
-                        </m:sSupPr>
-                        <m:e>
-                          <m:r>
-                            <m:rPr>
-                              <m:sty m:val="p"/>
-                            </m:rPr>
-                            <a:rPr lang="en-US" b="0" i="0" smtClean="0">
-                              <a:latin typeface="Cambria Math" panose="02040503050406030204" pitchFamily="18" charset="0"/>
-                              <a:ea typeface="Cambria Math" panose="02040503050406030204" pitchFamily="18" charset="0"/>
-                            </a:rPr>
-                            <m:t>∇</m:t>
-                          </m:r>
-                        </m:e>
-                        <m:sup>
-                          <m:r>
-                            <a:rPr lang="en-US" b="0" i="1" smtClean="0">
-                              <a:latin typeface="Cambria Math" panose="02040503050406030204" pitchFamily="18" charset="0"/>
-                              <a:ea typeface="Cambria Math" panose="02040503050406030204" pitchFamily="18" charset="0"/>
-                            </a:rPr>
-                            <m:t>2</m:t>
-                          </m:r>
-                        </m:sup>
-                      </m:sSup>
-                      <m:acc>
-                        <m:accPr>
-                          <m:chr m:val="̅"/>
-                          <m:ctrlPr>
-                            <a:rPr lang="en-US" i="1">
-                              <a:latin typeface="Cambria Math" panose="02040503050406030204" pitchFamily="18" charset="0"/>
-                              <a:ea typeface="Cambria Math" panose="02040503050406030204" pitchFamily="18" charset="0"/>
-                            </a:rPr>
-                          </m:ctrlPr>
-                        </m:accPr>
-                        <m:e>
-                          <m:r>
-                            <a:rPr lang="en-US" b="0" i="1" smtClean="0">
-                              <a:latin typeface="Cambria Math" panose="02040503050406030204" pitchFamily="18" charset="0"/>
-                              <a:ea typeface="Cambria Math" panose="02040503050406030204" pitchFamily="18" charset="0"/>
-                            </a:rPr>
-                            <m:t>𝑢</m:t>
-                          </m:r>
-                        </m:e>
-                      </m:acc>
-                      <m:r>
-                        <a:rPr lang="en-US" b="0" i="1" smtClean="0">
-                          <a:latin typeface="Cambria Math" panose="02040503050406030204" pitchFamily="18" charset="0"/>
-                          <a:ea typeface="Cambria Math" panose="02040503050406030204" pitchFamily="18" charset="0"/>
-                        </a:rPr>
-                        <m:t>+</m:t>
-                      </m:r>
-                      <m:acc>
-                        <m:accPr>
-                          <m:chr m:val="̅"/>
-                          <m:ctrlPr>
-                            <a:rPr lang="en-US" b="0" i="1" smtClean="0">
-                              <a:latin typeface="Cambria Math" panose="02040503050406030204" pitchFamily="18" charset="0"/>
-                              <a:ea typeface="Cambria Math" panose="02040503050406030204" pitchFamily="18" charset="0"/>
-                            </a:rPr>
-                          </m:ctrlPr>
-                        </m:accPr>
-                        <m:e>
-                          <m:r>
-                            <a:rPr lang="en-US" b="0" i="1" smtClean="0">
-                              <a:latin typeface="Cambria Math" panose="02040503050406030204" pitchFamily="18" charset="0"/>
-                              <a:ea typeface="Cambria Math" panose="02040503050406030204" pitchFamily="18" charset="0"/>
-                            </a:rPr>
-                            <m:t>𝑓</m:t>
-                          </m:r>
-                        </m:e>
-                      </m:acc>
-                    </m:oMath>
-                  </m:oMathPara>
-                </a14:m>
-                <a:endParaRPr lang="en-US" dirty="0"/>
-              </a:p>
-              <a:p>
-                <a:pPr marL="285750"/>
-                <a:endParaRPr lang="en-US" dirty="0"/>
-              </a:p>
-            </p:txBody>
-          </p:sp>
-        </mc:Choice>
-        <mc:Fallback>
-          <p:sp>
-            <p:nvSpPr>
-              <p:cNvPr id="4" name="Content Placeholder 3">
-                <a:extLst>
-                  <a:ext uri="{FF2B5EF4-FFF2-40B4-BE49-F238E27FC236}">
-                    <a16:creationId xmlns:a16="http://schemas.microsoft.com/office/drawing/2014/main" id="{C9F60626-48B6-5ABF-56DC-461C6D7C5091}"/>
-                  </a:ext>
-                </a:extLst>
-              </p:cNvPr>
-              <p:cNvSpPr>
-                <a:spLocks noGrp="1" noRot="1" noChangeAspect="1" noMove="1" noResize="1" noEditPoints="1" noAdjustHandles="1" noChangeArrowheads="1" noChangeShapeType="1" noTextEdit="1"/>
-              </p:cNvSpPr>
-              <p:nvPr>
-                <p:ph sz="half" idx="14"/>
-              </p:nvPr>
-            </p:nvSpPr>
-            <p:spPr>
-              <a:xfrm>
-                <a:off x="1341120" y="1139483"/>
-                <a:ext cx="8920481" cy="5216865"/>
-              </a:xfrm>
-              <a:blipFill>
-                <a:blip r:embed="rId3"/>
-                <a:stretch>
-                  <a:fillRect l="-410" t="-1519"/>
-                </a:stretch>
-              </a:blipFill>
-            </p:spPr>
-            <p:txBody>
-              <a:bodyPr/>
-              <a:lstStyle/>
-              <a:p>
-                <a:r>
-                  <a:rPr lang="en-US">
-                    <a:noFill/>
-                  </a:rPr>
-                  <a:t> </a:t>
-                </a:r>
-              </a:p>
-            </p:txBody>
-          </p:sp>
-        </mc:Fallback>
-      </mc:AlternateContent>
-    </p:spTree>
-    <p:extLst>
-      <p:ext uri="{BB962C8B-B14F-4D97-AF65-F5344CB8AC3E}">
-        <p14:creationId xmlns:p14="http://schemas.microsoft.com/office/powerpoint/2010/main" val="85280667"/>
-      </p:ext>
-    </p:extLst>
-  </p:cSld>
-  <p:clrMapOvr>
-    <a:masterClrMapping/>
-  </p:clrMapOvr>
-</p:sld>
-</file>
-
-<file path=ppt/slides/slide5.xml><?xml version="1.0" encoding="utf-8"?>
-<p:sld xmlns:a="http://schemas.openxmlformats.org/drawingml/2006/main" xmlns:r="http://schemas.openxmlformats.org/officeDocument/2006/relationships" xmlns:p="http://schemas.openxmlformats.org/presentationml/2006/main">
-  <p:cSld>
-    <p:spTree>
-      <p:nvGrpSpPr>
-        <p:cNvPr id="1" name="">
-          <a:extLst>
-            <a:ext uri="{FF2B5EF4-FFF2-40B4-BE49-F238E27FC236}">
-              <a16:creationId xmlns:a16="http://schemas.microsoft.com/office/drawing/2014/main" id="{64552390-94C5-7C8A-E531-0E96E82EA7C3}"/>
-            </a:ext>
-          </a:extLst>
-        </p:cNvPr>
-        <p:cNvGrpSpPr/>
-        <p:nvPr/>
-      </p:nvGrpSpPr>
-      <p:grpSpPr>
-        <a:xfrm>
-          <a:off x="0" y="0"/>
-          <a:ext cx="0" cy="0"/>
-          <a:chOff x="0" y="0"/>
-          <a:chExt cx="0" cy="0"/>
-        </a:xfrm>
-      </p:grpSpPr>
-      <p:sp>
-        <p:nvSpPr>
-          <p:cNvPr id="2" name="Title 1">
-            <a:extLst>
-              <a:ext uri="{FF2B5EF4-FFF2-40B4-BE49-F238E27FC236}">
-                <a16:creationId xmlns:a16="http://schemas.microsoft.com/office/drawing/2014/main" id="{05023634-3FF5-98EB-9101-63137C059787}"/>
-              </a:ext>
-            </a:extLst>
-          </p:cNvPr>
-          <p:cNvSpPr>
-            <a:spLocks noGrp="1"/>
-          </p:cNvSpPr>
-          <p:nvPr>
-            <p:ph type="title"/>
-          </p:nvPr>
-        </p:nvSpPr>
-        <p:spPr>
-          <a:xfrm>
-            <a:off x="1341120" y="558801"/>
-            <a:ext cx="9953308" cy="580682"/>
-          </a:xfrm>
-        </p:spPr>
-        <p:txBody>
-          <a:bodyPr/>
-          <a:lstStyle/>
-          <a:p>
-            <a:r>
-              <a:rPr lang="en-US" dirty="0"/>
-              <a:t>Boundary Conditions</a:t>
-            </a:r>
-          </a:p>
-        </p:txBody>
-      </p:sp>
-      <p:sp>
-        <p:nvSpPr>
-          <p:cNvPr id="68" name="Slide Number Placeholder 67">
-            <a:extLst>
-              <a:ext uri="{FF2B5EF4-FFF2-40B4-BE49-F238E27FC236}">
-                <a16:creationId xmlns:a16="http://schemas.microsoft.com/office/drawing/2014/main" id="{E018125A-0987-F2A8-9EBE-BBC5A8DB2F4C}"/>
-              </a:ext>
-            </a:extLst>
-          </p:cNvPr>
-          <p:cNvSpPr>
-            <a:spLocks noGrp="1"/>
-          </p:cNvSpPr>
-          <p:nvPr>
-            <p:ph type="sldNum" sz="quarter" idx="13"/>
-          </p:nvPr>
-        </p:nvSpPr>
-        <p:spPr>
-          <a:xfrm>
-            <a:off x="10373350" y="6356349"/>
-            <a:ext cx="987552" cy="365125"/>
-          </a:xfrm>
-        </p:spPr>
-        <p:txBody>
-          <a:bodyPr/>
-          <a:lstStyle/>
-          <a:p>
-            <a:fld id="{A49DFD55-3C28-40EF-9E31-A92D2E4017FF}" type="slidenum">
-              <a:rPr lang="en-US" smtClean="0"/>
-              <a:pPr/>
-              <a:t>5</a:t>
-            </a:fld>
-            <a:endParaRPr lang="en-US" dirty="0"/>
-          </a:p>
-        </p:txBody>
-      </p:sp>
-      <mc:AlternateContent xmlns:mc="http://schemas.openxmlformats.org/markup-compatibility/2006">
-        <mc:Choice xmlns:a14="http://schemas.microsoft.com/office/drawing/2010/main" Requires="a14">
-          <p:sp>
-            <p:nvSpPr>
-              <p:cNvPr id="4" name="Content Placeholder 3">
-                <a:extLst>
-                  <a:ext uri="{FF2B5EF4-FFF2-40B4-BE49-F238E27FC236}">
-                    <a16:creationId xmlns:a16="http://schemas.microsoft.com/office/drawing/2014/main" id="{1573343B-E3B0-E1CB-3BDC-58F1C031904B}"/>
-                  </a:ext>
-                </a:extLst>
-              </p:cNvPr>
-              <p:cNvSpPr>
-                <a:spLocks noGrp="1"/>
-              </p:cNvSpPr>
-              <p:nvPr>
-                <p:ph sz="half" idx="14"/>
-              </p:nvPr>
-            </p:nvSpPr>
-            <p:spPr>
-              <a:xfrm>
-                <a:off x="1341120" y="1139483"/>
-                <a:ext cx="8920481" cy="5216865"/>
-              </a:xfrm>
-            </p:spPr>
-            <p:txBody>
-              <a:bodyPr>
-                <a:normAutofit/>
-              </a:bodyPr>
-              <a:lstStyle/>
-              <a:p>
-                <a:pPr marL="285750" indent="-285750">
-                  <a:buFont typeface="Arial" panose="020B0604020202020204" pitchFamily="34" charset="0"/>
-                  <a:buChar char="•"/>
-                </a:pPr>
-                <a:r>
-                  <a:rPr lang="en-US" dirty="0"/>
-                  <a:t>Simulations </a:t>
-                </a:r>
-                <a:r>
-                  <a:rPr lang="en-US"/>
-                  <a:t>assume metamaterials made of two solids:</a:t>
-                </a:r>
-                <a:endParaRPr lang="en-US" dirty="0"/>
-              </a:p>
-              <a:p>
-                <a:pPr marL="0" indent="0">
-                  <a:buNone/>
-                </a:pPr>
-                <a14:m>
-                  <m:oMathPara xmlns:m="http://schemas.openxmlformats.org/officeDocument/2006/math">
-                    <m:oMathParaPr>
-                      <m:jc m:val="centerGroup"/>
-                    </m:oMathParaPr>
-                    <m:oMath xmlns:m="http://schemas.openxmlformats.org/officeDocument/2006/math">
-                      <m:r>
-                        <a:rPr lang="en-US" b="0" i="1" smtClean="0">
-                          <a:latin typeface="Cambria Math" panose="02040503050406030204" pitchFamily="18" charset="0"/>
-                        </a:rPr>
-                        <m:t>𝜌</m:t>
-                      </m:r>
-                      <m:f>
-                        <m:fPr>
-                          <m:ctrlPr>
-                            <a:rPr lang="en-US" b="0" i="1" smtClean="0">
-                              <a:latin typeface="Cambria Math" panose="02040503050406030204" pitchFamily="18" charset="0"/>
-                            </a:rPr>
-                          </m:ctrlPr>
-                        </m:fPr>
-                        <m:num>
-                          <m:sSup>
-                            <m:sSupPr>
-                              <m:ctrlPr>
-                                <a:rPr lang="en-US" b="0" i="1" smtClean="0">
-                                  <a:latin typeface="Cambria Math" panose="02040503050406030204" pitchFamily="18" charset="0"/>
-                                </a:rPr>
-                              </m:ctrlPr>
-                            </m:sSupPr>
-                            <m:e>
-                              <m:r>
-                                <a:rPr lang="en-US" b="0" i="1" smtClean="0">
-                                  <a:latin typeface="Cambria Math" panose="02040503050406030204" pitchFamily="18" charset="0"/>
-                                  <a:ea typeface="Cambria Math" panose="02040503050406030204" pitchFamily="18" charset="0"/>
-                                </a:rPr>
-                                <m:t>𝜕</m:t>
-                              </m:r>
-                            </m:e>
-                            <m:sup>
-                              <m:r>
-                                <a:rPr lang="en-US" b="0" i="1" smtClean="0">
-                                  <a:latin typeface="Cambria Math" panose="02040503050406030204" pitchFamily="18" charset="0"/>
-                                </a:rPr>
-                                <m:t>2</m:t>
-                              </m:r>
-                            </m:sup>
-                          </m:sSup>
-                          <m:acc>
-                            <m:accPr>
-                              <m:chr m:val="̅"/>
-                              <m:ctrlPr>
-                                <a:rPr lang="en-US" b="0" i="1" smtClean="0">
-                                  <a:latin typeface="Cambria Math" panose="02040503050406030204" pitchFamily="18" charset="0"/>
-                                </a:rPr>
-                              </m:ctrlPr>
-                            </m:accPr>
-                            <m:e>
-                              <m:r>
-                                <a:rPr lang="en-US" b="0" i="1" smtClean="0">
-                                  <a:latin typeface="Cambria Math" panose="02040503050406030204" pitchFamily="18" charset="0"/>
-                                </a:rPr>
-                                <m:t>𝑢</m:t>
-                              </m:r>
-                            </m:e>
-                          </m:acc>
-                        </m:num>
-                        <m:den>
-                          <m:r>
-                            <a:rPr lang="en-US" b="0" i="1" smtClean="0">
-                              <a:latin typeface="Cambria Math" panose="02040503050406030204" pitchFamily="18" charset="0"/>
-                              <a:ea typeface="Cambria Math" panose="02040503050406030204" pitchFamily="18" charset="0"/>
-                            </a:rPr>
-                            <m:t>𝜕</m:t>
-                          </m:r>
-                          <m:sSup>
-                            <m:sSupPr>
-                              <m:ctrlPr>
-                                <a:rPr lang="en-US" b="0" i="1" smtClean="0">
-                                  <a:latin typeface="Cambria Math" panose="02040503050406030204" pitchFamily="18" charset="0"/>
-                                </a:rPr>
-                              </m:ctrlPr>
-                            </m:sSupPr>
-                            <m:e>
-                              <m:r>
-                                <a:rPr lang="en-US" b="0" i="1" smtClean="0">
-                                  <a:latin typeface="Cambria Math" panose="02040503050406030204" pitchFamily="18" charset="0"/>
-                                </a:rPr>
-                                <m:t>𝑡</m:t>
-                              </m:r>
-                            </m:e>
-                            <m:sup>
-                              <m:r>
-                                <a:rPr lang="en-US" b="0" i="1" smtClean="0">
-                                  <a:latin typeface="Cambria Math" panose="02040503050406030204" pitchFamily="18" charset="0"/>
-                                </a:rPr>
-                                <m:t>2</m:t>
-                              </m:r>
-                            </m:sup>
-                          </m:sSup>
-                        </m:den>
-                      </m:f>
-                      <m:r>
-                        <a:rPr lang="en-US" b="0" i="1" smtClean="0">
-                          <a:latin typeface="Cambria Math" panose="02040503050406030204" pitchFamily="18" charset="0"/>
-                        </a:rPr>
-                        <m:t>=</m:t>
-                      </m:r>
-                      <m:r>
-                        <m:rPr>
-                          <m:sty m:val="p"/>
-                        </m:rPr>
-                        <a:rPr lang="en-US" b="0" i="1" smtClean="0">
-                          <a:latin typeface="Cambria Math" panose="02040503050406030204" pitchFamily="18" charset="0"/>
-                          <a:ea typeface="Cambria Math" panose="02040503050406030204" pitchFamily="18" charset="0"/>
-                        </a:rPr>
-                        <m:t>∇</m:t>
-                      </m:r>
-                      <m:r>
-                        <a:rPr lang="en-US" b="0" i="1" smtClean="0">
-                          <a:latin typeface="Cambria Math" panose="02040503050406030204" pitchFamily="18" charset="0"/>
-                          <a:ea typeface="Cambria Math" panose="02040503050406030204" pitchFamily="18" charset="0"/>
-                        </a:rPr>
-                        <m:t>⋅</m:t>
-                      </m:r>
-                      <m:acc>
-                        <m:accPr>
-                          <m:chr m:val="̅"/>
-                          <m:ctrlPr>
-                            <a:rPr lang="en-US" b="0" i="1" smtClean="0">
-                              <a:latin typeface="Cambria Math" panose="02040503050406030204" pitchFamily="18" charset="0"/>
-                              <a:ea typeface="Cambria Math" panose="02040503050406030204" pitchFamily="18" charset="0"/>
-                            </a:rPr>
-                          </m:ctrlPr>
-                        </m:accPr>
-                        <m:e>
-                          <m:r>
-                            <a:rPr lang="en-US" b="0" i="1" smtClean="0">
-                              <a:latin typeface="Cambria Math" panose="02040503050406030204" pitchFamily="18" charset="0"/>
-                              <a:ea typeface="Cambria Math" panose="02040503050406030204" pitchFamily="18" charset="0"/>
-                            </a:rPr>
-                            <m:t>𝜎</m:t>
-                          </m:r>
-                        </m:e>
-                      </m:acc>
-                      <m:r>
-                        <a:rPr lang="en-US" b="0" i="1" smtClean="0">
-                          <a:latin typeface="Cambria Math" panose="02040503050406030204" pitchFamily="18" charset="0"/>
-                          <a:ea typeface="Cambria Math" panose="02040503050406030204" pitchFamily="18" charset="0"/>
-                        </a:rPr>
-                        <m:t>+</m:t>
-                      </m:r>
-                      <m:acc>
-                        <m:accPr>
-                          <m:chr m:val="̅"/>
-                          <m:ctrlPr>
-                            <a:rPr lang="en-US" b="0" i="1" smtClean="0">
-                              <a:latin typeface="Cambria Math" panose="02040503050406030204" pitchFamily="18" charset="0"/>
-                              <a:ea typeface="Cambria Math" panose="02040503050406030204" pitchFamily="18" charset="0"/>
-                            </a:rPr>
-                          </m:ctrlPr>
-                        </m:accPr>
-                        <m:e>
-                          <m:r>
-                            <a:rPr lang="en-US" b="0" i="1" smtClean="0">
-                              <a:latin typeface="Cambria Math" panose="02040503050406030204" pitchFamily="18" charset="0"/>
-                              <a:ea typeface="Cambria Math" panose="02040503050406030204" pitchFamily="18" charset="0"/>
-                            </a:rPr>
-                            <m:t>𝑓</m:t>
-                          </m:r>
-                        </m:e>
-                      </m:acc>
-                    </m:oMath>
-                  </m:oMathPara>
-                </a14:m>
-                <a:endParaRPr lang="en-US" dirty="0"/>
-              </a:p>
-              <a:p>
-                <a:pPr marL="290513"/>
-                <a:r>
-                  <a:rPr lang="en-US" dirty="0"/>
-                  <a:t>The displacement at any point, is equal to the sum of internal forces and external forces. </a:t>
-                </a:r>
-              </a:p>
-              <a:p>
-                <a:pPr marL="285750" indent="-285750">
-                  <a:buFont typeface="Arial" panose="020B0604020202020204" pitchFamily="34" charset="0"/>
-                  <a:buChar char="•"/>
-                </a:pPr>
-                <a:r>
-                  <a:rPr lang="en-US" dirty="0"/>
-                  <a:t>Constitutive Relation (Hooke’s Law):</a:t>
-                </a:r>
-              </a:p>
-              <a:p>
-                <a:pPr lvl="1" indent="0">
-                  <a:buNone/>
-                </a:pPr>
-                <a14:m>
-                  <m:oMathPara xmlns:m="http://schemas.openxmlformats.org/officeDocument/2006/math">
-                    <m:oMathParaPr>
-                      <m:jc m:val="centerGroup"/>
-                    </m:oMathParaPr>
-                    <m:oMath xmlns:m="http://schemas.openxmlformats.org/officeDocument/2006/math">
-                      <m:acc>
-                        <m:accPr>
-                          <m:chr m:val="̅"/>
-                          <m:ctrlPr>
-                            <a:rPr lang="en-US" i="1" smtClean="0">
-                              <a:latin typeface="Cambria Math" panose="02040503050406030204" pitchFamily="18" charset="0"/>
-                              <a:ea typeface="Cambria Math" panose="02040503050406030204" pitchFamily="18" charset="0"/>
-                            </a:rPr>
-                          </m:ctrlPr>
-                        </m:accPr>
-                        <m:e>
-                          <m:r>
-                            <a:rPr lang="en-US" b="0" i="1" smtClean="0">
-                              <a:latin typeface="Cambria Math" panose="02040503050406030204" pitchFamily="18" charset="0"/>
-                              <a:ea typeface="Cambria Math" panose="02040503050406030204" pitchFamily="18" charset="0"/>
-                            </a:rPr>
-                            <m:t>𝜎</m:t>
-                          </m:r>
-                        </m:e>
-                      </m:acc>
-                      <m:r>
-                        <a:rPr lang="en-US" b="0" i="1" smtClean="0">
-                          <a:latin typeface="Cambria Math" panose="02040503050406030204" pitchFamily="18" charset="0"/>
-                          <a:ea typeface="Cambria Math" panose="02040503050406030204" pitchFamily="18" charset="0"/>
-                        </a:rPr>
-                        <m:t>=</m:t>
-                      </m:r>
-                      <m:acc>
-                        <m:accPr>
-                          <m:chr m:val="̿"/>
-                          <m:ctrlPr>
-                            <a:rPr lang="en-US" b="0" i="1" smtClean="0">
-                              <a:latin typeface="Cambria Math" panose="02040503050406030204" pitchFamily="18" charset="0"/>
-                              <a:ea typeface="Cambria Math" panose="02040503050406030204" pitchFamily="18" charset="0"/>
-                            </a:rPr>
-                          </m:ctrlPr>
-                        </m:accPr>
-                        <m:e>
-                          <m:r>
-                            <a:rPr lang="en-US" b="0" i="1" smtClean="0">
-                              <a:latin typeface="Cambria Math" panose="02040503050406030204" pitchFamily="18" charset="0"/>
-                              <a:ea typeface="Cambria Math" panose="02040503050406030204" pitchFamily="18" charset="0"/>
-                            </a:rPr>
-                            <m:t>𝐶</m:t>
-                          </m:r>
-                        </m:e>
-                      </m:acc>
-                      <m:r>
-                        <a:rPr lang="en-US" b="0" i="1" smtClean="0">
-                          <a:latin typeface="Cambria Math" panose="02040503050406030204" pitchFamily="18" charset="0"/>
-                          <a:ea typeface="Cambria Math" panose="02040503050406030204" pitchFamily="18" charset="0"/>
-                        </a:rPr>
-                        <m:t>:</m:t>
-                      </m:r>
-                      <m:acc>
-                        <m:accPr>
-                          <m:chr m:val="̅"/>
-                          <m:ctrlPr>
-                            <a:rPr lang="en-US" b="0" i="1" smtClean="0">
-                              <a:latin typeface="Cambria Math" panose="02040503050406030204" pitchFamily="18" charset="0"/>
-                              <a:ea typeface="Cambria Math" panose="02040503050406030204" pitchFamily="18" charset="0"/>
-                            </a:rPr>
-                          </m:ctrlPr>
-                        </m:accPr>
-                        <m:e>
-                          <m:r>
-                            <a:rPr lang="en-US" b="0" i="1" smtClean="0">
-                              <a:latin typeface="Cambria Math" panose="02040503050406030204" pitchFamily="18" charset="0"/>
-                              <a:ea typeface="Cambria Math" panose="02040503050406030204" pitchFamily="18" charset="0"/>
-                            </a:rPr>
-                            <m:t>𝜖</m:t>
-                          </m:r>
-                        </m:e>
-                      </m:acc>
-                      <m:r>
-                        <a:rPr lang="en-US" b="0" i="1" smtClean="0">
-                          <a:latin typeface="Cambria Math" panose="02040503050406030204" pitchFamily="18" charset="0"/>
-                          <a:ea typeface="Cambria Math" panose="02040503050406030204" pitchFamily="18" charset="0"/>
-                        </a:rPr>
-                        <m:t>=</m:t>
-                      </m:r>
-                      <m:r>
-                        <a:rPr lang="en-US" b="0" i="1" smtClean="0">
-                          <a:latin typeface="Cambria Math" panose="02040503050406030204" pitchFamily="18" charset="0"/>
-                          <a:ea typeface="Cambria Math" panose="02040503050406030204" pitchFamily="18" charset="0"/>
-                        </a:rPr>
-                        <m:t>𝜆</m:t>
-                      </m:r>
-                      <m:d>
-                        <m:dPr>
-                          <m:ctrlPr>
-                            <a:rPr lang="en-US" b="0" i="1" smtClean="0">
-                              <a:latin typeface="Cambria Math" panose="02040503050406030204" pitchFamily="18" charset="0"/>
-                              <a:ea typeface="Cambria Math" panose="02040503050406030204" pitchFamily="18" charset="0"/>
-                            </a:rPr>
-                          </m:ctrlPr>
-                        </m:dPr>
-                        <m:e>
-                          <m:r>
-                            <m:rPr>
-                              <m:sty m:val="p"/>
-                            </m:rPr>
-                            <a:rPr lang="en-US" b="0" i="0" smtClean="0">
-                              <a:latin typeface="Cambria Math" panose="02040503050406030204" pitchFamily="18" charset="0"/>
-                              <a:ea typeface="Cambria Math" panose="02040503050406030204" pitchFamily="18" charset="0"/>
-                            </a:rPr>
-                            <m:t>∇</m:t>
-                          </m:r>
-                          <m:r>
-                            <a:rPr lang="en-US" b="0" i="1" smtClean="0">
-                              <a:latin typeface="Cambria Math" panose="02040503050406030204" pitchFamily="18" charset="0"/>
-                              <a:ea typeface="Cambria Math" panose="02040503050406030204" pitchFamily="18" charset="0"/>
-                            </a:rPr>
-                            <m:t>⋅</m:t>
-                          </m:r>
-                          <m:acc>
-                            <m:accPr>
-                              <m:chr m:val="̅"/>
-                              <m:ctrlPr>
-                                <a:rPr lang="en-US" b="0" i="1" smtClean="0">
-                                  <a:latin typeface="Cambria Math" panose="02040503050406030204" pitchFamily="18" charset="0"/>
-                                  <a:ea typeface="Cambria Math" panose="02040503050406030204" pitchFamily="18" charset="0"/>
-                                </a:rPr>
-                              </m:ctrlPr>
-                            </m:accPr>
-                            <m:e>
-                              <m:r>
-                                <a:rPr lang="en-US" b="0" i="1" smtClean="0">
-                                  <a:latin typeface="Cambria Math" panose="02040503050406030204" pitchFamily="18" charset="0"/>
-                                  <a:ea typeface="Cambria Math" panose="02040503050406030204" pitchFamily="18" charset="0"/>
-                                </a:rPr>
-                                <m:t>𝑢</m:t>
-                              </m:r>
-                            </m:e>
-                          </m:acc>
-                        </m:e>
-                      </m:d>
-                      <m:acc>
-                        <m:accPr>
-                          <m:chr m:val="̿"/>
-                          <m:ctrlPr>
-                            <a:rPr lang="en-US" b="0" i="1" smtClean="0">
-                              <a:latin typeface="Cambria Math" panose="02040503050406030204" pitchFamily="18" charset="0"/>
-                              <a:ea typeface="Cambria Math" panose="02040503050406030204" pitchFamily="18" charset="0"/>
-                            </a:rPr>
-                          </m:ctrlPr>
-                        </m:accPr>
-                        <m:e>
-                          <m:r>
-                            <a:rPr lang="en-US" b="0" i="1" smtClean="0">
-                              <a:latin typeface="Cambria Math" panose="02040503050406030204" pitchFamily="18" charset="0"/>
-                              <a:ea typeface="Cambria Math" panose="02040503050406030204" pitchFamily="18" charset="0"/>
-                            </a:rPr>
-                            <m:t>𝐼</m:t>
-                          </m:r>
-                        </m:e>
-                      </m:acc>
-                      <m:r>
-                        <a:rPr lang="en-US" b="0" i="1" smtClean="0">
-                          <a:latin typeface="Cambria Math" panose="02040503050406030204" pitchFamily="18" charset="0"/>
-                          <a:ea typeface="Cambria Math" panose="02040503050406030204" pitchFamily="18" charset="0"/>
-                        </a:rPr>
-                        <m:t>+2</m:t>
-                      </m:r>
-                      <m:r>
-                        <a:rPr lang="en-US" b="0" i="1" smtClean="0">
-                          <a:latin typeface="Cambria Math" panose="02040503050406030204" pitchFamily="18" charset="0"/>
-                          <a:ea typeface="Cambria Math" panose="02040503050406030204" pitchFamily="18" charset="0"/>
-                        </a:rPr>
-                        <m:t>𝜇𝜖</m:t>
-                      </m:r>
-                    </m:oMath>
-                  </m:oMathPara>
-                </a14:m>
-                <a:endParaRPr lang="en-US" dirty="0">
-                  <a:latin typeface="Cambria Math" panose="02040503050406030204" pitchFamily="18" charset="0"/>
-                  <a:ea typeface="Cambria Math" panose="02040503050406030204" pitchFamily="18" charset="0"/>
-                </a:endParaRPr>
-              </a:p>
-              <a:p>
-                <a:pPr lvl="1" indent="0">
-                  <a:buNone/>
-                </a:pPr>
-                <a:r>
-                  <a:rPr lang="en-US" b="0" dirty="0"/>
-                  <a:t>Where, </a:t>
-                </a:r>
-                <a14:m>
-                  <m:oMath xmlns:m="http://schemas.openxmlformats.org/officeDocument/2006/math">
-                    <m:sSub>
-                      <m:sSubPr>
-                        <m:ctrlPr>
-                          <a:rPr lang="en-US" b="0" i="1" smtClean="0">
-                            <a:latin typeface="Cambria Math" panose="02040503050406030204" pitchFamily="18" charset="0"/>
-                          </a:rPr>
-                        </m:ctrlPr>
-                      </m:sSubPr>
-                      <m:e>
-                        <m:r>
-                          <a:rPr lang="en-US" b="0" i="1" smtClean="0">
-                            <a:latin typeface="Cambria Math" panose="02040503050406030204" pitchFamily="18" charset="0"/>
-                          </a:rPr>
-                          <m:t>𝐶</m:t>
-                        </m:r>
-                      </m:e>
-                      <m:sub>
-                        <m:r>
-                          <a:rPr lang="en-US" b="0" i="1" smtClean="0">
-                            <a:latin typeface="Cambria Math" panose="02040503050406030204" pitchFamily="18" charset="0"/>
-                          </a:rPr>
-                          <m:t>𝑖𝑗𝑘𝑙</m:t>
-                        </m:r>
-                      </m:sub>
-                    </m:sSub>
-                    <m:r>
-                      <a:rPr lang="en-US" b="0" i="1" smtClean="0">
-                        <a:latin typeface="Cambria Math" panose="02040503050406030204" pitchFamily="18" charset="0"/>
-                      </a:rPr>
-                      <m:t>=</m:t>
-                    </m:r>
-                    <m:r>
-                      <a:rPr lang="en-US" b="0" i="1" smtClean="0">
-                        <a:latin typeface="Cambria Math" panose="02040503050406030204" pitchFamily="18" charset="0"/>
-                      </a:rPr>
-                      <m:t>𝜆</m:t>
-                    </m:r>
-                    <m:sSub>
-                      <m:sSubPr>
-                        <m:ctrlPr>
-                          <a:rPr lang="en-US" b="0" i="1" smtClean="0">
-                            <a:latin typeface="Cambria Math" panose="02040503050406030204" pitchFamily="18" charset="0"/>
-                          </a:rPr>
-                        </m:ctrlPr>
-                      </m:sSubPr>
-                      <m:e>
-                        <m:r>
-                          <a:rPr lang="en-US" b="0" i="1" smtClean="0">
-                            <a:latin typeface="Cambria Math" panose="02040503050406030204" pitchFamily="18" charset="0"/>
-                          </a:rPr>
-                          <m:t>𝛿</m:t>
-                        </m:r>
-                      </m:e>
-                      <m:sub>
-                        <m:r>
-                          <a:rPr lang="en-US" b="0" i="1" smtClean="0">
-                            <a:latin typeface="Cambria Math" panose="02040503050406030204" pitchFamily="18" charset="0"/>
-                          </a:rPr>
-                          <m:t>𝑖𝑗</m:t>
-                        </m:r>
-                      </m:sub>
-                    </m:sSub>
-                    <m:sSub>
-                      <m:sSubPr>
-                        <m:ctrlPr>
-                          <a:rPr lang="en-US" b="0" i="1" smtClean="0">
-                            <a:latin typeface="Cambria Math" panose="02040503050406030204" pitchFamily="18" charset="0"/>
-                          </a:rPr>
-                        </m:ctrlPr>
-                      </m:sSubPr>
-                      <m:e>
-                        <m:r>
-                          <a:rPr lang="en-US" b="0" i="1" smtClean="0">
-                            <a:latin typeface="Cambria Math" panose="02040503050406030204" pitchFamily="18" charset="0"/>
-                          </a:rPr>
-                          <m:t>𝛿</m:t>
-                        </m:r>
-                      </m:e>
-                      <m:sub>
-                        <m:r>
-                          <a:rPr lang="en-US" b="0" i="1" smtClean="0">
-                            <a:latin typeface="Cambria Math" panose="02040503050406030204" pitchFamily="18" charset="0"/>
-                          </a:rPr>
-                          <m:t>𝑘𝑙</m:t>
-                        </m:r>
-                      </m:sub>
-                    </m:sSub>
-                    <m:r>
-                      <a:rPr lang="en-US" b="0" i="1" smtClean="0">
-                        <a:latin typeface="Cambria Math" panose="02040503050406030204" pitchFamily="18" charset="0"/>
-                      </a:rPr>
-                      <m:t>+</m:t>
-                    </m:r>
-                    <m:r>
-                      <a:rPr lang="en-US" b="0" i="1" smtClean="0">
-                        <a:latin typeface="Cambria Math" panose="02040503050406030204" pitchFamily="18" charset="0"/>
-                      </a:rPr>
-                      <m:t>𝜇</m:t>
-                    </m:r>
-                    <m:r>
-                      <a:rPr lang="en-US" b="0" i="1" smtClean="0">
-                        <a:latin typeface="Cambria Math" panose="02040503050406030204" pitchFamily="18" charset="0"/>
-                      </a:rPr>
-                      <m:t>(</m:t>
-                    </m:r>
-                    <m:sSub>
-                      <m:sSubPr>
-                        <m:ctrlPr>
-                          <a:rPr lang="en-US" b="0" i="1" smtClean="0">
-                            <a:latin typeface="Cambria Math" panose="02040503050406030204" pitchFamily="18" charset="0"/>
-                          </a:rPr>
-                        </m:ctrlPr>
-                      </m:sSubPr>
-                      <m:e>
-                        <m:r>
-                          <a:rPr lang="en-US" b="0" i="1" smtClean="0">
-                            <a:latin typeface="Cambria Math" panose="02040503050406030204" pitchFamily="18" charset="0"/>
-                          </a:rPr>
-                          <m:t>𝛿</m:t>
-                        </m:r>
-                      </m:e>
-                      <m:sub>
-                        <m:r>
-                          <a:rPr lang="en-US" b="0" i="1" smtClean="0">
-                            <a:latin typeface="Cambria Math" panose="02040503050406030204" pitchFamily="18" charset="0"/>
-                          </a:rPr>
-                          <m:t>𝑖𝑘</m:t>
-                        </m:r>
-                      </m:sub>
-                    </m:sSub>
-                    <m:sSub>
-                      <m:sSubPr>
-                        <m:ctrlPr>
-                          <a:rPr lang="en-US" b="0" i="1" smtClean="0">
-                            <a:latin typeface="Cambria Math" panose="02040503050406030204" pitchFamily="18" charset="0"/>
-                          </a:rPr>
-                        </m:ctrlPr>
-                      </m:sSubPr>
-                      <m:e>
-                        <m:r>
-                          <a:rPr lang="en-US" b="0" i="1" smtClean="0">
-                            <a:latin typeface="Cambria Math" panose="02040503050406030204" pitchFamily="18" charset="0"/>
-                          </a:rPr>
-                          <m:t>𝛿</m:t>
-                        </m:r>
-                      </m:e>
-                      <m:sub>
-                        <m:r>
-                          <a:rPr lang="en-US" b="0" i="1" smtClean="0">
-                            <a:latin typeface="Cambria Math" panose="02040503050406030204" pitchFamily="18" charset="0"/>
-                          </a:rPr>
-                          <m:t>𝑗𝑙</m:t>
-                        </m:r>
-                      </m:sub>
-                    </m:sSub>
-                    <m:r>
-                      <a:rPr lang="en-US" b="0" i="1" smtClean="0">
-                        <a:latin typeface="Cambria Math" panose="02040503050406030204" pitchFamily="18" charset="0"/>
-                      </a:rPr>
-                      <m:t>+</m:t>
-                    </m:r>
-                    <m:sSub>
-                      <m:sSubPr>
-                        <m:ctrlPr>
-                          <a:rPr lang="en-US" b="0" i="1" smtClean="0">
-                            <a:latin typeface="Cambria Math" panose="02040503050406030204" pitchFamily="18" charset="0"/>
-                          </a:rPr>
-                        </m:ctrlPr>
-                      </m:sSubPr>
-                      <m:e>
-                        <m:r>
-                          <a:rPr lang="en-US" b="0" i="1" smtClean="0">
-                            <a:latin typeface="Cambria Math" panose="02040503050406030204" pitchFamily="18" charset="0"/>
-                          </a:rPr>
-                          <m:t>𝛿</m:t>
-                        </m:r>
-                      </m:e>
-                      <m:sub>
-                        <m:r>
-                          <a:rPr lang="en-US" b="0" i="1" smtClean="0">
-                            <a:latin typeface="Cambria Math" panose="02040503050406030204" pitchFamily="18" charset="0"/>
-                          </a:rPr>
-                          <m:t>𝑖𝑙</m:t>
-                        </m:r>
-                      </m:sub>
-                    </m:sSub>
-                    <m:sSub>
-                      <m:sSubPr>
-                        <m:ctrlPr>
-                          <a:rPr lang="en-US" b="0" i="1" smtClean="0">
-                            <a:latin typeface="Cambria Math" panose="02040503050406030204" pitchFamily="18" charset="0"/>
-                          </a:rPr>
-                        </m:ctrlPr>
-                      </m:sSubPr>
-                      <m:e>
-                        <m:r>
-                          <a:rPr lang="en-US" b="0" i="1" smtClean="0">
-                            <a:latin typeface="Cambria Math" panose="02040503050406030204" pitchFamily="18" charset="0"/>
-                          </a:rPr>
-                          <m:t>𝛿</m:t>
-                        </m:r>
-                      </m:e>
-                      <m:sub>
-                        <m:r>
-                          <a:rPr lang="en-US" b="0" i="1" smtClean="0">
-                            <a:latin typeface="Cambria Math" panose="02040503050406030204" pitchFamily="18" charset="0"/>
-                          </a:rPr>
-                          <m:t>𝑗𝑘</m:t>
-                        </m:r>
-                      </m:sub>
-                    </m:sSub>
-                    <m:r>
-                      <a:rPr lang="en-US" b="0" i="1" smtClean="0">
-                        <a:latin typeface="Cambria Math" panose="02040503050406030204" pitchFamily="18" charset="0"/>
-                      </a:rPr>
-                      <m:t>)</m:t>
-                    </m:r>
-                  </m:oMath>
-                </a14:m>
-                <a:r>
-                  <a:rPr lang="en-US" dirty="0"/>
-                  <a:t> ; (</a:t>
-                </a:r>
-                <a14:m>
-                  <m:oMath xmlns:m="http://schemas.openxmlformats.org/officeDocument/2006/math">
-                    <m:r>
-                      <a:rPr lang="en-US" b="0" i="1" smtClean="0">
-                        <a:latin typeface="Cambria Math" panose="02040503050406030204" pitchFamily="18" charset="0"/>
-                      </a:rPr>
-                      <m:t>𝜆</m:t>
-                    </m:r>
-                  </m:oMath>
-                </a14:m>
-                <a:r>
-                  <a:rPr lang="en-US" dirty="0"/>
-                  <a:t> &amp; </a:t>
-                </a:r>
-                <a14:m>
-                  <m:oMath xmlns:m="http://schemas.openxmlformats.org/officeDocument/2006/math">
-                    <m:r>
-                      <a:rPr lang="en-US" b="0" i="1" smtClean="0">
-                        <a:latin typeface="Cambria Math" panose="02040503050406030204" pitchFamily="18" charset="0"/>
-                      </a:rPr>
-                      <m:t>𝜇</m:t>
-                    </m:r>
-                  </m:oMath>
-                </a14:m>
-                <a:r>
-                  <a:rPr lang="en-US" dirty="0"/>
-                  <a:t> being the Lamé constants),</a:t>
-                </a:r>
-              </a:p>
-              <a:p>
-                <a:pPr lvl="1" indent="0">
-                  <a:buNone/>
-                </a:pPr>
-                <a:r>
-                  <a:rPr lang="en-US" dirty="0">
-                    <a:ea typeface="Cambria Math" panose="02040503050406030204" pitchFamily="18" charset="0"/>
-                  </a:rPr>
-                  <a:t>And where </a:t>
-                </a:r>
-                <a14:m>
-                  <m:oMath xmlns:m="http://schemas.openxmlformats.org/officeDocument/2006/math">
-                    <m:acc>
-                      <m:accPr>
-                        <m:chr m:val="̅"/>
-                        <m:ctrlPr>
-                          <a:rPr lang="en-US" b="0" i="1" smtClean="0">
-                            <a:latin typeface="Cambria Math" panose="02040503050406030204" pitchFamily="18" charset="0"/>
-                            <a:ea typeface="Cambria Math" panose="02040503050406030204" pitchFamily="18" charset="0"/>
-                          </a:rPr>
-                        </m:ctrlPr>
-                      </m:accPr>
-                      <m:e>
-                        <m:r>
-                          <a:rPr lang="en-US" b="0" i="1" smtClean="0">
-                            <a:latin typeface="Cambria Math" panose="02040503050406030204" pitchFamily="18" charset="0"/>
-                            <a:ea typeface="Cambria Math" panose="02040503050406030204" pitchFamily="18" charset="0"/>
-                          </a:rPr>
-                          <m:t>𝜖</m:t>
-                        </m:r>
-                      </m:e>
-                    </m:acc>
-                    <m:r>
-                      <a:rPr lang="en-US" b="0" i="1" smtClean="0">
-                        <a:latin typeface="Cambria Math" panose="02040503050406030204" pitchFamily="18" charset="0"/>
-                        <a:ea typeface="Cambria Math" panose="02040503050406030204" pitchFamily="18" charset="0"/>
-                      </a:rPr>
-                      <m:t>=</m:t>
-                    </m:r>
-                    <m:f>
-                      <m:fPr>
-                        <m:ctrlPr>
-                          <a:rPr lang="en-US" b="0" i="1" smtClean="0">
-                            <a:latin typeface="Cambria Math" panose="02040503050406030204" pitchFamily="18" charset="0"/>
-                            <a:ea typeface="Cambria Math" panose="02040503050406030204" pitchFamily="18" charset="0"/>
-                          </a:rPr>
-                        </m:ctrlPr>
-                      </m:fPr>
-                      <m:num>
-                        <m:r>
-                          <a:rPr lang="en-US" b="0" i="1" smtClean="0">
-                            <a:latin typeface="Cambria Math" panose="02040503050406030204" pitchFamily="18" charset="0"/>
-                            <a:ea typeface="Cambria Math" panose="02040503050406030204" pitchFamily="18" charset="0"/>
-                          </a:rPr>
-                          <m:t>1</m:t>
-                        </m:r>
-                      </m:num>
-                      <m:den>
-                        <m:r>
-                          <a:rPr lang="en-US" b="0" i="1" smtClean="0">
-                            <a:latin typeface="Cambria Math" panose="02040503050406030204" pitchFamily="18" charset="0"/>
-                            <a:ea typeface="Cambria Math" panose="02040503050406030204" pitchFamily="18" charset="0"/>
-                          </a:rPr>
-                          <m:t>2</m:t>
-                        </m:r>
-                      </m:den>
-                    </m:f>
-                    <m:d>
-                      <m:dPr>
-                        <m:ctrlPr>
-                          <a:rPr lang="en-US" b="0" i="1" smtClean="0">
-                            <a:latin typeface="Cambria Math" panose="02040503050406030204" pitchFamily="18" charset="0"/>
-                            <a:ea typeface="Cambria Math" panose="02040503050406030204" pitchFamily="18" charset="0"/>
-                          </a:rPr>
-                        </m:ctrlPr>
-                      </m:dPr>
-                      <m:e>
-                        <m:r>
-                          <m:rPr>
-                            <m:sty m:val="p"/>
-                          </m:rPr>
-                          <a:rPr lang="en-US" b="0" i="0" smtClean="0">
-                            <a:latin typeface="Cambria Math" panose="02040503050406030204" pitchFamily="18" charset="0"/>
-                            <a:ea typeface="Cambria Math" panose="02040503050406030204" pitchFamily="18" charset="0"/>
-                          </a:rPr>
-                          <m:t>∇</m:t>
-                        </m:r>
-                        <m:acc>
-                          <m:accPr>
-                            <m:chr m:val="̅"/>
-                            <m:ctrlPr>
-                              <a:rPr lang="en-US" b="0" i="1" smtClean="0">
-                                <a:latin typeface="Cambria Math" panose="02040503050406030204" pitchFamily="18" charset="0"/>
-                                <a:ea typeface="Cambria Math" panose="02040503050406030204" pitchFamily="18" charset="0"/>
-                              </a:rPr>
-                            </m:ctrlPr>
-                          </m:accPr>
-                          <m:e>
-                            <m:r>
-                              <a:rPr lang="en-US" b="0" i="1" smtClean="0">
-                                <a:latin typeface="Cambria Math" panose="02040503050406030204" pitchFamily="18" charset="0"/>
-                                <a:ea typeface="Cambria Math" panose="02040503050406030204" pitchFamily="18" charset="0"/>
-                              </a:rPr>
-                              <m:t>𝑢</m:t>
-                            </m:r>
-                          </m:e>
-                        </m:acc>
-                        <m:r>
-                          <a:rPr lang="en-US" b="0" i="1" smtClean="0">
-                            <a:latin typeface="Cambria Math" panose="02040503050406030204" pitchFamily="18" charset="0"/>
-                            <a:ea typeface="Cambria Math" panose="02040503050406030204" pitchFamily="18" charset="0"/>
-                          </a:rPr>
-                          <m:t>+</m:t>
-                        </m:r>
-                        <m:sSup>
-                          <m:sSupPr>
-                            <m:ctrlPr>
-                              <a:rPr lang="en-US" b="0" i="1" smtClean="0">
-                                <a:latin typeface="Cambria Math" panose="02040503050406030204" pitchFamily="18" charset="0"/>
-                                <a:ea typeface="Cambria Math" panose="02040503050406030204" pitchFamily="18" charset="0"/>
-                              </a:rPr>
-                            </m:ctrlPr>
-                          </m:sSupPr>
-                          <m:e>
-                            <m:d>
-                              <m:dPr>
-                                <m:ctrlPr>
-                                  <a:rPr lang="en-US" b="0" i="1" smtClean="0">
-                                    <a:latin typeface="Cambria Math" panose="02040503050406030204" pitchFamily="18" charset="0"/>
-                                    <a:ea typeface="Cambria Math" panose="02040503050406030204" pitchFamily="18" charset="0"/>
-                                  </a:rPr>
-                                </m:ctrlPr>
-                              </m:dPr>
-                              <m:e>
-                                <m:r>
-                                  <m:rPr>
-                                    <m:sty m:val="p"/>
-                                  </m:rPr>
-                                  <a:rPr lang="en-US" b="0" i="0" smtClean="0">
-                                    <a:latin typeface="Cambria Math" panose="02040503050406030204" pitchFamily="18" charset="0"/>
-                                    <a:ea typeface="Cambria Math" panose="02040503050406030204" pitchFamily="18" charset="0"/>
-                                  </a:rPr>
-                                  <m:t>∇</m:t>
-                                </m:r>
-                                <m:acc>
-                                  <m:accPr>
-                                    <m:chr m:val="̅"/>
-                                    <m:ctrlPr>
-                                      <a:rPr lang="en-US" b="0" i="1" smtClean="0">
-                                        <a:latin typeface="Cambria Math" panose="02040503050406030204" pitchFamily="18" charset="0"/>
-                                        <a:ea typeface="Cambria Math" panose="02040503050406030204" pitchFamily="18" charset="0"/>
-                                      </a:rPr>
-                                    </m:ctrlPr>
-                                  </m:accPr>
-                                  <m:e>
-                                    <m:r>
-                                      <a:rPr lang="en-US" b="0" i="1" smtClean="0">
-                                        <a:latin typeface="Cambria Math" panose="02040503050406030204" pitchFamily="18" charset="0"/>
-                                        <a:ea typeface="Cambria Math" panose="02040503050406030204" pitchFamily="18" charset="0"/>
-                                      </a:rPr>
-                                      <m:t>𝑢</m:t>
-                                    </m:r>
-                                  </m:e>
-                                </m:acc>
-                              </m:e>
-                            </m:d>
-                          </m:e>
-                          <m:sup>
-                            <m:r>
-                              <a:rPr lang="en-US" b="0" i="1" smtClean="0">
-                                <a:latin typeface="Cambria Math" panose="02040503050406030204" pitchFamily="18" charset="0"/>
-                                <a:ea typeface="Cambria Math" panose="02040503050406030204" pitchFamily="18" charset="0"/>
-                              </a:rPr>
-                              <m:t>𝑇</m:t>
-                            </m:r>
-                          </m:sup>
-                        </m:sSup>
-                      </m:e>
-                    </m:d>
-                  </m:oMath>
-                </a14:m>
-                <a:r>
-                  <a:rPr lang="en-US" dirty="0">
-                    <a:latin typeface="Cambria Math" panose="02040503050406030204" pitchFamily="18" charset="0"/>
-                    <a:ea typeface="Cambria Math" panose="02040503050406030204" pitchFamily="18" charset="0"/>
-                  </a:rPr>
-                  <a:t> ; </a:t>
-                </a:r>
-                <a14:m>
-                  <m:oMath xmlns:m="http://schemas.openxmlformats.org/officeDocument/2006/math">
-                    <m:sSub>
-                      <m:sSubPr>
-                        <m:ctrlPr>
-                          <a:rPr lang="en-US" b="0" i="1" smtClean="0">
-                            <a:latin typeface="Cambria Math" panose="02040503050406030204" pitchFamily="18" charset="0"/>
-                            <a:ea typeface="Cambria Math" panose="02040503050406030204" pitchFamily="18" charset="0"/>
-                          </a:rPr>
-                        </m:ctrlPr>
-                      </m:sSubPr>
-                      <m:e>
-                        <m:d>
-                          <m:dPr>
-                            <m:ctrlPr>
-                              <a:rPr lang="en-US" i="1">
-                                <a:latin typeface="Cambria Math" panose="02040503050406030204" pitchFamily="18" charset="0"/>
-                                <a:ea typeface="Cambria Math" panose="02040503050406030204" pitchFamily="18" charset="0"/>
-                              </a:rPr>
-                            </m:ctrlPr>
-                          </m:dPr>
-                          <m:e>
-                            <m:r>
-                              <m:rPr>
-                                <m:sty m:val="p"/>
-                              </m:rPr>
-                              <a:rPr lang="en-US">
-                                <a:latin typeface="Cambria Math" panose="02040503050406030204" pitchFamily="18" charset="0"/>
-                                <a:ea typeface="Cambria Math" panose="02040503050406030204" pitchFamily="18" charset="0"/>
-                              </a:rPr>
-                              <m:t>∇</m:t>
-                            </m:r>
-                            <m:acc>
-                              <m:accPr>
-                                <m:chr m:val="̅"/>
-                                <m:ctrlPr>
-                                  <a:rPr lang="en-US" i="1">
-                                    <a:latin typeface="Cambria Math" panose="02040503050406030204" pitchFamily="18" charset="0"/>
-                                    <a:ea typeface="Cambria Math" panose="02040503050406030204" pitchFamily="18" charset="0"/>
-                                  </a:rPr>
-                                </m:ctrlPr>
-                              </m:accPr>
-                              <m:e>
-                                <m:r>
-                                  <a:rPr lang="en-US" i="1">
-                                    <a:latin typeface="Cambria Math" panose="02040503050406030204" pitchFamily="18" charset="0"/>
-                                    <a:ea typeface="Cambria Math" panose="02040503050406030204" pitchFamily="18" charset="0"/>
-                                  </a:rPr>
-                                  <m:t>𝑢</m:t>
-                                </m:r>
-                              </m:e>
-                            </m:acc>
-                          </m:e>
-                        </m:d>
-                      </m:e>
-                      <m:sub>
-                        <m:r>
-                          <a:rPr lang="en-US" b="0" i="1" smtClean="0">
-                            <a:latin typeface="Cambria Math" panose="02040503050406030204" pitchFamily="18" charset="0"/>
-                            <a:ea typeface="Cambria Math" panose="02040503050406030204" pitchFamily="18" charset="0"/>
-                          </a:rPr>
-                          <m:t>𝑖𝑗</m:t>
-                        </m:r>
-                      </m:sub>
-                    </m:sSub>
-                    <m:r>
-                      <a:rPr lang="en-US" b="0" i="1" smtClean="0">
-                        <a:latin typeface="Cambria Math" panose="02040503050406030204" pitchFamily="18" charset="0"/>
-                        <a:ea typeface="Cambria Math" panose="02040503050406030204" pitchFamily="18" charset="0"/>
-                      </a:rPr>
-                      <m:t>=</m:t>
-                    </m:r>
-                    <m:f>
-                      <m:fPr>
-                        <m:ctrlPr>
-                          <a:rPr lang="en-US" b="0" i="1" smtClean="0">
-                            <a:latin typeface="Cambria Math" panose="02040503050406030204" pitchFamily="18" charset="0"/>
-                            <a:ea typeface="Cambria Math" panose="02040503050406030204" pitchFamily="18" charset="0"/>
-                          </a:rPr>
-                        </m:ctrlPr>
-                      </m:fPr>
-                      <m:num>
-                        <m:r>
-                          <a:rPr lang="en-US" b="0" i="1" smtClean="0">
-                            <a:latin typeface="Cambria Math" panose="02040503050406030204" pitchFamily="18" charset="0"/>
-                            <a:ea typeface="Cambria Math" panose="02040503050406030204" pitchFamily="18" charset="0"/>
-                          </a:rPr>
-                          <m:t>𝜕</m:t>
-                        </m:r>
-                        <m:sSub>
-                          <m:sSubPr>
-                            <m:ctrlPr>
-                              <a:rPr lang="en-US" b="0" i="1" smtClean="0">
-                                <a:latin typeface="Cambria Math" panose="02040503050406030204" pitchFamily="18" charset="0"/>
-                                <a:ea typeface="Cambria Math" panose="02040503050406030204" pitchFamily="18" charset="0"/>
-                              </a:rPr>
-                            </m:ctrlPr>
-                          </m:sSubPr>
-                          <m:e>
-                            <m:r>
-                              <a:rPr lang="en-US" b="0" i="1" smtClean="0">
-                                <a:latin typeface="Cambria Math" panose="02040503050406030204" pitchFamily="18" charset="0"/>
-                                <a:ea typeface="Cambria Math" panose="02040503050406030204" pitchFamily="18" charset="0"/>
-                              </a:rPr>
-                              <m:t>𝑢</m:t>
-                            </m:r>
-                          </m:e>
-                          <m:sub>
-                            <m:r>
-                              <a:rPr lang="en-US" b="0" i="1" smtClean="0">
-                                <a:latin typeface="Cambria Math" panose="02040503050406030204" pitchFamily="18" charset="0"/>
-                                <a:ea typeface="Cambria Math" panose="02040503050406030204" pitchFamily="18" charset="0"/>
-                              </a:rPr>
-                              <m:t>𝑖</m:t>
-                            </m:r>
-                          </m:sub>
-                        </m:sSub>
-                      </m:num>
-                      <m:den>
-                        <m:r>
-                          <a:rPr lang="en-US" b="0" i="1" smtClean="0">
-                            <a:latin typeface="Cambria Math" panose="02040503050406030204" pitchFamily="18" charset="0"/>
-                            <a:ea typeface="Cambria Math" panose="02040503050406030204" pitchFamily="18" charset="0"/>
-                          </a:rPr>
-                          <m:t>𝜕</m:t>
-                        </m:r>
-                        <m:sSub>
-                          <m:sSubPr>
-                            <m:ctrlPr>
-                              <a:rPr lang="en-US" b="0" i="1" smtClean="0">
-                                <a:latin typeface="Cambria Math" panose="02040503050406030204" pitchFamily="18" charset="0"/>
-                                <a:ea typeface="Cambria Math" panose="02040503050406030204" pitchFamily="18" charset="0"/>
-                              </a:rPr>
-                            </m:ctrlPr>
-                          </m:sSubPr>
-                          <m:e>
-                            <m:r>
-                              <a:rPr lang="en-US" b="0" i="1" smtClean="0">
-                                <a:latin typeface="Cambria Math" panose="02040503050406030204" pitchFamily="18" charset="0"/>
-                                <a:ea typeface="Cambria Math" panose="02040503050406030204" pitchFamily="18" charset="0"/>
-                              </a:rPr>
-                              <m:t>𝑥</m:t>
-                            </m:r>
-                          </m:e>
-                          <m:sub>
-                            <m:r>
-                              <a:rPr lang="en-US" b="0" i="1" smtClean="0">
-                                <a:latin typeface="Cambria Math" panose="02040503050406030204" pitchFamily="18" charset="0"/>
-                                <a:ea typeface="Cambria Math" panose="02040503050406030204" pitchFamily="18" charset="0"/>
-                              </a:rPr>
-                              <m:t>𝑗</m:t>
-                            </m:r>
-                          </m:sub>
-                        </m:sSub>
-                      </m:den>
-                    </m:f>
-                  </m:oMath>
-                </a14:m>
-                <a:r>
-                  <a:rPr lang="en-US" dirty="0">
-                    <a:latin typeface="Cambria Math" panose="02040503050406030204" pitchFamily="18" charset="0"/>
-                    <a:ea typeface="Cambria Math" panose="02040503050406030204" pitchFamily="18" charset="0"/>
-                  </a:rPr>
-                  <a:t> </a:t>
-                </a:r>
-              </a:p>
-              <a:p>
-                <a:pPr lvl="1" indent="0">
-                  <a:buNone/>
-                </a:pPr>
-                <a:r>
-                  <a:rPr lang="en-US" dirty="0"/>
-                  <a:t>Symmetric parts of </a:t>
-                </a:r>
-                <a14:m>
-                  <m:oMath xmlns:m="http://schemas.openxmlformats.org/officeDocument/2006/math">
-                    <m:r>
-                      <m:rPr>
-                        <m:sty m:val="p"/>
-                      </m:rPr>
-                      <a:rPr lang="en-US" b="0" i="0" smtClean="0">
-                        <a:latin typeface="Cambria Math" panose="02040503050406030204" pitchFamily="18" charset="0"/>
-                        <a:ea typeface="Cambria Math" panose="02040503050406030204" pitchFamily="18" charset="0"/>
-                      </a:rPr>
-                      <m:t>∇</m:t>
-                    </m:r>
-                    <m:acc>
-                      <m:accPr>
-                        <m:chr m:val="̅"/>
-                        <m:ctrlPr>
-                          <a:rPr lang="en-US" b="0" i="1" smtClean="0">
-                            <a:latin typeface="Cambria Math" panose="02040503050406030204" pitchFamily="18" charset="0"/>
-                            <a:ea typeface="Cambria Math" panose="02040503050406030204" pitchFamily="18" charset="0"/>
-                          </a:rPr>
-                        </m:ctrlPr>
-                      </m:accPr>
-                      <m:e>
-                        <m:r>
-                          <a:rPr lang="en-US" b="0" i="1" smtClean="0">
-                            <a:latin typeface="Cambria Math" panose="02040503050406030204" pitchFamily="18" charset="0"/>
-                            <a:ea typeface="Cambria Math" panose="02040503050406030204" pitchFamily="18" charset="0"/>
-                          </a:rPr>
-                          <m:t>𝑢</m:t>
-                        </m:r>
-                      </m:e>
-                    </m:acc>
-                  </m:oMath>
-                </a14:m>
-                <a:r>
-                  <a:rPr lang="en-US" dirty="0"/>
-                  <a:t> represent pure deformations (stretching, compression, and shear). The asymmetric parts represent rigid body motions.</a:t>
-                </a:r>
-              </a:p>
-              <a:p>
-                <a:pPr marL="285750" lvl="1"/>
-                <a:r>
-                  <a:rPr lang="en-US" dirty="0"/>
-                  <a:t>The wave equation for solids:</a:t>
+                  <a:t>Combining the above, we get the wave equation for solids:</a:t>
                 </a:r>
               </a:p>
               <a:p>
@@ -15381,7 +14174,1576 @@
             </p:txBody>
           </p:sp>
         </mc:Choice>
-        <mc:Fallback>
+        <mc:Fallback xmlns="">
+          <p:sp>
+            <p:nvSpPr>
+              <p:cNvPr id="4" name="Content Placeholder 3">
+                <a:extLst>
+                  <a:ext uri="{FF2B5EF4-FFF2-40B4-BE49-F238E27FC236}">
+                    <a16:creationId xmlns:a16="http://schemas.microsoft.com/office/drawing/2014/main" id="{C9F60626-48B6-5ABF-56DC-461C6D7C5091}"/>
+                  </a:ext>
+                </a:extLst>
+              </p:cNvPr>
+              <p:cNvSpPr>
+                <a:spLocks noGrp="1" noRot="1" noChangeAspect="1" noMove="1" noResize="1" noEditPoints="1" noAdjustHandles="1" noChangeArrowheads="1" noChangeShapeType="1" noTextEdit="1"/>
+              </p:cNvSpPr>
+              <p:nvPr>
+                <p:ph sz="half" idx="14"/>
+              </p:nvPr>
+            </p:nvSpPr>
+            <p:spPr>
+              <a:xfrm>
+                <a:off x="1341120" y="1139483"/>
+                <a:ext cx="8920481" cy="5216865"/>
+              </a:xfrm>
+              <a:blipFill>
+                <a:blip r:embed="rId3"/>
+                <a:stretch>
+                  <a:fillRect l="-410" t="-1519"/>
+                </a:stretch>
+              </a:blipFill>
+            </p:spPr>
+            <p:txBody>
+              <a:bodyPr/>
+              <a:lstStyle/>
+              <a:p>
+                <a:r>
+                  <a:rPr lang="en-US">
+                    <a:noFill/>
+                  </a:rPr>
+                  <a:t> </a:t>
+                </a:r>
+              </a:p>
+            </p:txBody>
+          </p:sp>
+        </mc:Fallback>
+      </mc:AlternateContent>
+    </p:spTree>
+    <p:extLst>
+      <p:ext uri="{BB962C8B-B14F-4D97-AF65-F5344CB8AC3E}">
+        <p14:creationId xmlns:p14="http://schemas.microsoft.com/office/powerpoint/2010/main" val="85280667"/>
+      </p:ext>
+    </p:extLst>
+  </p:cSld>
+  <p:clrMapOvr>
+    <a:masterClrMapping/>
+  </p:clrMapOvr>
+</p:sld>
+</file>
+
+<file path=ppt/slides/slide5.xml><?xml version="1.0" encoding="utf-8"?>
+<p:sld xmlns:a="http://schemas.openxmlformats.org/drawingml/2006/main" xmlns:r="http://schemas.openxmlformats.org/officeDocument/2006/relationships" xmlns:p="http://schemas.openxmlformats.org/presentationml/2006/main">
+  <p:cSld>
+    <p:spTree>
+      <p:nvGrpSpPr>
+        <p:cNvPr id="1" name="">
+          <a:extLst>
+            <a:ext uri="{FF2B5EF4-FFF2-40B4-BE49-F238E27FC236}">
+              <a16:creationId xmlns:a16="http://schemas.microsoft.com/office/drawing/2014/main" id="{64552390-94C5-7C8A-E531-0E96E82EA7C3}"/>
+            </a:ext>
+          </a:extLst>
+        </p:cNvPr>
+        <p:cNvGrpSpPr/>
+        <p:nvPr/>
+      </p:nvGrpSpPr>
+      <p:grpSpPr>
+        <a:xfrm>
+          <a:off x="0" y="0"/>
+          <a:ext cx="0" cy="0"/>
+          <a:chOff x="0" y="0"/>
+          <a:chExt cx="0" cy="0"/>
+        </a:xfrm>
+      </p:grpSpPr>
+      <p:sp>
+        <p:nvSpPr>
+          <p:cNvPr id="2" name="Title 1">
+            <a:extLst>
+              <a:ext uri="{FF2B5EF4-FFF2-40B4-BE49-F238E27FC236}">
+                <a16:creationId xmlns:a16="http://schemas.microsoft.com/office/drawing/2014/main" id="{05023634-3FF5-98EB-9101-63137C059787}"/>
+              </a:ext>
+            </a:extLst>
+          </p:cNvPr>
+          <p:cNvSpPr>
+            <a:spLocks noGrp="1"/>
+          </p:cNvSpPr>
+          <p:nvPr>
+            <p:ph type="title"/>
+          </p:nvPr>
+        </p:nvSpPr>
+        <p:spPr>
+          <a:xfrm>
+            <a:off x="1341120" y="558801"/>
+            <a:ext cx="9953308" cy="580682"/>
+          </a:xfrm>
+        </p:spPr>
+        <p:txBody>
+          <a:bodyPr>
+            <a:normAutofit/>
+          </a:bodyPr>
+          <a:lstStyle/>
+          <a:p>
+            <a:r>
+              <a:rPr lang="en-US" dirty="0"/>
+              <a:t>Governing Equations – Boundary Conditions</a:t>
+            </a:r>
+          </a:p>
+        </p:txBody>
+      </p:sp>
+      <p:sp>
+        <p:nvSpPr>
+          <p:cNvPr id="68" name="Slide Number Placeholder 67">
+            <a:extLst>
+              <a:ext uri="{FF2B5EF4-FFF2-40B4-BE49-F238E27FC236}">
+                <a16:creationId xmlns:a16="http://schemas.microsoft.com/office/drawing/2014/main" id="{E018125A-0987-F2A8-9EBE-BBC5A8DB2F4C}"/>
+              </a:ext>
+            </a:extLst>
+          </p:cNvPr>
+          <p:cNvSpPr>
+            <a:spLocks noGrp="1"/>
+          </p:cNvSpPr>
+          <p:nvPr>
+            <p:ph type="sldNum" sz="quarter" idx="13"/>
+          </p:nvPr>
+        </p:nvSpPr>
+        <p:spPr>
+          <a:xfrm>
+            <a:off x="10373350" y="6356349"/>
+            <a:ext cx="987552" cy="365125"/>
+          </a:xfrm>
+        </p:spPr>
+        <p:txBody>
+          <a:bodyPr/>
+          <a:lstStyle/>
+          <a:p>
+            <a:fld id="{A49DFD55-3C28-40EF-9E31-A92D2E4017FF}" type="slidenum">
+              <a:rPr lang="en-US" smtClean="0"/>
+              <a:pPr/>
+              <a:t>5</a:t>
+            </a:fld>
+            <a:endParaRPr lang="en-US" dirty="0"/>
+          </a:p>
+        </p:txBody>
+      </p:sp>
+      <mc:AlternateContent xmlns:mc="http://schemas.openxmlformats.org/markup-compatibility/2006" xmlns:a14="http://schemas.microsoft.com/office/drawing/2010/main">
+        <mc:Choice Requires="a14">
+          <p:sp>
+            <p:nvSpPr>
+              <p:cNvPr id="4" name="Content Placeholder 3">
+                <a:extLst>
+                  <a:ext uri="{FF2B5EF4-FFF2-40B4-BE49-F238E27FC236}">
+                    <a16:creationId xmlns:a16="http://schemas.microsoft.com/office/drawing/2014/main" id="{1573343B-E3B0-E1CB-3BDC-58F1C031904B}"/>
+                  </a:ext>
+                </a:extLst>
+              </p:cNvPr>
+              <p:cNvSpPr>
+                <a:spLocks noGrp="1"/>
+              </p:cNvSpPr>
+              <p:nvPr>
+                <p:ph sz="half" idx="14"/>
+              </p:nvPr>
+            </p:nvSpPr>
+            <p:spPr>
+              <a:xfrm>
+                <a:off x="1341120" y="1139483"/>
+                <a:ext cx="8920481" cy="5216865"/>
+              </a:xfrm>
+            </p:spPr>
+            <p:txBody>
+              <a:bodyPr>
+                <a:normAutofit/>
+              </a:bodyPr>
+              <a:lstStyle/>
+              <a:p>
+                <a:pPr marL="285750" indent="-285750">
+                  <a:buFont typeface="Arial" panose="020B0604020202020204" pitchFamily="34" charset="0"/>
+                  <a:buChar char="•"/>
+                </a:pPr>
+                <a:r>
+                  <a:rPr lang="en-US" dirty="0"/>
+                  <a:t>Periodicity:</a:t>
+                </a:r>
+              </a:p>
+              <a:p>
+                <a:pPr marL="0" indent="0">
+                  <a:buNone/>
+                </a:pPr>
+                <a14:m>
+                  <m:oMathPara xmlns:m="http://schemas.openxmlformats.org/officeDocument/2006/math">
+                    <m:oMathParaPr>
+                      <m:jc m:val="centerGroup"/>
+                    </m:oMathParaPr>
+                    <m:oMath xmlns:m="http://schemas.openxmlformats.org/officeDocument/2006/math">
+                      <m:acc>
+                        <m:accPr>
+                          <m:chr m:val="̅"/>
+                          <m:ctrlPr>
+                            <a:rPr lang="en-US" b="0" i="1" smtClean="0">
+                              <a:latin typeface="Cambria Math" panose="02040503050406030204" pitchFamily="18" charset="0"/>
+                            </a:rPr>
+                          </m:ctrlPr>
+                        </m:accPr>
+                        <m:e>
+                          <m:r>
+                            <a:rPr lang="en-US" b="0" i="1" smtClean="0">
+                              <a:latin typeface="Cambria Math" panose="02040503050406030204" pitchFamily="18" charset="0"/>
+                            </a:rPr>
+                            <m:t>𝑢</m:t>
+                          </m:r>
+                        </m:e>
+                      </m:acc>
+                      <m:d>
+                        <m:dPr>
+                          <m:ctrlPr>
+                            <a:rPr lang="en-US" b="0" i="1" smtClean="0">
+                              <a:latin typeface="Cambria Math" panose="02040503050406030204" pitchFamily="18" charset="0"/>
+                            </a:rPr>
+                          </m:ctrlPr>
+                        </m:dPr>
+                        <m:e>
+                          <m:acc>
+                            <m:accPr>
+                              <m:chr m:val="̅"/>
+                              <m:ctrlPr>
+                                <a:rPr lang="en-US" b="0" i="1" smtClean="0">
+                                  <a:latin typeface="Cambria Math" panose="02040503050406030204" pitchFamily="18" charset="0"/>
+                                </a:rPr>
+                              </m:ctrlPr>
+                            </m:accPr>
+                            <m:e>
+                              <m:r>
+                                <a:rPr lang="en-US" b="0" i="1" smtClean="0">
+                                  <a:latin typeface="Cambria Math" panose="02040503050406030204" pitchFamily="18" charset="0"/>
+                                </a:rPr>
+                                <m:t>𝑥</m:t>
+                              </m:r>
+                            </m:e>
+                          </m:acc>
+                          <m:r>
+                            <a:rPr lang="en-US" b="0" i="1" smtClean="0">
+                              <a:latin typeface="Cambria Math" panose="02040503050406030204" pitchFamily="18" charset="0"/>
+                            </a:rPr>
+                            <m:t>+</m:t>
+                          </m:r>
+                          <m:sSub>
+                            <m:sSubPr>
+                              <m:ctrlPr>
+                                <a:rPr lang="en-US" b="0" i="1" smtClean="0">
+                                  <a:latin typeface="Cambria Math" panose="02040503050406030204" pitchFamily="18" charset="0"/>
+                                </a:rPr>
+                              </m:ctrlPr>
+                            </m:sSubPr>
+                            <m:e>
+                              <m:acc>
+                                <m:accPr>
+                                  <m:chr m:val="̅"/>
+                                  <m:ctrlPr>
+                                    <a:rPr lang="en-US" b="0" i="1" smtClean="0">
+                                      <a:latin typeface="Cambria Math" panose="02040503050406030204" pitchFamily="18" charset="0"/>
+                                    </a:rPr>
+                                  </m:ctrlPr>
+                                </m:accPr>
+                                <m:e>
+                                  <m:r>
+                                    <a:rPr lang="en-US" b="0" i="1" smtClean="0">
+                                      <a:latin typeface="Cambria Math" panose="02040503050406030204" pitchFamily="18" charset="0"/>
+                                    </a:rPr>
+                                    <m:t>𝑙</m:t>
+                                  </m:r>
+                                </m:e>
+                              </m:acc>
+                            </m:e>
+                            <m:sub>
+                              <m:r>
+                                <a:rPr lang="en-US" b="0" i="1" smtClean="0">
+                                  <a:latin typeface="Cambria Math" panose="02040503050406030204" pitchFamily="18" charset="0"/>
+                                </a:rPr>
+                                <m:t>𝑖</m:t>
+                              </m:r>
+                            </m:sub>
+                          </m:sSub>
+                          <m:r>
+                            <a:rPr lang="en-US" b="0" i="1" smtClean="0">
+                              <a:latin typeface="Cambria Math" panose="02040503050406030204" pitchFamily="18" charset="0"/>
+                            </a:rPr>
+                            <m:t>, </m:t>
+                          </m:r>
+                          <m:r>
+                            <a:rPr lang="en-US" b="0" i="1" smtClean="0">
+                              <a:latin typeface="Cambria Math" panose="02040503050406030204" pitchFamily="18" charset="0"/>
+                            </a:rPr>
+                            <m:t>𝑡</m:t>
+                          </m:r>
+                        </m:e>
+                      </m:d>
+                      <m:r>
+                        <a:rPr lang="en-US" b="0" i="1" smtClean="0">
+                          <a:latin typeface="Cambria Math" panose="02040503050406030204" pitchFamily="18" charset="0"/>
+                        </a:rPr>
+                        <m:t>=</m:t>
+                      </m:r>
+                      <m:acc>
+                        <m:accPr>
+                          <m:chr m:val="̅"/>
+                          <m:ctrlPr>
+                            <a:rPr lang="en-US" b="0" i="1" smtClean="0">
+                              <a:latin typeface="Cambria Math" panose="02040503050406030204" pitchFamily="18" charset="0"/>
+                            </a:rPr>
+                          </m:ctrlPr>
+                        </m:accPr>
+                        <m:e>
+                          <m:r>
+                            <a:rPr lang="en-US" b="0" i="1" smtClean="0">
+                              <a:latin typeface="Cambria Math" panose="02040503050406030204" pitchFamily="18" charset="0"/>
+                            </a:rPr>
+                            <m:t>𝑢</m:t>
+                          </m:r>
+                        </m:e>
+                      </m:acc>
+                      <m:d>
+                        <m:dPr>
+                          <m:ctrlPr>
+                            <a:rPr lang="en-US" b="0" i="1" smtClean="0">
+                              <a:latin typeface="Cambria Math" panose="02040503050406030204" pitchFamily="18" charset="0"/>
+                              <a:ea typeface="Cambria Math" panose="02040503050406030204" pitchFamily="18" charset="0"/>
+                            </a:rPr>
+                          </m:ctrlPr>
+                        </m:dPr>
+                        <m:e>
+                          <m:acc>
+                            <m:accPr>
+                              <m:chr m:val="̅"/>
+                              <m:ctrlPr>
+                                <a:rPr lang="en-US" b="0" i="1" smtClean="0">
+                                  <a:latin typeface="Cambria Math" panose="02040503050406030204" pitchFamily="18" charset="0"/>
+                                  <a:ea typeface="Cambria Math" panose="02040503050406030204" pitchFamily="18" charset="0"/>
+                                </a:rPr>
+                              </m:ctrlPr>
+                            </m:accPr>
+                            <m:e>
+                              <m:r>
+                                <a:rPr lang="en-US" b="0" i="1" smtClean="0">
+                                  <a:latin typeface="Cambria Math" panose="02040503050406030204" pitchFamily="18" charset="0"/>
+                                  <a:ea typeface="Cambria Math" panose="02040503050406030204" pitchFamily="18" charset="0"/>
+                                </a:rPr>
+                                <m:t>𝑥</m:t>
+                              </m:r>
+                            </m:e>
+                          </m:acc>
+                          <m:r>
+                            <a:rPr lang="en-US" b="0" i="1" smtClean="0">
+                              <a:latin typeface="Cambria Math" panose="02040503050406030204" pitchFamily="18" charset="0"/>
+                              <a:ea typeface="Cambria Math" panose="02040503050406030204" pitchFamily="18" charset="0"/>
+                            </a:rPr>
+                            <m:t>,</m:t>
+                          </m:r>
+                          <m:r>
+                            <a:rPr lang="en-US" b="0" i="1" smtClean="0">
+                              <a:latin typeface="Cambria Math" panose="02040503050406030204" pitchFamily="18" charset="0"/>
+                              <a:ea typeface="Cambria Math" panose="02040503050406030204" pitchFamily="18" charset="0"/>
+                            </a:rPr>
+                            <m:t>𝑡</m:t>
+                          </m:r>
+                        </m:e>
+                      </m:d>
+                    </m:oMath>
+                  </m:oMathPara>
+                </a14:m>
+                <a:endParaRPr lang="en-US" dirty="0"/>
+              </a:p>
+              <a:p>
+                <a:pPr marL="285750" indent="-285750">
+                  <a:buFont typeface="Arial" panose="020B0604020202020204" pitchFamily="34" charset="0"/>
+                  <a:buChar char="•"/>
+                </a:pPr>
+                <a:r>
+                  <a:rPr lang="en-US" dirty="0"/>
+                  <a:t>Bloch wave solution:</a:t>
+                </a:r>
+              </a:p>
+              <a:p>
+                <a:pPr lvl="1" indent="0">
+                  <a:buNone/>
+                </a:pPr>
+                <a14:m>
+                  <m:oMathPara xmlns:m="http://schemas.openxmlformats.org/officeDocument/2006/math">
+                    <m:oMathParaPr>
+                      <m:jc m:val="centerGroup"/>
+                    </m:oMathParaPr>
+                    <m:oMath xmlns:m="http://schemas.openxmlformats.org/officeDocument/2006/math">
+                      <m:acc>
+                        <m:accPr>
+                          <m:chr m:val="̅"/>
+                          <m:ctrlPr>
+                            <a:rPr lang="en-US" i="1">
+                              <a:latin typeface="Cambria Math" panose="02040503050406030204" pitchFamily="18" charset="0"/>
+                            </a:rPr>
+                          </m:ctrlPr>
+                        </m:accPr>
+                        <m:e>
+                          <m:r>
+                            <a:rPr lang="en-US" i="1">
+                              <a:latin typeface="Cambria Math" panose="02040503050406030204" pitchFamily="18" charset="0"/>
+                            </a:rPr>
+                            <m:t>𝑢</m:t>
+                          </m:r>
+                        </m:e>
+                      </m:acc>
+                      <m:d>
+                        <m:dPr>
+                          <m:ctrlPr>
+                            <a:rPr lang="en-US" i="1">
+                              <a:latin typeface="Cambria Math" panose="02040503050406030204" pitchFamily="18" charset="0"/>
+                              <a:ea typeface="Cambria Math" panose="02040503050406030204" pitchFamily="18" charset="0"/>
+                            </a:rPr>
+                          </m:ctrlPr>
+                        </m:dPr>
+                        <m:e>
+                          <m:acc>
+                            <m:accPr>
+                              <m:chr m:val="̅"/>
+                              <m:ctrlPr>
+                                <a:rPr lang="en-US" i="1" smtClean="0">
+                                  <a:latin typeface="Cambria Math" panose="02040503050406030204" pitchFamily="18" charset="0"/>
+                                  <a:ea typeface="Cambria Math" panose="02040503050406030204" pitchFamily="18" charset="0"/>
+                                </a:rPr>
+                              </m:ctrlPr>
+                            </m:accPr>
+                            <m:e>
+                              <m:r>
+                                <a:rPr lang="en-US" b="0" i="1" smtClean="0">
+                                  <a:latin typeface="Cambria Math" panose="02040503050406030204" pitchFamily="18" charset="0"/>
+                                  <a:ea typeface="Cambria Math" panose="02040503050406030204" pitchFamily="18" charset="0"/>
+                                </a:rPr>
+                                <m:t>𝑥</m:t>
+                              </m:r>
+                            </m:e>
+                          </m:acc>
+                          <m:r>
+                            <a:rPr lang="en-US" i="1">
+                              <a:latin typeface="Cambria Math" panose="02040503050406030204" pitchFamily="18" charset="0"/>
+                              <a:ea typeface="Cambria Math" panose="02040503050406030204" pitchFamily="18" charset="0"/>
+                            </a:rPr>
+                            <m:t>,</m:t>
+                          </m:r>
+                          <m:r>
+                            <a:rPr lang="en-US" i="1">
+                              <a:latin typeface="Cambria Math" panose="02040503050406030204" pitchFamily="18" charset="0"/>
+                              <a:ea typeface="Cambria Math" panose="02040503050406030204" pitchFamily="18" charset="0"/>
+                            </a:rPr>
+                            <m:t>𝑡</m:t>
+                          </m:r>
+                        </m:e>
+                      </m:d>
+                      <m:r>
+                        <a:rPr lang="en-US" b="0" i="1" smtClean="0">
+                          <a:latin typeface="Cambria Math" panose="02040503050406030204" pitchFamily="18" charset="0"/>
+                          <a:ea typeface="Cambria Math" panose="02040503050406030204" pitchFamily="18" charset="0"/>
+                        </a:rPr>
+                        <m:t>=</m:t>
+                      </m:r>
+                      <m:acc>
+                        <m:accPr>
+                          <m:chr m:val="̃"/>
+                          <m:ctrlPr>
+                            <a:rPr lang="en-US" b="0" i="1" smtClean="0">
+                              <a:latin typeface="Cambria Math" panose="02040503050406030204" pitchFamily="18" charset="0"/>
+                              <a:ea typeface="Cambria Math" panose="02040503050406030204" pitchFamily="18" charset="0"/>
+                            </a:rPr>
+                          </m:ctrlPr>
+                        </m:accPr>
+                        <m:e>
+                          <m:r>
+                            <a:rPr lang="en-US" b="0" i="1" smtClean="0">
+                              <a:latin typeface="Cambria Math" panose="02040503050406030204" pitchFamily="18" charset="0"/>
+                              <a:ea typeface="Cambria Math" panose="02040503050406030204" pitchFamily="18" charset="0"/>
+                            </a:rPr>
+                            <m:t>𝑢</m:t>
+                          </m:r>
+                        </m:e>
+                      </m:acc>
+                      <m:d>
+                        <m:dPr>
+                          <m:ctrlPr>
+                            <a:rPr lang="en-US" b="0" i="1" smtClean="0">
+                              <a:latin typeface="Cambria Math" panose="02040503050406030204" pitchFamily="18" charset="0"/>
+                            </a:rPr>
+                          </m:ctrlPr>
+                        </m:dPr>
+                        <m:e>
+                          <m:r>
+                            <a:rPr lang="en-US" b="0" i="1" smtClean="0">
+                              <a:latin typeface="Cambria Math" panose="02040503050406030204" pitchFamily="18" charset="0"/>
+                            </a:rPr>
+                            <m:t>𝑥</m:t>
+                          </m:r>
+                          <m:r>
+                            <a:rPr lang="en-US" b="0" i="1" smtClean="0">
+                              <a:latin typeface="Cambria Math" panose="02040503050406030204" pitchFamily="18" charset="0"/>
+                            </a:rPr>
+                            <m:t>,</m:t>
+                          </m:r>
+                          <m:r>
+                            <a:rPr lang="en-US" b="0" i="1" smtClean="0">
+                              <a:latin typeface="Cambria Math" panose="02040503050406030204" pitchFamily="18" charset="0"/>
+                            </a:rPr>
+                            <m:t>𝑦</m:t>
+                          </m:r>
+                        </m:e>
+                      </m:d>
+                      <m:sSup>
+                        <m:sSupPr>
+                          <m:ctrlPr>
+                            <a:rPr lang="en-US" b="0" i="1" smtClean="0">
+                              <a:latin typeface="Cambria Math" panose="02040503050406030204" pitchFamily="18" charset="0"/>
+                            </a:rPr>
+                          </m:ctrlPr>
+                        </m:sSupPr>
+                        <m:e>
+                          <m:r>
+                            <a:rPr lang="en-US" b="0" i="1" smtClean="0">
+                              <a:latin typeface="Cambria Math" panose="02040503050406030204" pitchFamily="18" charset="0"/>
+                            </a:rPr>
+                            <m:t>𝑒</m:t>
+                          </m:r>
+                        </m:e>
+                        <m:sup>
+                          <m:r>
+                            <a:rPr lang="en-US" b="0" i="1" smtClean="0">
+                              <a:latin typeface="Cambria Math" panose="02040503050406030204" pitchFamily="18" charset="0"/>
+                            </a:rPr>
+                            <m:t>𝑖</m:t>
+                          </m:r>
+                          <m:d>
+                            <m:dPr>
+                              <m:ctrlPr>
+                                <a:rPr lang="en-US" b="0" i="1" smtClean="0">
+                                  <a:latin typeface="Cambria Math" panose="02040503050406030204" pitchFamily="18" charset="0"/>
+                                </a:rPr>
+                              </m:ctrlPr>
+                            </m:dPr>
+                            <m:e>
+                              <m:acc>
+                                <m:accPr>
+                                  <m:chr m:val="̅"/>
+                                  <m:ctrlPr>
+                                    <a:rPr lang="en-US" b="0" i="1" smtClean="0">
+                                      <a:latin typeface="Cambria Math" panose="02040503050406030204" pitchFamily="18" charset="0"/>
+                                    </a:rPr>
+                                  </m:ctrlPr>
+                                </m:accPr>
+                                <m:e>
+                                  <m:r>
+                                    <a:rPr lang="en-US" b="0" i="1" smtClean="0">
+                                      <a:latin typeface="Cambria Math" panose="02040503050406030204" pitchFamily="18" charset="0"/>
+                                    </a:rPr>
+                                    <m:t>𝑘</m:t>
+                                  </m:r>
+                                </m:e>
+                              </m:acc>
+                              <m:r>
+                                <a:rPr lang="en-US" b="0" i="1" smtClean="0">
+                                  <a:latin typeface="Cambria Math" panose="02040503050406030204" pitchFamily="18" charset="0"/>
+                                </a:rPr>
+                                <m:t>⋅</m:t>
+                              </m:r>
+                              <m:acc>
+                                <m:accPr>
+                                  <m:chr m:val="̅"/>
+                                  <m:ctrlPr>
+                                    <a:rPr lang="en-US" b="0" i="1" smtClean="0">
+                                      <a:latin typeface="Cambria Math" panose="02040503050406030204" pitchFamily="18" charset="0"/>
+                                    </a:rPr>
+                                  </m:ctrlPr>
+                                </m:accPr>
+                                <m:e>
+                                  <m:r>
+                                    <a:rPr lang="en-US" b="0" i="1" smtClean="0">
+                                      <a:latin typeface="Cambria Math" panose="02040503050406030204" pitchFamily="18" charset="0"/>
+                                    </a:rPr>
+                                    <m:t>𝑥</m:t>
+                                  </m:r>
+                                </m:e>
+                              </m:acc>
+                              <m:r>
+                                <a:rPr lang="en-US" b="0" i="1" smtClean="0">
+                                  <a:latin typeface="Cambria Math" panose="02040503050406030204" pitchFamily="18" charset="0"/>
+                                </a:rPr>
+                                <m:t>−</m:t>
+                              </m:r>
+                              <m:r>
+                                <a:rPr lang="en-US" b="0" i="1" smtClean="0">
+                                  <a:latin typeface="Cambria Math" panose="02040503050406030204" pitchFamily="18" charset="0"/>
+                                </a:rPr>
+                                <m:t>𝜔</m:t>
+                              </m:r>
+                              <m:r>
+                                <a:rPr lang="en-US" b="0" i="1" smtClean="0">
+                                  <a:latin typeface="Cambria Math" panose="02040503050406030204" pitchFamily="18" charset="0"/>
+                                </a:rPr>
+                                <m:t>𝑡</m:t>
+                              </m:r>
+                            </m:e>
+                          </m:d>
+                        </m:sup>
+                      </m:sSup>
+                    </m:oMath>
+                  </m:oMathPara>
+                </a14:m>
+                <a:endParaRPr lang="en-US" dirty="0">
+                  <a:ea typeface="Cambria Math" panose="02040503050406030204" pitchFamily="18" charset="0"/>
+                </a:endParaRPr>
+              </a:p>
+              <a:p>
+                <a:pPr marL="285750" lvl="1"/>
+                <a:r>
+                  <a:rPr lang="en-US" dirty="0"/>
+                  <a:t>Displacement continuity (at discrete material interfaces):</a:t>
+                </a:r>
+              </a:p>
+              <a:p>
+                <a:pPr/>
+                <a14:m>
+                  <m:oMathPara xmlns:m="http://schemas.openxmlformats.org/officeDocument/2006/math">
+                    <m:oMathParaPr>
+                      <m:jc m:val="centerGroup"/>
+                    </m:oMathParaPr>
+                    <m:oMath xmlns:m="http://schemas.openxmlformats.org/officeDocument/2006/math">
+                      <m:acc>
+                        <m:accPr>
+                          <m:chr m:val="̅"/>
+                          <m:ctrlPr>
+                            <a:rPr lang="en-US" b="0" i="1" smtClean="0">
+                              <a:latin typeface="Cambria Math" panose="02040503050406030204" pitchFamily="18" charset="0"/>
+                            </a:rPr>
+                          </m:ctrlPr>
+                        </m:accPr>
+                        <m:e>
+                          <m:sSub>
+                            <m:sSubPr>
+                              <m:ctrlPr>
+                                <a:rPr lang="en-US" i="1">
+                                  <a:latin typeface="Cambria Math" panose="02040503050406030204" pitchFamily="18" charset="0"/>
+                                </a:rPr>
+                              </m:ctrlPr>
+                            </m:sSubPr>
+                            <m:e>
+                              <m:r>
+                                <a:rPr lang="en-US" i="1">
+                                  <a:latin typeface="Cambria Math" panose="02040503050406030204" pitchFamily="18" charset="0"/>
+                                </a:rPr>
+                                <m:t>𝑢</m:t>
+                              </m:r>
+                            </m:e>
+                            <m:sub>
+                              <m:r>
+                                <a:rPr lang="en-US" i="1">
+                                  <a:latin typeface="Cambria Math" panose="02040503050406030204" pitchFamily="18" charset="0"/>
+                                </a:rPr>
+                                <m:t>𝑎</m:t>
+                              </m:r>
+                            </m:sub>
+                          </m:sSub>
+                        </m:e>
+                      </m:acc>
+                      <m:r>
+                        <a:rPr lang="en-US" b="0" i="1" smtClean="0">
+                          <a:latin typeface="Cambria Math" panose="02040503050406030204" pitchFamily="18" charset="0"/>
+                        </a:rPr>
+                        <m:t>=</m:t>
+                      </m:r>
+                      <m:acc>
+                        <m:accPr>
+                          <m:chr m:val="̅"/>
+                          <m:ctrlPr>
+                            <a:rPr lang="en-US" b="0" i="1" smtClean="0">
+                              <a:latin typeface="Cambria Math" panose="02040503050406030204" pitchFamily="18" charset="0"/>
+                            </a:rPr>
+                          </m:ctrlPr>
+                        </m:accPr>
+                        <m:e>
+                          <m:sSub>
+                            <m:sSubPr>
+                              <m:ctrlPr>
+                                <a:rPr lang="en-US" i="1">
+                                  <a:latin typeface="Cambria Math" panose="02040503050406030204" pitchFamily="18" charset="0"/>
+                                </a:rPr>
+                              </m:ctrlPr>
+                            </m:sSubPr>
+                            <m:e>
+                              <m:r>
+                                <a:rPr lang="en-US" i="1">
+                                  <a:latin typeface="Cambria Math" panose="02040503050406030204" pitchFamily="18" charset="0"/>
+                                </a:rPr>
+                                <m:t>𝑢</m:t>
+                              </m:r>
+                            </m:e>
+                            <m:sub>
+                              <m:r>
+                                <a:rPr lang="en-US" i="1">
+                                  <a:latin typeface="Cambria Math" panose="02040503050406030204" pitchFamily="18" charset="0"/>
+                                </a:rPr>
+                                <m:t>𝑏</m:t>
+                              </m:r>
+                            </m:sub>
+                          </m:sSub>
+                        </m:e>
+                      </m:acc>
+                    </m:oMath>
+                  </m:oMathPara>
+                </a14:m>
+                <a:endParaRPr lang="en-US" dirty="0"/>
+              </a:p>
+              <a:p>
+                <a:pPr marL="285750" lvl="1"/>
+                <a:r>
+                  <a:rPr lang="en-US" dirty="0"/>
+                  <a:t>Traction continuity (at discrete material interfaces):</a:t>
+                </a:r>
+              </a:p>
+              <a:p>
+                <a:pPr/>
+                <a14:m>
+                  <m:oMathPara xmlns:m="http://schemas.openxmlformats.org/officeDocument/2006/math">
+                    <m:oMathParaPr>
+                      <m:jc m:val="centerGroup"/>
+                    </m:oMathParaPr>
+                    <m:oMath xmlns:m="http://schemas.openxmlformats.org/officeDocument/2006/math">
+                      <m:acc>
+                        <m:accPr>
+                          <m:chr m:val="̅"/>
+                          <m:ctrlPr>
+                            <a:rPr lang="en-US" b="0" i="1" smtClean="0">
+                              <a:latin typeface="Cambria Math" panose="02040503050406030204" pitchFamily="18" charset="0"/>
+                            </a:rPr>
+                          </m:ctrlPr>
+                        </m:accPr>
+                        <m:e>
+                          <m:sSub>
+                            <m:sSubPr>
+                              <m:ctrlPr>
+                                <a:rPr lang="en-US" b="0" i="1" smtClean="0">
+                                  <a:latin typeface="Cambria Math" panose="02040503050406030204" pitchFamily="18" charset="0"/>
+                                </a:rPr>
+                              </m:ctrlPr>
+                            </m:sSubPr>
+                            <m:e>
+                              <m:r>
+                                <a:rPr lang="en-US" b="0" i="1" smtClean="0">
+                                  <a:latin typeface="Cambria Math" panose="02040503050406030204" pitchFamily="18" charset="0"/>
+                                </a:rPr>
+                                <m:t>𝜎</m:t>
+                              </m:r>
+                            </m:e>
+                            <m:sub>
+                              <m:r>
+                                <a:rPr lang="en-US" b="0" i="1" smtClean="0">
+                                  <a:latin typeface="Cambria Math" panose="02040503050406030204" pitchFamily="18" charset="0"/>
+                                </a:rPr>
+                                <m:t>𝑎</m:t>
+                              </m:r>
+                            </m:sub>
+                          </m:sSub>
+                        </m:e>
+                      </m:acc>
+                      <m:r>
+                        <a:rPr lang="en-US" b="0" i="1" smtClean="0">
+                          <a:latin typeface="Cambria Math" panose="02040503050406030204" pitchFamily="18" charset="0"/>
+                        </a:rPr>
+                        <m:t>⋅</m:t>
+                      </m:r>
+                      <m:acc>
+                        <m:accPr>
+                          <m:chr m:val="̂"/>
+                          <m:ctrlPr>
+                            <a:rPr lang="en-US" b="0" i="1" smtClean="0">
+                              <a:latin typeface="Cambria Math" panose="02040503050406030204" pitchFamily="18" charset="0"/>
+                            </a:rPr>
+                          </m:ctrlPr>
+                        </m:accPr>
+                        <m:e>
+                          <m:r>
+                            <a:rPr lang="en-US" b="0" i="1" smtClean="0">
+                              <a:latin typeface="Cambria Math" panose="02040503050406030204" pitchFamily="18" charset="0"/>
+                            </a:rPr>
+                            <m:t>𝑛</m:t>
+                          </m:r>
+                        </m:e>
+                      </m:acc>
+                      <m:r>
+                        <a:rPr lang="en-US" b="0" i="1" smtClean="0">
+                          <a:latin typeface="Cambria Math" panose="02040503050406030204" pitchFamily="18" charset="0"/>
+                        </a:rPr>
+                        <m:t>=</m:t>
+                      </m:r>
+                      <m:acc>
+                        <m:accPr>
+                          <m:chr m:val="̅"/>
+                          <m:ctrlPr>
+                            <a:rPr lang="en-US" i="1">
+                              <a:latin typeface="Cambria Math" panose="02040503050406030204" pitchFamily="18" charset="0"/>
+                            </a:rPr>
+                          </m:ctrlPr>
+                        </m:accPr>
+                        <m:e>
+                          <m:sSub>
+                            <m:sSubPr>
+                              <m:ctrlPr>
+                                <a:rPr lang="en-US" i="1">
+                                  <a:latin typeface="Cambria Math" panose="02040503050406030204" pitchFamily="18" charset="0"/>
+                                </a:rPr>
+                              </m:ctrlPr>
+                            </m:sSubPr>
+                            <m:e>
+                              <m:r>
+                                <a:rPr lang="en-US" i="1">
+                                  <a:latin typeface="Cambria Math" panose="02040503050406030204" pitchFamily="18" charset="0"/>
+                                </a:rPr>
+                                <m:t>𝜎</m:t>
+                              </m:r>
+                            </m:e>
+                            <m:sub>
+                              <m:r>
+                                <a:rPr lang="en-US" b="0" i="1" smtClean="0">
+                                  <a:latin typeface="Cambria Math" panose="02040503050406030204" pitchFamily="18" charset="0"/>
+                                </a:rPr>
+                                <m:t>𝑏</m:t>
+                              </m:r>
+                            </m:sub>
+                          </m:sSub>
+                        </m:e>
+                      </m:acc>
+                      <m:r>
+                        <a:rPr lang="en-US" i="1">
+                          <a:latin typeface="Cambria Math" panose="02040503050406030204" pitchFamily="18" charset="0"/>
+                        </a:rPr>
+                        <m:t>⋅</m:t>
+                      </m:r>
+                      <m:acc>
+                        <m:accPr>
+                          <m:chr m:val="̂"/>
+                          <m:ctrlPr>
+                            <a:rPr lang="en-US" i="1">
+                              <a:latin typeface="Cambria Math" panose="02040503050406030204" pitchFamily="18" charset="0"/>
+                            </a:rPr>
+                          </m:ctrlPr>
+                        </m:accPr>
+                        <m:e>
+                          <m:r>
+                            <a:rPr lang="en-US" i="1">
+                              <a:latin typeface="Cambria Math" panose="02040503050406030204" pitchFamily="18" charset="0"/>
+                            </a:rPr>
+                            <m:t>𝑛</m:t>
+                          </m:r>
+                        </m:e>
+                      </m:acc>
+                    </m:oMath>
+                  </m:oMathPara>
+                </a14:m>
+                <a:endParaRPr lang="en-US" dirty="0"/>
+              </a:p>
+              <a:p>
+                <a:pPr marL="285750" indent="-285750">
+                  <a:buFont typeface="Arial" panose="020B0604020202020204" pitchFamily="34" charset="0"/>
+                  <a:buChar char="•"/>
+                </a:pPr>
+                <a:r>
+                  <a:rPr lang="en-US" dirty="0"/>
+                  <a:t>For continuously varying materials, we can express the wave function as:</a:t>
+                </a:r>
+              </a:p>
+              <a:p>
+                <a:pPr/>
+                <a14:m>
+                  <m:oMathPara xmlns:m="http://schemas.openxmlformats.org/officeDocument/2006/math">
+                    <m:oMathParaPr>
+                      <m:jc m:val="centerGroup"/>
+                    </m:oMathParaPr>
+                    <m:oMath xmlns:m="http://schemas.openxmlformats.org/officeDocument/2006/math">
+                      <m:r>
+                        <a:rPr lang="en-US" i="1">
+                          <a:latin typeface="Cambria Math" panose="02040503050406030204" pitchFamily="18" charset="0"/>
+                        </a:rPr>
+                        <m:t>𝜌</m:t>
+                      </m:r>
+                      <m:r>
+                        <a:rPr lang="en-US" i="1">
+                          <a:latin typeface="Cambria Math" panose="02040503050406030204" pitchFamily="18" charset="0"/>
+                        </a:rPr>
+                        <m:t>(</m:t>
+                      </m:r>
+                      <m:acc>
+                        <m:accPr>
+                          <m:chr m:val="̅"/>
+                          <m:ctrlPr>
+                            <a:rPr lang="en-US" i="1">
+                              <a:latin typeface="Cambria Math" panose="02040503050406030204" pitchFamily="18" charset="0"/>
+                            </a:rPr>
+                          </m:ctrlPr>
+                        </m:accPr>
+                        <m:e>
+                          <m:r>
+                            <a:rPr lang="en-US" i="1">
+                              <a:latin typeface="Cambria Math" panose="02040503050406030204" pitchFamily="18" charset="0"/>
+                            </a:rPr>
+                            <m:t>𝑥</m:t>
+                          </m:r>
+                        </m:e>
+                      </m:acc>
+                      <m:r>
+                        <a:rPr lang="en-US" i="1">
+                          <a:latin typeface="Cambria Math" panose="02040503050406030204" pitchFamily="18" charset="0"/>
+                        </a:rPr>
+                        <m:t>)</m:t>
+                      </m:r>
+                      <m:f>
+                        <m:fPr>
+                          <m:ctrlPr>
+                            <a:rPr lang="en-US" b="0" i="1" smtClean="0">
+                              <a:latin typeface="Cambria Math" panose="02040503050406030204" pitchFamily="18" charset="0"/>
+                            </a:rPr>
+                          </m:ctrlPr>
+                        </m:fPr>
+                        <m:num>
+                          <m:sSup>
+                            <m:sSupPr>
+                              <m:ctrlPr>
+                                <a:rPr lang="en-US" b="0" i="1" smtClean="0">
+                                  <a:latin typeface="Cambria Math" panose="02040503050406030204" pitchFamily="18" charset="0"/>
+                                </a:rPr>
+                              </m:ctrlPr>
+                            </m:sSupPr>
+                            <m:e>
+                              <m:r>
+                                <a:rPr lang="en-US" b="0" i="1" smtClean="0">
+                                  <a:latin typeface="Cambria Math" panose="02040503050406030204" pitchFamily="18" charset="0"/>
+                                  <a:ea typeface="Cambria Math" panose="02040503050406030204" pitchFamily="18" charset="0"/>
+                                </a:rPr>
+                                <m:t>𝜕</m:t>
+                              </m:r>
+                            </m:e>
+                            <m:sup>
+                              <m:r>
+                                <a:rPr lang="en-US" b="0" i="1" smtClean="0">
+                                  <a:latin typeface="Cambria Math" panose="02040503050406030204" pitchFamily="18" charset="0"/>
+                                </a:rPr>
+                                <m:t>2</m:t>
+                              </m:r>
+                            </m:sup>
+                          </m:sSup>
+                          <m:acc>
+                            <m:accPr>
+                              <m:chr m:val="̅"/>
+                              <m:ctrlPr>
+                                <a:rPr lang="en-US" b="0" i="1" smtClean="0">
+                                  <a:latin typeface="Cambria Math" panose="02040503050406030204" pitchFamily="18" charset="0"/>
+                                </a:rPr>
+                              </m:ctrlPr>
+                            </m:accPr>
+                            <m:e>
+                              <m:r>
+                                <a:rPr lang="en-US" b="0" i="1" smtClean="0">
+                                  <a:latin typeface="Cambria Math" panose="02040503050406030204" pitchFamily="18" charset="0"/>
+                                </a:rPr>
+                                <m:t>𝑢</m:t>
+                              </m:r>
+                            </m:e>
+                          </m:acc>
+                        </m:num>
+                        <m:den>
+                          <m:r>
+                            <a:rPr lang="en-US" b="0" i="1" smtClean="0">
+                              <a:latin typeface="Cambria Math" panose="02040503050406030204" pitchFamily="18" charset="0"/>
+                              <a:ea typeface="Cambria Math" panose="02040503050406030204" pitchFamily="18" charset="0"/>
+                            </a:rPr>
+                            <m:t>𝜕</m:t>
+                          </m:r>
+                          <m:sSup>
+                            <m:sSupPr>
+                              <m:ctrlPr>
+                                <a:rPr lang="en-US" b="0" i="1" smtClean="0">
+                                  <a:latin typeface="Cambria Math" panose="02040503050406030204" pitchFamily="18" charset="0"/>
+                                </a:rPr>
+                              </m:ctrlPr>
+                            </m:sSupPr>
+                            <m:e>
+                              <m:r>
+                                <a:rPr lang="en-US" b="0" i="1" smtClean="0">
+                                  <a:latin typeface="Cambria Math" panose="02040503050406030204" pitchFamily="18" charset="0"/>
+                                </a:rPr>
+                                <m:t>𝑡</m:t>
+                              </m:r>
+                            </m:e>
+                            <m:sup>
+                              <m:r>
+                                <a:rPr lang="en-US" b="0" i="1" smtClean="0">
+                                  <a:latin typeface="Cambria Math" panose="02040503050406030204" pitchFamily="18" charset="0"/>
+                                </a:rPr>
+                                <m:t>2</m:t>
+                              </m:r>
+                            </m:sup>
+                          </m:sSup>
+                        </m:den>
+                      </m:f>
+                      <m:r>
+                        <a:rPr lang="en-US" b="0" i="1" smtClean="0">
+                          <a:latin typeface="Cambria Math" panose="02040503050406030204" pitchFamily="18" charset="0"/>
+                        </a:rPr>
+                        <m:t>=</m:t>
+                      </m:r>
+                      <m:r>
+                        <m:rPr>
+                          <m:sty m:val="p"/>
+                        </m:rPr>
+                        <a:rPr lang="en-US" b="0" i="1" smtClean="0">
+                          <a:latin typeface="Cambria Math" panose="02040503050406030204" pitchFamily="18" charset="0"/>
+                          <a:ea typeface="Cambria Math" panose="02040503050406030204" pitchFamily="18" charset="0"/>
+                        </a:rPr>
+                        <m:t>∇</m:t>
+                      </m:r>
+                      <m:r>
+                        <a:rPr lang="en-US" b="0" i="1" smtClean="0">
+                          <a:latin typeface="Cambria Math" panose="02040503050406030204" pitchFamily="18" charset="0"/>
+                          <a:ea typeface="Cambria Math" panose="02040503050406030204" pitchFamily="18" charset="0"/>
+                        </a:rPr>
+                        <m:t>⋅</m:t>
+                      </m:r>
+                      <m:acc>
+                        <m:accPr>
+                          <m:chr m:val="̅"/>
+                          <m:ctrlPr>
+                            <a:rPr lang="en-US" b="0" i="1" smtClean="0">
+                              <a:latin typeface="Cambria Math" panose="02040503050406030204" pitchFamily="18" charset="0"/>
+                              <a:ea typeface="Cambria Math" panose="02040503050406030204" pitchFamily="18" charset="0"/>
+                            </a:rPr>
+                          </m:ctrlPr>
+                        </m:accPr>
+                        <m:e>
+                          <m:r>
+                            <a:rPr lang="en-US" b="0" i="1" smtClean="0">
+                              <a:latin typeface="Cambria Math" panose="02040503050406030204" pitchFamily="18" charset="0"/>
+                              <a:ea typeface="Cambria Math" panose="02040503050406030204" pitchFamily="18" charset="0"/>
+                            </a:rPr>
+                            <m:t>𝜎</m:t>
+                          </m:r>
+                        </m:e>
+                      </m:acc>
+                      <m:r>
+                        <a:rPr lang="en-US" i="1">
+                          <a:latin typeface="Cambria Math" panose="02040503050406030204" pitchFamily="18" charset="0"/>
+                        </a:rPr>
+                        <m:t>(</m:t>
+                      </m:r>
+                      <m:acc>
+                        <m:accPr>
+                          <m:chr m:val="̅"/>
+                          <m:ctrlPr>
+                            <a:rPr lang="en-US" i="1">
+                              <a:latin typeface="Cambria Math" panose="02040503050406030204" pitchFamily="18" charset="0"/>
+                            </a:rPr>
+                          </m:ctrlPr>
+                        </m:accPr>
+                        <m:e>
+                          <m:r>
+                            <a:rPr lang="en-US" i="1">
+                              <a:latin typeface="Cambria Math" panose="02040503050406030204" pitchFamily="18" charset="0"/>
+                            </a:rPr>
+                            <m:t>𝑥</m:t>
+                          </m:r>
+                        </m:e>
+                      </m:acc>
+                      <m:r>
+                        <a:rPr lang="en-US" i="1">
+                          <a:latin typeface="Cambria Math" panose="02040503050406030204" pitchFamily="18" charset="0"/>
+                        </a:rPr>
+                        <m:t>)</m:t>
+                      </m:r>
+                      <m:r>
+                        <a:rPr lang="en-US" b="0" i="1" smtClean="0">
+                          <a:latin typeface="Cambria Math" panose="02040503050406030204" pitchFamily="18" charset="0"/>
+                          <a:ea typeface="Cambria Math" panose="02040503050406030204" pitchFamily="18" charset="0"/>
+                        </a:rPr>
+                        <m:t>+</m:t>
+                      </m:r>
+                      <m:acc>
+                        <m:accPr>
+                          <m:chr m:val="̅"/>
+                          <m:ctrlPr>
+                            <a:rPr lang="en-US" b="0" i="1" smtClean="0">
+                              <a:latin typeface="Cambria Math" panose="02040503050406030204" pitchFamily="18" charset="0"/>
+                              <a:ea typeface="Cambria Math" panose="02040503050406030204" pitchFamily="18" charset="0"/>
+                            </a:rPr>
+                          </m:ctrlPr>
+                        </m:accPr>
+                        <m:e>
+                          <m:r>
+                            <a:rPr lang="en-US" b="0" i="1" smtClean="0">
+                              <a:latin typeface="Cambria Math" panose="02040503050406030204" pitchFamily="18" charset="0"/>
+                              <a:ea typeface="Cambria Math" panose="02040503050406030204" pitchFamily="18" charset="0"/>
+                            </a:rPr>
+                            <m:t>𝑓</m:t>
+                          </m:r>
+                        </m:e>
+                      </m:acc>
+                      <m:r>
+                        <a:rPr lang="en-US" i="1">
+                          <a:latin typeface="Cambria Math" panose="02040503050406030204" pitchFamily="18" charset="0"/>
+                        </a:rPr>
+                        <m:t>(</m:t>
+                      </m:r>
+                      <m:acc>
+                        <m:accPr>
+                          <m:chr m:val="̅"/>
+                          <m:ctrlPr>
+                            <a:rPr lang="en-US" i="1">
+                              <a:latin typeface="Cambria Math" panose="02040503050406030204" pitchFamily="18" charset="0"/>
+                            </a:rPr>
+                          </m:ctrlPr>
+                        </m:accPr>
+                        <m:e>
+                          <m:r>
+                            <a:rPr lang="en-US" i="1">
+                              <a:latin typeface="Cambria Math" panose="02040503050406030204" pitchFamily="18" charset="0"/>
+                            </a:rPr>
+                            <m:t>𝑥</m:t>
+                          </m:r>
+                        </m:e>
+                      </m:acc>
+                      <m:r>
+                        <a:rPr lang="en-US" i="1">
+                          <a:latin typeface="Cambria Math" panose="02040503050406030204" pitchFamily="18" charset="0"/>
+                        </a:rPr>
+                        <m:t>)</m:t>
+                      </m:r>
+                    </m:oMath>
+                  </m:oMathPara>
+                </a14:m>
+                <a:endParaRPr lang="en-US" i="1" dirty="0">
+                  <a:latin typeface="Cambria Math" panose="02040503050406030204" pitchFamily="18" charset="0"/>
+                </a:endParaRPr>
+              </a:p>
+              <a:p>
+                <a:pPr/>
+                <a14:m>
+                  <m:oMathPara xmlns:m="http://schemas.openxmlformats.org/officeDocument/2006/math">
+                    <m:oMathParaPr>
+                      <m:jc m:val="centerGroup"/>
+                    </m:oMathParaPr>
+                    <m:oMath xmlns:m="http://schemas.openxmlformats.org/officeDocument/2006/math">
+                      <m:r>
+                        <a:rPr lang="en-US" i="1" smtClean="0">
+                          <a:latin typeface="Cambria Math" panose="02040503050406030204" pitchFamily="18" charset="0"/>
+                        </a:rPr>
+                        <m:t>𝜌</m:t>
+                      </m:r>
+                      <m:r>
+                        <a:rPr lang="en-US" b="0" i="1" smtClean="0">
+                          <a:latin typeface="Cambria Math" panose="02040503050406030204" pitchFamily="18" charset="0"/>
+                        </a:rPr>
+                        <m:t>(</m:t>
+                      </m:r>
+                      <m:acc>
+                        <m:accPr>
+                          <m:chr m:val="̅"/>
+                          <m:ctrlPr>
+                            <a:rPr lang="en-US" b="0" i="1" smtClean="0">
+                              <a:latin typeface="Cambria Math" panose="02040503050406030204" pitchFamily="18" charset="0"/>
+                            </a:rPr>
+                          </m:ctrlPr>
+                        </m:accPr>
+                        <m:e>
+                          <m:r>
+                            <a:rPr lang="en-US" b="0" i="1" smtClean="0">
+                              <a:latin typeface="Cambria Math" panose="02040503050406030204" pitchFamily="18" charset="0"/>
+                            </a:rPr>
+                            <m:t>𝑥</m:t>
+                          </m:r>
+                        </m:e>
+                      </m:acc>
+                      <m:r>
+                        <a:rPr lang="en-US" b="0" i="1" smtClean="0">
+                          <a:latin typeface="Cambria Math" panose="02040503050406030204" pitchFamily="18" charset="0"/>
+                        </a:rPr>
+                        <m:t>)</m:t>
+                      </m:r>
+                      <m:f>
+                        <m:fPr>
+                          <m:ctrlPr>
+                            <a:rPr lang="en-US" i="1">
+                              <a:latin typeface="Cambria Math" panose="02040503050406030204" pitchFamily="18" charset="0"/>
+                            </a:rPr>
+                          </m:ctrlPr>
+                        </m:fPr>
+                        <m:num>
+                          <m:sSup>
+                            <m:sSupPr>
+                              <m:ctrlPr>
+                                <a:rPr lang="en-US" i="1">
+                                  <a:latin typeface="Cambria Math" panose="02040503050406030204" pitchFamily="18" charset="0"/>
+                                </a:rPr>
+                              </m:ctrlPr>
+                            </m:sSupPr>
+                            <m:e>
+                              <m:r>
+                                <a:rPr lang="en-US" i="1">
+                                  <a:latin typeface="Cambria Math" panose="02040503050406030204" pitchFamily="18" charset="0"/>
+                                  <a:ea typeface="Cambria Math" panose="02040503050406030204" pitchFamily="18" charset="0"/>
+                                </a:rPr>
+                                <m:t>𝜕</m:t>
+                              </m:r>
+                            </m:e>
+                            <m:sup>
+                              <m:r>
+                                <a:rPr lang="en-US" i="1">
+                                  <a:latin typeface="Cambria Math" panose="02040503050406030204" pitchFamily="18" charset="0"/>
+                                </a:rPr>
+                                <m:t>2</m:t>
+                              </m:r>
+                            </m:sup>
+                          </m:sSup>
+                          <m:acc>
+                            <m:accPr>
+                              <m:chr m:val="̅"/>
+                              <m:ctrlPr>
+                                <a:rPr lang="en-US" i="1">
+                                  <a:latin typeface="Cambria Math" panose="02040503050406030204" pitchFamily="18" charset="0"/>
+                                </a:rPr>
+                              </m:ctrlPr>
+                            </m:accPr>
+                            <m:e>
+                              <m:r>
+                                <a:rPr lang="en-US" i="1">
+                                  <a:latin typeface="Cambria Math" panose="02040503050406030204" pitchFamily="18" charset="0"/>
+                                </a:rPr>
+                                <m:t>𝑢</m:t>
+                              </m:r>
+                            </m:e>
+                          </m:acc>
+                        </m:num>
+                        <m:den>
+                          <m:r>
+                            <a:rPr lang="en-US" i="1">
+                              <a:latin typeface="Cambria Math" panose="02040503050406030204" pitchFamily="18" charset="0"/>
+                              <a:ea typeface="Cambria Math" panose="02040503050406030204" pitchFamily="18" charset="0"/>
+                            </a:rPr>
+                            <m:t>𝜕</m:t>
+                          </m:r>
+                          <m:sSup>
+                            <m:sSupPr>
+                              <m:ctrlPr>
+                                <a:rPr lang="en-US" i="1">
+                                  <a:latin typeface="Cambria Math" panose="02040503050406030204" pitchFamily="18" charset="0"/>
+                                </a:rPr>
+                              </m:ctrlPr>
+                            </m:sSupPr>
+                            <m:e>
+                              <m:r>
+                                <a:rPr lang="en-US" i="1">
+                                  <a:latin typeface="Cambria Math" panose="02040503050406030204" pitchFamily="18" charset="0"/>
+                                </a:rPr>
+                                <m:t>𝑡</m:t>
+                              </m:r>
+                            </m:e>
+                            <m:sup>
+                              <m:r>
+                                <a:rPr lang="en-US" i="1">
+                                  <a:latin typeface="Cambria Math" panose="02040503050406030204" pitchFamily="18" charset="0"/>
+                                </a:rPr>
+                                <m:t>2</m:t>
+                              </m:r>
+                            </m:sup>
+                          </m:sSup>
+                        </m:den>
+                      </m:f>
+                      <m:r>
+                        <a:rPr lang="en-US" i="1">
+                          <a:latin typeface="Cambria Math" panose="02040503050406030204" pitchFamily="18" charset="0"/>
+                        </a:rPr>
+                        <m:t>=</m:t>
+                      </m:r>
+                      <m:d>
+                        <m:dPr>
+                          <m:ctrlPr>
+                            <a:rPr lang="en-US" b="0" i="1" smtClean="0">
+                              <a:latin typeface="Cambria Math" panose="02040503050406030204" pitchFamily="18" charset="0"/>
+                            </a:rPr>
+                          </m:ctrlPr>
+                        </m:dPr>
+                        <m:e>
+                          <m:r>
+                            <a:rPr lang="en-US" b="0" i="1" smtClean="0">
+                              <a:latin typeface="Cambria Math" panose="02040503050406030204" pitchFamily="18" charset="0"/>
+                            </a:rPr>
+                            <m:t>𝜆</m:t>
+                          </m:r>
+                          <m:r>
+                            <a:rPr lang="en-US" i="1">
+                              <a:latin typeface="Cambria Math" panose="02040503050406030204" pitchFamily="18" charset="0"/>
+                            </a:rPr>
+                            <m:t>(</m:t>
+                          </m:r>
+                          <m:acc>
+                            <m:accPr>
+                              <m:chr m:val="̅"/>
+                              <m:ctrlPr>
+                                <a:rPr lang="en-US" i="1">
+                                  <a:latin typeface="Cambria Math" panose="02040503050406030204" pitchFamily="18" charset="0"/>
+                                </a:rPr>
+                              </m:ctrlPr>
+                            </m:accPr>
+                            <m:e>
+                              <m:r>
+                                <a:rPr lang="en-US" i="1">
+                                  <a:latin typeface="Cambria Math" panose="02040503050406030204" pitchFamily="18" charset="0"/>
+                                </a:rPr>
+                                <m:t>𝑥</m:t>
+                              </m:r>
+                            </m:e>
+                          </m:acc>
+                          <m:r>
+                            <a:rPr lang="en-US" i="1">
+                              <a:latin typeface="Cambria Math" panose="02040503050406030204" pitchFamily="18" charset="0"/>
+                            </a:rPr>
+                            <m:t>)</m:t>
+                          </m:r>
+                          <m:r>
+                            <a:rPr lang="en-US" b="0" i="1" smtClean="0">
+                              <a:latin typeface="Cambria Math" panose="02040503050406030204" pitchFamily="18" charset="0"/>
+                            </a:rPr>
+                            <m:t>+</m:t>
+                          </m:r>
+                          <m:r>
+                            <a:rPr lang="en-US" b="0" i="1" smtClean="0">
+                              <a:latin typeface="Cambria Math" panose="02040503050406030204" pitchFamily="18" charset="0"/>
+                            </a:rPr>
+                            <m:t>𝜇</m:t>
+                          </m:r>
+                          <m:r>
+                            <a:rPr lang="en-US" i="1">
+                              <a:latin typeface="Cambria Math" panose="02040503050406030204" pitchFamily="18" charset="0"/>
+                            </a:rPr>
+                            <m:t>(</m:t>
+                          </m:r>
+                          <m:acc>
+                            <m:accPr>
+                              <m:chr m:val="̅"/>
+                              <m:ctrlPr>
+                                <a:rPr lang="en-US" i="1">
+                                  <a:latin typeface="Cambria Math" panose="02040503050406030204" pitchFamily="18" charset="0"/>
+                                </a:rPr>
+                              </m:ctrlPr>
+                            </m:accPr>
+                            <m:e>
+                              <m:r>
+                                <a:rPr lang="en-US" i="1">
+                                  <a:latin typeface="Cambria Math" panose="02040503050406030204" pitchFamily="18" charset="0"/>
+                                </a:rPr>
+                                <m:t>𝑥</m:t>
+                              </m:r>
+                            </m:e>
+                          </m:acc>
+                          <m:r>
+                            <a:rPr lang="en-US" i="1">
+                              <a:latin typeface="Cambria Math" panose="02040503050406030204" pitchFamily="18" charset="0"/>
+                            </a:rPr>
+                            <m:t>)</m:t>
+                          </m:r>
+                        </m:e>
+                      </m:d>
+                      <m:r>
+                        <m:rPr>
+                          <m:sty m:val="p"/>
+                        </m:rPr>
+                        <a:rPr lang="en-US" b="0" i="0" smtClean="0">
+                          <a:latin typeface="Cambria Math" panose="02040503050406030204" pitchFamily="18" charset="0"/>
+                        </a:rPr>
+                        <m:t>∇</m:t>
+                      </m:r>
+                      <m:d>
+                        <m:dPr>
+                          <m:ctrlPr>
+                            <a:rPr lang="en-US" b="0" i="1" smtClean="0">
+                              <a:latin typeface="Cambria Math" panose="02040503050406030204" pitchFamily="18" charset="0"/>
+                            </a:rPr>
+                          </m:ctrlPr>
+                        </m:dPr>
+                        <m:e>
+                          <m:r>
+                            <m:rPr>
+                              <m:sty m:val="p"/>
+                            </m:rPr>
+                            <a:rPr lang="en-US" i="1">
+                              <a:latin typeface="Cambria Math" panose="02040503050406030204" pitchFamily="18" charset="0"/>
+                              <a:ea typeface="Cambria Math" panose="02040503050406030204" pitchFamily="18" charset="0"/>
+                            </a:rPr>
+                            <m:t>∇</m:t>
+                          </m:r>
+                          <m:r>
+                            <a:rPr lang="en-US" i="1">
+                              <a:latin typeface="Cambria Math" panose="02040503050406030204" pitchFamily="18" charset="0"/>
+                              <a:ea typeface="Cambria Math" panose="02040503050406030204" pitchFamily="18" charset="0"/>
+                            </a:rPr>
+                            <m:t>⋅</m:t>
+                          </m:r>
+                          <m:acc>
+                            <m:accPr>
+                              <m:chr m:val="̅"/>
+                              <m:ctrlPr>
+                                <a:rPr lang="en-US" i="1">
+                                  <a:latin typeface="Cambria Math" panose="02040503050406030204" pitchFamily="18" charset="0"/>
+                                  <a:ea typeface="Cambria Math" panose="02040503050406030204" pitchFamily="18" charset="0"/>
+                                </a:rPr>
+                              </m:ctrlPr>
+                            </m:accPr>
+                            <m:e>
+                              <m:r>
+                                <a:rPr lang="en-US" b="0" i="1" smtClean="0">
+                                  <a:latin typeface="Cambria Math" panose="02040503050406030204" pitchFamily="18" charset="0"/>
+                                  <a:ea typeface="Cambria Math" panose="02040503050406030204" pitchFamily="18" charset="0"/>
+                                </a:rPr>
+                                <m:t>𝑢</m:t>
+                              </m:r>
+                            </m:e>
+                          </m:acc>
+                        </m:e>
+                      </m:d>
+                      <m:r>
+                        <a:rPr lang="en-US" i="1">
+                          <a:latin typeface="Cambria Math" panose="02040503050406030204" pitchFamily="18" charset="0"/>
+                          <a:ea typeface="Cambria Math" panose="02040503050406030204" pitchFamily="18" charset="0"/>
+                        </a:rPr>
+                        <m:t>+</m:t>
+                      </m:r>
+                      <m:r>
+                        <a:rPr lang="en-US" b="0" i="1" smtClean="0">
+                          <a:latin typeface="Cambria Math" panose="02040503050406030204" pitchFamily="18" charset="0"/>
+                          <a:ea typeface="Cambria Math" panose="02040503050406030204" pitchFamily="18" charset="0"/>
+                        </a:rPr>
+                        <m:t>𝜇</m:t>
+                      </m:r>
+                      <m:sSup>
+                        <m:sSupPr>
+                          <m:ctrlPr>
+                            <a:rPr lang="en-US" b="0" i="1" smtClean="0">
+                              <a:latin typeface="Cambria Math" panose="02040503050406030204" pitchFamily="18" charset="0"/>
+                              <a:ea typeface="Cambria Math" panose="02040503050406030204" pitchFamily="18" charset="0"/>
+                            </a:rPr>
+                          </m:ctrlPr>
+                        </m:sSupPr>
+                        <m:e>
+                          <m:r>
+                            <m:rPr>
+                              <m:sty m:val="p"/>
+                            </m:rPr>
+                            <a:rPr lang="en-US" b="0" i="0" smtClean="0">
+                              <a:latin typeface="Cambria Math" panose="02040503050406030204" pitchFamily="18" charset="0"/>
+                              <a:ea typeface="Cambria Math" panose="02040503050406030204" pitchFamily="18" charset="0"/>
+                            </a:rPr>
+                            <m:t>∇</m:t>
+                          </m:r>
+                        </m:e>
+                        <m:sup>
+                          <m:r>
+                            <a:rPr lang="en-US" b="0" i="1" smtClean="0">
+                              <a:latin typeface="Cambria Math" panose="02040503050406030204" pitchFamily="18" charset="0"/>
+                              <a:ea typeface="Cambria Math" panose="02040503050406030204" pitchFamily="18" charset="0"/>
+                            </a:rPr>
+                            <m:t>2</m:t>
+                          </m:r>
+                        </m:sup>
+                      </m:sSup>
+                      <m:acc>
+                        <m:accPr>
+                          <m:chr m:val="̅"/>
+                          <m:ctrlPr>
+                            <a:rPr lang="en-US" i="1">
+                              <a:latin typeface="Cambria Math" panose="02040503050406030204" pitchFamily="18" charset="0"/>
+                              <a:ea typeface="Cambria Math" panose="02040503050406030204" pitchFamily="18" charset="0"/>
+                            </a:rPr>
+                          </m:ctrlPr>
+                        </m:accPr>
+                        <m:e>
+                          <m:r>
+                            <a:rPr lang="en-US" b="0" i="1" smtClean="0">
+                              <a:latin typeface="Cambria Math" panose="02040503050406030204" pitchFamily="18" charset="0"/>
+                              <a:ea typeface="Cambria Math" panose="02040503050406030204" pitchFamily="18" charset="0"/>
+                            </a:rPr>
+                            <m:t>𝑢</m:t>
+                          </m:r>
+                        </m:e>
+                      </m:acc>
+                      <m:r>
+                        <a:rPr lang="en-US" b="0" i="1" smtClean="0">
+                          <a:latin typeface="Cambria Math" panose="02040503050406030204" pitchFamily="18" charset="0"/>
+                          <a:ea typeface="Cambria Math" panose="02040503050406030204" pitchFamily="18" charset="0"/>
+                        </a:rPr>
+                        <m:t>+</m:t>
+                      </m:r>
+                      <m:acc>
+                        <m:accPr>
+                          <m:chr m:val="̅"/>
+                          <m:ctrlPr>
+                            <a:rPr lang="en-US" b="0" i="1" smtClean="0">
+                              <a:latin typeface="Cambria Math" panose="02040503050406030204" pitchFamily="18" charset="0"/>
+                              <a:ea typeface="Cambria Math" panose="02040503050406030204" pitchFamily="18" charset="0"/>
+                            </a:rPr>
+                          </m:ctrlPr>
+                        </m:accPr>
+                        <m:e>
+                          <m:r>
+                            <a:rPr lang="en-US" b="0" i="1" smtClean="0">
+                              <a:latin typeface="Cambria Math" panose="02040503050406030204" pitchFamily="18" charset="0"/>
+                              <a:ea typeface="Cambria Math" panose="02040503050406030204" pitchFamily="18" charset="0"/>
+                            </a:rPr>
+                            <m:t>𝑓</m:t>
+                          </m:r>
+                        </m:e>
+                      </m:acc>
+                      <m:r>
+                        <a:rPr lang="en-US" i="1">
+                          <a:latin typeface="Cambria Math" panose="02040503050406030204" pitchFamily="18" charset="0"/>
+                        </a:rPr>
+                        <m:t>(</m:t>
+                      </m:r>
+                      <m:acc>
+                        <m:accPr>
+                          <m:chr m:val="̅"/>
+                          <m:ctrlPr>
+                            <a:rPr lang="en-US" i="1">
+                              <a:latin typeface="Cambria Math" panose="02040503050406030204" pitchFamily="18" charset="0"/>
+                            </a:rPr>
+                          </m:ctrlPr>
+                        </m:accPr>
+                        <m:e>
+                          <m:r>
+                            <a:rPr lang="en-US" i="1">
+                              <a:latin typeface="Cambria Math" panose="02040503050406030204" pitchFamily="18" charset="0"/>
+                            </a:rPr>
+                            <m:t>𝑥</m:t>
+                          </m:r>
+                        </m:e>
+                      </m:acc>
+                      <m:r>
+                        <a:rPr lang="en-US" i="1">
+                          <a:latin typeface="Cambria Math" panose="02040503050406030204" pitchFamily="18" charset="0"/>
+                        </a:rPr>
+                        <m:t>)</m:t>
+                      </m:r>
+                    </m:oMath>
+                  </m:oMathPara>
+                </a14:m>
+                <a:endParaRPr lang="en-US" dirty="0"/>
+              </a:p>
+              <a:p>
+                <a:pPr marL="285750" indent="-285750">
+                  <a:buFont typeface="Arial" panose="020B0604020202020204" pitchFamily="34" charset="0"/>
+                  <a:buChar char="•"/>
+                </a:pPr>
+                <a:endParaRPr lang="en-US" dirty="0"/>
+              </a:p>
+            </p:txBody>
+          </p:sp>
+        </mc:Choice>
+        <mc:Fallback xmlns="">
           <p:sp>
             <p:nvSpPr>
               <p:cNvPr id="4" name="Content Placeholder 3">
@@ -16546,8 +16908,8 @@
           </a:p>
         </p:txBody>
       </p:sp>
-      <mc:AlternateContent xmlns:mc="http://schemas.openxmlformats.org/markup-compatibility/2006" xmlns:a14="http://schemas.microsoft.com/office/drawing/2010/main">
-        <mc:Choice Requires="a14">
+      <mc:AlternateContent xmlns:mc="http://schemas.openxmlformats.org/markup-compatibility/2006">
+        <mc:Choice xmlns:a14="http://schemas.microsoft.com/office/drawing/2010/main" Requires="a14">
           <p:sp>
             <p:nvSpPr>
               <p:cNvPr id="4" name="Content Placeholder 3">
@@ -16614,7 +16976,7 @@
                             <a:rPr lang="en-US" b="0" i="1" smtClean="0">
                               <a:latin typeface="Cambria Math" panose="02040503050406030204" pitchFamily="18" charset="0"/>
                             </a:rPr>
-                            <m:t>𝑡</m:t>
+                            <m:t>𝑛</m:t>
                           </m:r>
                           <m:r>
                             <a:rPr lang="en-US" b="0" i="1" smtClean="0">
@@ -16689,7 +17051,7 @@
                                 <a:rPr lang="en-US" b="0" i="1" smtClean="0">
                                   <a:latin typeface="Cambria Math" panose="02040503050406030204" pitchFamily="18" charset="0"/>
                                 </a:rPr>
-                                <m:t>𝑡</m:t>
+                                <m:t>𝑛</m:t>
                               </m:r>
                             </m:sub>
                           </m:sSub>
@@ -16781,7 +17143,7 @@
                                     <a:rPr lang="en-US" b="0" i="1" smtClean="0">
                                       <a:latin typeface="Cambria Math" panose="02040503050406030204" pitchFamily="18" charset="0"/>
                                     </a:rPr>
-                                    <m:t>𝑡</m:t>
+                                    <m:t>𝑛</m:t>
                                   </m:r>
                                 </m:sub>
                               </m:sSub>
@@ -16886,7 +17248,7 @@
                                 <a:rPr lang="en-US" b="0" i="1" smtClean="0">
                                   <a:latin typeface="Cambria Math" panose="02040503050406030204" pitchFamily="18" charset="0"/>
                                 </a:rPr>
-                                <m:t>𝑡</m:t>
+                                <m:t>𝑛</m:t>
                               </m:r>
                             </m:sub>
                           </m:sSub>
@@ -17022,7 +17384,7 @@
                                       <a:latin typeface="Cambria Math" panose="02040503050406030204" pitchFamily="18" charset="0"/>
                                       <a:ea typeface="Cambria Math" panose="02040503050406030204" pitchFamily="18" charset="0"/>
                                     </a:rPr>
-                                    <m:t>𝑡</m:t>
+                                    <m:t>𝑛</m:t>
                                   </m:r>
                                 </m:sub>
                               </m:sSub>
@@ -17403,7 +17765,7 @@
             </p:txBody>
           </p:sp>
         </mc:Choice>
-        <mc:Fallback xmlns="">
+        <mc:Fallback>
           <p:sp>
             <p:nvSpPr>
               <p:cNvPr id="4" name="Content Placeholder 3">
@@ -17428,7 +17790,7 @@
               <a:blipFill>
                 <a:blip r:embed="rId3"/>
                 <a:stretch>
-                  <a:fillRect l="-352" t="-1519"/>
+                  <a:fillRect l="-352" t="-1519" r="-234"/>
                 </a:stretch>
               </a:blipFill>
             </p:spPr>
@@ -17449,7 +17811,7 @@
       </mc:AlternateContent>
       <p:pic>
         <p:nvPicPr>
-          <p:cNvPr id="17" name="Picture 16" descr="A diagram of a machine learning process&#10;&#10;Description automatically generated">
+          <p:cNvPr id="17" name="Picture 16">
             <a:extLst>
               <a:ext uri="{FF2B5EF4-FFF2-40B4-BE49-F238E27FC236}">
                 <a16:creationId xmlns:a16="http://schemas.microsoft.com/office/drawing/2014/main" id="{EC26E83A-C181-117A-8BDE-9E0BA5D6ACBA}"/>
@@ -17463,14 +17825,13 @@
         </p:nvPicPr>
         <p:blipFill>
           <a:blip r:embed="rId4"/>
-          <a:stretch>
-            <a:fillRect/>
-          </a:stretch>
+          <a:srcRect/>
+          <a:stretch/>
         </p:blipFill>
         <p:spPr>
           <a:xfrm>
-            <a:off x="2470614" y="4066831"/>
-            <a:ext cx="7439196" cy="2775031"/>
+            <a:off x="2470614" y="4229494"/>
+            <a:ext cx="7439196" cy="2449705"/>
           </a:xfrm>
           <a:prstGeom prst="rect">
             <a:avLst/>
@@ -17526,6 +17887,298 @@
 </file>
 
 <file path=ppt/slides/slide8.xml><?xml version="1.0" encoding="utf-8"?>
+<p:sld xmlns:a="http://schemas.openxmlformats.org/drawingml/2006/main" xmlns:r="http://schemas.openxmlformats.org/officeDocument/2006/relationships" xmlns:p="http://schemas.openxmlformats.org/presentationml/2006/main">
+  <p:cSld>
+    <p:spTree>
+      <p:nvGrpSpPr>
+        <p:cNvPr id="1" name="">
+          <a:extLst>
+            <a:ext uri="{FF2B5EF4-FFF2-40B4-BE49-F238E27FC236}">
+              <a16:creationId xmlns:a16="http://schemas.microsoft.com/office/drawing/2014/main" id="{A61AB1A7-3AAA-1D0C-890A-4A175EAE6AE7}"/>
+            </a:ext>
+          </a:extLst>
+        </p:cNvPr>
+        <p:cNvGrpSpPr/>
+        <p:nvPr/>
+      </p:nvGrpSpPr>
+      <p:grpSpPr>
+        <a:xfrm>
+          <a:off x="0" y="0"/>
+          <a:ext cx="0" cy="0"/>
+          <a:chOff x="0" y="0"/>
+          <a:chExt cx="0" cy="0"/>
+        </a:xfrm>
+      </p:grpSpPr>
+      <p:sp>
+        <p:nvSpPr>
+          <p:cNvPr id="2" name="Title 1">
+            <a:extLst>
+              <a:ext uri="{FF2B5EF4-FFF2-40B4-BE49-F238E27FC236}">
+                <a16:creationId xmlns:a16="http://schemas.microsoft.com/office/drawing/2014/main" id="{D218839A-9679-5F99-6E8C-882991B32914}"/>
+              </a:ext>
+            </a:extLst>
+          </p:cNvPr>
+          <p:cNvSpPr>
+            <a:spLocks noGrp="1"/>
+          </p:cNvSpPr>
+          <p:nvPr>
+            <p:ph type="title"/>
+          </p:nvPr>
+        </p:nvSpPr>
+        <p:spPr>
+          <a:xfrm>
+            <a:off x="1341120" y="558801"/>
+            <a:ext cx="9953308" cy="580682"/>
+          </a:xfrm>
+        </p:spPr>
+        <p:txBody>
+          <a:bodyPr/>
+          <a:lstStyle/>
+          <a:p>
+            <a:r>
+              <a:rPr lang="en-US" dirty="0"/>
+              <a:t>Fourier Neural Operators - Implementation</a:t>
+            </a:r>
+          </a:p>
+        </p:txBody>
+      </p:sp>
+      <p:sp>
+        <p:nvSpPr>
+          <p:cNvPr id="68" name="Slide Number Placeholder 67">
+            <a:extLst>
+              <a:ext uri="{FF2B5EF4-FFF2-40B4-BE49-F238E27FC236}">
+                <a16:creationId xmlns:a16="http://schemas.microsoft.com/office/drawing/2014/main" id="{A30D05A7-3415-7F41-D45B-0E5DA8617D95}"/>
+              </a:ext>
+            </a:extLst>
+          </p:cNvPr>
+          <p:cNvSpPr>
+            <a:spLocks noGrp="1"/>
+          </p:cNvSpPr>
+          <p:nvPr>
+            <p:ph type="sldNum" sz="quarter" idx="13"/>
+          </p:nvPr>
+        </p:nvSpPr>
+        <p:spPr>
+          <a:xfrm>
+            <a:off x="10373350" y="6356349"/>
+            <a:ext cx="987552" cy="365125"/>
+          </a:xfrm>
+        </p:spPr>
+        <p:txBody>
+          <a:bodyPr/>
+          <a:lstStyle/>
+          <a:p>
+            <a:fld id="{A49DFD55-3C28-40EF-9E31-A92D2E4017FF}" type="slidenum">
+              <a:rPr lang="en-US" smtClean="0"/>
+              <a:pPr/>
+              <a:t>8</a:t>
+            </a:fld>
+            <a:endParaRPr lang="en-US" dirty="0"/>
+          </a:p>
+        </p:txBody>
+      </p:sp>
+      <p:sp>
+        <p:nvSpPr>
+          <p:cNvPr id="4" name="Content Placeholder 3">
+            <a:extLst>
+              <a:ext uri="{FF2B5EF4-FFF2-40B4-BE49-F238E27FC236}">
+                <a16:creationId xmlns:a16="http://schemas.microsoft.com/office/drawing/2014/main" id="{8D836372-0FEA-329C-3C3A-FFC90B1F7000}"/>
+              </a:ext>
+            </a:extLst>
+          </p:cNvPr>
+          <p:cNvSpPr>
+            <a:spLocks noGrp="1"/>
+          </p:cNvSpPr>
+          <p:nvPr>
+            <p:ph sz="half" idx="14"/>
+          </p:nvPr>
+        </p:nvSpPr>
+        <p:spPr>
+          <a:xfrm>
+            <a:off x="897572" y="1139483"/>
+            <a:ext cx="10396856" cy="5216865"/>
+          </a:xfrm>
+        </p:spPr>
+        <p:txBody>
+          <a:bodyPr/>
+          <a:lstStyle/>
+          <a:p>
+            <a:pPr marL="285750" indent="-285750">
+              <a:buFont typeface="Arial" panose="020B0604020202020204" pitchFamily="34" charset="0"/>
+              <a:buChar char="•"/>
+            </a:pPr>
+            <a:r>
+              <a:rPr lang="en-US" dirty="0" err="1"/>
+              <a:t>modes_height</a:t>
+            </a:r>
+            <a:r>
+              <a:rPr lang="en-US" dirty="0"/>
+              <a:t> = </a:t>
+            </a:r>
+            <a:r>
+              <a:rPr lang="en-US" dirty="0" err="1"/>
+              <a:t>modes_width</a:t>
+            </a:r>
+            <a:r>
+              <a:rPr lang="en-US" dirty="0"/>
+              <a:t> = 32 (allows for 32 spatial frequencies in the x and y dimension)</a:t>
+            </a:r>
+          </a:p>
+          <a:p>
+            <a:pPr marL="285750" indent="-285750">
+              <a:buFont typeface="Arial" panose="020B0604020202020204" pitchFamily="34" charset="0"/>
+              <a:buChar char="•"/>
+            </a:pPr>
+            <a:r>
+              <a:rPr lang="en-US" dirty="0" err="1"/>
+              <a:t>in_channels</a:t>
+            </a:r>
+            <a:r>
+              <a:rPr lang="en-US" dirty="0"/>
+              <a:t> = 3, </a:t>
+            </a:r>
+            <a:r>
+              <a:rPr lang="en-US" dirty="0" err="1"/>
+              <a:t>out_channels</a:t>
+            </a:r>
+            <a:r>
+              <a:rPr lang="en-US" dirty="0"/>
+              <a:t> = 4 (3 input images, 4 output images)</a:t>
+            </a:r>
+          </a:p>
+          <a:p>
+            <a:pPr marL="285750" indent="-285750">
+              <a:buFont typeface="Arial" panose="020B0604020202020204" pitchFamily="34" charset="0"/>
+              <a:buChar char="•"/>
+            </a:pPr>
+            <a:r>
+              <a:rPr lang="en-US" dirty="0" err="1"/>
+              <a:t>hidden_channels</a:t>
+            </a:r>
+            <a:r>
+              <a:rPr lang="en-US" dirty="0"/>
+              <a:t> = 64 (model param size approx. scales quadratically with this param)</a:t>
+            </a:r>
+          </a:p>
+          <a:p>
+            <a:pPr marL="285750" indent="-285750">
+              <a:buFont typeface="Arial" panose="020B0604020202020204" pitchFamily="34" charset="0"/>
+              <a:buChar char="•"/>
+            </a:pPr>
+            <a:r>
+              <a:rPr lang="en-US" dirty="0" err="1"/>
+              <a:t>num_layers</a:t>
+            </a:r>
+            <a:r>
+              <a:rPr lang="en-US" dirty="0"/>
+              <a:t> = 4 (in literature, 4 has been sufficient for most applications)</a:t>
+            </a:r>
+          </a:p>
+        </p:txBody>
+      </p:sp>
+      <p:pic>
+        <p:nvPicPr>
+          <p:cNvPr id="8" name="Picture 7">
+            <a:extLst>
+              <a:ext uri="{FF2B5EF4-FFF2-40B4-BE49-F238E27FC236}">
+                <a16:creationId xmlns:a16="http://schemas.microsoft.com/office/drawing/2014/main" id="{97850B71-FF9D-2D9C-27FD-698E55E67DE2}"/>
+              </a:ext>
+            </a:extLst>
+          </p:cNvPr>
+          <p:cNvPicPr>
+            <a:picLocks noChangeAspect="1"/>
+          </p:cNvPicPr>
+          <p:nvPr/>
+        </p:nvPicPr>
+        <p:blipFill>
+          <a:blip r:embed="rId3"/>
+          <a:stretch>
+            <a:fillRect/>
+          </a:stretch>
+        </p:blipFill>
+        <p:spPr>
+          <a:xfrm>
+            <a:off x="0" y="2875994"/>
+            <a:ext cx="8135485" cy="3982006"/>
+          </a:xfrm>
+          <a:prstGeom prst="rect">
+            <a:avLst/>
+          </a:prstGeom>
+        </p:spPr>
+      </p:pic>
+      <p:pic>
+        <p:nvPicPr>
+          <p:cNvPr id="10" name="Picture 9">
+            <a:extLst>
+              <a:ext uri="{FF2B5EF4-FFF2-40B4-BE49-F238E27FC236}">
+                <a16:creationId xmlns:a16="http://schemas.microsoft.com/office/drawing/2014/main" id="{66119B39-CCCC-2BD4-99CF-B06FF787CB17}"/>
+              </a:ext>
+            </a:extLst>
+          </p:cNvPr>
+          <p:cNvPicPr>
+            <a:picLocks noChangeAspect="1"/>
+          </p:cNvPicPr>
+          <p:nvPr/>
+        </p:nvPicPr>
+        <p:blipFill>
+          <a:blip r:embed="rId4"/>
+          <a:srcRect t="3423" b="4288"/>
+          <a:stretch/>
+        </p:blipFill>
+        <p:spPr>
+          <a:xfrm>
+            <a:off x="8135485" y="2879510"/>
+            <a:ext cx="4056515" cy="1350499"/>
+          </a:xfrm>
+          <a:prstGeom prst="rect">
+            <a:avLst/>
+          </a:prstGeom>
+        </p:spPr>
+      </p:pic>
+      <p:pic>
+        <p:nvPicPr>
+          <p:cNvPr id="12" name="Picture 11">
+            <a:extLst>
+              <a:ext uri="{FF2B5EF4-FFF2-40B4-BE49-F238E27FC236}">
+                <a16:creationId xmlns:a16="http://schemas.microsoft.com/office/drawing/2014/main" id="{88E58BB6-FE56-356D-3DAF-52A8D201484E}"/>
+              </a:ext>
+            </a:extLst>
+          </p:cNvPr>
+          <p:cNvPicPr>
+            <a:picLocks noChangeAspect="1"/>
+          </p:cNvPicPr>
+          <p:nvPr/>
+        </p:nvPicPr>
+        <p:blipFill>
+          <a:blip r:embed="rId5"/>
+          <a:stretch>
+            <a:fillRect/>
+          </a:stretch>
+        </p:blipFill>
+        <p:spPr>
+          <a:xfrm>
+            <a:off x="8135484" y="4230009"/>
+            <a:ext cx="2598837" cy="2627991"/>
+          </a:xfrm>
+          <a:prstGeom prst="rect">
+            <a:avLst/>
+          </a:prstGeom>
+        </p:spPr>
+      </p:pic>
+    </p:spTree>
+    <p:extLst>
+      <p:ext uri="{BB962C8B-B14F-4D97-AF65-F5344CB8AC3E}">
+        <p14:creationId xmlns:p14="http://schemas.microsoft.com/office/powerpoint/2010/main" val="197232763"/>
+      </p:ext>
+    </p:extLst>
+  </p:cSld>
+  <p:clrMapOvr>
+    <a:masterClrMapping/>
+  </p:clrMapOvr>
+</p:sld>
+</file>
+
+<file path=ppt/slides/slide9.xml><?xml version="1.0" encoding="utf-8"?>
 <p:sld xmlns:a="http://schemas.openxmlformats.org/drawingml/2006/main" xmlns:r="http://schemas.openxmlformats.org/officeDocument/2006/relationships" xmlns:p="http://schemas.openxmlformats.org/presentationml/2006/main">
   <p:cSld>
     <p:spTree>
@@ -17604,7 +18257,7 @@
             <a:fld id="{A49DFD55-3C28-40EF-9E31-A92D2E4017FF}" type="slidenum">
               <a:rPr lang="en-US" smtClean="0"/>
               <a:pPr/>
-              <a:t>8</a:t>
+              <a:t>9</a:t>
             </a:fld>
             <a:endParaRPr lang="en-US" dirty="0"/>
           </a:p>
@@ -17796,236 +18449,6 @@
     <p:extLst>
       <p:ext uri="{BB962C8B-B14F-4D97-AF65-F5344CB8AC3E}">
         <p14:creationId xmlns:p14="http://schemas.microsoft.com/office/powerpoint/2010/main" val="3185897304"/>
-      </p:ext>
-    </p:extLst>
-  </p:cSld>
-  <p:clrMapOvr>
-    <a:masterClrMapping/>
-  </p:clrMapOvr>
-</p:sld>
-</file>
-
-<file path=ppt/slides/slide9.xml><?xml version="1.0" encoding="utf-8"?>
-<p:sld xmlns:a="http://schemas.openxmlformats.org/drawingml/2006/main" xmlns:r="http://schemas.openxmlformats.org/officeDocument/2006/relationships" xmlns:p="http://schemas.openxmlformats.org/presentationml/2006/main" show="0">
-  <p:cSld>
-    <p:spTree>
-      <p:nvGrpSpPr>
-        <p:cNvPr id="1" name=""/>
-        <p:cNvGrpSpPr/>
-        <p:nvPr/>
-      </p:nvGrpSpPr>
-      <p:grpSpPr>
-        <a:xfrm>
-          <a:off x="0" y="0"/>
-          <a:ext cx="0" cy="0"/>
-          <a:chOff x="0" y="0"/>
-          <a:chExt cx="0" cy="0"/>
-        </a:xfrm>
-      </p:grpSpPr>
-      <p:sp>
-        <p:nvSpPr>
-          <p:cNvPr id="2" name="Title 1">
-            <a:extLst>
-              <a:ext uri="{FF2B5EF4-FFF2-40B4-BE49-F238E27FC236}">
-                <a16:creationId xmlns:a16="http://schemas.microsoft.com/office/drawing/2014/main" id="{8B27D9B3-B64F-656A-0D99-161A6C0F518F}"/>
-              </a:ext>
-            </a:extLst>
-          </p:cNvPr>
-          <p:cNvSpPr>
-            <a:spLocks noGrp="1"/>
-          </p:cNvSpPr>
-          <p:nvPr>
-            <p:ph type="title"/>
-          </p:nvPr>
-        </p:nvSpPr>
-        <p:spPr>
-          <a:xfrm>
-            <a:off x="1341120" y="558801"/>
-            <a:ext cx="9953308" cy="580682"/>
-          </a:xfrm>
-        </p:spPr>
-        <p:txBody>
-          <a:bodyPr/>
-          <a:lstStyle/>
-          <a:p>
-            <a:r>
-              <a:rPr lang="en-US" dirty="0"/>
-              <a:t>Troubleshooting</a:t>
-            </a:r>
-          </a:p>
-        </p:txBody>
-      </p:sp>
-      <p:sp>
-        <p:nvSpPr>
-          <p:cNvPr id="68" name="Slide Number Placeholder 67">
-            <a:extLst>
-              <a:ext uri="{FF2B5EF4-FFF2-40B4-BE49-F238E27FC236}">
-                <a16:creationId xmlns:a16="http://schemas.microsoft.com/office/drawing/2014/main" id="{AA0ACADD-CC4E-851C-DA07-C22DB97FA23E}"/>
-              </a:ext>
-            </a:extLst>
-          </p:cNvPr>
-          <p:cNvSpPr>
-            <a:spLocks noGrp="1"/>
-          </p:cNvSpPr>
-          <p:nvPr>
-            <p:ph type="sldNum" sz="quarter" idx="13"/>
-          </p:nvPr>
-        </p:nvSpPr>
-        <p:spPr>
-          <a:xfrm>
-            <a:off x="10373350" y="6356349"/>
-            <a:ext cx="987552" cy="365125"/>
-          </a:xfrm>
-        </p:spPr>
-        <p:txBody>
-          <a:bodyPr/>
-          <a:lstStyle/>
-          <a:p>
-            <a:fld id="{A49DFD55-3C28-40EF-9E31-A92D2E4017FF}" type="slidenum">
-              <a:rPr lang="en-US" smtClean="0"/>
-              <a:pPr/>
-              <a:t>9</a:t>
-            </a:fld>
-            <a:endParaRPr lang="en-US" dirty="0"/>
-          </a:p>
-        </p:txBody>
-      </p:sp>
-      <p:sp>
-        <p:nvSpPr>
-          <p:cNvPr id="4" name="Content Placeholder 3">
-            <a:extLst>
-              <a:ext uri="{FF2B5EF4-FFF2-40B4-BE49-F238E27FC236}">
-                <a16:creationId xmlns:a16="http://schemas.microsoft.com/office/drawing/2014/main" id="{AB1F8A9E-54FC-8CCB-7C5C-8B9D1002ADA2}"/>
-              </a:ext>
-            </a:extLst>
-          </p:cNvPr>
-          <p:cNvSpPr>
-            <a:spLocks noGrp="1"/>
-          </p:cNvSpPr>
-          <p:nvPr>
-            <p:ph sz="half" idx="14"/>
-          </p:nvPr>
-        </p:nvSpPr>
-        <p:spPr>
-          <a:xfrm>
-            <a:off x="1341120" y="1139483"/>
-            <a:ext cx="8920481" cy="5216865"/>
-          </a:xfrm>
-        </p:spPr>
-        <p:txBody>
-          <a:bodyPr/>
-          <a:lstStyle/>
-          <a:p>
-            <a:pPr marL="285750" indent="-285750">
-              <a:buFont typeface="Arial" panose="020B0604020202020204" pitchFamily="34" charset="0"/>
-              <a:buChar char="•"/>
-            </a:pPr>
-            <a:r>
-              <a:rPr lang="en-US" dirty="0"/>
-              <a:t>Currently using </a:t>
-            </a:r>
-            <a:r>
-              <a:rPr lang="en-US" dirty="0" err="1"/>
-              <a:t>Neuralop</a:t>
-            </a:r>
-            <a:r>
-              <a:rPr lang="en-US" dirty="0"/>
-              <a:t> package to build &amp; train FNO neural operator. </a:t>
-            </a:r>
-          </a:p>
-          <a:p>
-            <a:pPr marL="569214" lvl="1"/>
-            <a:r>
-              <a:rPr lang="en-US" dirty="0"/>
-              <a:t>Inputs: geometry; Outputs: eigenvector x component; Fixed: wavevector</a:t>
-            </a:r>
-          </a:p>
-          <a:p>
-            <a:pPr marL="285750" indent="-285750">
-              <a:buFont typeface="Arial" panose="020B0604020202020204" pitchFamily="34" charset="0"/>
-              <a:buChar char="•"/>
-            </a:pPr>
-            <a:r>
-              <a:rPr lang="en-US" dirty="0"/>
-              <a:t>Suspect the neural network is not properly transforming the input space.</a:t>
-            </a:r>
-          </a:p>
-          <a:p>
-            <a:pPr marL="285750" indent="-285750">
-              <a:buFont typeface="Arial" panose="020B0604020202020204" pitchFamily="34" charset="0"/>
-              <a:buChar char="•"/>
-            </a:pPr>
-            <a:r>
-              <a:rPr lang="en-US" dirty="0"/>
-              <a:t>Suspect there are other inputs necessary for network to learn, like wavevector.</a:t>
-            </a:r>
-          </a:p>
-          <a:p>
-            <a:pPr marL="285750" indent="-285750">
-              <a:buFont typeface="Arial" panose="020B0604020202020204" pitchFamily="34" charset="0"/>
-              <a:buChar char="•"/>
-            </a:pPr>
-            <a:r>
-              <a:rPr lang="en-US" dirty="0"/>
-              <a:t>Suspect it may be easier to learn eigenvector magnitude over one component</a:t>
-            </a:r>
-          </a:p>
-          <a:p>
-            <a:pPr marL="285750" indent="-285750">
-              <a:buFont typeface="Arial" panose="020B0604020202020204" pitchFamily="34" charset="0"/>
-              <a:buChar char="•"/>
-            </a:pPr>
-            <a:r>
-              <a:rPr lang="en-US" dirty="0"/>
-              <a:t>Train/test on one sample to see if model can learn just one representation.</a:t>
-            </a:r>
-          </a:p>
-          <a:p>
-            <a:pPr marL="285750" indent="-285750">
-              <a:buFont typeface="Arial" panose="020B0604020202020204" pitchFamily="34" charset="0"/>
-              <a:buChar char="•"/>
-            </a:pPr>
-            <a:r>
-              <a:rPr lang="en-US" dirty="0"/>
-              <a:t>Swap to eigenvector magnitude to see if it can learn that. Then try x &amp; y.</a:t>
-            </a:r>
-          </a:p>
-        </p:txBody>
-      </p:sp>
-      <p:pic>
-        <p:nvPicPr>
-          <p:cNvPr id="5" name="Picture 4" descr="A blue and green squares&#10;&#10;Description automatically generated">
-            <a:extLst>
-              <a:ext uri="{FF2B5EF4-FFF2-40B4-BE49-F238E27FC236}">
-                <a16:creationId xmlns:a16="http://schemas.microsoft.com/office/drawing/2014/main" id="{931E91D2-10F6-706B-F055-E2ED87EABE1E}"/>
-              </a:ext>
-            </a:extLst>
-          </p:cNvPr>
-          <p:cNvPicPr>
-            <a:picLocks noChangeAspect="1"/>
-          </p:cNvPicPr>
-          <p:nvPr/>
-        </p:nvPicPr>
-        <p:blipFill>
-          <a:blip r:embed="rId3"/>
-          <a:stretch>
-            <a:fillRect/>
-          </a:stretch>
-        </p:blipFill>
-        <p:spPr>
-          <a:xfrm>
-            <a:off x="1341120" y="3838543"/>
-            <a:ext cx="8920481" cy="2882931"/>
-          </a:xfrm>
-          <a:prstGeom prst="rect">
-            <a:avLst/>
-          </a:prstGeom>
-        </p:spPr>
-      </p:pic>
-    </p:spTree>
-    <p:extLst>
-      <p:ext uri="{BB962C8B-B14F-4D97-AF65-F5344CB8AC3E}">
-        <p14:creationId xmlns:p14="http://schemas.microsoft.com/office/powerpoint/2010/main" val="2594934582"/>
       </p:ext>
     </p:extLst>
   </p:cSld>
@@ -18827,23 +19250,6 @@
 </file>
 
 <file path=customXml/item1.xml><?xml version="1.0" encoding="utf-8"?>
-<?mso-contentType ?>
-<FormTemplates xmlns="http://schemas.microsoft.com/sharepoint/v3/contenttype/forms">
-  <Display>DocumentLibraryForm</Display>
-  <Edit>DocumentLibraryForm</Edit>
-  <New>DocumentLibraryForm</New>
-</FormTemplates>
-</file>
-
-<file path=customXml/item2.xml><?xml version="1.0" encoding="utf-8"?>
-<p:properties xmlns:p="http://schemas.microsoft.com/office/2006/metadata/properties" xmlns:xsi="http://www.w3.org/2001/XMLSchema-instance" xmlns:pc="http://schemas.microsoft.com/office/infopath/2007/PartnerControls">
-  <documentManagement>
-    <_activity xmlns="5ab46313-7834-4214-aec9-155b2fe37111" xsi:nil="true"/>
-  </documentManagement>
-</p:properties>
-</file>
-
-<file path=customXml/item3.xml><?xml version="1.0" encoding="utf-8"?>
 <ct:contentTypeSchema xmlns:ct="http://schemas.microsoft.com/office/2006/metadata/contentType" xmlns:ma="http://schemas.microsoft.com/office/2006/metadata/properties/metaAttributes" ct:_="" ma:_="" ma:contentTypeName="Document" ma:contentTypeID="0x0101008C6D81289CCC004F972E63C671B7D298" ma:contentTypeVersion="16" ma:contentTypeDescription="Create a new document." ma:contentTypeScope="" ma:versionID="c2c3315a8cb087b7f4137d6d13727adf">
   <xsd:schema xmlns:xsd="http://www.w3.org/2001/XMLSchema" xmlns:xs="http://www.w3.org/2001/XMLSchema" xmlns:p="http://schemas.microsoft.com/office/2006/metadata/properties" xmlns:ns3="5ab46313-7834-4214-aec9-155b2fe37111" xmlns:ns4="2d1aa6b7-1a0a-46e3-8f70-b6d3e32cbd9a" targetNamespace="http://schemas.microsoft.com/office/2006/metadata/properties" ma:root="true" ma:fieldsID="26aa1baf6954272560c91e9e12c661a6" ns3:_="" ns4:_="">
     <xsd:import namespace="5ab46313-7834-4214-aec9-155b2fe37111"/>
@@ -19082,10 +19488,38 @@
 </ct:contentTypeSchema>
 </file>
 
+<file path=customXml/item2.xml><?xml version="1.0" encoding="utf-8"?>
+<p:properties xmlns:p="http://schemas.microsoft.com/office/2006/metadata/properties" xmlns:xsi="http://www.w3.org/2001/XMLSchema-instance" xmlns:pc="http://schemas.microsoft.com/office/infopath/2007/PartnerControls">
+  <documentManagement>
+    <_activity xmlns="5ab46313-7834-4214-aec9-155b2fe37111" xsi:nil="true"/>
+  </documentManagement>
+</p:properties>
+</file>
+
+<file path=customXml/item3.xml><?xml version="1.0" encoding="utf-8"?>
+<?mso-contentType ?>
+<FormTemplates xmlns="http://schemas.microsoft.com/sharepoint/v3/contenttype/forms">
+  <Display>DocumentLibraryForm</Display>
+  <Edit>DocumentLibraryForm</Edit>
+  <New>DocumentLibraryForm</New>
+</FormTemplates>
+</file>
+
 <file path=customXml/itemProps1.xml><?xml version="1.0" encoding="utf-8"?>
-<ds:datastoreItem xmlns:ds="http://schemas.openxmlformats.org/officeDocument/2006/customXml" ds:itemID="{CABF691C-888B-4061-8A6F-D5CE84A0254B}">
+<ds:datastoreItem xmlns:ds="http://schemas.openxmlformats.org/officeDocument/2006/customXml" ds:itemID="{7DFF6294-0604-41C8-8ED0-04BB72B8FEC1}">
   <ds:schemaRefs>
-    <ds:schemaRef ds:uri="http://schemas.microsoft.com/sharepoint/v3/contenttype/forms"/>
+    <ds:schemaRef ds:uri="http://schemas.microsoft.com/office/2006/metadata/contentType"/>
+    <ds:schemaRef ds:uri="http://schemas.microsoft.com/office/2006/metadata/properties/metaAttributes"/>
+    <ds:schemaRef ds:uri="http://www.w3.org/2001/XMLSchema"/>
+    <ds:schemaRef ds:uri="http://schemas.microsoft.com/office/2006/metadata/properties"/>
+    <ds:schemaRef ds:uri="5ab46313-7834-4214-aec9-155b2fe37111"/>
+    <ds:schemaRef ds:uri="2d1aa6b7-1a0a-46e3-8f70-b6d3e32cbd9a"/>
+    <ds:schemaRef ds:uri="http://schemas.microsoft.com/office/2006/documentManagement/types"/>
+    <ds:schemaRef ds:uri="http://schemas.microsoft.com/office/infopath/2007/PartnerControls"/>
+    <ds:schemaRef ds:uri="http://schemas.openxmlformats.org/package/2006/metadata/core-properties"/>
+    <ds:schemaRef ds:uri="http://purl.org/dc/elements/1.1/"/>
+    <ds:schemaRef ds:uri="http://purl.org/dc/terms/"/>
+    <ds:schemaRef ds:uri="http://schemas.microsoft.com/internal/obd"/>
   </ds:schemaRefs>
 </ds:datastoreItem>
 </file>
@@ -19108,20 +19542,9 @@
 </file>
 
 <file path=customXml/itemProps3.xml><?xml version="1.0" encoding="utf-8"?>
-<ds:datastoreItem xmlns:ds="http://schemas.openxmlformats.org/officeDocument/2006/customXml" ds:itemID="{7DFF6294-0604-41C8-8ED0-04BB72B8FEC1}">
+<ds:datastoreItem xmlns:ds="http://schemas.openxmlformats.org/officeDocument/2006/customXml" ds:itemID="{CABF691C-888B-4061-8A6F-D5CE84A0254B}">
   <ds:schemaRefs>
-    <ds:schemaRef ds:uri="http://schemas.microsoft.com/office/2006/metadata/contentType"/>
-    <ds:schemaRef ds:uri="http://schemas.microsoft.com/office/2006/metadata/properties/metaAttributes"/>
-    <ds:schemaRef ds:uri="http://www.w3.org/2001/XMLSchema"/>
-    <ds:schemaRef ds:uri="http://schemas.microsoft.com/office/2006/metadata/properties"/>
-    <ds:schemaRef ds:uri="5ab46313-7834-4214-aec9-155b2fe37111"/>
-    <ds:schemaRef ds:uri="2d1aa6b7-1a0a-46e3-8f70-b6d3e32cbd9a"/>
-    <ds:schemaRef ds:uri="http://schemas.microsoft.com/office/2006/documentManagement/types"/>
-    <ds:schemaRef ds:uri="http://schemas.microsoft.com/office/infopath/2007/PartnerControls"/>
-    <ds:schemaRef ds:uri="http://schemas.openxmlformats.org/package/2006/metadata/core-properties"/>
-    <ds:schemaRef ds:uri="http://purl.org/dc/elements/1.1/"/>
-    <ds:schemaRef ds:uri="http://purl.org/dc/terms/"/>
-    <ds:schemaRef ds:uri="http://schemas.microsoft.com/internal/obd"/>
+    <ds:schemaRef ds:uri="http://schemas.microsoft.com/sharepoint/v3/contenttype/forms"/>
   </ds:schemaRefs>
 </ds:datastoreItem>
 </file>
